--- a/Genetic Music.pptx
+++ b/Genetic Music.pptx
@@ -4,12 +4,21 @@
   <p:sldMasterIdLst>
     <p:sldMasterId id="2147483648" r:id="rId1"/>
   </p:sldMasterIdLst>
+  <p:notesMasterIdLst>
+    <p:notesMasterId r:id="rId13"/>
+  </p:notesMasterIdLst>
   <p:sldIdLst>
     <p:sldId id="256" r:id="rId2"/>
     <p:sldId id="259" r:id="rId3"/>
     <p:sldId id="260" r:id="rId4"/>
     <p:sldId id="261" r:id="rId5"/>
-    <p:sldId id="262" r:id="rId6"/>
+    <p:sldId id="263" r:id="rId6"/>
+    <p:sldId id="265" r:id="rId7"/>
+    <p:sldId id="264" r:id="rId8"/>
+    <p:sldId id="266" r:id="rId9"/>
+    <p:sldId id="268" r:id="rId10"/>
+    <p:sldId id="267" r:id="rId11"/>
+    <p:sldId id="269" r:id="rId12"/>
   </p:sldIdLst>
   <p:sldSz cx="12192000" cy="6858000"/>
   <p:notesSz cx="6858000" cy="9144000"/>
@@ -108,11 +117,365 @@
       </a:defRPr>
     </a:lvl9pPr>
   </p:defaultTextStyle>
+  <p:extLst>
+    <p:ext uri="{EFAFB233-063F-42B5-8137-9DF3F51BA10A}">
+      <p15:sldGuideLst xmlns:p15="http://schemas.microsoft.com/office/powerpoint/2012/main"/>
+    </p:ext>
+  </p:extLst>
 </p:presentation>
 </file>
 
 <file path=ppt/revisionInfo.xml><?xml version="1.0" encoding="utf-8"?>
 <p1510:revInfo xmlns:a="http://schemas.openxmlformats.org/drawingml/2006/main" xmlns:r="http://schemas.openxmlformats.org/officeDocument/2006/relationships" xmlns:p1510="http://schemas.microsoft.com/office/powerpoint/2015/10/main"/>
+</file>
+
+<file path=ppt/notesMasters/notesMaster1.xml><?xml version="1.0" encoding="utf-8"?>
+<p:notesMaster xmlns:a="http://schemas.openxmlformats.org/drawingml/2006/main" xmlns:r="http://schemas.openxmlformats.org/officeDocument/2006/relationships" xmlns:p="http://schemas.openxmlformats.org/presentationml/2006/main">
+  <p:cSld>
+    <p:bg>
+      <p:bgRef idx="1001">
+        <a:schemeClr val="bg1"/>
+      </p:bgRef>
+    </p:bg>
+    <p:spTree>
+      <p:nvGrpSpPr>
+        <p:cNvPr id="1" name=""/>
+        <p:cNvGrpSpPr/>
+        <p:nvPr/>
+      </p:nvGrpSpPr>
+      <p:grpSpPr>
+        <a:xfrm>
+          <a:off x="0" y="0"/>
+          <a:ext cx="0" cy="0"/>
+          <a:chOff x="0" y="0"/>
+          <a:chExt cx="0" cy="0"/>
+        </a:xfrm>
+      </p:grpSpPr>
+      <p:sp>
+        <p:nvSpPr>
+          <p:cNvPr id="2" name="Espaço Reservado para Cabeçalho 1"/>
+          <p:cNvSpPr>
+            <a:spLocks noGrp="1"/>
+          </p:cNvSpPr>
+          <p:nvPr>
+            <p:ph type="hdr" sz="quarter"/>
+          </p:nvPr>
+        </p:nvSpPr>
+        <p:spPr>
+          <a:xfrm>
+            <a:off x="0" y="0"/>
+            <a:ext cx="2971800" cy="458788"/>
+          </a:xfrm>
+          <a:prstGeom prst="rect">
+            <a:avLst/>
+          </a:prstGeom>
+        </p:spPr>
+        <p:txBody>
+          <a:bodyPr vert="horz" lIns="91440" tIns="45720" rIns="91440" bIns="45720" rtlCol="0"/>
+          <a:lstStyle>
+            <a:lvl1pPr algn="l">
+              <a:defRPr sz="1200"/>
+            </a:lvl1pPr>
+          </a:lstStyle>
+          <a:p>
+            <a:endParaRPr lang="pt-BR"/>
+          </a:p>
+        </p:txBody>
+      </p:sp>
+      <p:sp>
+        <p:nvSpPr>
+          <p:cNvPr id="3" name="Espaço Reservado para Data 2"/>
+          <p:cNvSpPr>
+            <a:spLocks noGrp="1"/>
+          </p:cNvSpPr>
+          <p:nvPr>
+            <p:ph type="dt" idx="1"/>
+          </p:nvPr>
+        </p:nvSpPr>
+        <p:spPr>
+          <a:xfrm>
+            <a:off x="3884613" y="0"/>
+            <a:ext cx="2971800" cy="458788"/>
+          </a:xfrm>
+          <a:prstGeom prst="rect">
+            <a:avLst/>
+          </a:prstGeom>
+        </p:spPr>
+        <p:txBody>
+          <a:bodyPr vert="horz" lIns="91440" tIns="45720" rIns="91440" bIns="45720" rtlCol="0"/>
+          <a:lstStyle>
+            <a:lvl1pPr algn="r">
+              <a:defRPr sz="1200"/>
+            </a:lvl1pPr>
+          </a:lstStyle>
+          <a:p>
+            <a:fld id="{1F56333D-9119-4189-9E70-584D94F834A5}" type="datetimeFigureOut">
+              <a:rPr lang="pt-BR" smtClean="0"/>
+              <a:t>04/07/2017</a:t>
+            </a:fld>
+            <a:endParaRPr lang="pt-BR"/>
+          </a:p>
+        </p:txBody>
+      </p:sp>
+      <p:sp>
+        <p:nvSpPr>
+          <p:cNvPr id="4" name="Espaço Reservado para Imagem de Slide 3"/>
+          <p:cNvSpPr>
+            <a:spLocks noGrp="1" noRot="1" noChangeAspect="1"/>
+          </p:cNvSpPr>
+          <p:nvPr>
+            <p:ph type="sldImg" idx="2"/>
+          </p:nvPr>
+        </p:nvSpPr>
+        <p:spPr>
+          <a:xfrm>
+            <a:off x="685800" y="1143000"/>
+            <a:ext cx="5486400" cy="3086100"/>
+          </a:xfrm>
+          <a:prstGeom prst="rect">
+            <a:avLst/>
+          </a:prstGeom>
+          <a:noFill/>
+          <a:ln w="12700">
+            <a:solidFill>
+              <a:prstClr val="black"/>
+            </a:solidFill>
+          </a:ln>
+        </p:spPr>
+        <p:txBody>
+          <a:bodyPr vert="horz" lIns="91440" tIns="45720" rIns="91440" bIns="45720" rtlCol="0" anchor="ctr"/>
+          <a:lstStyle/>
+          <a:p>
+            <a:endParaRPr lang="pt-BR"/>
+          </a:p>
+        </p:txBody>
+      </p:sp>
+      <p:sp>
+        <p:nvSpPr>
+          <p:cNvPr id="5" name="Espaço Reservado para Anotações 4"/>
+          <p:cNvSpPr>
+            <a:spLocks noGrp="1"/>
+          </p:cNvSpPr>
+          <p:nvPr>
+            <p:ph type="body" sz="quarter" idx="3"/>
+          </p:nvPr>
+        </p:nvSpPr>
+        <p:spPr>
+          <a:xfrm>
+            <a:off x="685800" y="4400550"/>
+            <a:ext cx="5486400" cy="3600450"/>
+          </a:xfrm>
+          <a:prstGeom prst="rect">
+            <a:avLst/>
+          </a:prstGeom>
+        </p:spPr>
+        <p:txBody>
+          <a:bodyPr vert="horz" lIns="91440" tIns="45720" rIns="91440" bIns="45720" rtlCol="0"/>
+          <a:lstStyle/>
+          <a:p>
+            <a:pPr lvl="0"/>
+            <a:r>
+              <a:rPr lang="pt-BR"/>
+              <a:t>Editar estilos de texto Mestre</a:t>
+            </a:r>
+          </a:p>
+          <a:p>
+            <a:pPr lvl="1"/>
+            <a:r>
+              <a:rPr lang="pt-BR"/>
+              <a:t>Segundo nível</a:t>
+            </a:r>
+          </a:p>
+          <a:p>
+            <a:pPr lvl="2"/>
+            <a:r>
+              <a:rPr lang="pt-BR"/>
+              <a:t>Terceiro nível</a:t>
+            </a:r>
+          </a:p>
+          <a:p>
+            <a:pPr lvl="3"/>
+            <a:r>
+              <a:rPr lang="pt-BR"/>
+              <a:t>Quarto nível</a:t>
+            </a:r>
+          </a:p>
+          <a:p>
+            <a:pPr lvl="4"/>
+            <a:r>
+              <a:rPr lang="pt-BR"/>
+              <a:t>Quinto nível</a:t>
+            </a:r>
+          </a:p>
+        </p:txBody>
+      </p:sp>
+      <p:sp>
+        <p:nvSpPr>
+          <p:cNvPr id="6" name="Espaço Reservado para Rodapé 5"/>
+          <p:cNvSpPr>
+            <a:spLocks noGrp="1"/>
+          </p:cNvSpPr>
+          <p:nvPr>
+            <p:ph type="ftr" sz="quarter" idx="4"/>
+          </p:nvPr>
+        </p:nvSpPr>
+        <p:spPr>
+          <a:xfrm>
+            <a:off x="0" y="8685213"/>
+            <a:ext cx="2971800" cy="458787"/>
+          </a:xfrm>
+          <a:prstGeom prst="rect">
+            <a:avLst/>
+          </a:prstGeom>
+        </p:spPr>
+        <p:txBody>
+          <a:bodyPr vert="horz" lIns="91440" tIns="45720" rIns="91440" bIns="45720" rtlCol="0" anchor="b"/>
+          <a:lstStyle>
+            <a:lvl1pPr algn="l">
+              <a:defRPr sz="1200"/>
+            </a:lvl1pPr>
+          </a:lstStyle>
+          <a:p>
+            <a:endParaRPr lang="pt-BR"/>
+          </a:p>
+        </p:txBody>
+      </p:sp>
+      <p:sp>
+        <p:nvSpPr>
+          <p:cNvPr id="7" name="Espaço Reservado para Número de Slide 6"/>
+          <p:cNvSpPr>
+            <a:spLocks noGrp="1"/>
+          </p:cNvSpPr>
+          <p:nvPr>
+            <p:ph type="sldNum" sz="quarter" idx="5"/>
+          </p:nvPr>
+        </p:nvSpPr>
+        <p:spPr>
+          <a:xfrm>
+            <a:off x="3884613" y="8685213"/>
+            <a:ext cx="2971800" cy="458787"/>
+          </a:xfrm>
+          <a:prstGeom prst="rect">
+            <a:avLst/>
+          </a:prstGeom>
+        </p:spPr>
+        <p:txBody>
+          <a:bodyPr vert="horz" lIns="91440" tIns="45720" rIns="91440" bIns="45720" rtlCol="0" anchor="b"/>
+          <a:lstStyle>
+            <a:lvl1pPr algn="r">
+              <a:defRPr sz="1200"/>
+            </a:lvl1pPr>
+          </a:lstStyle>
+          <a:p>
+            <a:fld id="{8E7505CA-0EDF-41F7-924B-02F3FD44E4A9}" type="slidenum">
+              <a:rPr lang="pt-BR" smtClean="0"/>
+              <a:t>‹nº›</a:t>
+            </a:fld>
+            <a:endParaRPr lang="pt-BR"/>
+          </a:p>
+        </p:txBody>
+      </p:sp>
+    </p:spTree>
+    <p:extLst>
+      <p:ext uri="{BB962C8B-B14F-4D97-AF65-F5344CB8AC3E}">
+        <p14:creationId xmlns:p14="http://schemas.microsoft.com/office/powerpoint/2010/main" val="1419963099"/>
+      </p:ext>
+    </p:extLst>
+  </p:cSld>
+  <p:clrMap bg1="lt1" tx1="dk1" bg2="lt2" tx2="dk2" accent1="accent1" accent2="accent2" accent3="accent3" accent4="accent4" accent5="accent5" accent6="accent6" hlink="hlink" folHlink="folHlink"/>
+  <p:notesStyle>
+    <a:lvl1pPr marL="0" algn="l" defTabSz="914400" rtl="0" eaLnBrk="1" latinLnBrk="0" hangingPunct="1">
+      <a:defRPr sz="1200" kern="1200">
+        <a:solidFill>
+          <a:schemeClr val="tx1"/>
+        </a:solidFill>
+        <a:latin typeface="+mn-lt"/>
+        <a:ea typeface="+mn-ea"/>
+        <a:cs typeface="+mn-cs"/>
+      </a:defRPr>
+    </a:lvl1pPr>
+    <a:lvl2pPr marL="457200" algn="l" defTabSz="914400" rtl="0" eaLnBrk="1" latinLnBrk="0" hangingPunct="1">
+      <a:defRPr sz="1200" kern="1200">
+        <a:solidFill>
+          <a:schemeClr val="tx1"/>
+        </a:solidFill>
+        <a:latin typeface="+mn-lt"/>
+        <a:ea typeface="+mn-ea"/>
+        <a:cs typeface="+mn-cs"/>
+      </a:defRPr>
+    </a:lvl2pPr>
+    <a:lvl3pPr marL="914400" algn="l" defTabSz="914400" rtl="0" eaLnBrk="1" latinLnBrk="0" hangingPunct="1">
+      <a:defRPr sz="1200" kern="1200">
+        <a:solidFill>
+          <a:schemeClr val="tx1"/>
+        </a:solidFill>
+        <a:latin typeface="+mn-lt"/>
+        <a:ea typeface="+mn-ea"/>
+        <a:cs typeface="+mn-cs"/>
+      </a:defRPr>
+    </a:lvl3pPr>
+    <a:lvl4pPr marL="1371600" algn="l" defTabSz="914400" rtl="0" eaLnBrk="1" latinLnBrk="0" hangingPunct="1">
+      <a:defRPr sz="1200" kern="1200">
+        <a:solidFill>
+          <a:schemeClr val="tx1"/>
+        </a:solidFill>
+        <a:latin typeface="+mn-lt"/>
+        <a:ea typeface="+mn-ea"/>
+        <a:cs typeface="+mn-cs"/>
+      </a:defRPr>
+    </a:lvl4pPr>
+    <a:lvl5pPr marL="1828800" algn="l" defTabSz="914400" rtl="0" eaLnBrk="1" latinLnBrk="0" hangingPunct="1">
+      <a:defRPr sz="1200" kern="1200">
+        <a:solidFill>
+          <a:schemeClr val="tx1"/>
+        </a:solidFill>
+        <a:latin typeface="+mn-lt"/>
+        <a:ea typeface="+mn-ea"/>
+        <a:cs typeface="+mn-cs"/>
+      </a:defRPr>
+    </a:lvl5pPr>
+    <a:lvl6pPr marL="2286000" algn="l" defTabSz="914400" rtl="0" eaLnBrk="1" latinLnBrk="0" hangingPunct="1">
+      <a:defRPr sz="1200" kern="1200">
+        <a:solidFill>
+          <a:schemeClr val="tx1"/>
+        </a:solidFill>
+        <a:latin typeface="+mn-lt"/>
+        <a:ea typeface="+mn-ea"/>
+        <a:cs typeface="+mn-cs"/>
+      </a:defRPr>
+    </a:lvl6pPr>
+    <a:lvl7pPr marL="2743200" algn="l" defTabSz="914400" rtl="0" eaLnBrk="1" latinLnBrk="0" hangingPunct="1">
+      <a:defRPr sz="1200" kern="1200">
+        <a:solidFill>
+          <a:schemeClr val="tx1"/>
+        </a:solidFill>
+        <a:latin typeface="+mn-lt"/>
+        <a:ea typeface="+mn-ea"/>
+        <a:cs typeface="+mn-cs"/>
+      </a:defRPr>
+    </a:lvl7pPr>
+    <a:lvl8pPr marL="3200400" algn="l" defTabSz="914400" rtl="0" eaLnBrk="1" latinLnBrk="0" hangingPunct="1">
+      <a:defRPr sz="1200" kern="1200">
+        <a:solidFill>
+          <a:schemeClr val="tx1"/>
+        </a:solidFill>
+        <a:latin typeface="+mn-lt"/>
+        <a:ea typeface="+mn-ea"/>
+        <a:cs typeface="+mn-cs"/>
+      </a:defRPr>
+    </a:lvl8pPr>
+    <a:lvl9pPr marL="3657600" algn="l" defTabSz="914400" rtl="0" eaLnBrk="1" latinLnBrk="0" hangingPunct="1">
+      <a:defRPr sz="1200" kern="1200">
+        <a:solidFill>
+          <a:schemeClr val="tx1"/>
+        </a:solidFill>
+        <a:latin typeface="+mn-lt"/>
+        <a:ea typeface="+mn-ea"/>
+        <a:cs typeface="+mn-cs"/>
+      </a:defRPr>
+    </a:lvl9pPr>
+  </p:notesStyle>
+</p:notesMaster>
 </file>
 
 <file path=ppt/slideLayouts/slideLayout1.xml><?xml version="1.0" encoding="utf-8"?>
@@ -260,7 +623,7 @@
           <a:bodyPr/>
           <a:lstStyle/>
           <a:p>
-            <a:fld id="{954CBBA8-7F70-4426-BD33-C5773CE34769}" type="datetimeFigureOut">
+            <a:fld id="{0CD9058E-831F-4ACD-8FF3-060A11140E2D}" type="datetime1">
               <a:rPr lang="pt-BR" smtClean="0"/>
               <a:t>04/07/2017</a:t>
             </a:fld>
@@ -332,6 +695,18 @@
   <p:clrMapOvr>
     <a:masterClrMapping/>
   </p:clrMapOvr>
+  <mc:AlternateContent xmlns:mc="http://schemas.openxmlformats.org/markup-compatibility/2006">
+    <mc:Choice xmlns:p159="http://schemas.microsoft.com/office/powerpoint/2015/09/main" Requires="p159">
+      <p:transition>
+        <p159:morph option="byObject"/>
+      </p:transition>
+    </mc:Choice>
+    <mc:Fallback>
+      <p:transition>
+        <p:fade/>
+      </p:transition>
+    </mc:Fallback>
+  </mc:AlternateContent>
 </p:sldLayout>
 </file>
 
@@ -458,7 +833,7 @@
           <a:bodyPr/>
           <a:lstStyle/>
           <a:p>
-            <a:fld id="{954CBBA8-7F70-4426-BD33-C5773CE34769}" type="datetimeFigureOut">
+            <a:fld id="{050A1502-8017-4C40-8A44-639EBD188890}" type="datetime1">
               <a:rPr lang="pt-BR" smtClean="0"/>
               <a:t>04/07/2017</a:t>
             </a:fld>
@@ -530,6 +905,18 @@
   <p:clrMapOvr>
     <a:masterClrMapping/>
   </p:clrMapOvr>
+  <mc:AlternateContent xmlns:mc="http://schemas.openxmlformats.org/markup-compatibility/2006">
+    <mc:Choice xmlns:p159="http://schemas.microsoft.com/office/powerpoint/2015/09/main" Requires="p159">
+      <p:transition>
+        <p159:morph option="byObject"/>
+      </p:transition>
+    </mc:Choice>
+    <mc:Fallback>
+      <p:transition>
+        <p:fade/>
+      </p:transition>
+    </mc:Fallback>
+  </mc:AlternateContent>
 </p:sldLayout>
 </file>
 
@@ -666,7 +1053,7 @@
           <a:bodyPr/>
           <a:lstStyle/>
           <a:p>
-            <a:fld id="{954CBBA8-7F70-4426-BD33-C5773CE34769}" type="datetimeFigureOut">
+            <a:fld id="{9B103541-5871-47D2-AD3E-F87A902102C5}" type="datetime1">
               <a:rPr lang="pt-BR" smtClean="0"/>
               <a:t>04/07/2017</a:t>
             </a:fld>
@@ -738,6 +1125,18 @@
   <p:clrMapOvr>
     <a:masterClrMapping/>
   </p:clrMapOvr>
+  <mc:AlternateContent xmlns:mc="http://schemas.openxmlformats.org/markup-compatibility/2006">
+    <mc:Choice xmlns:p159="http://schemas.microsoft.com/office/powerpoint/2015/09/main" Requires="p159">
+      <p:transition>
+        <p159:morph option="byObject"/>
+      </p:transition>
+    </mc:Choice>
+    <mc:Fallback>
+      <p:transition>
+        <p:fade/>
+      </p:transition>
+    </mc:Fallback>
+  </mc:AlternateContent>
 </p:sldLayout>
 </file>
 
@@ -864,7 +1263,7 @@
           <a:bodyPr/>
           <a:lstStyle/>
           <a:p>
-            <a:fld id="{954CBBA8-7F70-4426-BD33-C5773CE34769}" type="datetimeFigureOut">
+            <a:fld id="{E018CD33-C971-4967-BB2A-B7449162AC2A}" type="datetime1">
               <a:rPr lang="pt-BR" smtClean="0"/>
               <a:t>04/07/2017</a:t>
             </a:fld>
@@ -936,6 +1335,18 @@
   <p:clrMapOvr>
     <a:masterClrMapping/>
   </p:clrMapOvr>
+  <mc:AlternateContent xmlns:mc="http://schemas.openxmlformats.org/markup-compatibility/2006">
+    <mc:Choice xmlns:p159="http://schemas.microsoft.com/office/powerpoint/2015/09/main" Requires="p159">
+      <p:transition>
+        <p159:morph option="byObject"/>
+      </p:transition>
+    </mc:Choice>
+    <mc:Fallback>
+      <p:transition>
+        <p:fade/>
+      </p:transition>
+    </mc:Fallback>
+  </mc:AlternateContent>
 </p:sldLayout>
 </file>
 
@@ -1139,7 +1550,7 @@
           <a:bodyPr/>
           <a:lstStyle/>
           <a:p>
-            <a:fld id="{954CBBA8-7F70-4426-BD33-C5773CE34769}" type="datetimeFigureOut">
+            <a:fld id="{BE01CB63-052E-4E92-91E1-2DA56A3D9A68}" type="datetime1">
               <a:rPr lang="pt-BR" smtClean="0"/>
               <a:t>04/07/2017</a:t>
             </a:fld>
@@ -1211,6 +1622,18 @@
   <p:clrMapOvr>
     <a:masterClrMapping/>
   </p:clrMapOvr>
+  <mc:AlternateContent xmlns:mc="http://schemas.openxmlformats.org/markup-compatibility/2006">
+    <mc:Choice xmlns:p159="http://schemas.microsoft.com/office/powerpoint/2015/09/main" Requires="p159">
+      <p:transition>
+        <p159:morph option="byObject"/>
+      </p:transition>
+    </mc:Choice>
+    <mc:Fallback>
+      <p:transition>
+        <p:fade/>
+      </p:transition>
+    </mc:Fallback>
+  </mc:AlternateContent>
 </p:sldLayout>
 </file>
 
@@ -1404,7 +1827,7 @@
           <a:bodyPr/>
           <a:lstStyle/>
           <a:p>
-            <a:fld id="{954CBBA8-7F70-4426-BD33-C5773CE34769}" type="datetimeFigureOut">
+            <a:fld id="{E34D3068-65B4-4341-8242-A031E20EE26F}" type="datetime1">
               <a:rPr lang="pt-BR" smtClean="0"/>
               <a:t>04/07/2017</a:t>
             </a:fld>
@@ -1476,6 +1899,18 @@
   <p:clrMapOvr>
     <a:masterClrMapping/>
   </p:clrMapOvr>
+  <mc:AlternateContent xmlns:mc="http://schemas.openxmlformats.org/markup-compatibility/2006">
+    <mc:Choice xmlns:p159="http://schemas.microsoft.com/office/powerpoint/2015/09/main" Requires="p159">
+      <p:transition>
+        <p159:morph option="byObject"/>
+      </p:transition>
+    </mc:Choice>
+    <mc:Fallback>
+      <p:transition>
+        <p:fade/>
+      </p:transition>
+    </mc:Fallback>
+  </mc:AlternateContent>
 </p:sldLayout>
 </file>
 
@@ -1816,7 +2251,7 @@
           <a:bodyPr/>
           <a:lstStyle/>
           <a:p>
-            <a:fld id="{954CBBA8-7F70-4426-BD33-C5773CE34769}" type="datetimeFigureOut">
+            <a:fld id="{46B2985A-9AF5-4AB5-BBD6-DEEDC57ED920}" type="datetime1">
               <a:rPr lang="pt-BR" smtClean="0"/>
               <a:t>04/07/2017</a:t>
             </a:fld>
@@ -1888,6 +2323,18 @@
   <p:clrMapOvr>
     <a:masterClrMapping/>
   </p:clrMapOvr>
+  <mc:AlternateContent xmlns:mc="http://schemas.openxmlformats.org/markup-compatibility/2006">
+    <mc:Choice xmlns:p159="http://schemas.microsoft.com/office/powerpoint/2015/09/main" Requires="p159">
+      <p:transition>
+        <p159:morph option="byObject"/>
+      </p:transition>
+    </mc:Choice>
+    <mc:Fallback>
+      <p:transition>
+        <p:fade/>
+      </p:transition>
+    </mc:Fallback>
+  </mc:AlternateContent>
 </p:sldLayout>
 </file>
 
@@ -1957,7 +2404,7 @@
           <a:bodyPr/>
           <a:lstStyle/>
           <a:p>
-            <a:fld id="{954CBBA8-7F70-4426-BD33-C5773CE34769}" type="datetimeFigureOut">
+            <a:fld id="{056CF9D1-73EC-462A-8851-8A7303D4B510}" type="datetime1">
               <a:rPr lang="pt-BR" smtClean="0"/>
               <a:t>04/07/2017</a:t>
             </a:fld>
@@ -2029,6 +2476,18 @@
   <p:clrMapOvr>
     <a:masterClrMapping/>
   </p:clrMapOvr>
+  <mc:AlternateContent xmlns:mc="http://schemas.openxmlformats.org/markup-compatibility/2006">
+    <mc:Choice xmlns:p159="http://schemas.microsoft.com/office/powerpoint/2015/09/main" Requires="p159">
+      <p:transition>
+        <p159:morph option="byObject"/>
+      </p:transition>
+    </mc:Choice>
+    <mc:Fallback>
+      <p:transition>
+        <p:fade/>
+      </p:transition>
+    </mc:Fallback>
+  </mc:AlternateContent>
 </p:sldLayout>
 </file>
 
@@ -2070,7 +2529,7 @@
           <a:bodyPr/>
           <a:lstStyle/>
           <a:p>
-            <a:fld id="{954CBBA8-7F70-4426-BD33-C5773CE34769}" type="datetimeFigureOut">
+            <a:fld id="{C87A0295-0A64-48C7-BF2C-B0900A6755D7}" type="datetime1">
               <a:rPr lang="pt-BR" smtClean="0"/>
               <a:t>04/07/2017</a:t>
             </a:fld>
@@ -2142,6 +2601,18 @@
   <p:clrMapOvr>
     <a:masterClrMapping/>
   </p:clrMapOvr>
+  <mc:AlternateContent xmlns:mc="http://schemas.openxmlformats.org/markup-compatibility/2006">
+    <mc:Choice xmlns:p159="http://schemas.microsoft.com/office/powerpoint/2015/09/main" Requires="p159">
+      <p:transition>
+        <p159:morph option="byObject"/>
+      </p:transition>
+    </mc:Choice>
+    <mc:Fallback>
+      <p:transition>
+        <p:fade/>
+      </p:transition>
+    </mc:Fallback>
+  </mc:AlternateContent>
 </p:sldLayout>
 </file>
 
@@ -2381,7 +2852,7 @@
           <a:bodyPr/>
           <a:lstStyle/>
           <a:p>
-            <a:fld id="{954CBBA8-7F70-4426-BD33-C5773CE34769}" type="datetimeFigureOut">
+            <a:fld id="{B4212B3B-2CAA-4488-9064-DD0A754EBE85}" type="datetime1">
               <a:rPr lang="pt-BR" smtClean="0"/>
               <a:t>04/07/2017</a:t>
             </a:fld>
@@ -2453,6 +2924,18 @@
   <p:clrMapOvr>
     <a:masterClrMapping/>
   </p:clrMapOvr>
+  <mc:AlternateContent xmlns:mc="http://schemas.openxmlformats.org/markup-compatibility/2006">
+    <mc:Choice xmlns:p159="http://schemas.microsoft.com/office/powerpoint/2015/09/main" Requires="p159">
+      <p:transition>
+        <p159:morph option="byObject"/>
+      </p:transition>
+    </mc:Choice>
+    <mc:Fallback>
+      <p:transition>
+        <p:fade/>
+      </p:transition>
+    </mc:Fallback>
+  </mc:AlternateContent>
 </p:sldLayout>
 </file>
 
@@ -2669,7 +3152,7 @@
           <a:bodyPr/>
           <a:lstStyle/>
           <a:p>
-            <a:fld id="{954CBBA8-7F70-4426-BD33-C5773CE34769}" type="datetimeFigureOut">
+            <a:fld id="{6BFEE79E-6E21-4CC9-AE27-CF22329910CB}" type="datetime1">
               <a:rPr lang="pt-BR" smtClean="0"/>
               <a:t>04/07/2017</a:t>
             </a:fld>
@@ -2741,6 +3224,18 @@
   <p:clrMapOvr>
     <a:masterClrMapping/>
   </p:clrMapOvr>
+  <mc:AlternateContent xmlns:mc="http://schemas.openxmlformats.org/markup-compatibility/2006">
+    <mc:Choice xmlns:p159="http://schemas.microsoft.com/office/powerpoint/2015/09/main" Requires="p159">
+      <p:transition>
+        <p159:morph option="byObject"/>
+      </p:transition>
+    </mc:Choice>
+    <mc:Fallback>
+      <p:transition>
+        <p:fade/>
+      </p:transition>
+    </mc:Fallback>
+  </mc:AlternateContent>
 </p:sldLayout>
 </file>
 
@@ -2913,7 +3408,7 @@
             </a:lvl1pPr>
           </a:lstStyle>
           <a:p>
-            <a:fld id="{954CBBA8-7F70-4426-BD33-C5773CE34769}" type="datetimeFigureOut">
+            <a:fld id="{7EA9DAFF-1B88-49C6-885B-5D8B9A9D3553}" type="datetime1">
               <a:rPr lang="pt-BR" smtClean="0"/>
               <a:t>04/07/2017</a:t>
             </a:fld>
@@ -3032,6 +3527,19 @@
     <p:sldLayoutId id="2147483658" r:id="rId10"/>
     <p:sldLayoutId id="2147483659" r:id="rId11"/>
   </p:sldLayoutIdLst>
+  <mc:AlternateContent xmlns:mc="http://schemas.openxmlformats.org/markup-compatibility/2006">
+    <mc:Choice xmlns:p159="http://schemas.microsoft.com/office/powerpoint/2015/09/main" Requires="p159">
+      <p:transition>
+        <p159:morph option="byObject"/>
+      </p:transition>
+    </mc:Choice>
+    <mc:Fallback>
+      <p:transition>
+        <p:fade/>
+      </p:transition>
+    </mc:Fallback>
+  </mc:AlternateContent>
+  <p:hf hdr="0" ftr="0" dt="0"/>
   <p:txStyles>
     <p:titleStyle>
       <a:lvl1pPr algn="l" defTabSz="914400" rtl="0" eaLnBrk="1" latinLnBrk="0" hangingPunct="1">
@@ -3390,7 +3898,17 @@
           <a:bodyPr/>
           <a:lstStyle/>
           <a:p>
-            <a:endParaRPr lang="pt-BR" dirty="0"/>
+            <a:r>
+              <a:rPr lang="pt-BR" dirty="0">
+                <a:solidFill>
+                  <a:schemeClr val="tx1">
+                    <a:lumMod val="65000"/>
+                    <a:lumOff val="35000"/>
+                  </a:schemeClr>
+                </a:solidFill>
+              </a:rPr>
+              <a:t>Adson – Alisson – Augusto</a:t>
+            </a:r>
           </a:p>
         </p:txBody>
       </p:sp>
@@ -3446,6 +3964,35 @@
           </a:p>
         </p:txBody>
       </p:sp>
+      <p:sp>
+        <p:nvSpPr>
+          <p:cNvPr id="5" name="Espaço Reservado para Número de Slide 4">
+            <a:extLst>
+              <a:ext uri="{FF2B5EF4-FFF2-40B4-BE49-F238E27FC236}">
+                <a16:creationId xmlns:a16="http://schemas.microsoft.com/office/drawing/2014/main" id="{7E480703-93CB-4DA3-A49B-5993B64762F4}"/>
+              </a:ext>
+            </a:extLst>
+          </p:cNvPr>
+          <p:cNvSpPr>
+            <a:spLocks noGrp="1"/>
+          </p:cNvSpPr>
+          <p:nvPr>
+            <p:ph type="sldNum" sz="quarter" idx="12"/>
+          </p:nvPr>
+        </p:nvSpPr>
+        <p:spPr/>
+        <p:txBody>
+          <a:bodyPr/>
+          <a:lstStyle/>
+          <a:p>
+            <a:fld id="{33568D6D-ECDC-4F67-8140-691F6B31FF65}" type="slidenum">
+              <a:rPr lang="pt-BR" smtClean="0"/>
+              <a:t>1</a:t>
+            </a:fld>
+            <a:endParaRPr lang="pt-BR"/>
+          </a:p>
+        </p:txBody>
+      </p:sp>
     </p:spTree>
     <p:extLst>
       <p:ext uri="{BB962C8B-B14F-4D97-AF65-F5344CB8AC3E}">
@@ -3456,10 +4003,22 @@
   <p:clrMapOvr>
     <a:masterClrMapping/>
   </p:clrMapOvr>
+  <mc:AlternateContent xmlns:mc="http://schemas.openxmlformats.org/markup-compatibility/2006">
+    <mc:Choice xmlns:p159="http://schemas.microsoft.com/office/powerpoint/2015/09/main" Requires="p159">
+      <p:transition>
+        <p159:morph option="byObject"/>
+      </p:transition>
+    </mc:Choice>
+    <mc:Fallback>
+      <p:transition>
+        <p:fade/>
+      </p:transition>
+    </mc:Fallback>
+  </mc:AlternateContent>
 </p:sld>
 </file>
 
-<file path=ppt/slides/slide2.xml><?xml version="1.0" encoding="utf-8"?>
+<file path=ppt/slides/slide10.xml><?xml version="1.0" encoding="utf-8"?>
 <p:sld xmlns:a="http://schemas.openxmlformats.org/drawingml/2006/main" xmlns:r="http://schemas.openxmlformats.org/officeDocument/2006/relationships" xmlns:p="http://schemas.openxmlformats.org/presentationml/2006/main">
   <p:cSld>
     <p:spTree>
@@ -3499,7 +4058,7 @@
           <a:p>
             <a:r>
               <a:rPr lang="pt-BR" dirty="0"/>
-              <a:t>Introdução</a:t>
+              <a:t>Conclusões</a:t>
             </a:r>
           </a:p>
         </p:txBody>
@@ -3522,7 +4081,9 @@
         </p:nvSpPr>
         <p:spPr/>
         <p:txBody>
-          <a:bodyPr/>
+          <a:bodyPr>
+            <a:normAutofit lnSpcReduction="10000"/>
+          </a:bodyPr>
           <a:lstStyle/>
           <a:p>
             <a:pPr>
@@ -3531,7 +4092,7 @@
             </a:pPr>
             <a:r>
               <a:rPr lang="pt-BR" dirty="0"/>
-              <a:t> Algoritmos Genéticos</a:t>
+              <a:t> Complexidade na sintetização de áudio</a:t>
             </a:r>
           </a:p>
           <a:p>
@@ -3541,7 +4102,7 @@
             </a:pPr>
             <a:r>
               <a:rPr lang="pt-BR" dirty="0"/>
-              <a:t> População</a:t>
+              <a:t> Canais</a:t>
             </a:r>
           </a:p>
           <a:p>
@@ -3551,7 +4112,7 @@
             </a:pPr>
             <a:r>
               <a:rPr lang="pt-BR" dirty="0"/>
-              <a:t> Crossovers</a:t>
+              <a:t> Oitavas</a:t>
             </a:r>
           </a:p>
           <a:p>
@@ -3561,7 +4122,17 @@
             </a:pPr>
             <a:r>
               <a:rPr lang="pt-BR" dirty="0"/>
-              <a:t> Mutação</a:t>
+              <a:t> Duração</a:t>
+            </a:r>
+          </a:p>
+          <a:p>
+            <a:pPr lvl="1">
+              <a:buFont typeface="Courier New" panose="02070309020205020404" pitchFamily="49" charset="0"/>
+              <a:buChar char="o"/>
+            </a:pPr>
+            <a:r>
+              <a:rPr lang="pt-BR" dirty="0"/>
+              <a:t> BPM</a:t>
             </a:r>
           </a:p>
           <a:p>
@@ -3578,7 +4149,7 @@
             </a:pPr>
             <a:r>
               <a:rPr lang="pt-BR" dirty="0"/>
-              <a:t> Formatos de Áudio</a:t>
+              <a:t> Possíveis Melhorias</a:t>
             </a:r>
           </a:p>
           <a:p>
@@ -3588,7 +4159,7 @@
             </a:pPr>
             <a:r>
               <a:rPr lang="pt-BR" dirty="0"/>
-              <a:t> MIDI</a:t>
+              <a:t> Crossover</a:t>
             </a:r>
           </a:p>
           <a:p>
@@ -3598,16 +4169,39 @@
             </a:pPr>
             <a:r>
               <a:rPr lang="pt-BR" dirty="0"/>
-              <a:t> WAVE</a:t>
-            </a:r>
-          </a:p>
-          <a:p>
+              <a:t> </a:t>
+            </a:r>
+            <a:r>
+              <a:rPr lang="pt-BR" dirty="0" err="1"/>
+              <a:t>Synthos</a:t>
+            </a:r>
             <a:endParaRPr lang="pt-BR" dirty="0"/>
           </a:p>
           <a:p>
-            <a:endParaRPr lang="pt-BR" dirty="0"/>
-          </a:p>
-          <a:p>
+            <a:pPr lvl="1">
+              <a:buFont typeface="Courier New" panose="02070309020205020404" pitchFamily="49" charset="0"/>
+              <a:buChar char="o"/>
+            </a:pPr>
+            <a:r>
+              <a:rPr lang="pt-BR" dirty="0"/>
+              <a:t> Fitness</a:t>
+            </a:r>
+          </a:p>
+          <a:p>
+            <a:pPr lvl="1">
+              <a:buFont typeface="Courier New" panose="02070309020205020404" pitchFamily="49" charset="0"/>
+              <a:buChar char="o"/>
+            </a:pPr>
+            <a:r>
+              <a:rPr lang="pt-BR" dirty="0"/>
+              <a:t> Ajuste de Parâmetros</a:t>
+            </a:r>
+          </a:p>
+          <a:p>
+            <a:pPr lvl="1">
+              <a:buFont typeface="Courier New" panose="02070309020205020404" pitchFamily="49" charset="0"/>
+              <a:buChar char="o"/>
+            </a:pPr>
             <a:endParaRPr lang="pt-BR" dirty="0"/>
           </a:p>
         </p:txBody>
@@ -3664,6 +4258,528 @@
           </a:p>
         </p:txBody>
       </p:sp>
+      <p:sp>
+        <p:nvSpPr>
+          <p:cNvPr id="5" name="Espaço Reservado para Número de Slide 4">
+            <a:extLst>
+              <a:ext uri="{FF2B5EF4-FFF2-40B4-BE49-F238E27FC236}">
+                <a16:creationId xmlns:a16="http://schemas.microsoft.com/office/drawing/2014/main" id="{309AD7F4-7A81-4D98-861C-0938725EDF22}"/>
+              </a:ext>
+            </a:extLst>
+          </p:cNvPr>
+          <p:cNvSpPr>
+            <a:spLocks noGrp="1"/>
+          </p:cNvSpPr>
+          <p:nvPr>
+            <p:ph type="sldNum" sz="quarter" idx="12"/>
+          </p:nvPr>
+        </p:nvSpPr>
+        <p:spPr/>
+        <p:txBody>
+          <a:bodyPr/>
+          <a:lstStyle/>
+          <a:p>
+            <a:fld id="{33568D6D-ECDC-4F67-8140-691F6B31FF65}" type="slidenum">
+              <a:rPr lang="pt-BR" smtClean="0"/>
+              <a:t>10</a:t>
+            </a:fld>
+            <a:endParaRPr lang="pt-BR"/>
+          </a:p>
+        </p:txBody>
+      </p:sp>
+    </p:spTree>
+    <p:extLst>
+      <p:ext uri="{BB962C8B-B14F-4D97-AF65-F5344CB8AC3E}">
+        <p14:creationId xmlns:p14="http://schemas.microsoft.com/office/powerpoint/2010/main" val="490468454"/>
+      </p:ext>
+    </p:extLst>
+  </p:cSld>
+  <p:clrMapOvr>
+    <a:masterClrMapping/>
+  </p:clrMapOvr>
+  <mc:AlternateContent xmlns:mc="http://schemas.openxmlformats.org/markup-compatibility/2006">
+    <mc:Choice xmlns:p159="http://schemas.microsoft.com/office/powerpoint/2015/09/main" Requires="p159">
+      <p:transition>
+        <p159:morph option="byObject"/>
+      </p:transition>
+    </mc:Choice>
+    <mc:Fallback>
+      <p:transition>
+        <p:fade/>
+      </p:transition>
+    </mc:Fallback>
+  </mc:AlternateContent>
+</p:sld>
+</file>
+
+<file path=ppt/slides/slide11.xml><?xml version="1.0" encoding="utf-8"?>
+<p:sld xmlns:a="http://schemas.openxmlformats.org/drawingml/2006/main" xmlns:r="http://schemas.openxmlformats.org/officeDocument/2006/relationships" xmlns:p="http://schemas.openxmlformats.org/presentationml/2006/main">
+  <p:cSld>
+    <p:spTree>
+      <p:nvGrpSpPr>
+        <p:cNvPr id="1" name=""/>
+        <p:cNvGrpSpPr/>
+        <p:nvPr/>
+      </p:nvGrpSpPr>
+      <p:grpSpPr>
+        <a:xfrm>
+          <a:off x="0" y="0"/>
+          <a:ext cx="0" cy="0"/>
+          <a:chOff x="0" y="0"/>
+          <a:chExt cx="0" cy="0"/>
+        </a:xfrm>
+      </p:grpSpPr>
+      <p:sp>
+        <p:nvSpPr>
+          <p:cNvPr id="2" name="Título 1">
+            <a:extLst>
+              <a:ext uri="{FF2B5EF4-FFF2-40B4-BE49-F238E27FC236}">
+                <a16:creationId xmlns:a16="http://schemas.microsoft.com/office/drawing/2014/main" id="{23A9C045-07C2-42EB-BBCD-2AEB24A9997A}"/>
+              </a:ext>
+            </a:extLst>
+          </p:cNvPr>
+          <p:cNvSpPr>
+            <a:spLocks noGrp="1"/>
+          </p:cNvSpPr>
+          <p:nvPr>
+            <p:ph type="ctrTitle"/>
+          </p:nvPr>
+        </p:nvSpPr>
+        <p:spPr/>
+        <p:txBody>
+          <a:bodyPr/>
+          <a:lstStyle/>
+          <a:p>
+            <a:r>
+              <a:rPr lang="pt-BR" dirty="0" err="1"/>
+              <a:t>Genetic</a:t>
+            </a:r>
+            <a:r>
+              <a:rPr lang="pt-BR" dirty="0"/>
+              <a:t> Music</a:t>
+            </a:r>
+          </a:p>
+        </p:txBody>
+      </p:sp>
+      <p:sp>
+        <p:nvSpPr>
+          <p:cNvPr id="3" name="Subtítulo 2">
+            <a:extLst>
+              <a:ext uri="{FF2B5EF4-FFF2-40B4-BE49-F238E27FC236}">
+                <a16:creationId xmlns:a16="http://schemas.microsoft.com/office/drawing/2014/main" id="{6792FAB0-BCAC-4ABD-9DDF-EC2B65C9C61A}"/>
+              </a:ext>
+            </a:extLst>
+          </p:cNvPr>
+          <p:cNvSpPr>
+            <a:spLocks noGrp="1"/>
+          </p:cNvSpPr>
+          <p:nvPr>
+            <p:ph type="subTitle" idx="1"/>
+          </p:nvPr>
+        </p:nvSpPr>
+        <p:spPr>
+          <a:xfrm>
+            <a:off x="1524000" y="3813242"/>
+            <a:ext cx="9144000" cy="1444557"/>
+          </a:xfrm>
+        </p:spPr>
+        <p:txBody>
+          <a:bodyPr/>
+          <a:lstStyle/>
+          <a:p>
+            <a:r>
+              <a:rPr lang="pt-BR" dirty="0">
+                <a:solidFill>
+                  <a:schemeClr val="tx1">
+                    <a:lumMod val="65000"/>
+                    <a:lumOff val="35000"/>
+                  </a:schemeClr>
+                </a:solidFill>
+              </a:rPr>
+              <a:t>Adson – Alisson – Augusto</a:t>
+            </a:r>
+          </a:p>
+        </p:txBody>
+      </p:sp>
+      <p:sp>
+        <p:nvSpPr>
+          <p:cNvPr id="4" name="Retângulo 3">
+            <a:extLst>
+              <a:ext uri="{FF2B5EF4-FFF2-40B4-BE49-F238E27FC236}">
+                <a16:creationId xmlns:a16="http://schemas.microsoft.com/office/drawing/2014/main" id="{535F9D35-E37E-4CFD-954C-C1A322C367CB}"/>
+              </a:ext>
+            </a:extLst>
+          </p:cNvPr>
+          <p:cNvSpPr/>
+          <p:nvPr/>
+        </p:nvSpPr>
+        <p:spPr>
+          <a:xfrm>
+            <a:off x="1524000" y="3509963"/>
+            <a:ext cx="9144000" cy="119536"/>
+          </a:xfrm>
+          <a:prstGeom prst="rect">
+            <a:avLst/>
+          </a:prstGeom>
+          <a:solidFill>
+            <a:srgbClr val="F0AD4E"/>
+          </a:solidFill>
+          <a:ln>
+            <a:noFill/>
+          </a:ln>
+        </p:spPr>
+        <p:style>
+          <a:lnRef idx="2">
+            <a:schemeClr val="accent1">
+              <a:shade val="50000"/>
+            </a:schemeClr>
+          </a:lnRef>
+          <a:fillRef idx="1">
+            <a:schemeClr val="accent1"/>
+          </a:fillRef>
+          <a:effectRef idx="0">
+            <a:schemeClr val="accent1"/>
+          </a:effectRef>
+          <a:fontRef idx="minor">
+            <a:schemeClr val="lt1"/>
+          </a:fontRef>
+        </p:style>
+        <p:txBody>
+          <a:bodyPr rtlCol="0" anchor="ctr"/>
+          <a:lstStyle/>
+          <a:p>
+            <a:pPr algn="ctr"/>
+            <a:endParaRPr lang="pt-BR"/>
+          </a:p>
+        </p:txBody>
+      </p:sp>
+      <p:sp>
+        <p:nvSpPr>
+          <p:cNvPr id="5" name="Espaço Reservado para Número de Slide 4">
+            <a:extLst>
+              <a:ext uri="{FF2B5EF4-FFF2-40B4-BE49-F238E27FC236}">
+                <a16:creationId xmlns:a16="http://schemas.microsoft.com/office/drawing/2014/main" id="{7E480703-93CB-4DA3-A49B-5993B64762F4}"/>
+              </a:ext>
+            </a:extLst>
+          </p:cNvPr>
+          <p:cNvSpPr>
+            <a:spLocks noGrp="1"/>
+          </p:cNvSpPr>
+          <p:nvPr>
+            <p:ph type="sldNum" sz="quarter" idx="12"/>
+          </p:nvPr>
+        </p:nvSpPr>
+        <p:spPr/>
+        <p:txBody>
+          <a:bodyPr/>
+          <a:lstStyle/>
+          <a:p>
+            <a:fld id="{33568D6D-ECDC-4F67-8140-691F6B31FF65}" type="slidenum">
+              <a:rPr lang="pt-BR" smtClean="0"/>
+              <a:t>11</a:t>
+            </a:fld>
+            <a:endParaRPr lang="pt-BR"/>
+          </a:p>
+        </p:txBody>
+      </p:sp>
+    </p:spTree>
+    <p:extLst>
+      <p:ext uri="{BB962C8B-B14F-4D97-AF65-F5344CB8AC3E}">
+        <p14:creationId xmlns:p14="http://schemas.microsoft.com/office/powerpoint/2010/main" val="4071406723"/>
+      </p:ext>
+    </p:extLst>
+  </p:cSld>
+  <p:clrMapOvr>
+    <a:masterClrMapping/>
+  </p:clrMapOvr>
+  <mc:AlternateContent xmlns:mc="http://schemas.openxmlformats.org/markup-compatibility/2006">
+    <mc:Choice xmlns:p159="http://schemas.microsoft.com/office/powerpoint/2015/09/main" Requires="p159">
+      <p:transition>
+        <p159:morph option="byObject"/>
+      </p:transition>
+    </mc:Choice>
+    <mc:Fallback>
+      <p:transition>
+        <p:fade/>
+      </p:transition>
+    </mc:Fallback>
+  </mc:AlternateContent>
+</p:sld>
+</file>
+
+<file path=ppt/slides/slide2.xml><?xml version="1.0" encoding="utf-8"?>
+<p:sld xmlns:a="http://schemas.openxmlformats.org/drawingml/2006/main" xmlns:r="http://schemas.openxmlformats.org/officeDocument/2006/relationships" xmlns:p="http://schemas.openxmlformats.org/presentationml/2006/main">
+  <p:cSld>
+    <p:spTree>
+      <p:nvGrpSpPr>
+        <p:cNvPr id="1" name=""/>
+        <p:cNvGrpSpPr/>
+        <p:nvPr/>
+      </p:nvGrpSpPr>
+      <p:grpSpPr>
+        <a:xfrm>
+          <a:off x="0" y="0"/>
+          <a:ext cx="0" cy="0"/>
+          <a:chOff x="0" y="0"/>
+          <a:chExt cx="0" cy="0"/>
+        </a:xfrm>
+      </p:grpSpPr>
+      <p:sp>
+        <p:nvSpPr>
+          <p:cNvPr id="2" name="Título 1">
+            <a:extLst>
+              <a:ext uri="{FF2B5EF4-FFF2-40B4-BE49-F238E27FC236}">
+                <a16:creationId xmlns:a16="http://schemas.microsoft.com/office/drawing/2014/main" id="{16396183-FAAC-47B4-8532-D9A09D334419}"/>
+              </a:ext>
+            </a:extLst>
+          </p:cNvPr>
+          <p:cNvSpPr>
+            <a:spLocks noGrp="1"/>
+          </p:cNvSpPr>
+          <p:nvPr>
+            <p:ph type="title"/>
+          </p:nvPr>
+        </p:nvSpPr>
+        <p:spPr/>
+        <p:txBody>
+          <a:bodyPr/>
+          <a:lstStyle/>
+          <a:p>
+            <a:r>
+              <a:rPr lang="pt-BR" dirty="0"/>
+              <a:t>Introdução</a:t>
+            </a:r>
+          </a:p>
+        </p:txBody>
+      </p:sp>
+      <p:sp>
+        <p:nvSpPr>
+          <p:cNvPr id="3" name="Espaço Reservado para Conteúdo 2">
+            <a:extLst>
+              <a:ext uri="{FF2B5EF4-FFF2-40B4-BE49-F238E27FC236}">
+                <a16:creationId xmlns:a16="http://schemas.microsoft.com/office/drawing/2014/main" id="{6FF8AAE8-8CC1-4389-9FC2-9415BD925ABF}"/>
+              </a:ext>
+            </a:extLst>
+          </p:cNvPr>
+          <p:cNvSpPr>
+            <a:spLocks noGrp="1"/>
+          </p:cNvSpPr>
+          <p:nvPr>
+            <p:ph idx="1"/>
+          </p:nvPr>
+        </p:nvSpPr>
+        <p:spPr/>
+        <p:txBody>
+          <a:bodyPr/>
+          <a:lstStyle/>
+          <a:p>
+            <a:pPr>
+              <a:buFont typeface="Courier New" panose="02070309020205020404" pitchFamily="49" charset="0"/>
+              <a:buChar char="o"/>
+            </a:pPr>
+            <a:r>
+              <a:rPr lang="pt-BR" dirty="0"/>
+              <a:t> Algoritmos Genéticos</a:t>
+            </a:r>
+          </a:p>
+          <a:p>
+            <a:pPr lvl="1">
+              <a:buFont typeface="Courier New" panose="02070309020205020404" pitchFamily="49" charset="0"/>
+              <a:buChar char="o"/>
+            </a:pPr>
+            <a:r>
+              <a:rPr lang="pt-BR" dirty="0"/>
+              <a:t> População</a:t>
+            </a:r>
+          </a:p>
+          <a:p>
+            <a:pPr lvl="1">
+              <a:buFont typeface="Courier New" panose="02070309020205020404" pitchFamily="49" charset="0"/>
+              <a:buChar char="o"/>
+            </a:pPr>
+            <a:r>
+              <a:rPr lang="pt-BR" dirty="0"/>
+              <a:t> Crossovers</a:t>
+            </a:r>
+          </a:p>
+          <a:p>
+            <a:pPr lvl="1">
+              <a:buFont typeface="Courier New" panose="02070309020205020404" pitchFamily="49" charset="0"/>
+              <a:buChar char="o"/>
+            </a:pPr>
+            <a:r>
+              <a:rPr lang="pt-BR" dirty="0"/>
+              <a:t> Mutação</a:t>
+            </a:r>
+          </a:p>
+          <a:p>
+            <a:pPr>
+              <a:buFont typeface="Courier New" panose="02070309020205020404" pitchFamily="49" charset="0"/>
+              <a:buChar char="o"/>
+            </a:pPr>
+            <a:endParaRPr lang="pt-BR" dirty="0"/>
+          </a:p>
+          <a:p>
+            <a:pPr>
+              <a:buFont typeface="Courier New" panose="02070309020205020404" pitchFamily="49" charset="0"/>
+              <a:buChar char="o"/>
+            </a:pPr>
+            <a:r>
+              <a:rPr lang="pt-BR" dirty="0"/>
+              <a:t> Formatos de Áudio</a:t>
+            </a:r>
+          </a:p>
+          <a:p>
+            <a:pPr lvl="1">
+              <a:buFont typeface="Courier New" panose="02070309020205020404" pitchFamily="49" charset="0"/>
+              <a:buChar char="o"/>
+            </a:pPr>
+            <a:r>
+              <a:rPr lang="pt-BR" dirty="0"/>
+              <a:t> MIDI</a:t>
+            </a:r>
+          </a:p>
+          <a:p>
+            <a:pPr lvl="1">
+              <a:buFont typeface="Courier New" panose="02070309020205020404" pitchFamily="49" charset="0"/>
+              <a:buChar char="o"/>
+            </a:pPr>
+            <a:r>
+              <a:rPr lang="pt-BR" dirty="0"/>
+              <a:t> WAVE</a:t>
+            </a:r>
+          </a:p>
+          <a:p>
+            <a:endParaRPr lang="pt-BR" dirty="0"/>
+          </a:p>
+          <a:p>
+            <a:endParaRPr lang="pt-BR" dirty="0"/>
+          </a:p>
+          <a:p>
+            <a:endParaRPr lang="pt-BR" dirty="0"/>
+          </a:p>
+        </p:txBody>
+      </p:sp>
+      <p:sp>
+        <p:nvSpPr>
+          <p:cNvPr id="4" name="Retângulo 3">
+            <a:extLst>
+              <a:ext uri="{FF2B5EF4-FFF2-40B4-BE49-F238E27FC236}">
+                <a16:creationId xmlns:a16="http://schemas.microsoft.com/office/drawing/2014/main" id="{6B20AC76-B05C-4C08-9614-FBFE8B8C55DD}"/>
+              </a:ext>
+            </a:extLst>
+          </p:cNvPr>
+          <p:cNvSpPr/>
+          <p:nvPr/>
+        </p:nvSpPr>
+        <p:spPr>
+          <a:xfrm>
+            <a:off x="593132" y="541011"/>
+            <a:ext cx="128337" cy="973790"/>
+          </a:xfrm>
+          <a:prstGeom prst="rect">
+            <a:avLst/>
+          </a:prstGeom>
+          <a:solidFill>
+            <a:srgbClr val="F0AD4E"/>
+          </a:solidFill>
+          <a:ln>
+            <a:noFill/>
+          </a:ln>
+        </p:spPr>
+        <p:style>
+          <a:lnRef idx="2">
+            <a:schemeClr val="accent1">
+              <a:shade val="50000"/>
+            </a:schemeClr>
+          </a:lnRef>
+          <a:fillRef idx="1">
+            <a:schemeClr val="accent1"/>
+          </a:fillRef>
+          <a:effectRef idx="0">
+            <a:schemeClr val="accent1"/>
+          </a:effectRef>
+          <a:fontRef idx="minor">
+            <a:schemeClr val="lt1"/>
+          </a:fontRef>
+        </p:style>
+        <p:txBody>
+          <a:bodyPr rtlCol="0" anchor="ctr"/>
+          <a:lstStyle/>
+          <a:p>
+            <a:pPr algn="ctr"/>
+            <a:endParaRPr lang="pt-BR"/>
+          </a:p>
+        </p:txBody>
+      </p:sp>
+      <p:pic>
+        <p:nvPicPr>
+          <p:cNvPr id="6" name="Gráfico 5">
+            <a:extLst>
+              <a:ext uri="{FF2B5EF4-FFF2-40B4-BE49-F238E27FC236}">
+                <a16:creationId xmlns:a16="http://schemas.microsoft.com/office/drawing/2014/main" id="{16F75C6A-5433-497A-8EB9-F48F13CE461D}"/>
+              </a:ext>
+            </a:extLst>
+          </p:cNvPr>
+          <p:cNvPicPr>
+            <a:picLocks noChangeAspect="1"/>
+          </p:cNvPicPr>
+          <p:nvPr/>
+        </p:nvPicPr>
+        <p:blipFill>
+          <a:blip r:embed="rId2">
+            <a:extLst>
+              <a:ext uri="{28A0092B-C50C-407E-A947-70E740481C1C}">
+                <a14:useLocalDpi xmlns:a14="http://schemas.microsoft.com/office/drawing/2010/main" val="0"/>
+              </a:ext>
+              <a:ext uri="{96DAC541-7B7A-43D3-8B79-37D633B846F1}">
+                <asvg:svgBlip xmlns:asvg="http://schemas.microsoft.com/office/drawing/2016/SVG/main" r:embed="rId3"/>
+              </a:ext>
+            </a:extLst>
+          </a:blip>
+          <a:stretch>
+            <a:fillRect/>
+          </a:stretch>
+        </p:blipFill>
+        <p:spPr>
+          <a:xfrm>
+            <a:off x="6096000" y="1764828"/>
+            <a:ext cx="4140322" cy="3725562"/>
+          </a:xfrm>
+          <a:prstGeom prst="rect">
+            <a:avLst/>
+          </a:prstGeom>
+        </p:spPr>
+      </p:pic>
+      <p:sp>
+        <p:nvSpPr>
+          <p:cNvPr id="7" name="Espaço Reservado para Número de Slide 6">
+            <a:extLst>
+              <a:ext uri="{FF2B5EF4-FFF2-40B4-BE49-F238E27FC236}">
+                <a16:creationId xmlns:a16="http://schemas.microsoft.com/office/drawing/2014/main" id="{D317E2D2-4FCC-4A7B-80F3-553AF958FE85}"/>
+              </a:ext>
+            </a:extLst>
+          </p:cNvPr>
+          <p:cNvSpPr>
+            <a:spLocks noGrp="1"/>
+          </p:cNvSpPr>
+          <p:nvPr>
+            <p:ph type="sldNum" sz="quarter" idx="12"/>
+          </p:nvPr>
+        </p:nvSpPr>
+        <p:spPr/>
+        <p:txBody>
+          <a:bodyPr/>
+          <a:lstStyle/>
+          <a:p>
+            <a:fld id="{33568D6D-ECDC-4F67-8140-691F6B31FF65}" type="slidenum">
+              <a:rPr lang="pt-BR" smtClean="0"/>
+              <a:t>2</a:t>
+            </a:fld>
+            <a:endParaRPr lang="pt-BR"/>
+          </a:p>
+        </p:txBody>
+      </p:sp>
     </p:spTree>
     <p:extLst>
       <p:ext uri="{BB962C8B-B14F-4D97-AF65-F5344CB8AC3E}">
@@ -3676,12 +4792,12 @@
   </p:clrMapOvr>
   <mc:AlternateContent xmlns:mc="http://schemas.openxmlformats.org/markup-compatibility/2006">
     <mc:Choice xmlns:p159="http://schemas.microsoft.com/office/powerpoint/2015/09/main" Requires="p159">
-      <p:transition xmlns:p14="http://schemas.microsoft.com/office/powerpoint/2010/main" spd="slow" p14:dur="2000">
+      <p:transition>
         <p159:morph option="byObject"/>
       </p:transition>
     </mc:Choice>
     <mc:Fallback>
-      <p:transition spd="slow">
+      <p:transition>
         <p:fade/>
       </p:transition>
     </mc:Fallback>
@@ -4023,6 +5139,35 @@
           </a:p>
         </p:txBody>
       </p:sp>
+      <p:sp>
+        <p:nvSpPr>
+          <p:cNvPr id="6" name="Espaço Reservado para Número de Slide 5">
+            <a:extLst>
+              <a:ext uri="{FF2B5EF4-FFF2-40B4-BE49-F238E27FC236}">
+                <a16:creationId xmlns:a16="http://schemas.microsoft.com/office/drawing/2014/main" id="{6762A59C-AD24-43BE-A9A0-191DE553C8DE}"/>
+              </a:ext>
+            </a:extLst>
+          </p:cNvPr>
+          <p:cNvSpPr>
+            <a:spLocks noGrp="1"/>
+          </p:cNvSpPr>
+          <p:nvPr>
+            <p:ph type="sldNum" sz="quarter" idx="12"/>
+          </p:nvPr>
+        </p:nvSpPr>
+        <p:spPr/>
+        <p:txBody>
+          <a:bodyPr/>
+          <a:lstStyle/>
+          <a:p>
+            <a:fld id="{33568D6D-ECDC-4F67-8140-691F6B31FF65}" type="slidenum">
+              <a:rPr lang="pt-BR" smtClean="0"/>
+              <a:t>3</a:t>
+            </a:fld>
+            <a:endParaRPr lang="pt-BR"/>
+          </a:p>
+        </p:txBody>
+      </p:sp>
     </p:spTree>
     <p:extLst>
       <p:ext uri="{BB962C8B-B14F-4D97-AF65-F5344CB8AC3E}">
@@ -4035,12 +5180,12 @@
   </p:clrMapOvr>
   <mc:AlternateContent xmlns:mc="http://schemas.openxmlformats.org/markup-compatibility/2006">
     <mc:Choice xmlns:p159="http://schemas.microsoft.com/office/powerpoint/2015/09/main" Requires="p159">
-      <p:transition xmlns:p14="http://schemas.microsoft.com/office/powerpoint/2010/main" spd="slow" p14:dur="2000">
+      <p:transition>
         <p159:morph option="byObject"/>
       </p:transition>
     </mc:Choice>
     <mc:Fallback>
-      <p:transition spd="slow">
+      <p:transition>
         <p:fade/>
       </p:transition>
     </mc:Fallback>
@@ -4120,7 +5265,7 @@
             </a:pPr>
             <a:r>
               <a:rPr lang="pt-BR" dirty="0"/>
-              <a:t> </a:t>
+              <a:t> Utilizar algoritmos genéticos para gerar um conjunto de frequências e durações semelhantes ao conjunto de notas musicais dado como entrada.</a:t>
             </a:r>
           </a:p>
           <a:p>
@@ -4186,6 +5331,152 @@
           </a:p>
         </p:txBody>
       </p:sp>
+      <p:pic>
+        <p:nvPicPr>
+          <p:cNvPr id="6" name="Gráfico 5">
+            <a:extLst>
+              <a:ext uri="{FF2B5EF4-FFF2-40B4-BE49-F238E27FC236}">
+                <a16:creationId xmlns:a16="http://schemas.microsoft.com/office/drawing/2014/main" id="{6309F3CE-4DA9-43B7-92BD-9D3BF8F6309C}"/>
+              </a:ext>
+            </a:extLst>
+          </p:cNvPr>
+          <p:cNvPicPr>
+            <a:picLocks noChangeAspect="1"/>
+          </p:cNvPicPr>
+          <p:nvPr/>
+        </p:nvPicPr>
+        <p:blipFill>
+          <a:blip r:embed="rId2">
+            <a:extLst>
+              <a:ext uri="{28A0092B-C50C-407E-A947-70E740481C1C}">
+                <a14:useLocalDpi xmlns:a14="http://schemas.microsoft.com/office/drawing/2010/main" val="0"/>
+              </a:ext>
+              <a:ext uri="{96DAC541-7B7A-43D3-8B79-37D633B846F1}">
+                <asvg:svgBlip xmlns:asvg="http://schemas.microsoft.com/office/drawing/2016/SVG/main" r:embed="rId3"/>
+              </a:ext>
+            </a:extLst>
+          </a:blip>
+          <a:stretch>
+            <a:fillRect/>
+          </a:stretch>
+        </p:blipFill>
+        <p:spPr>
+          <a:xfrm>
+            <a:off x="4769708" y="3379572"/>
+            <a:ext cx="3006811" cy="3006811"/>
+          </a:xfrm>
+          <a:prstGeom prst="rect">
+            <a:avLst/>
+          </a:prstGeom>
+        </p:spPr>
+      </p:pic>
+      <p:pic>
+        <p:nvPicPr>
+          <p:cNvPr id="9" name="Gráfico 8">
+            <a:extLst>
+              <a:ext uri="{FF2B5EF4-FFF2-40B4-BE49-F238E27FC236}">
+                <a16:creationId xmlns:a16="http://schemas.microsoft.com/office/drawing/2014/main" id="{05C521EB-01BC-42F7-B9B9-FB529BF15E7B}"/>
+              </a:ext>
+            </a:extLst>
+          </p:cNvPr>
+          <p:cNvPicPr>
+            <a:picLocks noChangeAspect="1"/>
+          </p:cNvPicPr>
+          <p:nvPr/>
+        </p:nvPicPr>
+        <p:blipFill>
+          <a:blip r:embed="rId4">
+            <a:extLst>
+              <a:ext uri="{28A0092B-C50C-407E-A947-70E740481C1C}">
+                <a14:useLocalDpi xmlns:a14="http://schemas.microsoft.com/office/drawing/2010/main" val="0"/>
+              </a:ext>
+              <a:ext uri="{96DAC541-7B7A-43D3-8B79-37D633B846F1}">
+                <asvg:svgBlip xmlns:asvg="http://schemas.microsoft.com/office/drawing/2016/SVG/main" r:embed="rId5"/>
+              </a:ext>
+            </a:extLst>
+          </a:blip>
+          <a:stretch>
+            <a:fillRect/>
+          </a:stretch>
+        </p:blipFill>
+        <p:spPr>
+          <a:xfrm>
+            <a:off x="4341342" y="3542270"/>
+            <a:ext cx="1633150" cy="1633150"/>
+          </a:xfrm>
+          <a:prstGeom prst="rect">
+            <a:avLst/>
+          </a:prstGeom>
+        </p:spPr>
+      </p:pic>
+      <p:pic>
+        <p:nvPicPr>
+          <p:cNvPr id="10" name="Gráfico 9">
+            <a:extLst>
+              <a:ext uri="{FF2B5EF4-FFF2-40B4-BE49-F238E27FC236}">
+                <a16:creationId xmlns:a16="http://schemas.microsoft.com/office/drawing/2014/main" id="{FD26E511-33C1-4A7C-8325-F2899F8574E5}"/>
+              </a:ext>
+            </a:extLst>
+          </p:cNvPr>
+          <p:cNvPicPr>
+            <a:picLocks noChangeAspect="1"/>
+          </p:cNvPicPr>
+          <p:nvPr/>
+        </p:nvPicPr>
+        <p:blipFill>
+          <a:blip r:embed="rId4">
+            <a:extLst>
+              <a:ext uri="{28A0092B-C50C-407E-A947-70E740481C1C}">
+                <a14:useLocalDpi xmlns:a14="http://schemas.microsoft.com/office/drawing/2010/main" val="0"/>
+              </a:ext>
+              <a:ext uri="{96DAC541-7B7A-43D3-8B79-37D633B846F1}">
+                <asvg:svgBlip xmlns:asvg="http://schemas.microsoft.com/office/drawing/2016/SVG/main" r:embed="rId5"/>
+              </a:ext>
+            </a:extLst>
+          </a:blip>
+          <a:stretch>
+            <a:fillRect/>
+          </a:stretch>
+        </p:blipFill>
+        <p:spPr>
+          <a:xfrm>
+            <a:off x="7080422" y="4127155"/>
+            <a:ext cx="1124463" cy="1124463"/>
+          </a:xfrm>
+          <a:prstGeom prst="rect">
+            <a:avLst/>
+          </a:prstGeom>
+        </p:spPr>
+      </p:pic>
+      <p:sp>
+        <p:nvSpPr>
+          <p:cNvPr id="11" name="Espaço Reservado para Número de Slide 10">
+            <a:extLst>
+              <a:ext uri="{FF2B5EF4-FFF2-40B4-BE49-F238E27FC236}">
+                <a16:creationId xmlns:a16="http://schemas.microsoft.com/office/drawing/2014/main" id="{5E7E17AB-F218-4E35-92B1-5AD099ED2A89}"/>
+              </a:ext>
+            </a:extLst>
+          </p:cNvPr>
+          <p:cNvSpPr>
+            <a:spLocks noGrp="1"/>
+          </p:cNvSpPr>
+          <p:nvPr>
+            <p:ph type="sldNum" sz="quarter" idx="12"/>
+          </p:nvPr>
+        </p:nvSpPr>
+        <p:spPr/>
+        <p:txBody>
+          <a:bodyPr/>
+          <a:lstStyle/>
+          <a:p>
+            <a:fld id="{33568D6D-ECDC-4F67-8140-691F6B31FF65}" type="slidenum">
+              <a:rPr lang="pt-BR" smtClean="0"/>
+              <a:t>4</a:t>
+            </a:fld>
+            <a:endParaRPr lang="pt-BR"/>
+          </a:p>
+        </p:txBody>
+      </p:sp>
     </p:spTree>
     <p:extLst>
       <p:ext uri="{BB962C8B-B14F-4D97-AF65-F5344CB8AC3E}">
@@ -4198,12 +5489,12 @@
   </p:clrMapOvr>
   <mc:AlternateContent xmlns:mc="http://schemas.openxmlformats.org/markup-compatibility/2006">
     <mc:Choice xmlns:p159="http://schemas.microsoft.com/office/powerpoint/2015/09/main" Requires="p159">
-      <p:transition xmlns:p14="http://schemas.microsoft.com/office/powerpoint/2010/main" spd="slow" p14:dur="2000">
+      <p:transition>
         <p159:morph option="byObject"/>
       </p:transition>
     </mc:Choice>
     <mc:Fallback>
-      <p:transition spd="slow">
+      <p:transition>
         <p:fade/>
       </p:transition>
     </mc:Fallback>
@@ -4233,7 +5524,7 @@
           <p:cNvPr id="2" name="Título 1">
             <a:extLst>
               <a:ext uri="{FF2B5EF4-FFF2-40B4-BE49-F238E27FC236}">
-                <a16:creationId xmlns:a16="http://schemas.microsoft.com/office/drawing/2014/main" id="{89048C24-218C-4201-98E9-6CCB15DEF139}"/>
+                <a16:creationId xmlns:a16="http://schemas.microsoft.com/office/drawing/2014/main" id="{16396183-FAAC-47B4-8532-D9A09D334419}"/>
               </a:ext>
             </a:extLst>
           </p:cNvPr>
@@ -4243,57 +5534,1231 @@
           <p:nvPr>
             <p:ph type="title"/>
           </p:nvPr>
+        </p:nvSpPr>
+        <p:spPr/>
+        <p:txBody>
+          <a:bodyPr/>
+          <a:lstStyle/>
+          <a:p>
+            <a:r>
+              <a:rPr lang="pt-BR" dirty="0"/>
+              <a:t>Implementação</a:t>
+            </a:r>
+          </a:p>
+        </p:txBody>
+      </p:sp>
+      <p:sp>
+        <p:nvSpPr>
+          <p:cNvPr id="3" name="Espaço Reservado para Conteúdo 2">
+            <a:extLst>
+              <a:ext uri="{FF2B5EF4-FFF2-40B4-BE49-F238E27FC236}">
+                <a16:creationId xmlns:a16="http://schemas.microsoft.com/office/drawing/2014/main" id="{6FF8AAE8-8CC1-4389-9FC2-9415BD925ABF}"/>
+              </a:ext>
+            </a:extLst>
+          </p:cNvPr>
+          <p:cNvSpPr>
+            <a:spLocks noGrp="1"/>
+          </p:cNvSpPr>
+          <p:nvPr>
+            <p:ph idx="1"/>
+          </p:nvPr>
+        </p:nvSpPr>
+        <p:spPr/>
+        <p:txBody>
+          <a:bodyPr/>
+          <a:lstStyle/>
+          <a:p>
+            <a:pPr>
+              <a:buFont typeface="Courier New" panose="02070309020205020404" pitchFamily="49" charset="0"/>
+              <a:buChar char="o"/>
+            </a:pPr>
+            <a:r>
+              <a:rPr lang="pt-BR" dirty="0"/>
+              <a:t> Indivíduos</a:t>
+            </a:r>
+          </a:p>
+          <a:p>
+            <a:pPr lvl="1">
+              <a:buFont typeface="Courier New" panose="02070309020205020404" pitchFamily="49" charset="0"/>
+              <a:buChar char="o"/>
+            </a:pPr>
+            <a:r>
+              <a:rPr lang="pt-BR" dirty="0"/>
+              <a:t> Notas = [E, E, E, C, E, G, C]</a:t>
+            </a:r>
+          </a:p>
+          <a:p>
+            <a:pPr lvl="1">
+              <a:buFont typeface="Courier New" panose="02070309020205020404" pitchFamily="49" charset="0"/>
+              <a:buChar char="o"/>
+            </a:pPr>
+            <a:r>
+              <a:rPr lang="pt-BR" dirty="0"/>
+              <a:t> Durações = [0.1, 0.1, 0.1, 0.3, 0.4, 0.5, 0.6]</a:t>
+            </a:r>
+          </a:p>
+          <a:p>
+            <a:pPr lvl="1">
+              <a:buFont typeface="Courier New" panose="02070309020205020404" pitchFamily="49" charset="0"/>
+              <a:buChar char="o"/>
+            </a:pPr>
+            <a:endParaRPr lang="pt-BR" dirty="0"/>
+          </a:p>
+          <a:p>
+            <a:pPr>
+              <a:buFont typeface="Courier New" panose="02070309020205020404" pitchFamily="49" charset="0"/>
+              <a:buChar char="o"/>
+            </a:pPr>
+            <a:r>
+              <a:rPr lang="pt-BR" dirty="0"/>
+              <a:t> População</a:t>
+            </a:r>
+          </a:p>
+          <a:p>
+            <a:pPr lvl="1">
+              <a:buFont typeface="Courier New" panose="02070309020205020404" pitchFamily="49" charset="0"/>
+              <a:buChar char="o"/>
+            </a:pPr>
+            <a:r>
+              <a:rPr lang="pt-BR" dirty="0"/>
+              <a:t> Número de notas multiplicado por 4</a:t>
+            </a:r>
+          </a:p>
+          <a:p>
+            <a:pPr marL="0" indent="0">
+              <a:buNone/>
+            </a:pPr>
+            <a:r>
+              <a:rPr lang="pt-BR" dirty="0"/>
+              <a:t> </a:t>
+            </a:r>
+          </a:p>
+        </p:txBody>
+      </p:sp>
+      <p:sp>
+        <p:nvSpPr>
+          <p:cNvPr id="4" name="Retângulo 3">
+            <a:extLst>
+              <a:ext uri="{FF2B5EF4-FFF2-40B4-BE49-F238E27FC236}">
+                <a16:creationId xmlns:a16="http://schemas.microsoft.com/office/drawing/2014/main" id="{6B20AC76-B05C-4C08-9614-FBFE8B8C55DD}"/>
+              </a:ext>
+            </a:extLst>
+          </p:cNvPr>
+          <p:cNvSpPr/>
+          <p:nvPr/>
         </p:nvSpPr>
         <p:spPr>
           <a:xfrm>
-            <a:off x="838200" y="365125"/>
-            <a:ext cx="10515600" cy="1325563"/>
+            <a:off x="593132" y="541011"/>
+            <a:ext cx="128337" cy="973790"/>
           </a:xfrm>
+          <a:prstGeom prst="rect">
+            <a:avLst/>
+          </a:prstGeom>
+          <a:solidFill>
+            <a:srgbClr val="F0AD4E"/>
+          </a:solidFill>
+          <a:ln>
+            <a:noFill/>
+          </a:ln>
         </p:spPr>
-        <p:txBody>
-          <a:bodyPr/>
-          <a:lstStyle/>
-          <a:p>
+        <p:style>
+          <a:lnRef idx="2">
+            <a:schemeClr val="accent1">
+              <a:shade val="50000"/>
+            </a:schemeClr>
+          </a:lnRef>
+          <a:fillRef idx="1">
+            <a:schemeClr val="accent1"/>
+          </a:fillRef>
+          <a:effectRef idx="0">
+            <a:schemeClr val="accent1"/>
+          </a:effectRef>
+          <a:fontRef idx="minor">
+            <a:schemeClr val="lt1"/>
+          </a:fontRef>
+        </p:style>
+        <p:txBody>
+          <a:bodyPr rtlCol="0" anchor="ctr"/>
+          <a:lstStyle/>
+          <a:p>
+            <a:pPr algn="ctr"/>
             <a:endParaRPr lang="pt-BR"/>
           </a:p>
         </p:txBody>
       </p:sp>
       <p:sp>
         <p:nvSpPr>
-          <p:cNvPr id="3" name="Espaço Reservado para Conteúdo 2">
-            <a:extLst>
-              <a:ext uri="{FF2B5EF4-FFF2-40B4-BE49-F238E27FC236}">
-                <a16:creationId xmlns:a16="http://schemas.microsoft.com/office/drawing/2014/main" id="{38F58BD4-7515-4158-B00D-1BC87F3ECC36}"/>
-              </a:ext>
-            </a:extLst>
-          </p:cNvPr>
-          <p:cNvSpPr>
-            <a:spLocks noGrp="1"/>
-          </p:cNvSpPr>
-          <p:nvPr>
-            <p:ph idx="1"/>
-          </p:nvPr>
+          <p:cNvPr id="11" name="Retângulo 10">
+            <a:extLst>
+              <a:ext uri="{FF2B5EF4-FFF2-40B4-BE49-F238E27FC236}">
+                <a16:creationId xmlns:a16="http://schemas.microsoft.com/office/drawing/2014/main" id="{0E5C7E34-511E-4DC5-8C50-35AF60A83435}"/>
+              </a:ext>
+            </a:extLst>
+          </p:cNvPr>
+          <p:cNvSpPr/>
+          <p:nvPr/>
         </p:nvSpPr>
         <p:spPr>
           <a:xfrm>
-            <a:off x="838200" y="1825625"/>
-            <a:ext cx="10515600" cy="4351338"/>
+            <a:off x="8979243" y="1911525"/>
+            <a:ext cx="3212757" cy="1103870"/>
           </a:xfrm>
+          <a:prstGeom prst="rect">
+            <a:avLst/>
+          </a:prstGeom>
+          <a:solidFill>
+            <a:schemeClr val="bg1"/>
+          </a:solidFill>
+          <a:ln>
+            <a:noFill/>
+          </a:ln>
         </p:spPr>
+        <p:style>
+          <a:lnRef idx="2">
+            <a:schemeClr val="accent1">
+              <a:shade val="50000"/>
+            </a:schemeClr>
+          </a:lnRef>
+          <a:fillRef idx="1">
+            <a:schemeClr val="accent1"/>
+          </a:fillRef>
+          <a:effectRef idx="0">
+            <a:schemeClr val="accent1"/>
+          </a:effectRef>
+          <a:fontRef idx="minor">
+            <a:schemeClr val="lt1"/>
+          </a:fontRef>
+        </p:style>
+        <p:txBody>
+          <a:bodyPr rtlCol="0" anchor="ctr"/>
+          <a:lstStyle/>
+          <a:p>
+            <a:pPr algn="ctr"/>
+            <a:endParaRPr lang="pt-BR"/>
+          </a:p>
+        </p:txBody>
+      </p:sp>
+      <p:sp>
+        <p:nvSpPr>
+          <p:cNvPr id="12" name="CaixaDeTexto 11">
+            <a:extLst>
+              <a:ext uri="{FF2B5EF4-FFF2-40B4-BE49-F238E27FC236}">
+                <a16:creationId xmlns:a16="http://schemas.microsoft.com/office/drawing/2014/main" id="{74E3C062-A0CA-4970-A59C-E4C321297B31}"/>
+              </a:ext>
+            </a:extLst>
+          </p:cNvPr>
+          <p:cNvSpPr txBox="1"/>
+          <p:nvPr/>
+        </p:nvSpPr>
+        <p:spPr>
+          <a:xfrm>
+            <a:off x="9778314" y="2001795"/>
+            <a:ext cx="2413686" cy="923330"/>
+          </a:xfrm>
+          <a:prstGeom prst="rect">
+            <a:avLst/>
+          </a:prstGeom>
+          <a:noFill/>
+        </p:spPr>
+        <p:txBody>
+          <a:bodyPr wrap="square" rtlCol="0">
+            <a:spAutoFit/>
+          </a:bodyPr>
+          <a:lstStyle/>
+          <a:p>
+            <a:r>
+              <a:rPr lang="pt-BR" dirty="0"/>
+              <a:t>C </a:t>
+            </a:r>
+            <a:r>
+              <a:rPr lang="pt-BR" dirty="0">
+                <a:solidFill>
+                  <a:srgbClr val="F0AD4E"/>
+                </a:solidFill>
+              </a:rPr>
+              <a:t>-&gt;</a:t>
+            </a:r>
+            <a:r>
+              <a:rPr lang="pt-BR" dirty="0"/>
+              <a:t> 130.81 Hz</a:t>
+            </a:r>
+          </a:p>
+          <a:p>
+            <a:r>
+              <a:rPr lang="pt-BR" dirty="0"/>
+              <a:t>E </a:t>
+            </a:r>
+            <a:r>
+              <a:rPr lang="pt-BR" dirty="0">
+                <a:solidFill>
+                  <a:srgbClr val="F0AD4E"/>
+                </a:solidFill>
+              </a:rPr>
+              <a:t>-&gt;</a:t>
+            </a:r>
+            <a:r>
+              <a:rPr lang="pt-BR" dirty="0"/>
+              <a:t> 164.81 Hz</a:t>
+            </a:r>
+          </a:p>
+          <a:p>
+            <a:r>
+              <a:rPr lang="pt-BR" dirty="0"/>
+              <a:t>G </a:t>
+            </a:r>
+            <a:r>
+              <a:rPr lang="pt-BR" dirty="0">
+                <a:solidFill>
+                  <a:srgbClr val="F0AD4E"/>
+                </a:solidFill>
+              </a:rPr>
+              <a:t>-&gt;</a:t>
+            </a:r>
+            <a:r>
+              <a:rPr lang="pt-BR" dirty="0"/>
+              <a:t> 196.00 Hz</a:t>
+            </a:r>
+          </a:p>
+        </p:txBody>
+      </p:sp>
+      <p:sp>
+        <p:nvSpPr>
+          <p:cNvPr id="16" name="Espaço Reservado para Número de Slide 15">
+            <a:extLst>
+              <a:ext uri="{FF2B5EF4-FFF2-40B4-BE49-F238E27FC236}">
+                <a16:creationId xmlns:a16="http://schemas.microsoft.com/office/drawing/2014/main" id="{BE22234F-AE2F-42FA-9835-7A9561A6BEAD}"/>
+              </a:ext>
+            </a:extLst>
+          </p:cNvPr>
+          <p:cNvSpPr>
+            <a:spLocks noGrp="1"/>
+          </p:cNvSpPr>
+          <p:nvPr>
+            <p:ph type="sldNum" sz="quarter" idx="12"/>
+          </p:nvPr>
+        </p:nvSpPr>
+        <p:spPr/>
         <p:txBody>
           <a:bodyPr/>
           <a:lstStyle/>
           <a:p>
+            <a:fld id="{33568D6D-ECDC-4F67-8140-691F6B31FF65}" type="slidenum">
+              <a:rPr lang="pt-BR" smtClean="0"/>
+              <a:t>5</a:t>
+            </a:fld>
+            <a:endParaRPr lang="pt-BR"/>
+          </a:p>
+        </p:txBody>
+      </p:sp>
+    </p:spTree>
+    <p:extLst>
+      <p:ext uri="{BB962C8B-B14F-4D97-AF65-F5344CB8AC3E}">
+        <p14:creationId xmlns:p14="http://schemas.microsoft.com/office/powerpoint/2010/main" val="788912929"/>
+      </p:ext>
+    </p:extLst>
+  </p:cSld>
+  <p:clrMapOvr>
+    <a:masterClrMapping/>
+  </p:clrMapOvr>
+  <mc:AlternateContent xmlns:mc="http://schemas.openxmlformats.org/markup-compatibility/2006">
+    <mc:Choice xmlns:p159="http://schemas.microsoft.com/office/powerpoint/2015/09/main" Requires="p159">
+      <p:transition>
+        <p159:morph option="byObject"/>
+      </p:transition>
+    </mc:Choice>
+    <mc:Fallback>
+      <p:transition>
+        <p:fade/>
+      </p:transition>
+    </mc:Fallback>
+  </mc:AlternateContent>
+</p:sld>
+</file>
+
+<file path=ppt/slides/slide6.xml><?xml version="1.0" encoding="utf-8"?>
+<p:sld xmlns:a="http://schemas.openxmlformats.org/drawingml/2006/main" xmlns:r="http://schemas.openxmlformats.org/officeDocument/2006/relationships" xmlns:p="http://schemas.openxmlformats.org/presentationml/2006/main">
+  <p:cSld>
+    <p:spTree>
+      <p:nvGrpSpPr>
+        <p:cNvPr id="1" name=""/>
+        <p:cNvGrpSpPr/>
+        <p:nvPr/>
+      </p:nvGrpSpPr>
+      <p:grpSpPr>
+        <a:xfrm>
+          <a:off x="0" y="0"/>
+          <a:ext cx="0" cy="0"/>
+          <a:chOff x="0" y="0"/>
+          <a:chExt cx="0" cy="0"/>
+        </a:xfrm>
+      </p:grpSpPr>
+      <p:sp>
+        <p:nvSpPr>
+          <p:cNvPr id="5" name="Retângulo 4">
+            <a:extLst>
+              <a:ext uri="{FF2B5EF4-FFF2-40B4-BE49-F238E27FC236}">
+                <a16:creationId xmlns:a16="http://schemas.microsoft.com/office/drawing/2014/main" id="{9CA9E269-B88E-4E69-A45F-592363FE202A}"/>
+              </a:ext>
+            </a:extLst>
+          </p:cNvPr>
+          <p:cNvSpPr/>
+          <p:nvPr/>
+        </p:nvSpPr>
+        <p:spPr>
+          <a:xfrm>
+            <a:off x="-76200" y="3724275"/>
+            <a:ext cx="12411075" cy="1390650"/>
+          </a:xfrm>
+          <a:prstGeom prst="rect">
+            <a:avLst/>
+          </a:prstGeom>
+          <a:solidFill>
+            <a:schemeClr val="bg1"/>
+          </a:solidFill>
+          <a:ln>
+            <a:noFill/>
+          </a:ln>
+        </p:spPr>
+        <p:style>
+          <a:lnRef idx="2">
+            <a:schemeClr val="accent1">
+              <a:shade val="50000"/>
+            </a:schemeClr>
+          </a:lnRef>
+          <a:fillRef idx="1">
+            <a:schemeClr val="accent1"/>
+          </a:fillRef>
+          <a:effectRef idx="0">
+            <a:schemeClr val="accent1"/>
+          </a:effectRef>
+          <a:fontRef idx="minor">
+            <a:schemeClr val="lt1"/>
+          </a:fontRef>
+        </p:style>
+        <p:txBody>
+          <a:bodyPr rtlCol="0" anchor="ctr"/>
+          <a:lstStyle/>
+          <a:p>
+            <a:pPr algn="ctr"/>
+            <a:endParaRPr lang="pt-BR"/>
+          </a:p>
+        </p:txBody>
+      </p:sp>
+      <p:sp>
+        <p:nvSpPr>
+          <p:cNvPr id="2" name="Título 1">
+            <a:extLst>
+              <a:ext uri="{FF2B5EF4-FFF2-40B4-BE49-F238E27FC236}">
+                <a16:creationId xmlns:a16="http://schemas.microsoft.com/office/drawing/2014/main" id="{16396183-FAAC-47B4-8532-D9A09D334419}"/>
+              </a:ext>
+            </a:extLst>
+          </p:cNvPr>
+          <p:cNvSpPr>
+            <a:spLocks noGrp="1"/>
+          </p:cNvSpPr>
+          <p:nvPr>
+            <p:ph type="title"/>
+          </p:nvPr>
+        </p:nvSpPr>
+        <p:spPr/>
+        <p:txBody>
+          <a:bodyPr/>
+          <a:lstStyle/>
+          <a:p>
+            <a:r>
+              <a:rPr lang="pt-BR" dirty="0"/>
+              <a:t>Implementação</a:t>
+            </a:r>
+          </a:p>
+        </p:txBody>
+      </p:sp>
+      <p:sp>
+        <p:nvSpPr>
+          <p:cNvPr id="3" name="Espaço Reservado para Conteúdo 2">
+            <a:extLst>
+              <a:ext uri="{FF2B5EF4-FFF2-40B4-BE49-F238E27FC236}">
+                <a16:creationId xmlns:a16="http://schemas.microsoft.com/office/drawing/2014/main" id="{6FF8AAE8-8CC1-4389-9FC2-9415BD925ABF}"/>
+              </a:ext>
+            </a:extLst>
+          </p:cNvPr>
+          <p:cNvSpPr>
+            <a:spLocks noGrp="1"/>
+          </p:cNvSpPr>
+          <p:nvPr>
+            <p:ph idx="1"/>
+          </p:nvPr>
+        </p:nvSpPr>
+        <p:spPr/>
+        <p:txBody>
+          <a:bodyPr/>
+          <a:lstStyle/>
+          <a:p>
+            <a:pPr>
+              <a:buFont typeface="Courier New" panose="02070309020205020404" pitchFamily="49" charset="0"/>
+              <a:buChar char="o"/>
+            </a:pPr>
+            <a:r>
+              <a:rPr lang="pt-BR" dirty="0"/>
+              <a:t> Ambiente</a:t>
+            </a:r>
+          </a:p>
+          <a:p>
+            <a:pPr lvl="1">
+              <a:buFont typeface="Courier New" panose="02070309020205020404" pitchFamily="49" charset="0"/>
+              <a:buChar char="o"/>
+            </a:pPr>
+            <a:r>
+              <a:rPr lang="pt-BR" dirty="0"/>
+              <a:t>Torneio de dois em dois</a:t>
+            </a:r>
+          </a:p>
+          <a:p>
+            <a:pPr lvl="2">
+              <a:buFont typeface="Courier New" panose="02070309020205020404" pitchFamily="49" charset="0"/>
+              <a:buChar char="o"/>
+            </a:pPr>
+            <a:r>
+              <a:rPr lang="pt-BR" dirty="0"/>
+              <a:t>Fitness global</a:t>
+            </a:r>
+          </a:p>
+          <a:p>
             <a:endParaRPr lang="pt-BR" dirty="0"/>
+          </a:p>
+        </p:txBody>
+      </p:sp>
+      <p:sp>
+        <p:nvSpPr>
+          <p:cNvPr id="4" name="Retângulo 3">
+            <a:extLst>
+              <a:ext uri="{FF2B5EF4-FFF2-40B4-BE49-F238E27FC236}">
+                <a16:creationId xmlns:a16="http://schemas.microsoft.com/office/drawing/2014/main" id="{6B20AC76-B05C-4C08-9614-FBFE8B8C55DD}"/>
+              </a:ext>
+            </a:extLst>
+          </p:cNvPr>
+          <p:cNvSpPr/>
+          <p:nvPr/>
+        </p:nvSpPr>
+        <p:spPr>
+          <a:xfrm>
+            <a:off x="593132" y="541011"/>
+            <a:ext cx="128337" cy="973790"/>
+          </a:xfrm>
+          <a:prstGeom prst="rect">
+            <a:avLst/>
+          </a:prstGeom>
+          <a:solidFill>
+            <a:srgbClr val="F0AD4E"/>
+          </a:solidFill>
+          <a:ln>
+            <a:noFill/>
+          </a:ln>
+        </p:spPr>
+        <p:style>
+          <a:lnRef idx="2">
+            <a:schemeClr val="accent1">
+              <a:shade val="50000"/>
+            </a:schemeClr>
+          </a:lnRef>
+          <a:fillRef idx="1">
+            <a:schemeClr val="accent1"/>
+          </a:fillRef>
+          <a:effectRef idx="0">
+            <a:schemeClr val="accent1"/>
+          </a:effectRef>
+          <a:fontRef idx="minor">
+            <a:schemeClr val="lt1"/>
+          </a:fontRef>
+        </p:style>
+        <p:txBody>
+          <a:bodyPr rtlCol="0" anchor="ctr"/>
+          <a:lstStyle/>
+          <a:p>
+            <a:pPr algn="ctr"/>
+            <a:endParaRPr lang="pt-BR"/>
+          </a:p>
+        </p:txBody>
+      </p:sp>
+      <mc:AlternateContent xmlns:mc="http://schemas.openxmlformats.org/markup-compatibility/2006">
+        <mc:Choice xmlns:a14="http://schemas.microsoft.com/office/drawing/2010/main" Requires="a14">
+          <p:sp>
+            <p:nvSpPr>
+              <p:cNvPr id="14" name="CaixaDeTexto 13">
+                <a:extLst>
+                  <a:ext uri="{FF2B5EF4-FFF2-40B4-BE49-F238E27FC236}">
+                    <a16:creationId xmlns:a16="http://schemas.microsoft.com/office/drawing/2014/main" id="{797A3F77-914D-4A67-9AC7-B9CEA3474878}"/>
+                  </a:ext>
+                </a:extLst>
+              </p:cNvPr>
+              <p:cNvSpPr txBox="1"/>
+              <p:nvPr/>
+            </p:nvSpPr>
+            <p:spPr>
+              <a:xfrm>
+                <a:off x="419285" y="4001294"/>
+                <a:ext cx="11353429" cy="871649"/>
+              </a:xfrm>
+              <a:prstGeom prst="rect">
+                <a:avLst/>
+              </a:prstGeom>
+              <a:noFill/>
+            </p:spPr>
+            <p:txBody>
+              <a:bodyPr wrap="none" lIns="0" tIns="0" rIns="0" bIns="0" rtlCol="0">
+                <a:spAutoFit/>
+              </a:bodyPr>
+              <a:lstStyle/>
+              <a:p>
+                <a14:m>
+                  <m:oMathPara xmlns:m="http://schemas.openxmlformats.org/officeDocument/2006/math">
+                    <m:oMathParaPr>
+                      <m:jc m:val="centerGroup"/>
+                    </m:oMathParaPr>
+                    <m:oMath xmlns:m="http://schemas.openxmlformats.org/officeDocument/2006/math">
+                      <m:r>
+                        <a:rPr lang="pt-BR" sz="2000" i="1" smtClean="0">
+                          <a:latin typeface="Cambria Math" panose="02040503050406030204" pitchFamily="18" charset="0"/>
+                        </a:rPr>
+                        <m:t>𝑓</m:t>
+                      </m:r>
+                      <m:d>
+                        <m:dPr>
+                          <m:ctrlPr>
+                            <a:rPr lang="pt-BR" sz="2000" i="1" smtClean="0">
+                              <a:latin typeface="Cambria Math" panose="02040503050406030204" pitchFamily="18" charset="0"/>
+                            </a:rPr>
+                          </m:ctrlPr>
+                        </m:dPr>
+                        <m:e>
+                          <m:r>
+                            <a:rPr lang="pt-BR" sz="2000" i="1" smtClean="0">
+                              <a:latin typeface="Cambria Math" panose="02040503050406030204" pitchFamily="18" charset="0"/>
+                            </a:rPr>
+                            <m:t>𝑥</m:t>
+                          </m:r>
+                        </m:e>
+                      </m:d>
+                      <m:r>
+                        <a:rPr lang="pt-BR" sz="2000" i="1" smtClean="0">
+                          <a:latin typeface="Cambria Math" panose="02040503050406030204" pitchFamily="18" charset="0"/>
+                        </a:rPr>
+                        <m:t>=</m:t>
+                      </m:r>
+                      <m:nary>
+                        <m:naryPr>
+                          <m:chr m:val="∑"/>
+                          <m:ctrlPr>
+                            <a:rPr lang="pt-BR" sz="2000" i="1" smtClean="0">
+                              <a:latin typeface="Cambria Math" panose="02040503050406030204" pitchFamily="18" charset="0"/>
+                            </a:rPr>
+                          </m:ctrlPr>
+                        </m:naryPr>
+                        <m:sub>
+                          <m:r>
+                            <a:rPr lang="pt-BR" sz="2000" i="1" smtClean="0">
+                              <a:latin typeface="Cambria Math" panose="02040503050406030204" pitchFamily="18" charset="0"/>
+                            </a:rPr>
+                            <m:t>𝑛</m:t>
+                          </m:r>
+                          <m:r>
+                            <a:rPr lang="pt-BR" sz="2000" i="1" smtClean="0">
+                              <a:latin typeface="Cambria Math" panose="02040503050406030204" pitchFamily="18" charset="0"/>
+                            </a:rPr>
+                            <m:t>=1</m:t>
+                          </m:r>
+                        </m:sub>
+                        <m:sup>
+                          <m:r>
+                            <a:rPr lang="pt-BR" sz="2000" b="0" i="1" smtClean="0">
+                              <a:latin typeface="Cambria Math" panose="02040503050406030204" pitchFamily="18" charset="0"/>
+                            </a:rPr>
+                            <m:t>𝑛𝑢𝑚𝑒𝑟𝑜</m:t>
+                          </m:r>
+                          <m:r>
+                            <a:rPr lang="pt-BR" sz="2000" b="0" i="1" smtClean="0">
+                              <a:latin typeface="Cambria Math" panose="02040503050406030204" pitchFamily="18" charset="0"/>
+                            </a:rPr>
+                            <m:t> </m:t>
+                          </m:r>
+                          <m:r>
+                            <a:rPr lang="pt-BR" sz="2000" b="0" i="1" smtClean="0">
+                              <a:latin typeface="Cambria Math" panose="02040503050406030204" pitchFamily="18" charset="0"/>
+                            </a:rPr>
+                            <m:t>𝑑𝑒</m:t>
+                          </m:r>
+                          <m:r>
+                            <a:rPr lang="pt-BR" sz="2000" b="0" i="1" smtClean="0">
+                              <a:latin typeface="Cambria Math" panose="02040503050406030204" pitchFamily="18" charset="0"/>
+                            </a:rPr>
+                            <m:t> </m:t>
+                          </m:r>
+                          <m:r>
+                            <a:rPr lang="pt-BR" sz="2000" b="0" i="1" smtClean="0">
+                              <a:latin typeface="Cambria Math" panose="02040503050406030204" pitchFamily="18" charset="0"/>
+                            </a:rPr>
+                            <m:t>𝑛𝑜𝑡𝑎𝑠</m:t>
+                          </m:r>
+                        </m:sup>
+                        <m:e>
+                          <m:f>
+                            <m:fPr>
+                              <m:ctrlPr>
+                                <a:rPr lang="pt-BR" sz="2000" b="0" i="1" smtClean="0">
+                                  <a:latin typeface="Cambria Math" panose="02040503050406030204" pitchFamily="18" charset="0"/>
+                                </a:rPr>
+                              </m:ctrlPr>
+                            </m:fPr>
+                            <m:num>
+                              <m:d>
+                                <m:dPr>
+                                  <m:begChr m:val="|"/>
+                                  <m:endChr m:val="|"/>
+                                  <m:ctrlPr>
+                                    <a:rPr lang="pt-BR" sz="2000" b="0" i="1" smtClean="0">
+                                      <a:latin typeface="Cambria Math" panose="02040503050406030204" pitchFamily="18" charset="0"/>
+                                    </a:rPr>
+                                  </m:ctrlPr>
+                                </m:dPr>
+                                <m:e>
+                                  <m:r>
+                                    <a:rPr lang="pt-BR" sz="2000" i="1" smtClean="0">
+                                      <a:latin typeface="Cambria Math" panose="02040503050406030204" pitchFamily="18" charset="0"/>
+                                    </a:rPr>
+                                    <m:t>𝑛</m:t>
+                                  </m:r>
+                                  <m:r>
+                                    <a:rPr lang="pt-BR" sz="2000" b="0" i="1" smtClean="0">
+                                      <a:latin typeface="Cambria Math" panose="02040503050406030204" pitchFamily="18" charset="0"/>
+                                    </a:rPr>
+                                    <m:t>𝑜𝑡𝑎𝐿𝑜𝑐𝑎𝑙</m:t>
+                                  </m:r>
+                                  <m:r>
+                                    <a:rPr lang="pt-BR" sz="2000" b="0" i="1" baseline="-25000" smtClean="0">
+                                      <a:latin typeface="Cambria Math" panose="02040503050406030204" pitchFamily="18" charset="0"/>
+                                    </a:rPr>
+                                    <m:t>𝑛</m:t>
+                                  </m:r>
+                                  <m:r>
+                                    <a:rPr lang="pt-BR" sz="2000" i="1">
+                                      <a:latin typeface="Cambria Math" panose="02040503050406030204" pitchFamily="18" charset="0"/>
+                                    </a:rPr>
+                                    <m:t>- </m:t>
+                                  </m:r>
+                                  <m:r>
+                                    <a:rPr lang="pt-BR" sz="2000" b="0" i="1" smtClean="0">
+                                      <a:latin typeface="Cambria Math" panose="02040503050406030204" pitchFamily="18" charset="0"/>
+                                    </a:rPr>
+                                    <m:t>𝑛𝑜𝑡𝑎𝐺𝑙𝑜𝑏𝑎𝑙</m:t>
+                                  </m:r>
+                                  <m:r>
+                                    <a:rPr lang="pt-BR" sz="2000" b="0" i="1" baseline="-25000" smtClean="0">
+                                      <a:latin typeface="Cambria Math" panose="02040503050406030204" pitchFamily="18" charset="0"/>
+                                    </a:rPr>
+                                    <m:t>𝑛</m:t>
+                                  </m:r>
+                                </m:e>
+                              </m:d>
+                            </m:num>
+                            <m:den>
+                              <m:r>
+                                <a:rPr lang="pt-BR" sz="2000" i="1">
+                                  <a:latin typeface="Cambria Math" panose="02040503050406030204" pitchFamily="18" charset="0"/>
+                                </a:rPr>
+                                <m:t>𝐵</m:t>
+                              </m:r>
+                              <m:r>
+                                <a:rPr lang="pt-BR" sz="2000" b="0" i="1" smtClean="0">
+                                  <a:latin typeface="Cambria Math" panose="02040503050406030204" pitchFamily="18" charset="0"/>
+                                </a:rPr>
+                                <m:t>−</m:t>
+                              </m:r>
+                              <m:r>
+                                <a:rPr lang="pt-BR" sz="2000" b="0" i="1" smtClean="0">
+                                  <a:latin typeface="Cambria Math" panose="02040503050406030204" pitchFamily="18" charset="0"/>
+                                </a:rPr>
+                                <m:t>𝐶</m:t>
+                              </m:r>
+                            </m:den>
+                          </m:f>
+                          <m:r>
+                            <a:rPr lang="pt-BR" sz="2000" i="1">
+                              <a:latin typeface="Cambria Math" panose="02040503050406030204" pitchFamily="18" charset="0"/>
+                            </a:rPr>
+                            <m:t> * </m:t>
+                          </m:r>
+                          <m:r>
+                            <a:rPr lang="pt-BR" sz="2000" i="1">
+                              <a:latin typeface="Cambria Math" panose="02040503050406030204" pitchFamily="18" charset="0"/>
+                            </a:rPr>
+                            <m:t>𝑝𝑒𝑠𝑜𝑓</m:t>
+                          </m:r>
+                          <m:r>
+                            <a:rPr lang="pt-BR" sz="2000" i="1">
+                              <a:latin typeface="Cambria Math" panose="02040503050406030204" pitchFamily="18" charset="0"/>
+                            </a:rPr>
+                            <m:t> +</m:t>
+                          </m:r>
+                          <m:f>
+                            <m:fPr>
+                              <m:ctrlPr>
+                                <a:rPr lang="pt-BR" sz="2000" b="0" i="1" smtClean="0">
+                                  <a:latin typeface="Cambria Math" panose="02040503050406030204" pitchFamily="18" charset="0"/>
+                                </a:rPr>
+                              </m:ctrlPr>
+                            </m:fPr>
+                            <m:num>
+                              <m:d>
+                                <m:dPr>
+                                  <m:begChr m:val="|"/>
+                                  <m:endChr m:val="|"/>
+                                  <m:ctrlPr>
+                                    <a:rPr lang="pt-BR" sz="2000" b="0" i="1" smtClean="0">
+                                      <a:latin typeface="Cambria Math" panose="02040503050406030204" pitchFamily="18" charset="0"/>
+                                    </a:rPr>
+                                  </m:ctrlPr>
+                                </m:dPr>
+                                <m:e>
+                                  <m:r>
+                                    <a:rPr lang="pt-BR" sz="2000" i="1">
+                                      <a:latin typeface="Cambria Math" panose="02040503050406030204" pitchFamily="18" charset="0"/>
+                                    </a:rPr>
+                                    <m:t>𝑑</m:t>
+                                  </m:r>
+                                  <m:r>
+                                    <a:rPr lang="pt-BR" sz="2000" b="0" i="1" smtClean="0">
+                                      <a:latin typeface="Cambria Math" panose="02040503050406030204" pitchFamily="18" charset="0"/>
+                                    </a:rPr>
+                                    <m:t>𝑢𝑟𝑎𝑐𝑎𝑜𝐿𝑜𝑐𝑎𝑙</m:t>
+                                  </m:r>
+                                  <m:r>
+                                    <a:rPr lang="pt-BR" sz="2000" b="0" i="1" baseline="-25000" smtClean="0">
+                                      <a:latin typeface="Cambria Math" panose="02040503050406030204" pitchFamily="18" charset="0"/>
+                                    </a:rPr>
+                                    <m:t>𝑛</m:t>
+                                  </m:r>
+                                  <m:r>
+                                    <a:rPr lang="pt-BR" sz="2000" i="1">
+                                      <a:latin typeface="Cambria Math" panose="02040503050406030204" pitchFamily="18" charset="0"/>
+                                    </a:rPr>
+                                    <m:t>- </m:t>
+                                  </m:r>
+                                  <m:r>
+                                    <a:rPr lang="pt-BR" sz="2000" i="1">
+                                      <a:latin typeface="Cambria Math" panose="02040503050406030204" pitchFamily="18" charset="0"/>
+                                    </a:rPr>
+                                    <m:t>𝑑𝑢𝑟𝑎𝑐𝑎</m:t>
+                                  </m:r>
+                                  <m:r>
+                                    <a:rPr lang="pt-BR" sz="2000" b="0" i="1" smtClean="0">
+                                      <a:latin typeface="Cambria Math" panose="02040503050406030204" pitchFamily="18" charset="0"/>
+                                    </a:rPr>
+                                    <m:t>𝑜𝐺𝑙𝑜𝑏𝑎𝑙𝑛</m:t>
+                                  </m:r>
+                                </m:e>
+                              </m:d>
+                            </m:num>
+                            <m:den>
+                              <m:r>
+                                <a:rPr lang="pt-BR" sz="2000" b="0" i="1" smtClean="0">
+                                  <a:latin typeface="Cambria Math" panose="02040503050406030204" pitchFamily="18" charset="0"/>
+                                </a:rPr>
+                                <m:t>𝑑𝑢𝑟𝑎𝑐𝑎𝑜𝑀𝑎𝑥</m:t>
+                              </m:r>
+                              <m:r>
+                                <a:rPr lang="pt-BR" sz="2000" b="0" i="1" baseline="-25000" smtClean="0">
+                                  <a:latin typeface="Cambria Math" panose="02040503050406030204" pitchFamily="18" charset="0"/>
+                                </a:rPr>
+                                <m:t> </m:t>
+                              </m:r>
+                              <m:r>
+                                <a:rPr lang="pt-BR" sz="2000" b="0" i="1" smtClean="0">
+                                  <a:latin typeface="Cambria Math" panose="02040503050406030204" pitchFamily="18" charset="0"/>
+                                </a:rPr>
+                                <m:t>−</m:t>
+                              </m:r>
+                              <m:r>
+                                <a:rPr lang="pt-BR" sz="2000" b="0" i="1" smtClean="0">
+                                  <a:latin typeface="Cambria Math" panose="02040503050406030204" pitchFamily="18" charset="0"/>
+                                </a:rPr>
+                                <m:t>𝑑𝑢𝑟𝑎𝑐𝑎𝑜𝑀𝑖𝑛</m:t>
+                              </m:r>
+                            </m:den>
+                          </m:f>
+                          <m:r>
+                            <a:rPr lang="pt-BR" sz="2000" i="1">
+                              <a:latin typeface="Cambria Math" panose="02040503050406030204" pitchFamily="18" charset="0"/>
+                            </a:rPr>
+                            <m:t> * </m:t>
+                          </m:r>
+                          <m:r>
+                            <a:rPr lang="pt-BR" sz="2000" i="1">
+                              <a:latin typeface="Cambria Math" panose="02040503050406030204" pitchFamily="18" charset="0"/>
+                            </a:rPr>
+                            <m:t>𝑝𝑒𝑠𝑜𝑑</m:t>
+                          </m:r>
+                        </m:e>
+                      </m:nary>
+                    </m:oMath>
+                  </m:oMathPara>
+                </a14:m>
+                <a:endParaRPr lang="pt-BR" sz="2000" dirty="0"/>
+              </a:p>
+            </p:txBody>
+          </p:sp>
+        </mc:Choice>
+        <mc:Fallback>
+          <p:sp>
+            <p:nvSpPr>
+              <p:cNvPr id="14" name="CaixaDeTexto 13">
+                <a:extLst>
+                  <a:ext uri="{FF2B5EF4-FFF2-40B4-BE49-F238E27FC236}">
+                    <a16:creationId xmlns:a16="http://schemas.microsoft.com/office/drawing/2014/main" id="{797A3F77-914D-4A67-9AC7-B9CEA3474878}"/>
+                  </a:ext>
+                </a:extLst>
+              </p:cNvPr>
+              <p:cNvSpPr txBox="1">
+                <a:spLocks noRot="1" noChangeAspect="1" noMove="1" noResize="1" noEditPoints="1" noAdjustHandles="1" noChangeArrowheads="1" noChangeShapeType="1" noTextEdit="1"/>
+              </p:cNvSpPr>
+              <p:nvPr/>
+            </p:nvSpPr>
+            <p:spPr>
+              <a:xfrm>
+                <a:off x="419285" y="4001294"/>
+                <a:ext cx="11353429" cy="871649"/>
+              </a:xfrm>
+              <a:prstGeom prst="rect">
+                <a:avLst/>
+              </a:prstGeom>
+              <a:blipFill>
+                <a:blip r:embed="rId2"/>
+                <a:stretch>
+                  <a:fillRect/>
+                </a:stretch>
+              </a:blipFill>
+            </p:spPr>
+            <p:txBody>
+              <a:bodyPr/>
+              <a:lstStyle/>
+              <a:p>
+                <a:r>
+                  <a:rPr lang="pt-BR">
+                    <a:noFill/>
+                  </a:rPr>
+                  <a:t> </a:t>
+                </a:r>
+              </a:p>
+            </p:txBody>
+          </p:sp>
+        </mc:Fallback>
+      </mc:AlternateContent>
+      <p:sp>
+        <p:nvSpPr>
+          <p:cNvPr id="6" name="Espaço Reservado para Número de Slide 5">
+            <a:extLst>
+              <a:ext uri="{FF2B5EF4-FFF2-40B4-BE49-F238E27FC236}">
+                <a16:creationId xmlns:a16="http://schemas.microsoft.com/office/drawing/2014/main" id="{2817AF29-351E-4AD2-BE0D-A32E79286934}"/>
+              </a:ext>
+            </a:extLst>
+          </p:cNvPr>
+          <p:cNvSpPr>
+            <a:spLocks noGrp="1"/>
+          </p:cNvSpPr>
+          <p:nvPr>
+            <p:ph type="sldNum" sz="quarter" idx="12"/>
+          </p:nvPr>
+        </p:nvSpPr>
+        <p:spPr/>
+        <p:txBody>
+          <a:bodyPr/>
+          <a:lstStyle/>
+          <a:p>
+            <a:fld id="{33568D6D-ECDC-4F67-8140-691F6B31FF65}" type="slidenum">
+              <a:rPr lang="pt-BR" smtClean="0"/>
+              <a:t>6</a:t>
+            </a:fld>
+            <a:endParaRPr lang="pt-BR"/>
+          </a:p>
+        </p:txBody>
+      </p:sp>
+    </p:spTree>
+    <p:extLst>
+      <p:ext uri="{BB962C8B-B14F-4D97-AF65-F5344CB8AC3E}">
+        <p14:creationId xmlns:p14="http://schemas.microsoft.com/office/powerpoint/2010/main" val="2984271196"/>
+      </p:ext>
+    </p:extLst>
+  </p:cSld>
+  <p:clrMapOvr>
+    <a:masterClrMapping/>
+  </p:clrMapOvr>
+  <mc:AlternateContent xmlns:mc="http://schemas.openxmlformats.org/markup-compatibility/2006">
+    <mc:Choice xmlns:p159="http://schemas.microsoft.com/office/powerpoint/2015/09/main" Requires="p159">
+      <p:transition>
+        <p159:morph option="byObject"/>
+      </p:transition>
+    </mc:Choice>
+    <mc:Fallback>
+      <p:transition>
+        <p:fade/>
+      </p:transition>
+    </mc:Fallback>
+  </mc:AlternateContent>
+</p:sld>
+</file>
+
+<file path=ppt/slides/slide7.xml><?xml version="1.0" encoding="utf-8"?>
+<p:sld xmlns:a="http://schemas.openxmlformats.org/drawingml/2006/main" xmlns:r="http://schemas.openxmlformats.org/officeDocument/2006/relationships" xmlns:p="http://schemas.openxmlformats.org/presentationml/2006/main">
+  <p:cSld>
+    <p:spTree>
+      <p:nvGrpSpPr>
+        <p:cNvPr id="1" name=""/>
+        <p:cNvGrpSpPr/>
+        <p:nvPr/>
+      </p:nvGrpSpPr>
+      <p:grpSpPr>
+        <a:xfrm>
+          <a:off x="0" y="0"/>
+          <a:ext cx="0" cy="0"/>
+          <a:chOff x="0" y="0"/>
+          <a:chExt cx="0" cy="0"/>
+        </a:xfrm>
+      </p:grpSpPr>
+      <p:sp>
+        <p:nvSpPr>
+          <p:cNvPr id="7" name="Retângulo 6">
+            <a:extLst>
+              <a:ext uri="{FF2B5EF4-FFF2-40B4-BE49-F238E27FC236}">
+                <a16:creationId xmlns:a16="http://schemas.microsoft.com/office/drawing/2014/main" id="{EAE54499-9E36-40BB-83E2-F1DC420531E8}"/>
+              </a:ext>
+            </a:extLst>
+          </p:cNvPr>
+          <p:cNvSpPr/>
+          <p:nvPr/>
+        </p:nvSpPr>
+        <p:spPr>
+          <a:xfrm>
+            <a:off x="914400" y="3095625"/>
+            <a:ext cx="10289597" cy="905669"/>
+          </a:xfrm>
+          <a:prstGeom prst="rect">
+            <a:avLst/>
+          </a:prstGeom>
+          <a:solidFill>
+            <a:schemeClr val="bg1"/>
+          </a:solidFill>
+          <a:ln>
+            <a:noFill/>
+          </a:ln>
+        </p:spPr>
+        <p:style>
+          <a:lnRef idx="2">
+            <a:schemeClr val="accent1">
+              <a:shade val="50000"/>
+            </a:schemeClr>
+          </a:lnRef>
+          <a:fillRef idx="1">
+            <a:schemeClr val="accent1"/>
+          </a:fillRef>
+          <a:effectRef idx="0">
+            <a:schemeClr val="accent1"/>
+          </a:effectRef>
+          <a:fontRef idx="minor">
+            <a:schemeClr val="lt1"/>
+          </a:fontRef>
+        </p:style>
+        <p:txBody>
+          <a:bodyPr rtlCol="0" anchor="ctr"/>
+          <a:lstStyle/>
+          <a:p>
+            <a:pPr algn="ctr"/>
+            <a:endParaRPr lang="pt-BR"/>
+          </a:p>
+        </p:txBody>
+      </p:sp>
+      <p:sp>
+        <p:nvSpPr>
+          <p:cNvPr id="2" name="Título 1">
+            <a:extLst>
+              <a:ext uri="{FF2B5EF4-FFF2-40B4-BE49-F238E27FC236}">
+                <a16:creationId xmlns:a16="http://schemas.microsoft.com/office/drawing/2014/main" id="{16396183-FAAC-47B4-8532-D9A09D334419}"/>
+              </a:ext>
+            </a:extLst>
+          </p:cNvPr>
+          <p:cNvSpPr>
+            <a:spLocks noGrp="1"/>
+          </p:cNvSpPr>
+          <p:nvPr>
+            <p:ph type="title"/>
+          </p:nvPr>
+        </p:nvSpPr>
+        <p:spPr/>
+        <p:txBody>
+          <a:bodyPr/>
+          <a:lstStyle/>
+          <a:p>
+            <a:r>
+              <a:rPr lang="pt-BR" dirty="0"/>
+              <a:t>Implementação</a:t>
+            </a:r>
+          </a:p>
+        </p:txBody>
+      </p:sp>
+      <p:sp>
+        <p:nvSpPr>
+          <p:cNvPr id="3" name="Espaço Reservado para Conteúdo 2">
+            <a:extLst>
+              <a:ext uri="{FF2B5EF4-FFF2-40B4-BE49-F238E27FC236}">
+                <a16:creationId xmlns:a16="http://schemas.microsoft.com/office/drawing/2014/main" id="{6FF8AAE8-8CC1-4389-9FC2-9415BD925ABF}"/>
+              </a:ext>
+            </a:extLst>
+          </p:cNvPr>
+          <p:cNvSpPr>
+            <a:spLocks noGrp="1"/>
+          </p:cNvSpPr>
+          <p:nvPr>
+            <p:ph idx="1"/>
+          </p:nvPr>
+        </p:nvSpPr>
+        <p:spPr/>
+        <p:txBody>
+          <a:bodyPr/>
+          <a:lstStyle/>
+          <a:p>
+            <a:pPr>
+              <a:buFont typeface="Courier New" panose="02070309020205020404" pitchFamily="49" charset="0"/>
+              <a:buChar char="o"/>
+            </a:pPr>
+            <a:r>
+              <a:rPr lang="pt-BR" dirty="0"/>
+              <a:t> Crossover</a:t>
+            </a:r>
+          </a:p>
+          <a:p>
+            <a:pPr lvl="1">
+              <a:buFont typeface="Courier New" panose="02070309020205020404" pitchFamily="49" charset="0"/>
+              <a:buChar char="o"/>
+            </a:pPr>
+            <a:r>
+              <a:rPr lang="pt-BR" dirty="0"/>
+              <a:t>Metade do número de notas do pai N que tem o melhor fitness</a:t>
+            </a:r>
+          </a:p>
+          <a:p>
+            <a:pPr lvl="1">
+              <a:buFont typeface="Courier New" panose="02070309020205020404" pitchFamily="49" charset="0"/>
+              <a:buChar char="o"/>
+            </a:pPr>
+            <a:r>
+              <a:rPr lang="pt-BR" dirty="0"/>
+              <a:t> Fitness local</a:t>
+            </a:r>
+          </a:p>
+          <a:p>
+            <a:pPr lvl="1">
+              <a:buFont typeface="Courier New" panose="02070309020205020404" pitchFamily="49" charset="0"/>
+              <a:buChar char="o"/>
+            </a:pPr>
+            <a:endParaRPr lang="pt-BR" dirty="0"/>
+          </a:p>
+          <a:p>
+            <a:pPr marL="0" indent="0">
+              <a:buNone/>
+            </a:pPr>
+            <a:r>
+              <a:rPr lang="pt-BR" dirty="0"/>
+              <a:t> </a:t>
+            </a:r>
+          </a:p>
+          <a:p>
+            <a:pPr>
+              <a:buFont typeface="Courier New" panose="02070309020205020404" pitchFamily="49" charset="0"/>
+              <a:buChar char="o"/>
+            </a:pPr>
+            <a:r>
+              <a:rPr lang="pt-BR" dirty="0"/>
+              <a:t>Mutação</a:t>
+            </a:r>
+          </a:p>
+          <a:p>
+            <a:pPr lvl="1">
+              <a:buFont typeface="Courier New" panose="02070309020205020404" pitchFamily="49" charset="0"/>
+              <a:buChar char="o"/>
+            </a:pPr>
+            <a:r>
+              <a:rPr lang="pt-BR" dirty="0"/>
+              <a:t> Fator de mutação: 0.05</a:t>
+            </a:r>
+          </a:p>
+          <a:p>
+            <a:pPr lvl="1">
+              <a:buFont typeface="Courier New" panose="02070309020205020404" pitchFamily="49" charset="0"/>
+              <a:buChar char="o"/>
+            </a:pPr>
+            <a:r>
+              <a:rPr lang="pt-BR" dirty="0"/>
+              <a:t> Altera a nota e duração em uma posição aleatória</a:t>
+            </a:r>
+          </a:p>
+        </p:txBody>
+      </p:sp>
+      <p:sp>
+        <p:nvSpPr>
+          <p:cNvPr id="4" name="Retângulo 3">
+            <a:extLst>
+              <a:ext uri="{FF2B5EF4-FFF2-40B4-BE49-F238E27FC236}">
+                <a16:creationId xmlns:a16="http://schemas.microsoft.com/office/drawing/2014/main" id="{6B20AC76-B05C-4C08-9614-FBFE8B8C55DD}"/>
+              </a:ext>
+            </a:extLst>
+          </p:cNvPr>
+          <p:cNvSpPr/>
+          <p:nvPr/>
+        </p:nvSpPr>
+        <p:spPr>
+          <a:xfrm>
+            <a:off x="593132" y="541011"/>
+            <a:ext cx="128337" cy="973790"/>
+          </a:xfrm>
+          <a:prstGeom prst="rect">
+            <a:avLst/>
+          </a:prstGeom>
+          <a:solidFill>
+            <a:srgbClr val="F0AD4E"/>
+          </a:solidFill>
+          <a:ln>
+            <a:noFill/>
+          </a:ln>
+        </p:spPr>
+        <p:style>
+          <a:lnRef idx="2">
+            <a:schemeClr val="accent1">
+              <a:shade val="50000"/>
+            </a:schemeClr>
+          </a:lnRef>
+          <a:fillRef idx="1">
+            <a:schemeClr val="accent1"/>
+          </a:fillRef>
+          <a:effectRef idx="0">
+            <a:schemeClr val="accent1"/>
+          </a:effectRef>
+          <a:fontRef idx="minor">
+            <a:schemeClr val="lt1"/>
+          </a:fontRef>
+        </p:style>
+        <p:txBody>
+          <a:bodyPr rtlCol="0" anchor="ctr"/>
+          <a:lstStyle/>
+          <a:p>
+            <a:pPr algn="ctr"/>
+            <a:endParaRPr lang="pt-BR"/>
           </a:p>
         </p:txBody>
       </p:sp>
       <p:pic>
         <p:nvPicPr>
-          <p:cNvPr id="4" name="Imagem 3">
-            <a:extLst>
-              <a:ext uri="{FF2B5EF4-FFF2-40B4-BE49-F238E27FC236}">
-                <a16:creationId xmlns:a16="http://schemas.microsoft.com/office/drawing/2014/main" id="{F73B0B4B-EFC8-40F3-A0F8-C1C760DDCE44}"/>
+          <p:cNvPr id="6" name="Gráfico 5">
+            <a:extLst>
+              <a:ext uri="{FF2B5EF4-FFF2-40B4-BE49-F238E27FC236}">
+                <a16:creationId xmlns:a16="http://schemas.microsoft.com/office/drawing/2014/main" id="{B90FED88-EEE1-4A8D-BC61-32361B728619}"/>
               </a:ext>
             </a:extLst>
           </p:cNvPr>
@@ -4303,31 +6768,752 @@
           <p:nvPr/>
         </p:nvPicPr>
         <p:blipFill>
-          <a:blip r:embed="rId2"/>
+          <a:blip r:embed="rId2">
+            <a:extLst>
+              <a:ext uri="{28A0092B-C50C-407E-A947-70E740481C1C}">
+                <a14:useLocalDpi xmlns:a14="http://schemas.microsoft.com/office/drawing/2010/main" val="0"/>
+              </a:ext>
+              <a:ext uri="{96DAC541-7B7A-43D3-8B79-37D633B846F1}">
+                <asvg:svgBlip xmlns:asvg="http://schemas.microsoft.com/office/drawing/2016/SVG/main" r:embed="rId3"/>
+              </a:ext>
+            </a:extLst>
+          </a:blip>
           <a:stretch>
             <a:fillRect/>
           </a:stretch>
         </p:blipFill>
         <p:spPr>
           <a:xfrm>
-            <a:off x="496410" y="619396"/>
-            <a:ext cx="11199179" cy="5450664"/>
+            <a:off x="8941378" y="4180681"/>
+            <a:ext cx="2412422" cy="2412422"/>
           </a:xfrm>
           <a:prstGeom prst="rect">
             <a:avLst/>
           </a:prstGeom>
         </p:spPr>
       </p:pic>
+      <mc:AlternateContent xmlns:mc="http://schemas.openxmlformats.org/markup-compatibility/2006">
+        <mc:Choice xmlns:a14="http://schemas.microsoft.com/office/drawing/2010/main" Requires="a14">
+          <p:sp>
+            <p:nvSpPr>
+              <p:cNvPr id="9" name="CaixaDeTexto 8">
+                <a:extLst>
+                  <a:ext uri="{FF2B5EF4-FFF2-40B4-BE49-F238E27FC236}">
+                    <a16:creationId xmlns:a16="http://schemas.microsoft.com/office/drawing/2014/main" id="{7D04E31E-FB45-40E2-9DA2-3C2FE66B3783}"/>
+                  </a:ext>
+                </a:extLst>
+              </p:cNvPr>
+              <p:cNvSpPr txBox="1"/>
+              <p:nvPr/>
+            </p:nvSpPr>
+            <p:spPr>
+              <a:xfrm>
+                <a:off x="1077350" y="3215736"/>
+                <a:ext cx="10037300" cy="548805"/>
+              </a:xfrm>
+              <a:prstGeom prst="rect">
+                <a:avLst/>
+              </a:prstGeom>
+              <a:noFill/>
+            </p:spPr>
+            <p:txBody>
+              <a:bodyPr wrap="none" lIns="0" tIns="0" rIns="0" bIns="0" rtlCol="0">
+                <a:spAutoFit/>
+              </a:bodyPr>
+              <a:lstStyle/>
+              <a:p>
+                <a14:m>
+                  <m:oMath xmlns:m="http://schemas.openxmlformats.org/officeDocument/2006/math">
+                    <m:r>
+                      <a:rPr lang="pt-BR" sz="2400" i="1" smtClean="0">
+                        <a:latin typeface="Cambria Math" panose="02040503050406030204" pitchFamily="18" charset="0"/>
+                      </a:rPr>
+                      <m:t>𝑓</m:t>
+                    </m:r>
+                    <m:d>
+                      <m:dPr>
+                        <m:ctrlPr>
+                          <a:rPr lang="pt-BR" sz="2400" i="1" smtClean="0">
+                            <a:latin typeface="Cambria Math" panose="02040503050406030204" pitchFamily="18" charset="0"/>
+                          </a:rPr>
+                        </m:ctrlPr>
+                      </m:dPr>
+                      <m:e>
+                        <m:r>
+                          <a:rPr lang="pt-BR" sz="2400" i="1" smtClean="0">
+                            <a:latin typeface="Cambria Math" panose="02040503050406030204" pitchFamily="18" charset="0"/>
+                          </a:rPr>
+                          <m:t>𝑥</m:t>
+                        </m:r>
+                      </m:e>
+                    </m:d>
+                    <m:r>
+                      <a:rPr lang="pt-BR" sz="2400" i="1" smtClean="0">
+                        <a:latin typeface="Cambria Math" panose="02040503050406030204" pitchFamily="18" charset="0"/>
+                      </a:rPr>
+                      <m:t>=</m:t>
+                    </m:r>
+                  </m:oMath>
+                </a14:m>
+                <a:r>
+                  <a:rPr lang="pt-BR" sz="2400" dirty="0"/>
+                  <a:t> </a:t>
+                </a:r>
+                <a14:m>
+                  <m:oMath xmlns:m="http://schemas.openxmlformats.org/officeDocument/2006/math">
+                    <m:f>
+                      <m:fPr>
+                        <m:ctrlPr>
+                          <a:rPr lang="pt-BR" sz="2400" i="1">
+                            <a:latin typeface="Cambria Math" panose="02040503050406030204" pitchFamily="18" charset="0"/>
+                          </a:rPr>
+                        </m:ctrlPr>
+                      </m:fPr>
+                      <m:num>
+                        <m:d>
+                          <m:dPr>
+                            <m:begChr m:val="|"/>
+                            <m:endChr m:val="|"/>
+                            <m:ctrlPr>
+                              <a:rPr lang="pt-BR" sz="2400" i="1">
+                                <a:latin typeface="Cambria Math" panose="02040503050406030204" pitchFamily="18" charset="0"/>
+                              </a:rPr>
+                            </m:ctrlPr>
+                          </m:dPr>
+                          <m:e>
+                            <m:r>
+                              <a:rPr lang="pt-BR" sz="2400" i="1">
+                                <a:latin typeface="Cambria Math" panose="02040503050406030204" pitchFamily="18" charset="0"/>
+                              </a:rPr>
+                              <m:t>𝑛𝑜𝑡𝑎𝐿𝑜𝑐𝑎𝑙</m:t>
+                            </m:r>
+                            <m:r>
+                              <a:rPr lang="pt-BR" sz="2400" i="1">
+                                <a:latin typeface="Cambria Math" panose="02040503050406030204" pitchFamily="18" charset="0"/>
+                              </a:rPr>
+                              <m:t>− </m:t>
+                            </m:r>
+                            <m:r>
+                              <a:rPr lang="pt-BR" sz="2400" i="1">
+                                <a:latin typeface="Cambria Math" panose="02040503050406030204" pitchFamily="18" charset="0"/>
+                              </a:rPr>
+                              <m:t>𝑛𝑜𝑡𝑎𝐺𝑙𝑜𝑏𝑎𝑙</m:t>
+                            </m:r>
+                          </m:e>
+                        </m:d>
+                      </m:num>
+                      <m:den>
+                        <m:r>
+                          <a:rPr lang="pt-BR" sz="2400" i="1">
+                            <a:latin typeface="Cambria Math" panose="02040503050406030204" pitchFamily="18" charset="0"/>
+                          </a:rPr>
+                          <m:t>𝐵</m:t>
+                        </m:r>
+                        <m:r>
+                          <a:rPr lang="pt-BR" sz="2400" i="1">
+                            <a:latin typeface="Cambria Math" panose="02040503050406030204" pitchFamily="18" charset="0"/>
+                          </a:rPr>
+                          <m:t>−</m:t>
+                        </m:r>
+                        <m:r>
+                          <a:rPr lang="pt-BR" sz="2400" i="1">
+                            <a:latin typeface="Cambria Math" panose="02040503050406030204" pitchFamily="18" charset="0"/>
+                          </a:rPr>
+                          <m:t>𝐶</m:t>
+                        </m:r>
+                      </m:den>
+                    </m:f>
+                    <m:r>
+                      <a:rPr lang="pt-BR" sz="2400" i="1">
+                        <a:latin typeface="Cambria Math" panose="02040503050406030204" pitchFamily="18" charset="0"/>
+                      </a:rPr>
+                      <m:t> ∗ </m:t>
+                    </m:r>
+                    <m:r>
+                      <a:rPr lang="pt-BR" sz="2400" i="1">
+                        <a:latin typeface="Cambria Math" panose="02040503050406030204" pitchFamily="18" charset="0"/>
+                      </a:rPr>
+                      <m:t>𝑝𝑒𝑠𝑜𝑓</m:t>
+                    </m:r>
+                    <m:r>
+                      <a:rPr lang="pt-BR" sz="2400" i="1">
+                        <a:latin typeface="Cambria Math" panose="02040503050406030204" pitchFamily="18" charset="0"/>
+                      </a:rPr>
+                      <m:t> +</m:t>
+                    </m:r>
+                    <m:f>
+                      <m:fPr>
+                        <m:ctrlPr>
+                          <a:rPr lang="pt-BR" sz="2400" i="1">
+                            <a:latin typeface="Cambria Math" panose="02040503050406030204" pitchFamily="18" charset="0"/>
+                          </a:rPr>
+                        </m:ctrlPr>
+                      </m:fPr>
+                      <m:num>
+                        <m:d>
+                          <m:dPr>
+                            <m:begChr m:val="|"/>
+                            <m:endChr m:val="|"/>
+                            <m:ctrlPr>
+                              <a:rPr lang="pt-BR" sz="2400" i="1">
+                                <a:latin typeface="Cambria Math" panose="02040503050406030204" pitchFamily="18" charset="0"/>
+                              </a:rPr>
+                            </m:ctrlPr>
+                          </m:dPr>
+                          <m:e>
+                            <m:r>
+                              <a:rPr lang="pt-BR" sz="2400" i="1">
+                                <a:latin typeface="Cambria Math" panose="02040503050406030204" pitchFamily="18" charset="0"/>
+                              </a:rPr>
+                              <m:t>𝑑</m:t>
+                            </m:r>
+                            <m:r>
+                              <a:rPr lang="pt-BR" sz="2400" i="1">
+                                <a:latin typeface="Cambria Math" panose="02040503050406030204" pitchFamily="18" charset="0"/>
+                              </a:rPr>
+                              <m:t>𝑢𝑟𝑎𝑐𝑎𝑜𝐿𝑜𝑐𝑎𝑙</m:t>
+                            </m:r>
+                            <m:r>
+                              <a:rPr lang="pt-BR" sz="2400" i="1">
+                                <a:latin typeface="Cambria Math" panose="02040503050406030204" pitchFamily="18" charset="0"/>
+                              </a:rPr>
+                              <m:t>− </m:t>
+                            </m:r>
+                            <m:r>
+                              <a:rPr lang="pt-BR" sz="2400" i="1">
+                                <a:latin typeface="Cambria Math" panose="02040503050406030204" pitchFamily="18" charset="0"/>
+                              </a:rPr>
+                              <m:t>𝑑𝑢𝑟𝑎𝑐𝑎𝑜𝐺</m:t>
+                            </m:r>
+                            <m:r>
+                              <a:rPr lang="pt-BR" sz="2400" i="1">
+                                <a:latin typeface="Cambria Math" panose="02040503050406030204" pitchFamily="18" charset="0"/>
+                              </a:rPr>
+                              <m:t>𝑙𝑜𝑏𝑎𝑙</m:t>
+                            </m:r>
+                          </m:e>
+                        </m:d>
+                      </m:num>
+                      <m:den>
+                        <m:r>
+                          <a:rPr lang="pt-BR" sz="2400" i="1">
+                            <a:latin typeface="Cambria Math" panose="02040503050406030204" pitchFamily="18" charset="0"/>
+                          </a:rPr>
+                          <m:t>𝑑𝑢𝑟𝑎𝑐𝑎𝑜𝑀𝑎𝑥</m:t>
+                        </m:r>
+                        <m:r>
+                          <a:rPr lang="pt-BR" sz="2400" i="1" baseline="-25000">
+                            <a:latin typeface="Cambria Math" panose="02040503050406030204" pitchFamily="18" charset="0"/>
+                          </a:rPr>
+                          <m:t> </m:t>
+                        </m:r>
+                        <m:r>
+                          <a:rPr lang="pt-BR" sz="2400" i="1">
+                            <a:latin typeface="Cambria Math" panose="02040503050406030204" pitchFamily="18" charset="0"/>
+                          </a:rPr>
+                          <m:t>−</m:t>
+                        </m:r>
+                        <m:r>
+                          <a:rPr lang="pt-BR" sz="2400" i="1">
+                            <a:latin typeface="Cambria Math" panose="02040503050406030204" pitchFamily="18" charset="0"/>
+                          </a:rPr>
+                          <m:t>𝑑𝑢𝑟𝑎𝑐𝑎𝑜𝑀𝑖𝑛</m:t>
+                        </m:r>
+                      </m:den>
+                    </m:f>
+                    <m:r>
+                      <a:rPr lang="pt-BR" sz="2400" i="1">
+                        <a:latin typeface="Cambria Math" panose="02040503050406030204" pitchFamily="18" charset="0"/>
+                      </a:rPr>
+                      <m:t> ∗ </m:t>
+                    </m:r>
+                    <m:r>
+                      <a:rPr lang="pt-BR" sz="2400" i="1">
+                        <a:latin typeface="Cambria Math" panose="02040503050406030204" pitchFamily="18" charset="0"/>
+                      </a:rPr>
+                      <m:t>𝑝𝑒𝑠𝑜𝑑</m:t>
+                    </m:r>
+                  </m:oMath>
+                </a14:m>
+                <a:endParaRPr lang="pt-BR" sz="2400" baseline="-25000" dirty="0"/>
+              </a:p>
+            </p:txBody>
+          </p:sp>
+        </mc:Choice>
+        <mc:Fallback>
+          <p:sp>
+            <p:nvSpPr>
+              <p:cNvPr id="9" name="CaixaDeTexto 8">
+                <a:extLst>
+                  <a:ext uri="{FF2B5EF4-FFF2-40B4-BE49-F238E27FC236}">
+                    <a16:creationId xmlns:a16="http://schemas.microsoft.com/office/drawing/2014/main" id="{7D04E31E-FB45-40E2-9DA2-3C2FE66B3783}"/>
+                  </a:ext>
+                </a:extLst>
+              </p:cNvPr>
+              <p:cNvSpPr txBox="1">
+                <a:spLocks noRot="1" noChangeAspect="1" noMove="1" noResize="1" noEditPoints="1" noAdjustHandles="1" noChangeArrowheads="1" noChangeShapeType="1" noTextEdit="1"/>
+              </p:cNvSpPr>
+              <p:nvPr/>
+            </p:nvSpPr>
+            <p:spPr>
+              <a:xfrm>
+                <a:off x="1077350" y="3215736"/>
+                <a:ext cx="10037300" cy="548805"/>
+              </a:xfrm>
+              <a:prstGeom prst="rect">
+                <a:avLst/>
+              </a:prstGeom>
+              <a:blipFill>
+                <a:blip r:embed="rId4"/>
+                <a:stretch>
+                  <a:fillRect l="-61"/>
+                </a:stretch>
+              </a:blipFill>
+            </p:spPr>
+            <p:txBody>
+              <a:bodyPr/>
+              <a:lstStyle/>
+              <a:p>
+                <a:r>
+                  <a:rPr lang="pt-BR">
+                    <a:noFill/>
+                  </a:rPr>
+                  <a:t> </a:t>
+                </a:r>
+              </a:p>
+            </p:txBody>
+          </p:sp>
+        </mc:Fallback>
+      </mc:AlternateContent>
+      <p:sp>
+        <p:nvSpPr>
+          <p:cNvPr id="8" name="Espaço Reservado para Número de Slide 7">
+            <a:extLst>
+              <a:ext uri="{FF2B5EF4-FFF2-40B4-BE49-F238E27FC236}">
+                <a16:creationId xmlns:a16="http://schemas.microsoft.com/office/drawing/2014/main" id="{3AD4646E-5A46-429A-839B-6473BBBA89A2}"/>
+              </a:ext>
+            </a:extLst>
+          </p:cNvPr>
+          <p:cNvSpPr>
+            <a:spLocks noGrp="1"/>
+          </p:cNvSpPr>
+          <p:nvPr>
+            <p:ph type="sldNum" sz="quarter" idx="12"/>
+          </p:nvPr>
+        </p:nvSpPr>
+        <p:spPr/>
+        <p:txBody>
+          <a:bodyPr/>
+          <a:lstStyle/>
+          <a:p>
+            <a:fld id="{33568D6D-ECDC-4F67-8140-691F6B31FF65}" type="slidenum">
+              <a:rPr lang="pt-BR" smtClean="0"/>
+              <a:t>7</a:t>
+            </a:fld>
+            <a:endParaRPr lang="pt-BR"/>
+          </a:p>
+        </p:txBody>
+      </p:sp>
     </p:spTree>
     <p:extLst>
       <p:ext uri="{BB962C8B-B14F-4D97-AF65-F5344CB8AC3E}">
-        <p14:creationId xmlns:p14="http://schemas.microsoft.com/office/powerpoint/2010/main" val="301601780"/>
+        <p14:creationId xmlns:p14="http://schemas.microsoft.com/office/powerpoint/2010/main" val="53873382"/>
       </p:ext>
     </p:extLst>
   </p:cSld>
   <p:clrMapOvr>
     <a:masterClrMapping/>
   </p:clrMapOvr>
+  <mc:AlternateContent xmlns:mc="http://schemas.openxmlformats.org/markup-compatibility/2006">
+    <mc:Choice xmlns:p159="http://schemas.microsoft.com/office/powerpoint/2015/09/main" Requires="p159">
+      <p:transition>
+        <p159:morph option="byObject"/>
+      </p:transition>
+    </mc:Choice>
+    <mc:Fallback>
+      <p:transition>
+        <p:fade/>
+      </p:transition>
+    </mc:Fallback>
+  </mc:AlternateContent>
+</p:sld>
+</file>
+
+<file path=ppt/slides/slide8.xml><?xml version="1.0" encoding="utf-8"?>
+<p:sld xmlns:a="http://schemas.openxmlformats.org/drawingml/2006/main" xmlns:r="http://schemas.openxmlformats.org/officeDocument/2006/relationships" xmlns:p="http://schemas.openxmlformats.org/presentationml/2006/main">
+  <p:cSld>
+    <p:spTree>
+      <p:nvGrpSpPr>
+        <p:cNvPr id="1" name=""/>
+        <p:cNvGrpSpPr/>
+        <p:nvPr/>
+      </p:nvGrpSpPr>
+      <p:grpSpPr>
+        <a:xfrm>
+          <a:off x="0" y="0"/>
+          <a:ext cx="0" cy="0"/>
+          <a:chOff x="0" y="0"/>
+          <a:chExt cx="0" cy="0"/>
+        </a:xfrm>
+      </p:grpSpPr>
+      <p:sp>
+        <p:nvSpPr>
+          <p:cNvPr id="2" name="Título 1">
+            <a:extLst>
+              <a:ext uri="{FF2B5EF4-FFF2-40B4-BE49-F238E27FC236}">
+                <a16:creationId xmlns:a16="http://schemas.microsoft.com/office/drawing/2014/main" id="{16396183-FAAC-47B4-8532-D9A09D334419}"/>
+              </a:ext>
+            </a:extLst>
+          </p:cNvPr>
+          <p:cNvSpPr>
+            <a:spLocks noGrp="1"/>
+          </p:cNvSpPr>
+          <p:nvPr>
+            <p:ph type="title"/>
+          </p:nvPr>
+        </p:nvSpPr>
+        <p:spPr/>
+        <p:txBody>
+          <a:bodyPr/>
+          <a:lstStyle/>
+          <a:p>
+            <a:r>
+              <a:rPr lang="pt-BR" dirty="0"/>
+              <a:t>Experimentos</a:t>
+            </a:r>
+          </a:p>
+        </p:txBody>
+      </p:sp>
+      <p:sp>
+        <p:nvSpPr>
+          <p:cNvPr id="3" name="Espaço Reservado para Conteúdo 2">
+            <a:extLst>
+              <a:ext uri="{FF2B5EF4-FFF2-40B4-BE49-F238E27FC236}">
+                <a16:creationId xmlns:a16="http://schemas.microsoft.com/office/drawing/2014/main" id="{6FF8AAE8-8CC1-4389-9FC2-9415BD925ABF}"/>
+              </a:ext>
+            </a:extLst>
+          </p:cNvPr>
+          <p:cNvSpPr>
+            <a:spLocks noGrp="1"/>
+          </p:cNvSpPr>
+          <p:nvPr>
+            <p:ph idx="1"/>
+          </p:nvPr>
+        </p:nvSpPr>
+        <p:spPr/>
+        <p:txBody>
+          <a:bodyPr/>
+          <a:lstStyle/>
+          <a:p>
+            <a:pPr>
+              <a:buFont typeface="Courier New" panose="02070309020205020404" pitchFamily="49" charset="0"/>
+              <a:buChar char="o"/>
+            </a:pPr>
+            <a:r>
+              <a:rPr lang="pt-BR" dirty="0"/>
+              <a:t> </a:t>
+            </a:r>
+          </a:p>
+          <a:p>
+            <a:endParaRPr lang="pt-BR" dirty="0"/>
+          </a:p>
+          <a:p>
+            <a:endParaRPr lang="pt-BR" dirty="0"/>
+          </a:p>
+        </p:txBody>
+      </p:sp>
+      <p:sp>
+        <p:nvSpPr>
+          <p:cNvPr id="4" name="Retângulo 3">
+            <a:extLst>
+              <a:ext uri="{FF2B5EF4-FFF2-40B4-BE49-F238E27FC236}">
+                <a16:creationId xmlns:a16="http://schemas.microsoft.com/office/drawing/2014/main" id="{6B20AC76-B05C-4C08-9614-FBFE8B8C55DD}"/>
+              </a:ext>
+            </a:extLst>
+          </p:cNvPr>
+          <p:cNvSpPr/>
+          <p:nvPr/>
+        </p:nvSpPr>
+        <p:spPr>
+          <a:xfrm>
+            <a:off x="593132" y="541011"/>
+            <a:ext cx="128337" cy="973790"/>
+          </a:xfrm>
+          <a:prstGeom prst="rect">
+            <a:avLst/>
+          </a:prstGeom>
+          <a:solidFill>
+            <a:srgbClr val="F0AD4E"/>
+          </a:solidFill>
+          <a:ln>
+            <a:noFill/>
+          </a:ln>
+        </p:spPr>
+        <p:style>
+          <a:lnRef idx="2">
+            <a:schemeClr val="accent1">
+              <a:shade val="50000"/>
+            </a:schemeClr>
+          </a:lnRef>
+          <a:fillRef idx="1">
+            <a:schemeClr val="accent1"/>
+          </a:fillRef>
+          <a:effectRef idx="0">
+            <a:schemeClr val="accent1"/>
+          </a:effectRef>
+          <a:fontRef idx="minor">
+            <a:schemeClr val="lt1"/>
+          </a:fontRef>
+        </p:style>
+        <p:txBody>
+          <a:bodyPr rtlCol="0" anchor="ctr"/>
+          <a:lstStyle/>
+          <a:p>
+            <a:pPr algn="ctr"/>
+            <a:endParaRPr lang="pt-BR"/>
+          </a:p>
+        </p:txBody>
+      </p:sp>
+      <p:sp>
+        <p:nvSpPr>
+          <p:cNvPr id="5" name="Espaço Reservado para Número de Slide 4">
+            <a:extLst>
+              <a:ext uri="{FF2B5EF4-FFF2-40B4-BE49-F238E27FC236}">
+                <a16:creationId xmlns:a16="http://schemas.microsoft.com/office/drawing/2014/main" id="{309AD7F4-7A81-4D98-861C-0938725EDF22}"/>
+              </a:ext>
+            </a:extLst>
+          </p:cNvPr>
+          <p:cNvSpPr>
+            <a:spLocks noGrp="1"/>
+          </p:cNvSpPr>
+          <p:nvPr>
+            <p:ph type="sldNum" sz="quarter" idx="12"/>
+          </p:nvPr>
+        </p:nvSpPr>
+        <p:spPr/>
+        <p:txBody>
+          <a:bodyPr/>
+          <a:lstStyle/>
+          <a:p>
+            <a:fld id="{33568D6D-ECDC-4F67-8140-691F6B31FF65}" type="slidenum">
+              <a:rPr lang="pt-BR" smtClean="0"/>
+              <a:t>8</a:t>
+            </a:fld>
+            <a:endParaRPr lang="pt-BR"/>
+          </a:p>
+        </p:txBody>
+      </p:sp>
+    </p:spTree>
+    <p:extLst>
+      <p:ext uri="{BB962C8B-B14F-4D97-AF65-F5344CB8AC3E}">
+        <p14:creationId xmlns:p14="http://schemas.microsoft.com/office/powerpoint/2010/main" val="767653656"/>
+      </p:ext>
+    </p:extLst>
+  </p:cSld>
+  <p:clrMapOvr>
+    <a:masterClrMapping/>
+  </p:clrMapOvr>
+  <mc:AlternateContent xmlns:mc="http://schemas.openxmlformats.org/markup-compatibility/2006">
+    <mc:Choice xmlns:p159="http://schemas.microsoft.com/office/powerpoint/2015/09/main" Requires="p159">
+      <p:transition>
+        <p159:morph option="byObject"/>
+      </p:transition>
+    </mc:Choice>
+    <mc:Fallback>
+      <p:transition>
+        <p:fade/>
+      </p:transition>
+    </mc:Fallback>
+  </mc:AlternateContent>
+</p:sld>
+</file>
+
+<file path=ppt/slides/slide9.xml><?xml version="1.0" encoding="utf-8"?>
+<p:sld xmlns:a="http://schemas.openxmlformats.org/drawingml/2006/main" xmlns:r="http://schemas.openxmlformats.org/officeDocument/2006/relationships" xmlns:p="http://schemas.openxmlformats.org/presentationml/2006/main">
+  <p:cSld>
+    <p:spTree>
+      <p:nvGrpSpPr>
+        <p:cNvPr id="1" name=""/>
+        <p:cNvGrpSpPr/>
+        <p:nvPr/>
+      </p:nvGrpSpPr>
+      <p:grpSpPr>
+        <a:xfrm>
+          <a:off x="0" y="0"/>
+          <a:ext cx="0" cy="0"/>
+          <a:chOff x="0" y="0"/>
+          <a:chExt cx="0" cy="0"/>
+        </a:xfrm>
+      </p:grpSpPr>
+      <p:sp>
+        <p:nvSpPr>
+          <p:cNvPr id="2" name="Título 1">
+            <a:extLst>
+              <a:ext uri="{FF2B5EF4-FFF2-40B4-BE49-F238E27FC236}">
+                <a16:creationId xmlns:a16="http://schemas.microsoft.com/office/drawing/2014/main" id="{16396183-FAAC-47B4-8532-D9A09D334419}"/>
+              </a:ext>
+            </a:extLst>
+          </p:cNvPr>
+          <p:cNvSpPr>
+            <a:spLocks noGrp="1"/>
+          </p:cNvSpPr>
+          <p:nvPr>
+            <p:ph type="title"/>
+          </p:nvPr>
+        </p:nvSpPr>
+        <p:spPr/>
+        <p:txBody>
+          <a:bodyPr/>
+          <a:lstStyle/>
+          <a:p>
+            <a:r>
+              <a:rPr lang="pt-BR" dirty="0"/>
+              <a:t>Resultados</a:t>
+            </a:r>
+          </a:p>
+        </p:txBody>
+      </p:sp>
+      <p:sp>
+        <p:nvSpPr>
+          <p:cNvPr id="3" name="Espaço Reservado para Conteúdo 2">
+            <a:extLst>
+              <a:ext uri="{FF2B5EF4-FFF2-40B4-BE49-F238E27FC236}">
+                <a16:creationId xmlns:a16="http://schemas.microsoft.com/office/drawing/2014/main" id="{6FF8AAE8-8CC1-4389-9FC2-9415BD925ABF}"/>
+              </a:ext>
+            </a:extLst>
+          </p:cNvPr>
+          <p:cNvSpPr>
+            <a:spLocks noGrp="1"/>
+          </p:cNvSpPr>
+          <p:nvPr>
+            <p:ph idx="1"/>
+          </p:nvPr>
+        </p:nvSpPr>
+        <p:spPr/>
+        <p:txBody>
+          <a:bodyPr/>
+          <a:lstStyle/>
+          <a:p>
+            <a:pPr>
+              <a:buFont typeface="Courier New" panose="02070309020205020404" pitchFamily="49" charset="0"/>
+              <a:buChar char="o"/>
+            </a:pPr>
+            <a:r>
+              <a:rPr lang="pt-BR" dirty="0"/>
+              <a:t> </a:t>
+            </a:r>
+          </a:p>
+          <a:p>
+            <a:endParaRPr lang="pt-BR" dirty="0"/>
+          </a:p>
+          <a:p>
+            <a:endParaRPr lang="pt-BR" dirty="0"/>
+          </a:p>
+        </p:txBody>
+      </p:sp>
+      <p:sp>
+        <p:nvSpPr>
+          <p:cNvPr id="4" name="Retângulo 3">
+            <a:extLst>
+              <a:ext uri="{FF2B5EF4-FFF2-40B4-BE49-F238E27FC236}">
+                <a16:creationId xmlns:a16="http://schemas.microsoft.com/office/drawing/2014/main" id="{6B20AC76-B05C-4C08-9614-FBFE8B8C55DD}"/>
+              </a:ext>
+            </a:extLst>
+          </p:cNvPr>
+          <p:cNvSpPr/>
+          <p:nvPr/>
+        </p:nvSpPr>
+        <p:spPr>
+          <a:xfrm>
+            <a:off x="593132" y="541011"/>
+            <a:ext cx="128337" cy="973790"/>
+          </a:xfrm>
+          <a:prstGeom prst="rect">
+            <a:avLst/>
+          </a:prstGeom>
+          <a:solidFill>
+            <a:srgbClr val="F0AD4E"/>
+          </a:solidFill>
+          <a:ln>
+            <a:noFill/>
+          </a:ln>
+        </p:spPr>
+        <p:style>
+          <a:lnRef idx="2">
+            <a:schemeClr val="accent1">
+              <a:shade val="50000"/>
+            </a:schemeClr>
+          </a:lnRef>
+          <a:fillRef idx="1">
+            <a:schemeClr val="accent1"/>
+          </a:fillRef>
+          <a:effectRef idx="0">
+            <a:schemeClr val="accent1"/>
+          </a:effectRef>
+          <a:fontRef idx="minor">
+            <a:schemeClr val="lt1"/>
+          </a:fontRef>
+        </p:style>
+        <p:txBody>
+          <a:bodyPr rtlCol="0" anchor="ctr"/>
+          <a:lstStyle/>
+          <a:p>
+            <a:pPr algn="ctr"/>
+            <a:endParaRPr lang="pt-BR"/>
+          </a:p>
+        </p:txBody>
+      </p:sp>
+      <p:sp>
+        <p:nvSpPr>
+          <p:cNvPr id="5" name="Espaço Reservado para Número de Slide 4">
+            <a:extLst>
+              <a:ext uri="{FF2B5EF4-FFF2-40B4-BE49-F238E27FC236}">
+                <a16:creationId xmlns:a16="http://schemas.microsoft.com/office/drawing/2014/main" id="{309AD7F4-7A81-4D98-861C-0938725EDF22}"/>
+              </a:ext>
+            </a:extLst>
+          </p:cNvPr>
+          <p:cNvSpPr>
+            <a:spLocks noGrp="1"/>
+          </p:cNvSpPr>
+          <p:nvPr>
+            <p:ph type="sldNum" sz="quarter" idx="12"/>
+          </p:nvPr>
+        </p:nvSpPr>
+        <p:spPr/>
+        <p:txBody>
+          <a:bodyPr/>
+          <a:lstStyle/>
+          <a:p>
+            <a:fld id="{33568D6D-ECDC-4F67-8140-691F6B31FF65}" type="slidenum">
+              <a:rPr lang="pt-BR" smtClean="0"/>
+              <a:t>9</a:t>
+            </a:fld>
+            <a:endParaRPr lang="pt-BR"/>
+          </a:p>
+        </p:txBody>
+      </p:sp>
+    </p:spTree>
+    <p:extLst>
+      <p:ext uri="{BB962C8B-B14F-4D97-AF65-F5344CB8AC3E}">
+        <p14:creationId xmlns:p14="http://schemas.microsoft.com/office/powerpoint/2010/main" val="1840724799"/>
+      </p:ext>
+    </p:extLst>
+  </p:cSld>
+  <p:clrMapOvr>
+    <a:masterClrMapping/>
+  </p:clrMapOvr>
+  <mc:AlternateContent xmlns:mc="http://schemas.openxmlformats.org/markup-compatibility/2006">
+    <mc:Choice xmlns:p159="http://schemas.microsoft.com/office/powerpoint/2015/09/main" Requires="p159">
+      <p:transition>
+        <p159:morph option="byObject"/>
+      </p:transition>
+    </mc:Choice>
+    <mc:Fallback>
+      <p:transition>
+        <p:fade/>
+      </p:transition>
+    </mc:Fallback>
+  </mc:AlternateContent>
 </p:sld>
 </file>
 
@@ -4624,4 +7810,299 @@
     </a:ext>
   </a:extLst>
 </a:theme>
+</file>
+
+<file path=ppt/theme/theme2.xml><?xml version="1.0" encoding="utf-8"?>
+<a:theme xmlns:a="http://schemas.openxmlformats.org/drawingml/2006/main" name="Tema do Office">
+  <a:themeElements>
+    <a:clrScheme name="Office">
+      <a:dk1>
+        <a:sysClr val="windowText" lastClr="000000"/>
+      </a:dk1>
+      <a:lt1>
+        <a:sysClr val="window" lastClr="FFFFFF"/>
+      </a:lt1>
+      <a:dk2>
+        <a:srgbClr val="44546A"/>
+      </a:dk2>
+      <a:lt2>
+        <a:srgbClr val="E7E6E6"/>
+      </a:lt2>
+      <a:accent1>
+        <a:srgbClr val="4472C4"/>
+      </a:accent1>
+      <a:accent2>
+        <a:srgbClr val="ED7D31"/>
+      </a:accent2>
+      <a:accent3>
+        <a:srgbClr val="A5A5A5"/>
+      </a:accent3>
+      <a:accent4>
+        <a:srgbClr val="FFC000"/>
+      </a:accent4>
+      <a:accent5>
+        <a:srgbClr val="5B9BD5"/>
+      </a:accent5>
+      <a:accent6>
+        <a:srgbClr val="70AD47"/>
+      </a:accent6>
+      <a:hlink>
+        <a:srgbClr val="0563C1"/>
+      </a:hlink>
+      <a:folHlink>
+        <a:srgbClr val="954F72"/>
+      </a:folHlink>
+    </a:clrScheme>
+    <a:fontScheme name="Office">
+      <a:majorFont>
+        <a:latin typeface="Calibri Light" panose="020F0302020204030204"/>
+        <a:ea typeface=""/>
+        <a:cs typeface=""/>
+        <a:font script="Jpan" typeface="游ゴシック Light"/>
+        <a:font script="Hang" typeface="맑은 고딕"/>
+        <a:font script="Hans" typeface="等线 Light"/>
+        <a:font script="Hant" typeface="新細明體"/>
+        <a:font script="Arab" typeface="Times New Roman"/>
+        <a:font script="Hebr" typeface="Times New Roman"/>
+        <a:font script="Thai" typeface="Angsana New"/>
+        <a:font script="Ethi" typeface="Nyala"/>
+        <a:font script="Beng" typeface="Vrinda"/>
+        <a:font script="Gujr" typeface="Shruti"/>
+        <a:font script="Khmr" typeface="MoolBoran"/>
+        <a:font script="Knda" typeface="Tunga"/>
+        <a:font script="Guru" typeface="Raavi"/>
+        <a:font script="Cans" typeface="Euphemia"/>
+        <a:font script="Cher" typeface="Plantagenet Cherokee"/>
+        <a:font script="Yiii" typeface="Microsoft Yi Baiti"/>
+        <a:font script="Tibt" typeface="Microsoft Himalaya"/>
+        <a:font script="Thaa" typeface="MV Boli"/>
+        <a:font script="Deva" typeface="Mangal"/>
+        <a:font script="Telu" typeface="Gautami"/>
+        <a:font script="Taml" typeface="Latha"/>
+        <a:font script="Syrc" typeface="Estrangelo Edessa"/>
+        <a:font script="Orya" typeface="Kalinga"/>
+        <a:font script="Mlym" typeface="Kartika"/>
+        <a:font script="Laoo" typeface="DokChampa"/>
+        <a:font script="Sinh" typeface="Iskoola Pota"/>
+        <a:font script="Mong" typeface="Mongolian Baiti"/>
+        <a:font script="Viet" typeface="Times New Roman"/>
+        <a:font script="Uigh" typeface="Microsoft Uighur"/>
+        <a:font script="Geor" typeface="Sylfaen"/>
+        <a:font script="Armn" typeface="Arial"/>
+        <a:font script="Bugi" typeface="Leelawadee UI"/>
+        <a:font script="Bopo" typeface="Microsoft JhengHei"/>
+        <a:font script="Java" typeface="Javanese Text"/>
+        <a:font script="Lisu" typeface="Segoe UI"/>
+        <a:font script="Mymr" typeface="Myanmar Text"/>
+        <a:font script="Nkoo" typeface="Ebrima"/>
+        <a:font script="Olck" typeface="Nirmala UI"/>
+        <a:font script="Osma" typeface="Ebrima"/>
+        <a:font script="Phag" typeface="Phagspa"/>
+        <a:font script="Syrn" typeface="Estrangelo Edessa"/>
+        <a:font script="Syrj" typeface="Estrangelo Edessa"/>
+        <a:font script="Syre" typeface="Estrangelo Edessa"/>
+        <a:font script="Sora" typeface="Nirmala UI"/>
+        <a:font script="Tale" typeface="Microsoft Tai Le"/>
+        <a:font script="Talu" typeface="Microsoft New Tai Lue"/>
+        <a:font script="Tfng" typeface="Ebrima"/>
+      </a:majorFont>
+      <a:minorFont>
+        <a:latin typeface="Calibri" panose="020F0502020204030204"/>
+        <a:ea typeface=""/>
+        <a:cs typeface=""/>
+        <a:font script="Jpan" typeface="游ゴシック"/>
+        <a:font script="Hang" typeface="맑은 고딕"/>
+        <a:font script="Hans" typeface="等线"/>
+        <a:font script="Hant" typeface="新細明體"/>
+        <a:font script="Arab" typeface="Arial"/>
+        <a:font script="Hebr" typeface="Arial"/>
+        <a:font script="Thai" typeface="Cordia New"/>
+        <a:font script="Ethi" typeface="Nyala"/>
+        <a:font script="Beng" typeface="Vrinda"/>
+        <a:font script="Gujr" typeface="Shruti"/>
+        <a:font script="Khmr" typeface="DaunPenh"/>
+        <a:font script="Knda" typeface="Tunga"/>
+        <a:font script="Guru" typeface="Raavi"/>
+        <a:font script="Cans" typeface="Euphemia"/>
+        <a:font script="Cher" typeface="Plantagenet Cherokee"/>
+        <a:font script="Yiii" typeface="Microsoft Yi Baiti"/>
+        <a:font script="Tibt" typeface="Microsoft Himalaya"/>
+        <a:font script="Thaa" typeface="MV Boli"/>
+        <a:font script="Deva" typeface="Mangal"/>
+        <a:font script="Telu" typeface="Gautami"/>
+        <a:font script="Taml" typeface="Latha"/>
+        <a:font script="Syrc" typeface="Estrangelo Edessa"/>
+        <a:font script="Orya" typeface="Kalinga"/>
+        <a:font script="Mlym" typeface="Kartika"/>
+        <a:font script="Laoo" typeface="DokChampa"/>
+        <a:font script="Sinh" typeface="Iskoola Pota"/>
+        <a:font script="Mong" typeface="Mongolian Baiti"/>
+        <a:font script="Viet" typeface="Arial"/>
+        <a:font script="Uigh" typeface="Microsoft Uighur"/>
+        <a:font script="Geor" typeface="Sylfaen"/>
+        <a:font script="Armn" typeface="Arial"/>
+        <a:font script="Bugi" typeface="Leelawadee UI"/>
+        <a:font script="Bopo" typeface="Microsoft JhengHei"/>
+        <a:font script="Java" typeface="Javanese Text"/>
+        <a:font script="Lisu" typeface="Segoe UI"/>
+        <a:font script="Mymr" typeface="Myanmar Text"/>
+        <a:font script="Nkoo" typeface="Ebrima"/>
+        <a:font script="Olck" typeface="Nirmala UI"/>
+        <a:font script="Osma" typeface="Ebrima"/>
+        <a:font script="Phag" typeface="Phagspa"/>
+        <a:font script="Syrn" typeface="Estrangelo Edessa"/>
+        <a:font script="Syrj" typeface="Estrangelo Edessa"/>
+        <a:font script="Syre" typeface="Estrangelo Edessa"/>
+        <a:font script="Sora" typeface="Nirmala UI"/>
+        <a:font script="Tale" typeface="Microsoft Tai Le"/>
+        <a:font script="Talu" typeface="Microsoft New Tai Lue"/>
+        <a:font script="Tfng" typeface="Ebrima"/>
+      </a:minorFont>
+    </a:fontScheme>
+    <a:fmtScheme name="Office">
+      <a:fillStyleLst>
+        <a:solidFill>
+          <a:schemeClr val="phClr"/>
+        </a:solidFill>
+        <a:gradFill rotWithShape="1">
+          <a:gsLst>
+            <a:gs pos="0">
+              <a:schemeClr val="phClr">
+                <a:lumMod val="110000"/>
+                <a:satMod val="105000"/>
+                <a:tint val="67000"/>
+              </a:schemeClr>
+            </a:gs>
+            <a:gs pos="50000">
+              <a:schemeClr val="phClr">
+                <a:lumMod val="105000"/>
+                <a:satMod val="103000"/>
+                <a:tint val="73000"/>
+              </a:schemeClr>
+            </a:gs>
+            <a:gs pos="100000">
+              <a:schemeClr val="phClr">
+                <a:lumMod val="105000"/>
+                <a:satMod val="109000"/>
+                <a:tint val="81000"/>
+              </a:schemeClr>
+            </a:gs>
+          </a:gsLst>
+          <a:lin ang="5400000" scaled="0"/>
+        </a:gradFill>
+        <a:gradFill rotWithShape="1">
+          <a:gsLst>
+            <a:gs pos="0">
+              <a:schemeClr val="phClr">
+                <a:satMod val="103000"/>
+                <a:lumMod val="102000"/>
+                <a:tint val="94000"/>
+              </a:schemeClr>
+            </a:gs>
+            <a:gs pos="50000">
+              <a:schemeClr val="phClr">
+                <a:satMod val="110000"/>
+                <a:lumMod val="100000"/>
+                <a:shade val="100000"/>
+              </a:schemeClr>
+            </a:gs>
+            <a:gs pos="100000">
+              <a:schemeClr val="phClr">
+                <a:lumMod val="99000"/>
+                <a:satMod val="120000"/>
+                <a:shade val="78000"/>
+              </a:schemeClr>
+            </a:gs>
+          </a:gsLst>
+          <a:lin ang="5400000" scaled="0"/>
+        </a:gradFill>
+      </a:fillStyleLst>
+      <a:lnStyleLst>
+        <a:ln w="6350" cap="flat" cmpd="sng" algn="ctr">
+          <a:solidFill>
+            <a:schemeClr val="phClr"/>
+          </a:solidFill>
+          <a:prstDash val="solid"/>
+          <a:miter lim="800000"/>
+        </a:ln>
+        <a:ln w="12700" cap="flat" cmpd="sng" algn="ctr">
+          <a:solidFill>
+            <a:schemeClr val="phClr"/>
+          </a:solidFill>
+          <a:prstDash val="solid"/>
+          <a:miter lim="800000"/>
+        </a:ln>
+        <a:ln w="19050" cap="flat" cmpd="sng" algn="ctr">
+          <a:solidFill>
+            <a:schemeClr val="phClr"/>
+          </a:solidFill>
+          <a:prstDash val="solid"/>
+          <a:miter lim="800000"/>
+        </a:ln>
+      </a:lnStyleLst>
+      <a:effectStyleLst>
+        <a:effectStyle>
+          <a:effectLst/>
+        </a:effectStyle>
+        <a:effectStyle>
+          <a:effectLst/>
+        </a:effectStyle>
+        <a:effectStyle>
+          <a:effectLst>
+            <a:outerShdw blurRad="57150" dist="19050" dir="5400000" algn="ctr" rotWithShape="0">
+              <a:srgbClr val="000000">
+                <a:alpha val="63000"/>
+              </a:srgbClr>
+            </a:outerShdw>
+          </a:effectLst>
+        </a:effectStyle>
+      </a:effectStyleLst>
+      <a:bgFillStyleLst>
+        <a:solidFill>
+          <a:schemeClr val="phClr"/>
+        </a:solidFill>
+        <a:solidFill>
+          <a:schemeClr val="phClr">
+            <a:tint val="95000"/>
+            <a:satMod val="170000"/>
+          </a:schemeClr>
+        </a:solidFill>
+        <a:gradFill rotWithShape="1">
+          <a:gsLst>
+            <a:gs pos="0">
+              <a:schemeClr val="phClr">
+                <a:tint val="93000"/>
+                <a:satMod val="150000"/>
+                <a:shade val="98000"/>
+                <a:lumMod val="102000"/>
+              </a:schemeClr>
+            </a:gs>
+            <a:gs pos="50000">
+              <a:schemeClr val="phClr">
+                <a:tint val="98000"/>
+                <a:satMod val="130000"/>
+                <a:shade val="90000"/>
+                <a:lumMod val="103000"/>
+              </a:schemeClr>
+            </a:gs>
+            <a:gs pos="100000">
+              <a:schemeClr val="phClr">
+                <a:shade val="63000"/>
+                <a:satMod val="120000"/>
+              </a:schemeClr>
+            </a:gs>
+          </a:gsLst>
+          <a:lin ang="5400000" scaled="0"/>
+        </a:gradFill>
+      </a:bgFillStyleLst>
+    </a:fmtScheme>
+  </a:themeElements>
+  <a:objectDefaults/>
+  <a:extraClrSchemeLst/>
+  <a:extLst>
+    <a:ext uri="{05A4C25C-085E-4340-85A3-A5531E510DB2}">
+      <thm15:themeFamily xmlns:thm15="http://schemas.microsoft.com/office/thememl/2012/main" name="Office Theme" id="{62F939B6-93AF-4DB8-9C6B-D6C7DFDC589F}" vid="{4A3C46E8-61CC-4603-A589-7422A47A8E4A}"/>
+    </a:ext>
+  </a:extLst>
+</a:theme>
 </file>
--- a/Genetic Music.pptx
+++ b/Genetic Music.pptx
@@ -211,7 +211,7 @@
           <a:p>
             <a:fld id="{1F56333D-9119-4189-9E70-584D94F834A5}" type="datetimeFigureOut">
               <a:rPr lang="pt-BR" smtClean="0"/>
-              <a:t>04/07/2017</a:t>
+              <a:t>05/07/2017</a:t>
             </a:fld>
             <a:endParaRPr lang="pt-BR"/>
           </a:p>
@@ -369,7 +369,7 @@
           <a:p>
             <a:fld id="{8E7505CA-0EDF-41F7-924B-02F3FD44E4A9}" type="slidenum">
               <a:rPr lang="pt-BR" smtClean="0"/>
-              <a:t>‹nº›</a:t>
+              <a:t>‹#›</a:t>
             </a:fld>
             <a:endParaRPr lang="pt-BR"/>
           </a:p>
@@ -500,7 +500,7 @@
           <p:cNvPr id="2" name="Título 1">
             <a:extLst>
               <a:ext uri="{FF2B5EF4-FFF2-40B4-BE49-F238E27FC236}">
-                <a16:creationId xmlns:a16="http://schemas.microsoft.com/office/drawing/2014/main" id="{C7B663C1-2D15-4F64-A34F-1E55FE30EF67}"/>
+                <a16:creationId xmlns:a16="http://schemas.microsoft.com/office/drawing/2014/main" xmlns="" id="{C7B663C1-2D15-4F64-A34F-1E55FE30EF67}"/>
               </a:ext>
             </a:extLst>
           </p:cNvPr>
@@ -537,7 +537,7 @@
           <p:cNvPr id="3" name="Subtítulo 2">
             <a:extLst>
               <a:ext uri="{FF2B5EF4-FFF2-40B4-BE49-F238E27FC236}">
-                <a16:creationId xmlns:a16="http://schemas.microsoft.com/office/drawing/2014/main" id="{829AC2CC-5EF5-4B03-A5CF-95300282B5FA}"/>
+                <a16:creationId xmlns:a16="http://schemas.microsoft.com/office/drawing/2014/main" xmlns="" id="{829AC2CC-5EF5-4B03-A5CF-95300282B5FA}"/>
               </a:ext>
             </a:extLst>
           </p:cNvPr>
@@ -607,7 +607,7 @@
           <p:cNvPr id="4" name="Espaço Reservado para Data 3">
             <a:extLst>
               <a:ext uri="{FF2B5EF4-FFF2-40B4-BE49-F238E27FC236}">
-                <a16:creationId xmlns:a16="http://schemas.microsoft.com/office/drawing/2014/main" id="{ABA943F4-2624-41AA-AAF2-277F9FC3C88A}"/>
+                <a16:creationId xmlns:a16="http://schemas.microsoft.com/office/drawing/2014/main" xmlns="" id="{ABA943F4-2624-41AA-AAF2-277F9FC3C88A}"/>
               </a:ext>
             </a:extLst>
           </p:cNvPr>
@@ -625,7 +625,7 @@
           <a:p>
             <a:fld id="{0CD9058E-831F-4ACD-8FF3-060A11140E2D}" type="datetime1">
               <a:rPr lang="pt-BR" smtClean="0"/>
-              <a:t>04/07/2017</a:t>
+              <a:t>05/07/2017</a:t>
             </a:fld>
             <a:endParaRPr lang="pt-BR"/>
           </a:p>
@@ -636,7 +636,7 @@
           <p:cNvPr id="5" name="Espaço Reservado para Rodapé 4">
             <a:extLst>
               <a:ext uri="{FF2B5EF4-FFF2-40B4-BE49-F238E27FC236}">
-                <a16:creationId xmlns:a16="http://schemas.microsoft.com/office/drawing/2014/main" id="{3434644E-921D-492A-8B1B-F9501461944F}"/>
+                <a16:creationId xmlns:a16="http://schemas.microsoft.com/office/drawing/2014/main" xmlns="" id="{3434644E-921D-492A-8B1B-F9501461944F}"/>
               </a:ext>
             </a:extLst>
           </p:cNvPr>
@@ -661,7 +661,7 @@
           <p:cNvPr id="6" name="Espaço Reservado para Número de Slide 5">
             <a:extLst>
               <a:ext uri="{FF2B5EF4-FFF2-40B4-BE49-F238E27FC236}">
-                <a16:creationId xmlns:a16="http://schemas.microsoft.com/office/drawing/2014/main" id="{C5FBC25C-DB46-4E89-8860-A0D86F165B4F}"/>
+                <a16:creationId xmlns:a16="http://schemas.microsoft.com/office/drawing/2014/main" xmlns="" id="{C5FBC25C-DB46-4E89-8860-A0D86F165B4F}"/>
               </a:ext>
             </a:extLst>
           </p:cNvPr>
@@ -679,7 +679,7 @@
           <a:p>
             <a:fld id="{33568D6D-ECDC-4F67-8140-691F6B31FF65}" type="slidenum">
               <a:rPr lang="pt-BR" smtClean="0"/>
-              <a:t>‹nº›</a:t>
+              <a:t>‹#›</a:t>
             </a:fld>
             <a:endParaRPr lang="pt-BR"/>
           </a:p>
@@ -696,7 +696,7 @@
     <a:masterClrMapping/>
   </p:clrMapOvr>
   <mc:AlternateContent xmlns:mc="http://schemas.openxmlformats.org/markup-compatibility/2006">
-    <mc:Choice xmlns:p159="http://schemas.microsoft.com/office/powerpoint/2015/09/main" Requires="p159">
+    <mc:Choice xmlns:p159="http://schemas.microsoft.com/office/powerpoint/2015/09/main" xmlns="" Requires="p159">
       <p:transition>
         <p159:morph option="byObject"/>
       </p:transition>
@@ -732,7 +732,7 @@
           <p:cNvPr id="2" name="Título 1">
             <a:extLst>
               <a:ext uri="{FF2B5EF4-FFF2-40B4-BE49-F238E27FC236}">
-                <a16:creationId xmlns:a16="http://schemas.microsoft.com/office/drawing/2014/main" id="{542FF3EE-1E65-49D9-8EC6-1FFEE906061A}"/>
+                <a16:creationId xmlns:a16="http://schemas.microsoft.com/office/drawing/2014/main" xmlns="" id="{542FF3EE-1E65-49D9-8EC6-1FFEE906061A}"/>
               </a:ext>
             </a:extLst>
           </p:cNvPr>
@@ -760,7 +760,7 @@
           <p:cNvPr id="3" name="Espaço Reservado para Texto Vertical 2">
             <a:extLst>
               <a:ext uri="{FF2B5EF4-FFF2-40B4-BE49-F238E27FC236}">
-                <a16:creationId xmlns:a16="http://schemas.microsoft.com/office/drawing/2014/main" id="{F1453C7F-CC00-4676-A7E5-D5D21FBAD954}"/>
+                <a16:creationId xmlns:a16="http://schemas.microsoft.com/office/drawing/2014/main" xmlns="" id="{F1453C7F-CC00-4676-A7E5-D5D21FBAD954}"/>
               </a:ext>
             </a:extLst>
           </p:cNvPr>
@@ -817,7 +817,7 @@
           <p:cNvPr id="4" name="Espaço Reservado para Data 3">
             <a:extLst>
               <a:ext uri="{FF2B5EF4-FFF2-40B4-BE49-F238E27FC236}">
-                <a16:creationId xmlns:a16="http://schemas.microsoft.com/office/drawing/2014/main" id="{0E826D4C-8690-40B8-96B4-7FC5963E0C34}"/>
+                <a16:creationId xmlns:a16="http://schemas.microsoft.com/office/drawing/2014/main" xmlns="" id="{0E826D4C-8690-40B8-96B4-7FC5963E0C34}"/>
               </a:ext>
             </a:extLst>
           </p:cNvPr>
@@ -835,7 +835,7 @@
           <a:p>
             <a:fld id="{050A1502-8017-4C40-8A44-639EBD188890}" type="datetime1">
               <a:rPr lang="pt-BR" smtClean="0"/>
-              <a:t>04/07/2017</a:t>
+              <a:t>05/07/2017</a:t>
             </a:fld>
             <a:endParaRPr lang="pt-BR"/>
           </a:p>
@@ -846,7 +846,7 @@
           <p:cNvPr id="5" name="Espaço Reservado para Rodapé 4">
             <a:extLst>
               <a:ext uri="{FF2B5EF4-FFF2-40B4-BE49-F238E27FC236}">
-                <a16:creationId xmlns:a16="http://schemas.microsoft.com/office/drawing/2014/main" id="{606BBEA6-8B8E-41F3-9599-35C1C0F3379A}"/>
+                <a16:creationId xmlns:a16="http://schemas.microsoft.com/office/drawing/2014/main" xmlns="" id="{606BBEA6-8B8E-41F3-9599-35C1C0F3379A}"/>
               </a:ext>
             </a:extLst>
           </p:cNvPr>
@@ -871,7 +871,7 @@
           <p:cNvPr id="6" name="Espaço Reservado para Número de Slide 5">
             <a:extLst>
               <a:ext uri="{FF2B5EF4-FFF2-40B4-BE49-F238E27FC236}">
-                <a16:creationId xmlns:a16="http://schemas.microsoft.com/office/drawing/2014/main" id="{CDD642F4-7F9B-43AA-A62D-60E7B148F656}"/>
+                <a16:creationId xmlns:a16="http://schemas.microsoft.com/office/drawing/2014/main" xmlns="" id="{CDD642F4-7F9B-43AA-A62D-60E7B148F656}"/>
               </a:ext>
             </a:extLst>
           </p:cNvPr>
@@ -889,7 +889,7 @@
           <a:p>
             <a:fld id="{33568D6D-ECDC-4F67-8140-691F6B31FF65}" type="slidenum">
               <a:rPr lang="pt-BR" smtClean="0"/>
-              <a:t>‹nº›</a:t>
+              <a:t>‹#›</a:t>
             </a:fld>
             <a:endParaRPr lang="pt-BR"/>
           </a:p>
@@ -906,7 +906,7 @@
     <a:masterClrMapping/>
   </p:clrMapOvr>
   <mc:AlternateContent xmlns:mc="http://schemas.openxmlformats.org/markup-compatibility/2006">
-    <mc:Choice xmlns:p159="http://schemas.microsoft.com/office/powerpoint/2015/09/main" Requires="p159">
+    <mc:Choice xmlns:p159="http://schemas.microsoft.com/office/powerpoint/2015/09/main" xmlns="" Requires="p159">
       <p:transition>
         <p159:morph option="byObject"/>
       </p:transition>
@@ -942,7 +942,7 @@
           <p:cNvPr id="2" name="Título Vertical 1">
             <a:extLst>
               <a:ext uri="{FF2B5EF4-FFF2-40B4-BE49-F238E27FC236}">
-                <a16:creationId xmlns:a16="http://schemas.microsoft.com/office/drawing/2014/main" id="{18A90788-38BA-4938-9776-79A91E8B3A5A}"/>
+                <a16:creationId xmlns:a16="http://schemas.microsoft.com/office/drawing/2014/main" xmlns="" id="{18A90788-38BA-4938-9776-79A91E8B3A5A}"/>
               </a:ext>
             </a:extLst>
           </p:cNvPr>
@@ -975,7 +975,7 @@
           <p:cNvPr id="3" name="Espaço Reservado para Texto Vertical 2">
             <a:extLst>
               <a:ext uri="{FF2B5EF4-FFF2-40B4-BE49-F238E27FC236}">
-                <a16:creationId xmlns:a16="http://schemas.microsoft.com/office/drawing/2014/main" id="{B5D3A5B2-74FA-4DE4-93E4-5F2DBF72E1BD}"/>
+                <a16:creationId xmlns:a16="http://schemas.microsoft.com/office/drawing/2014/main" xmlns="" id="{B5D3A5B2-74FA-4DE4-93E4-5F2DBF72E1BD}"/>
               </a:ext>
             </a:extLst>
           </p:cNvPr>
@@ -1037,7 +1037,7 @@
           <p:cNvPr id="4" name="Espaço Reservado para Data 3">
             <a:extLst>
               <a:ext uri="{FF2B5EF4-FFF2-40B4-BE49-F238E27FC236}">
-                <a16:creationId xmlns:a16="http://schemas.microsoft.com/office/drawing/2014/main" id="{7337EA62-2512-4BCF-9A6D-B609BB6D2A61}"/>
+                <a16:creationId xmlns:a16="http://schemas.microsoft.com/office/drawing/2014/main" xmlns="" id="{7337EA62-2512-4BCF-9A6D-B609BB6D2A61}"/>
               </a:ext>
             </a:extLst>
           </p:cNvPr>
@@ -1055,7 +1055,7 @@
           <a:p>
             <a:fld id="{9B103541-5871-47D2-AD3E-F87A902102C5}" type="datetime1">
               <a:rPr lang="pt-BR" smtClean="0"/>
-              <a:t>04/07/2017</a:t>
+              <a:t>05/07/2017</a:t>
             </a:fld>
             <a:endParaRPr lang="pt-BR"/>
           </a:p>
@@ -1066,7 +1066,7 @@
           <p:cNvPr id="5" name="Espaço Reservado para Rodapé 4">
             <a:extLst>
               <a:ext uri="{FF2B5EF4-FFF2-40B4-BE49-F238E27FC236}">
-                <a16:creationId xmlns:a16="http://schemas.microsoft.com/office/drawing/2014/main" id="{1C628116-C822-4852-A485-F246947A6BC8}"/>
+                <a16:creationId xmlns:a16="http://schemas.microsoft.com/office/drawing/2014/main" xmlns="" id="{1C628116-C822-4852-A485-F246947A6BC8}"/>
               </a:ext>
             </a:extLst>
           </p:cNvPr>
@@ -1091,7 +1091,7 @@
           <p:cNvPr id="6" name="Espaço Reservado para Número de Slide 5">
             <a:extLst>
               <a:ext uri="{FF2B5EF4-FFF2-40B4-BE49-F238E27FC236}">
-                <a16:creationId xmlns:a16="http://schemas.microsoft.com/office/drawing/2014/main" id="{A999C47F-FE11-43C1-ABE1-421DFF831783}"/>
+                <a16:creationId xmlns:a16="http://schemas.microsoft.com/office/drawing/2014/main" xmlns="" id="{A999C47F-FE11-43C1-ABE1-421DFF831783}"/>
               </a:ext>
             </a:extLst>
           </p:cNvPr>
@@ -1109,7 +1109,7 @@
           <a:p>
             <a:fld id="{33568D6D-ECDC-4F67-8140-691F6B31FF65}" type="slidenum">
               <a:rPr lang="pt-BR" smtClean="0"/>
-              <a:t>‹nº›</a:t>
+              <a:t>‹#›</a:t>
             </a:fld>
             <a:endParaRPr lang="pt-BR"/>
           </a:p>
@@ -1126,7 +1126,7 @@
     <a:masterClrMapping/>
   </p:clrMapOvr>
   <mc:AlternateContent xmlns:mc="http://schemas.openxmlformats.org/markup-compatibility/2006">
-    <mc:Choice xmlns:p159="http://schemas.microsoft.com/office/powerpoint/2015/09/main" Requires="p159">
+    <mc:Choice xmlns:p159="http://schemas.microsoft.com/office/powerpoint/2015/09/main" xmlns="" Requires="p159">
       <p:transition>
         <p159:morph option="byObject"/>
       </p:transition>
@@ -1162,7 +1162,7 @@
           <p:cNvPr id="2" name="Título 1">
             <a:extLst>
               <a:ext uri="{FF2B5EF4-FFF2-40B4-BE49-F238E27FC236}">
-                <a16:creationId xmlns:a16="http://schemas.microsoft.com/office/drawing/2014/main" id="{3F328E53-21DF-4FC7-A5CC-6D992A97A9DE}"/>
+                <a16:creationId xmlns:a16="http://schemas.microsoft.com/office/drawing/2014/main" xmlns="" id="{3F328E53-21DF-4FC7-A5CC-6D992A97A9DE}"/>
               </a:ext>
             </a:extLst>
           </p:cNvPr>
@@ -1190,7 +1190,7 @@
           <p:cNvPr id="3" name="Espaço Reservado para Conteúdo 2">
             <a:extLst>
               <a:ext uri="{FF2B5EF4-FFF2-40B4-BE49-F238E27FC236}">
-                <a16:creationId xmlns:a16="http://schemas.microsoft.com/office/drawing/2014/main" id="{A305DD2F-CAF2-4878-BFFF-2A31639BD3C3}"/>
+                <a16:creationId xmlns:a16="http://schemas.microsoft.com/office/drawing/2014/main" xmlns="" id="{A305DD2F-CAF2-4878-BFFF-2A31639BD3C3}"/>
               </a:ext>
             </a:extLst>
           </p:cNvPr>
@@ -1247,7 +1247,7 @@
           <p:cNvPr id="4" name="Espaço Reservado para Data 3">
             <a:extLst>
               <a:ext uri="{FF2B5EF4-FFF2-40B4-BE49-F238E27FC236}">
-                <a16:creationId xmlns:a16="http://schemas.microsoft.com/office/drawing/2014/main" id="{82D8150B-76E2-4070-BD63-16C050A350D5}"/>
+                <a16:creationId xmlns:a16="http://schemas.microsoft.com/office/drawing/2014/main" xmlns="" id="{82D8150B-76E2-4070-BD63-16C050A350D5}"/>
               </a:ext>
             </a:extLst>
           </p:cNvPr>
@@ -1265,7 +1265,7 @@
           <a:p>
             <a:fld id="{E018CD33-C971-4967-BB2A-B7449162AC2A}" type="datetime1">
               <a:rPr lang="pt-BR" smtClean="0"/>
-              <a:t>04/07/2017</a:t>
+              <a:t>05/07/2017</a:t>
             </a:fld>
             <a:endParaRPr lang="pt-BR"/>
           </a:p>
@@ -1276,7 +1276,7 @@
           <p:cNvPr id="5" name="Espaço Reservado para Rodapé 4">
             <a:extLst>
               <a:ext uri="{FF2B5EF4-FFF2-40B4-BE49-F238E27FC236}">
-                <a16:creationId xmlns:a16="http://schemas.microsoft.com/office/drawing/2014/main" id="{40F2FD89-57A1-4A8B-B6D7-150076D8938C}"/>
+                <a16:creationId xmlns:a16="http://schemas.microsoft.com/office/drawing/2014/main" xmlns="" id="{40F2FD89-57A1-4A8B-B6D7-150076D8938C}"/>
               </a:ext>
             </a:extLst>
           </p:cNvPr>
@@ -1301,7 +1301,7 @@
           <p:cNvPr id="6" name="Espaço Reservado para Número de Slide 5">
             <a:extLst>
               <a:ext uri="{FF2B5EF4-FFF2-40B4-BE49-F238E27FC236}">
-                <a16:creationId xmlns:a16="http://schemas.microsoft.com/office/drawing/2014/main" id="{AC1F6BF8-57E5-4459-854B-F7A659717BB6}"/>
+                <a16:creationId xmlns:a16="http://schemas.microsoft.com/office/drawing/2014/main" xmlns="" id="{AC1F6BF8-57E5-4459-854B-F7A659717BB6}"/>
               </a:ext>
             </a:extLst>
           </p:cNvPr>
@@ -1319,7 +1319,7 @@
           <a:p>
             <a:fld id="{33568D6D-ECDC-4F67-8140-691F6B31FF65}" type="slidenum">
               <a:rPr lang="pt-BR" smtClean="0"/>
-              <a:t>‹nº›</a:t>
+              <a:t>‹#›</a:t>
             </a:fld>
             <a:endParaRPr lang="pt-BR"/>
           </a:p>
@@ -1336,7 +1336,7 @@
     <a:masterClrMapping/>
   </p:clrMapOvr>
   <mc:AlternateContent xmlns:mc="http://schemas.openxmlformats.org/markup-compatibility/2006">
-    <mc:Choice xmlns:p159="http://schemas.microsoft.com/office/powerpoint/2015/09/main" Requires="p159">
+    <mc:Choice xmlns:p159="http://schemas.microsoft.com/office/powerpoint/2015/09/main" xmlns="" Requires="p159">
       <p:transition>
         <p159:morph option="byObject"/>
       </p:transition>
@@ -1372,7 +1372,7 @@
           <p:cNvPr id="2" name="Título 1">
             <a:extLst>
               <a:ext uri="{FF2B5EF4-FFF2-40B4-BE49-F238E27FC236}">
-                <a16:creationId xmlns:a16="http://schemas.microsoft.com/office/drawing/2014/main" id="{C9DB65A9-A0C7-4D93-9C0B-C24CB8530CE4}"/>
+                <a16:creationId xmlns:a16="http://schemas.microsoft.com/office/drawing/2014/main" xmlns="" id="{C9DB65A9-A0C7-4D93-9C0B-C24CB8530CE4}"/>
               </a:ext>
             </a:extLst>
           </p:cNvPr>
@@ -1409,7 +1409,7 @@
           <p:cNvPr id="3" name="Espaço Reservado para Texto 2">
             <a:extLst>
               <a:ext uri="{FF2B5EF4-FFF2-40B4-BE49-F238E27FC236}">
-                <a16:creationId xmlns:a16="http://schemas.microsoft.com/office/drawing/2014/main" id="{439B6E4A-3E78-4905-877F-B570E7C600F2}"/>
+                <a16:creationId xmlns:a16="http://schemas.microsoft.com/office/drawing/2014/main" xmlns="" id="{439B6E4A-3E78-4905-877F-B570E7C600F2}"/>
               </a:ext>
             </a:extLst>
           </p:cNvPr>
@@ -1534,7 +1534,7 @@
           <p:cNvPr id="4" name="Espaço Reservado para Data 3">
             <a:extLst>
               <a:ext uri="{FF2B5EF4-FFF2-40B4-BE49-F238E27FC236}">
-                <a16:creationId xmlns:a16="http://schemas.microsoft.com/office/drawing/2014/main" id="{AFB22B4D-65F1-47AE-A22B-C1F7CC0BDF84}"/>
+                <a16:creationId xmlns:a16="http://schemas.microsoft.com/office/drawing/2014/main" xmlns="" id="{AFB22B4D-65F1-47AE-A22B-C1F7CC0BDF84}"/>
               </a:ext>
             </a:extLst>
           </p:cNvPr>
@@ -1552,7 +1552,7 @@
           <a:p>
             <a:fld id="{BE01CB63-052E-4E92-91E1-2DA56A3D9A68}" type="datetime1">
               <a:rPr lang="pt-BR" smtClean="0"/>
-              <a:t>04/07/2017</a:t>
+              <a:t>05/07/2017</a:t>
             </a:fld>
             <a:endParaRPr lang="pt-BR"/>
           </a:p>
@@ -1563,7 +1563,7 @@
           <p:cNvPr id="5" name="Espaço Reservado para Rodapé 4">
             <a:extLst>
               <a:ext uri="{FF2B5EF4-FFF2-40B4-BE49-F238E27FC236}">
-                <a16:creationId xmlns:a16="http://schemas.microsoft.com/office/drawing/2014/main" id="{2BECB7F9-2A36-416D-B27A-C4190C070453}"/>
+                <a16:creationId xmlns:a16="http://schemas.microsoft.com/office/drawing/2014/main" xmlns="" id="{2BECB7F9-2A36-416D-B27A-C4190C070453}"/>
               </a:ext>
             </a:extLst>
           </p:cNvPr>
@@ -1588,7 +1588,7 @@
           <p:cNvPr id="6" name="Espaço Reservado para Número de Slide 5">
             <a:extLst>
               <a:ext uri="{FF2B5EF4-FFF2-40B4-BE49-F238E27FC236}">
-                <a16:creationId xmlns:a16="http://schemas.microsoft.com/office/drawing/2014/main" id="{AB76765F-52C8-4248-942F-0CFB200B237C}"/>
+                <a16:creationId xmlns:a16="http://schemas.microsoft.com/office/drawing/2014/main" xmlns="" id="{AB76765F-52C8-4248-942F-0CFB200B237C}"/>
               </a:ext>
             </a:extLst>
           </p:cNvPr>
@@ -1606,7 +1606,7 @@
           <a:p>
             <a:fld id="{33568D6D-ECDC-4F67-8140-691F6B31FF65}" type="slidenum">
               <a:rPr lang="pt-BR" smtClean="0"/>
-              <a:t>‹nº›</a:t>
+              <a:t>‹#›</a:t>
             </a:fld>
             <a:endParaRPr lang="pt-BR"/>
           </a:p>
@@ -1623,7 +1623,7 @@
     <a:masterClrMapping/>
   </p:clrMapOvr>
   <mc:AlternateContent xmlns:mc="http://schemas.openxmlformats.org/markup-compatibility/2006">
-    <mc:Choice xmlns:p159="http://schemas.microsoft.com/office/powerpoint/2015/09/main" Requires="p159">
+    <mc:Choice xmlns:p159="http://schemas.microsoft.com/office/powerpoint/2015/09/main" xmlns="" Requires="p159">
       <p:transition>
         <p159:morph option="byObject"/>
       </p:transition>
@@ -1659,7 +1659,7 @@
           <p:cNvPr id="2" name="Título 1">
             <a:extLst>
               <a:ext uri="{FF2B5EF4-FFF2-40B4-BE49-F238E27FC236}">
-                <a16:creationId xmlns:a16="http://schemas.microsoft.com/office/drawing/2014/main" id="{9059BA11-C051-40E3-9B4A-BAEC9DE1FB9D}"/>
+                <a16:creationId xmlns:a16="http://schemas.microsoft.com/office/drawing/2014/main" xmlns="" id="{9059BA11-C051-40E3-9B4A-BAEC9DE1FB9D}"/>
               </a:ext>
             </a:extLst>
           </p:cNvPr>
@@ -1687,7 +1687,7 @@
           <p:cNvPr id="3" name="Espaço Reservado para Conteúdo 2">
             <a:extLst>
               <a:ext uri="{FF2B5EF4-FFF2-40B4-BE49-F238E27FC236}">
-                <a16:creationId xmlns:a16="http://schemas.microsoft.com/office/drawing/2014/main" id="{BCCD484D-02F2-4D20-AEB6-DBDB71B4DBB6}"/>
+                <a16:creationId xmlns:a16="http://schemas.microsoft.com/office/drawing/2014/main" xmlns="" id="{BCCD484D-02F2-4D20-AEB6-DBDB71B4DBB6}"/>
               </a:ext>
             </a:extLst>
           </p:cNvPr>
@@ -1749,7 +1749,7 @@
           <p:cNvPr id="4" name="Espaço Reservado para Conteúdo 3">
             <a:extLst>
               <a:ext uri="{FF2B5EF4-FFF2-40B4-BE49-F238E27FC236}">
-                <a16:creationId xmlns:a16="http://schemas.microsoft.com/office/drawing/2014/main" id="{85A2B5F8-634D-405B-AFDA-46E79E3D01CA}"/>
+                <a16:creationId xmlns:a16="http://schemas.microsoft.com/office/drawing/2014/main" xmlns="" id="{85A2B5F8-634D-405B-AFDA-46E79E3D01CA}"/>
               </a:ext>
             </a:extLst>
           </p:cNvPr>
@@ -1811,7 +1811,7 @@
           <p:cNvPr id="5" name="Espaço Reservado para Data 4">
             <a:extLst>
               <a:ext uri="{FF2B5EF4-FFF2-40B4-BE49-F238E27FC236}">
-                <a16:creationId xmlns:a16="http://schemas.microsoft.com/office/drawing/2014/main" id="{09535A73-109B-48F0-BA9D-87E85DC3BD76}"/>
+                <a16:creationId xmlns:a16="http://schemas.microsoft.com/office/drawing/2014/main" xmlns="" id="{09535A73-109B-48F0-BA9D-87E85DC3BD76}"/>
               </a:ext>
             </a:extLst>
           </p:cNvPr>
@@ -1829,7 +1829,7 @@
           <a:p>
             <a:fld id="{E34D3068-65B4-4341-8242-A031E20EE26F}" type="datetime1">
               <a:rPr lang="pt-BR" smtClean="0"/>
-              <a:t>04/07/2017</a:t>
+              <a:t>05/07/2017</a:t>
             </a:fld>
             <a:endParaRPr lang="pt-BR"/>
           </a:p>
@@ -1840,7 +1840,7 @@
           <p:cNvPr id="6" name="Espaço Reservado para Rodapé 5">
             <a:extLst>
               <a:ext uri="{FF2B5EF4-FFF2-40B4-BE49-F238E27FC236}">
-                <a16:creationId xmlns:a16="http://schemas.microsoft.com/office/drawing/2014/main" id="{314BB5DD-2562-438A-BAE9-306E6FE53942}"/>
+                <a16:creationId xmlns:a16="http://schemas.microsoft.com/office/drawing/2014/main" xmlns="" id="{314BB5DD-2562-438A-BAE9-306E6FE53942}"/>
               </a:ext>
             </a:extLst>
           </p:cNvPr>
@@ -1865,7 +1865,7 @@
           <p:cNvPr id="7" name="Espaço Reservado para Número de Slide 6">
             <a:extLst>
               <a:ext uri="{FF2B5EF4-FFF2-40B4-BE49-F238E27FC236}">
-                <a16:creationId xmlns:a16="http://schemas.microsoft.com/office/drawing/2014/main" id="{542E7653-F843-4B7F-8B36-5D76F39EFDEA}"/>
+                <a16:creationId xmlns:a16="http://schemas.microsoft.com/office/drawing/2014/main" xmlns="" id="{542E7653-F843-4B7F-8B36-5D76F39EFDEA}"/>
               </a:ext>
             </a:extLst>
           </p:cNvPr>
@@ -1883,7 +1883,7 @@
           <a:p>
             <a:fld id="{33568D6D-ECDC-4F67-8140-691F6B31FF65}" type="slidenum">
               <a:rPr lang="pt-BR" smtClean="0"/>
-              <a:t>‹nº›</a:t>
+              <a:t>‹#›</a:t>
             </a:fld>
             <a:endParaRPr lang="pt-BR"/>
           </a:p>
@@ -1900,7 +1900,7 @@
     <a:masterClrMapping/>
   </p:clrMapOvr>
   <mc:AlternateContent xmlns:mc="http://schemas.openxmlformats.org/markup-compatibility/2006">
-    <mc:Choice xmlns:p159="http://schemas.microsoft.com/office/powerpoint/2015/09/main" Requires="p159">
+    <mc:Choice xmlns:p159="http://schemas.microsoft.com/office/powerpoint/2015/09/main" xmlns="" Requires="p159">
       <p:transition>
         <p159:morph option="byObject"/>
       </p:transition>
@@ -1936,7 +1936,7 @@
           <p:cNvPr id="2" name="Título 1">
             <a:extLst>
               <a:ext uri="{FF2B5EF4-FFF2-40B4-BE49-F238E27FC236}">
-                <a16:creationId xmlns:a16="http://schemas.microsoft.com/office/drawing/2014/main" id="{6C758D22-F52E-4C81-8C35-A6E84D7FD8ED}"/>
+                <a16:creationId xmlns:a16="http://schemas.microsoft.com/office/drawing/2014/main" xmlns="" id="{6C758D22-F52E-4C81-8C35-A6E84D7FD8ED}"/>
               </a:ext>
             </a:extLst>
           </p:cNvPr>
@@ -1969,7 +1969,7 @@
           <p:cNvPr id="3" name="Espaço Reservado para Texto 2">
             <a:extLst>
               <a:ext uri="{FF2B5EF4-FFF2-40B4-BE49-F238E27FC236}">
-                <a16:creationId xmlns:a16="http://schemas.microsoft.com/office/drawing/2014/main" id="{E0B18FCB-7D46-416E-BBEB-9BF5EB02636F}"/>
+                <a16:creationId xmlns:a16="http://schemas.microsoft.com/office/drawing/2014/main" xmlns="" id="{E0B18FCB-7D46-416E-BBEB-9BF5EB02636F}"/>
               </a:ext>
             </a:extLst>
           </p:cNvPr>
@@ -2040,7 +2040,7 @@
           <p:cNvPr id="4" name="Espaço Reservado para Conteúdo 3">
             <a:extLst>
               <a:ext uri="{FF2B5EF4-FFF2-40B4-BE49-F238E27FC236}">
-                <a16:creationId xmlns:a16="http://schemas.microsoft.com/office/drawing/2014/main" id="{D79D70EF-C0E2-4207-B239-8FB223CEF120}"/>
+                <a16:creationId xmlns:a16="http://schemas.microsoft.com/office/drawing/2014/main" xmlns="" id="{D79D70EF-C0E2-4207-B239-8FB223CEF120}"/>
               </a:ext>
             </a:extLst>
           </p:cNvPr>
@@ -2102,7 +2102,7 @@
           <p:cNvPr id="5" name="Espaço Reservado para Texto 4">
             <a:extLst>
               <a:ext uri="{FF2B5EF4-FFF2-40B4-BE49-F238E27FC236}">
-                <a16:creationId xmlns:a16="http://schemas.microsoft.com/office/drawing/2014/main" id="{72D43328-40CA-4EFE-B238-21FAFA08F60D}"/>
+                <a16:creationId xmlns:a16="http://schemas.microsoft.com/office/drawing/2014/main" xmlns="" id="{72D43328-40CA-4EFE-B238-21FAFA08F60D}"/>
               </a:ext>
             </a:extLst>
           </p:cNvPr>
@@ -2173,7 +2173,7 @@
           <p:cNvPr id="6" name="Espaço Reservado para Conteúdo 5">
             <a:extLst>
               <a:ext uri="{FF2B5EF4-FFF2-40B4-BE49-F238E27FC236}">
-                <a16:creationId xmlns:a16="http://schemas.microsoft.com/office/drawing/2014/main" id="{0C50E75B-5039-4501-8252-0544E6DBE235}"/>
+                <a16:creationId xmlns:a16="http://schemas.microsoft.com/office/drawing/2014/main" xmlns="" id="{0C50E75B-5039-4501-8252-0544E6DBE235}"/>
               </a:ext>
             </a:extLst>
           </p:cNvPr>
@@ -2235,7 +2235,7 @@
           <p:cNvPr id="7" name="Espaço Reservado para Data 6">
             <a:extLst>
               <a:ext uri="{FF2B5EF4-FFF2-40B4-BE49-F238E27FC236}">
-                <a16:creationId xmlns:a16="http://schemas.microsoft.com/office/drawing/2014/main" id="{89CF1543-53DB-4233-B3DE-18D39EAFC286}"/>
+                <a16:creationId xmlns:a16="http://schemas.microsoft.com/office/drawing/2014/main" xmlns="" id="{89CF1543-53DB-4233-B3DE-18D39EAFC286}"/>
               </a:ext>
             </a:extLst>
           </p:cNvPr>
@@ -2253,7 +2253,7 @@
           <a:p>
             <a:fld id="{46B2985A-9AF5-4AB5-BBD6-DEEDC57ED920}" type="datetime1">
               <a:rPr lang="pt-BR" smtClean="0"/>
-              <a:t>04/07/2017</a:t>
+              <a:t>05/07/2017</a:t>
             </a:fld>
             <a:endParaRPr lang="pt-BR"/>
           </a:p>
@@ -2264,7 +2264,7 @@
           <p:cNvPr id="8" name="Espaço Reservado para Rodapé 7">
             <a:extLst>
               <a:ext uri="{FF2B5EF4-FFF2-40B4-BE49-F238E27FC236}">
-                <a16:creationId xmlns:a16="http://schemas.microsoft.com/office/drawing/2014/main" id="{2EF5AB11-E73C-49F4-9886-8DDF1455679F}"/>
+                <a16:creationId xmlns:a16="http://schemas.microsoft.com/office/drawing/2014/main" xmlns="" id="{2EF5AB11-E73C-49F4-9886-8DDF1455679F}"/>
               </a:ext>
             </a:extLst>
           </p:cNvPr>
@@ -2289,7 +2289,7 @@
           <p:cNvPr id="9" name="Espaço Reservado para Número de Slide 8">
             <a:extLst>
               <a:ext uri="{FF2B5EF4-FFF2-40B4-BE49-F238E27FC236}">
-                <a16:creationId xmlns:a16="http://schemas.microsoft.com/office/drawing/2014/main" id="{E25B62CE-77EC-47A6-B725-EB44E18DB7E6}"/>
+                <a16:creationId xmlns:a16="http://schemas.microsoft.com/office/drawing/2014/main" xmlns="" id="{E25B62CE-77EC-47A6-B725-EB44E18DB7E6}"/>
               </a:ext>
             </a:extLst>
           </p:cNvPr>
@@ -2307,7 +2307,7 @@
           <a:p>
             <a:fld id="{33568D6D-ECDC-4F67-8140-691F6B31FF65}" type="slidenum">
               <a:rPr lang="pt-BR" smtClean="0"/>
-              <a:t>‹nº›</a:t>
+              <a:t>‹#›</a:t>
             </a:fld>
             <a:endParaRPr lang="pt-BR"/>
           </a:p>
@@ -2324,7 +2324,7 @@
     <a:masterClrMapping/>
   </p:clrMapOvr>
   <mc:AlternateContent xmlns:mc="http://schemas.openxmlformats.org/markup-compatibility/2006">
-    <mc:Choice xmlns:p159="http://schemas.microsoft.com/office/powerpoint/2015/09/main" Requires="p159">
+    <mc:Choice xmlns:p159="http://schemas.microsoft.com/office/powerpoint/2015/09/main" xmlns="" Requires="p159">
       <p:transition>
         <p159:morph option="byObject"/>
       </p:transition>
@@ -2360,7 +2360,7 @@
           <p:cNvPr id="2" name="Título 1">
             <a:extLst>
               <a:ext uri="{FF2B5EF4-FFF2-40B4-BE49-F238E27FC236}">
-                <a16:creationId xmlns:a16="http://schemas.microsoft.com/office/drawing/2014/main" id="{68D9F5F2-91A8-45A1-8F01-B7956C048B57}"/>
+                <a16:creationId xmlns:a16="http://schemas.microsoft.com/office/drawing/2014/main" xmlns="" id="{68D9F5F2-91A8-45A1-8F01-B7956C048B57}"/>
               </a:ext>
             </a:extLst>
           </p:cNvPr>
@@ -2388,7 +2388,7 @@
           <p:cNvPr id="3" name="Espaço Reservado para Data 2">
             <a:extLst>
               <a:ext uri="{FF2B5EF4-FFF2-40B4-BE49-F238E27FC236}">
-                <a16:creationId xmlns:a16="http://schemas.microsoft.com/office/drawing/2014/main" id="{1F4AD42A-B2BD-4D88-A4AC-13E7897AA9ED}"/>
+                <a16:creationId xmlns:a16="http://schemas.microsoft.com/office/drawing/2014/main" xmlns="" id="{1F4AD42A-B2BD-4D88-A4AC-13E7897AA9ED}"/>
               </a:ext>
             </a:extLst>
           </p:cNvPr>
@@ -2406,7 +2406,7 @@
           <a:p>
             <a:fld id="{056CF9D1-73EC-462A-8851-8A7303D4B510}" type="datetime1">
               <a:rPr lang="pt-BR" smtClean="0"/>
-              <a:t>04/07/2017</a:t>
+              <a:t>05/07/2017</a:t>
             </a:fld>
             <a:endParaRPr lang="pt-BR"/>
           </a:p>
@@ -2417,7 +2417,7 @@
           <p:cNvPr id="4" name="Espaço Reservado para Rodapé 3">
             <a:extLst>
               <a:ext uri="{FF2B5EF4-FFF2-40B4-BE49-F238E27FC236}">
-                <a16:creationId xmlns:a16="http://schemas.microsoft.com/office/drawing/2014/main" id="{C9BADC64-9B75-4204-9D58-6BA65DDBE064}"/>
+                <a16:creationId xmlns:a16="http://schemas.microsoft.com/office/drawing/2014/main" xmlns="" id="{C9BADC64-9B75-4204-9D58-6BA65DDBE064}"/>
               </a:ext>
             </a:extLst>
           </p:cNvPr>
@@ -2442,7 +2442,7 @@
           <p:cNvPr id="5" name="Espaço Reservado para Número de Slide 4">
             <a:extLst>
               <a:ext uri="{FF2B5EF4-FFF2-40B4-BE49-F238E27FC236}">
-                <a16:creationId xmlns:a16="http://schemas.microsoft.com/office/drawing/2014/main" id="{E84CD316-4A57-4743-86DC-F46267C798E5}"/>
+                <a16:creationId xmlns:a16="http://schemas.microsoft.com/office/drawing/2014/main" xmlns="" id="{E84CD316-4A57-4743-86DC-F46267C798E5}"/>
               </a:ext>
             </a:extLst>
           </p:cNvPr>
@@ -2460,7 +2460,7 @@
           <a:p>
             <a:fld id="{33568D6D-ECDC-4F67-8140-691F6B31FF65}" type="slidenum">
               <a:rPr lang="pt-BR" smtClean="0"/>
-              <a:t>‹nº›</a:t>
+              <a:t>‹#›</a:t>
             </a:fld>
             <a:endParaRPr lang="pt-BR"/>
           </a:p>
@@ -2477,7 +2477,7 @@
     <a:masterClrMapping/>
   </p:clrMapOvr>
   <mc:AlternateContent xmlns:mc="http://schemas.openxmlformats.org/markup-compatibility/2006">
-    <mc:Choice xmlns:p159="http://schemas.microsoft.com/office/powerpoint/2015/09/main" Requires="p159">
+    <mc:Choice xmlns:p159="http://schemas.microsoft.com/office/powerpoint/2015/09/main" xmlns="" Requires="p159">
       <p:transition>
         <p159:morph option="byObject"/>
       </p:transition>
@@ -2513,7 +2513,7 @@
           <p:cNvPr id="2" name="Espaço Reservado para Data 1">
             <a:extLst>
               <a:ext uri="{FF2B5EF4-FFF2-40B4-BE49-F238E27FC236}">
-                <a16:creationId xmlns:a16="http://schemas.microsoft.com/office/drawing/2014/main" id="{2B632D4C-4EBA-48CD-95CA-05B7866CEA82}"/>
+                <a16:creationId xmlns:a16="http://schemas.microsoft.com/office/drawing/2014/main" xmlns="" id="{2B632D4C-4EBA-48CD-95CA-05B7866CEA82}"/>
               </a:ext>
             </a:extLst>
           </p:cNvPr>
@@ -2531,7 +2531,7 @@
           <a:p>
             <a:fld id="{C87A0295-0A64-48C7-BF2C-B0900A6755D7}" type="datetime1">
               <a:rPr lang="pt-BR" smtClean="0"/>
-              <a:t>04/07/2017</a:t>
+              <a:t>05/07/2017</a:t>
             </a:fld>
             <a:endParaRPr lang="pt-BR"/>
           </a:p>
@@ -2542,7 +2542,7 @@
           <p:cNvPr id="3" name="Espaço Reservado para Rodapé 2">
             <a:extLst>
               <a:ext uri="{FF2B5EF4-FFF2-40B4-BE49-F238E27FC236}">
-                <a16:creationId xmlns:a16="http://schemas.microsoft.com/office/drawing/2014/main" id="{D818C369-CE00-4B53-AD2D-945D8F9ABDC6}"/>
+                <a16:creationId xmlns:a16="http://schemas.microsoft.com/office/drawing/2014/main" xmlns="" id="{D818C369-CE00-4B53-AD2D-945D8F9ABDC6}"/>
               </a:ext>
             </a:extLst>
           </p:cNvPr>
@@ -2567,7 +2567,7 @@
           <p:cNvPr id="4" name="Espaço Reservado para Número de Slide 3">
             <a:extLst>
               <a:ext uri="{FF2B5EF4-FFF2-40B4-BE49-F238E27FC236}">
-                <a16:creationId xmlns:a16="http://schemas.microsoft.com/office/drawing/2014/main" id="{584AA5AB-D97C-472B-829C-1E4777028044}"/>
+                <a16:creationId xmlns:a16="http://schemas.microsoft.com/office/drawing/2014/main" xmlns="" id="{584AA5AB-D97C-472B-829C-1E4777028044}"/>
               </a:ext>
             </a:extLst>
           </p:cNvPr>
@@ -2585,7 +2585,7 @@
           <a:p>
             <a:fld id="{33568D6D-ECDC-4F67-8140-691F6B31FF65}" type="slidenum">
               <a:rPr lang="pt-BR" smtClean="0"/>
-              <a:t>‹nº›</a:t>
+              <a:t>‹#›</a:t>
             </a:fld>
             <a:endParaRPr lang="pt-BR"/>
           </a:p>
@@ -2602,7 +2602,7 @@
     <a:masterClrMapping/>
   </p:clrMapOvr>
   <mc:AlternateContent xmlns:mc="http://schemas.openxmlformats.org/markup-compatibility/2006">
-    <mc:Choice xmlns:p159="http://schemas.microsoft.com/office/powerpoint/2015/09/main" Requires="p159">
+    <mc:Choice xmlns:p159="http://schemas.microsoft.com/office/powerpoint/2015/09/main" xmlns="" Requires="p159">
       <p:transition>
         <p159:morph option="byObject"/>
       </p:transition>
@@ -2638,7 +2638,7 @@
           <p:cNvPr id="2" name="Título 1">
             <a:extLst>
               <a:ext uri="{FF2B5EF4-FFF2-40B4-BE49-F238E27FC236}">
-                <a16:creationId xmlns:a16="http://schemas.microsoft.com/office/drawing/2014/main" id="{AB7F6789-896C-4858-96CB-700291FF85FE}"/>
+                <a16:creationId xmlns:a16="http://schemas.microsoft.com/office/drawing/2014/main" xmlns="" id="{AB7F6789-896C-4858-96CB-700291FF85FE}"/>
               </a:ext>
             </a:extLst>
           </p:cNvPr>
@@ -2675,7 +2675,7 @@
           <p:cNvPr id="3" name="Espaço Reservado para Conteúdo 2">
             <a:extLst>
               <a:ext uri="{FF2B5EF4-FFF2-40B4-BE49-F238E27FC236}">
-                <a16:creationId xmlns:a16="http://schemas.microsoft.com/office/drawing/2014/main" id="{E6844293-BE9B-4251-AE6A-5D3F6A65BF41}"/>
+                <a16:creationId xmlns:a16="http://schemas.microsoft.com/office/drawing/2014/main" xmlns="" id="{E6844293-BE9B-4251-AE6A-5D3F6A65BF41}"/>
               </a:ext>
             </a:extLst>
           </p:cNvPr>
@@ -2765,7 +2765,7 @@
           <p:cNvPr id="4" name="Espaço Reservado para Texto 3">
             <a:extLst>
               <a:ext uri="{FF2B5EF4-FFF2-40B4-BE49-F238E27FC236}">
-                <a16:creationId xmlns:a16="http://schemas.microsoft.com/office/drawing/2014/main" id="{39650F59-E8D9-44D6-9B3B-8DEC393EA4FC}"/>
+                <a16:creationId xmlns:a16="http://schemas.microsoft.com/office/drawing/2014/main" xmlns="" id="{39650F59-E8D9-44D6-9B3B-8DEC393EA4FC}"/>
               </a:ext>
             </a:extLst>
           </p:cNvPr>
@@ -2836,7 +2836,7 @@
           <p:cNvPr id="5" name="Espaço Reservado para Data 4">
             <a:extLst>
               <a:ext uri="{FF2B5EF4-FFF2-40B4-BE49-F238E27FC236}">
-                <a16:creationId xmlns:a16="http://schemas.microsoft.com/office/drawing/2014/main" id="{C5E5B930-5020-4887-9719-C9D5AEFD4A09}"/>
+                <a16:creationId xmlns:a16="http://schemas.microsoft.com/office/drawing/2014/main" xmlns="" id="{C5E5B930-5020-4887-9719-C9D5AEFD4A09}"/>
               </a:ext>
             </a:extLst>
           </p:cNvPr>
@@ -2854,7 +2854,7 @@
           <a:p>
             <a:fld id="{B4212B3B-2CAA-4488-9064-DD0A754EBE85}" type="datetime1">
               <a:rPr lang="pt-BR" smtClean="0"/>
-              <a:t>04/07/2017</a:t>
+              <a:t>05/07/2017</a:t>
             </a:fld>
             <a:endParaRPr lang="pt-BR"/>
           </a:p>
@@ -2865,7 +2865,7 @@
           <p:cNvPr id="6" name="Espaço Reservado para Rodapé 5">
             <a:extLst>
               <a:ext uri="{FF2B5EF4-FFF2-40B4-BE49-F238E27FC236}">
-                <a16:creationId xmlns:a16="http://schemas.microsoft.com/office/drawing/2014/main" id="{95DC6F7B-C8A4-44ED-A18D-4D160FA969EC}"/>
+                <a16:creationId xmlns:a16="http://schemas.microsoft.com/office/drawing/2014/main" xmlns="" id="{95DC6F7B-C8A4-44ED-A18D-4D160FA969EC}"/>
               </a:ext>
             </a:extLst>
           </p:cNvPr>
@@ -2890,7 +2890,7 @@
           <p:cNvPr id="7" name="Espaço Reservado para Número de Slide 6">
             <a:extLst>
               <a:ext uri="{FF2B5EF4-FFF2-40B4-BE49-F238E27FC236}">
-                <a16:creationId xmlns:a16="http://schemas.microsoft.com/office/drawing/2014/main" id="{57F1164D-E2DD-43B8-B3E2-EBDB6CB90C4C}"/>
+                <a16:creationId xmlns:a16="http://schemas.microsoft.com/office/drawing/2014/main" xmlns="" id="{57F1164D-E2DD-43B8-B3E2-EBDB6CB90C4C}"/>
               </a:ext>
             </a:extLst>
           </p:cNvPr>
@@ -2908,7 +2908,7 @@
           <a:p>
             <a:fld id="{33568D6D-ECDC-4F67-8140-691F6B31FF65}" type="slidenum">
               <a:rPr lang="pt-BR" smtClean="0"/>
-              <a:t>‹nº›</a:t>
+              <a:t>‹#›</a:t>
             </a:fld>
             <a:endParaRPr lang="pt-BR"/>
           </a:p>
@@ -2925,7 +2925,7 @@
     <a:masterClrMapping/>
   </p:clrMapOvr>
   <mc:AlternateContent xmlns:mc="http://schemas.openxmlformats.org/markup-compatibility/2006">
-    <mc:Choice xmlns:p159="http://schemas.microsoft.com/office/powerpoint/2015/09/main" Requires="p159">
+    <mc:Choice xmlns:p159="http://schemas.microsoft.com/office/powerpoint/2015/09/main" xmlns="" Requires="p159">
       <p:transition>
         <p159:morph option="byObject"/>
       </p:transition>
@@ -2961,7 +2961,7 @@
           <p:cNvPr id="2" name="Título 1">
             <a:extLst>
               <a:ext uri="{FF2B5EF4-FFF2-40B4-BE49-F238E27FC236}">
-                <a16:creationId xmlns:a16="http://schemas.microsoft.com/office/drawing/2014/main" id="{71F51297-FBF0-4628-A9EF-897A26D51E57}"/>
+                <a16:creationId xmlns:a16="http://schemas.microsoft.com/office/drawing/2014/main" xmlns="" id="{71F51297-FBF0-4628-A9EF-897A26D51E57}"/>
               </a:ext>
             </a:extLst>
           </p:cNvPr>
@@ -2998,7 +2998,7 @@
           <p:cNvPr id="3" name="Espaço Reservado para Imagem 2">
             <a:extLst>
               <a:ext uri="{FF2B5EF4-FFF2-40B4-BE49-F238E27FC236}">
-                <a16:creationId xmlns:a16="http://schemas.microsoft.com/office/drawing/2014/main" id="{5C8BE9AD-DCA5-4127-B8E5-4AAE6BC78D13}"/>
+                <a16:creationId xmlns:a16="http://schemas.microsoft.com/office/drawing/2014/main" xmlns="" id="{5C8BE9AD-DCA5-4127-B8E5-4AAE6BC78D13}"/>
               </a:ext>
             </a:extLst>
           </p:cNvPr>
@@ -3065,7 +3065,7 @@
           <p:cNvPr id="4" name="Espaço Reservado para Texto 3">
             <a:extLst>
               <a:ext uri="{FF2B5EF4-FFF2-40B4-BE49-F238E27FC236}">
-                <a16:creationId xmlns:a16="http://schemas.microsoft.com/office/drawing/2014/main" id="{E691CCC1-7B04-4961-9790-230F8A641941}"/>
+                <a16:creationId xmlns:a16="http://schemas.microsoft.com/office/drawing/2014/main" xmlns="" id="{E691CCC1-7B04-4961-9790-230F8A641941}"/>
               </a:ext>
             </a:extLst>
           </p:cNvPr>
@@ -3136,7 +3136,7 @@
           <p:cNvPr id="5" name="Espaço Reservado para Data 4">
             <a:extLst>
               <a:ext uri="{FF2B5EF4-FFF2-40B4-BE49-F238E27FC236}">
-                <a16:creationId xmlns:a16="http://schemas.microsoft.com/office/drawing/2014/main" id="{78CBC5E1-FC70-4F7E-96A5-10F9CDA95BD5}"/>
+                <a16:creationId xmlns:a16="http://schemas.microsoft.com/office/drawing/2014/main" xmlns="" id="{78CBC5E1-FC70-4F7E-96A5-10F9CDA95BD5}"/>
               </a:ext>
             </a:extLst>
           </p:cNvPr>
@@ -3154,7 +3154,7 @@
           <a:p>
             <a:fld id="{6BFEE79E-6E21-4CC9-AE27-CF22329910CB}" type="datetime1">
               <a:rPr lang="pt-BR" smtClean="0"/>
-              <a:t>04/07/2017</a:t>
+              <a:t>05/07/2017</a:t>
             </a:fld>
             <a:endParaRPr lang="pt-BR"/>
           </a:p>
@@ -3165,7 +3165,7 @@
           <p:cNvPr id="6" name="Espaço Reservado para Rodapé 5">
             <a:extLst>
               <a:ext uri="{FF2B5EF4-FFF2-40B4-BE49-F238E27FC236}">
-                <a16:creationId xmlns:a16="http://schemas.microsoft.com/office/drawing/2014/main" id="{90D5A14A-1A02-4E26-BE81-01C46B4A356A}"/>
+                <a16:creationId xmlns:a16="http://schemas.microsoft.com/office/drawing/2014/main" xmlns="" id="{90D5A14A-1A02-4E26-BE81-01C46B4A356A}"/>
               </a:ext>
             </a:extLst>
           </p:cNvPr>
@@ -3190,7 +3190,7 @@
           <p:cNvPr id="7" name="Espaço Reservado para Número de Slide 6">
             <a:extLst>
               <a:ext uri="{FF2B5EF4-FFF2-40B4-BE49-F238E27FC236}">
-                <a16:creationId xmlns:a16="http://schemas.microsoft.com/office/drawing/2014/main" id="{A5ED61E8-F4BB-40EB-9AD7-850E09315516}"/>
+                <a16:creationId xmlns:a16="http://schemas.microsoft.com/office/drawing/2014/main" xmlns="" id="{A5ED61E8-F4BB-40EB-9AD7-850E09315516}"/>
               </a:ext>
             </a:extLst>
           </p:cNvPr>
@@ -3208,7 +3208,7 @@
           <a:p>
             <a:fld id="{33568D6D-ECDC-4F67-8140-691F6B31FF65}" type="slidenum">
               <a:rPr lang="pt-BR" smtClean="0"/>
-              <a:t>‹nº›</a:t>
+              <a:t>‹#›</a:t>
             </a:fld>
             <a:endParaRPr lang="pt-BR"/>
           </a:p>
@@ -3225,7 +3225,7 @@
     <a:masterClrMapping/>
   </p:clrMapOvr>
   <mc:AlternateContent xmlns:mc="http://schemas.openxmlformats.org/markup-compatibility/2006">
-    <mc:Choice xmlns:p159="http://schemas.microsoft.com/office/powerpoint/2015/09/main" Requires="p159">
+    <mc:Choice xmlns:p159="http://schemas.microsoft.com/office/powerpoint/2015/09/main" xmlns="" Requires="p159">
       <p:transition>
         <p159:morph option="byObject"/>
       </p:transition>
@@ -3269,7 +3269,7 @@
           <p:cNvPr id="2" name="Espaço Reservado para Título 1">
             <a:extLst>
               <a:ext uri="{FF2B5EF4-FFF2-40B4-BE49-F238E27FC236}">
-                <a16:creationId xmlns:a16="http://schemas.microsoft.com/office/drawing/2014/main" id="{0D4BB98E-D1E0-40D0-855A-F00A2C7E1E53}"/>
+                <a16:creationId xmlns:a16="http://schemas.microsoft.com/office/drawing/2014/main" xmlns="" id="{0D4BB98E-D1E0-40D0-855A-F00A2C7E1E53}"/>
               </a:ext>
             </a:extLst>
           </p:cNvPr>
@@ -3307,7 +3307,7 @@
           <p:cNvPr id="3" name="Espaço Reservado para Texto 2">
             <a:extLst>
               <a:ext uri="{FF2B5EF4-FFF2-40B4-BE49-F238E27FC236}">
-                <a16:creationId xmlns:a16="http://schemas.microsoft.com/office/drawing/2014/main" id="{77B38482-042F-4811-B7B9-90E65B079DED}"/>
+                <a16:creationId xmlns:a16="http://schemas.microsoft.com/office/drawing/2014/main" xmlns="" id="{77B38482-042F-4811-B7B9-90E65B079DED}"/>
               </a:ext>
             </a:extLst>
           </p:cNvPr>
@@ -3374,7 +3374,7 @@
           <p:cNvPr id="4" name="Espaço Reservado para Data 3">
             <a:extLst>
               <a:ext uri="{FF2B5EF4-FFF2-40B4-BE49-F238E27FC236}">
-                <a16:creationId xmlns:a16="http://schemas.microsoft.com/office/drawing/2014/main" id="{94C41A0F-F141-43AF-A950-91B1A48D9EC1}"/>
+                <a16:creationId xmlns:a16="http://schemas.microsoft.com/office/drawing/2014/main" xmlns="" id="{94C41A0F-F141-43AF-A950-91B1A48D9EC1}"/>
               </a:ext>
             </a:extLst>
           </p:cNvPr>
@@ -3410,7 +3410,7 @@
           <a:p>
             <a:fld id="{7EA9DAFF-1B88-49C6-885B-5D8B9A9D3553}" type="datetime1">
               <a:rPr lang="pt-BR" smtClean="0"/>
-              <a:t>04/07/2017</a:t>
+              <a:t>05/07/2017</a:t>
             </a:fld>
             <a:endParaRPr lang="pt-BR"/>
           </a:p>
@@ -3421,7 +3421,7 @@
           <p:cNvPr id="5" name="Espaço Reservado para Rodapé 4">
             <a:extLst>
               <a:ext uri="{FF2B5EF4-FFF2-40B4-BE49-F238E27FC236}">
-                <a16:creationId xmlns:a16="http://schemas.microsoft.com/office/drawing/2014/main" id="{1E35CCA8-6E48-47C0-87A0-B34DDEEF0E50}"/>
+                <a16:creationId xmlns:a16="http://schemas.microsoft.com/office/drawing/2014/main" xmlns="" id="{1E35CCA8-6E48-47C0-87A0-B34DDEEF0E50}"/>
               </a:ext>
             </a:extLst>
           </p:cNvPr>
@@ -3464,7 +3464,7 @@
           <p:cNvPr id="6" name="Espaço Reservado para Número de Slide 5">
             <a:extLst>
               <a:ext uri="{FF2B5EF4-FFF2-40B4-BE49-F238E27FC236}">
-                <a16:creationId xmlns:a16="http://schemas.microsoft.com/office/drawing/2014/main" id="{DE09B279-E0F9-4205-A8AA-0564D8033305}"/>
+                <a16:creationId xmlns:a16="http://schemas.microsoft.com/office/drawing/2014/main" xmlns="" id="{DE09B279-E0F9-4205-A8AA-0564D8033305}"/>
               </a:ext>
             </a:extLst>
           </p:cNvPr>
@@ -3500,7 +3500,7 @@
           <a:p>
             <a:fld id="{33568D6D-ECDC-4F67-8140-691F6B31FF65}" type="slidenum">
               <a:rPr lang="pt-BR" smtClean="0"/>
-              <a:t>‹nº›</a:t>
+              <a:t>‹#›</a:t>
             </a:fld>
             <a:endParaRPr lang="pt-BR"/>
           </a:p>
@@ -3528,7 +3528,7 @@
     <p:sldLayoutId id="2147483659" r:id="rId11"/>
   </p:sldLayoutIdLst>
   <mc:AlternateContent xmlns:mc="http://schemas.openxmlformats.org/markup-compatibility/2006">
-    <mc:Choice xmlns:p159="http://schemas.microsoft.com/office/powerpoint/2015/09/main" Requires="p159">
+    <mc:Choice xmlns:p159="http://schemas.microsoft.com/office/powerpoint/2015/09/main" xmlns="" Requires="p159">
       <p:transition>
         <p159:morph option="byObject"/>
       </p:transition>
@@ -3845,7 +3845,7 @@
           <p:cNvPr id="2" name="Título 1">
             <a:extLst>
               <a:ext uri="{FF2B5EF4-FFF2-40B4-BE49-F238E27FC236}">
-                <a16:creationId xmlns:a16="http://schemas.microsoft.com/office/drawing/2014/main" id="{23A9C045-07C2-42EB-BBCD-2AEB24A9997A}"/>
+                <a16:creationId xmlns:a16="http://schemas.microsoft.com/office/drawing/2014/main" xmlns="" id="{23A9C045-07C2-42EB-BBCD-2AEB24A9997A}"/>
               </a:ext>
             </a:extLst>
           </p:cNvPr>
@@ -3877,7 +3877,7 @@
           <p:cNvPr id="3" name="Subtítulo 2">
             <a:extLst>
               <a:ext uri="{FF2B5EF4-FFF2-40B4-BE49-F238E27FC236}">
-                <a16:creationId xmlns:a16="http://schemas.microsoft.com/office/drawing/2014/main" id="{6792FAB0-BCAC-4ABD-9DDF-EC2B65C9C61A}"/>
+                <a16:creationId xmlns:a16="http://schemas.microsoft.com/office/drawing/2014/main" xmlns="" id="{6792FAB0-BCAC-4ABD-9DDF-EC2B65C9C61A}"/>
               </a:ext>
             </a:extLst>
           </p:cNvPr>
@@ -3917,7 +3917,7 @@
           <p:cNvPr id="4" name="Retângulo 3">
             <a:extLst>
               <a:ext uri="{FF2B5EF4-FFF2-40B4-BE49-F238E27FC236}">
-                <a16:creationId xmlns:a16="http://schemas.microsoft.com/office/drawing/2014/main" id="{535F9D35-E37E-4CFD-954C-C1A322C367CB}"/>
+                <a16:creationId xmlns:a16="http://schemas.microsoft.com/office/drawing/2014/main" xmlns="" id="{535F9D35-E37E-4CFD-954C-C1A322C367CB}"/>
               </a:ext>
             </a:extLst>
           </p:cNvPr>
@@ -3969,7 +3969,7 @@
           <p:cNvPr id="5" name="Espaço Reservado para Número de Slide 4">
             <a:extLst>
               <a:ext uri="{FF2B5EF4-FFF2-40B4-BE49-F238E27FC236}">
-                <a16:creationId xmlns:a16="http://schemas.microsoft.com/office/drawing/2014/main" id="{7E480703-93CB-4DA3-A49B-5993B64762F4}"/>
+                <a16:creationId xmlns:a16="http://schemas.microsoft.com/office/drawing/2014/main" xmlns="" id="{7E480703-93CB-4DA3-A49B-5993B64762F4}"/>
               </a:ext>
             </a:extLst>
           </p:cNvPr>
@@ -4004,7 +4004,7 @@
     <a:masterClrMapping/>
   </p:clrMapOvr>
   <mc:AlternateContent xmlns:mc="http://schemas.openxmlformats.org/markup-compatibility/2006">
-    <mc:Choice xmlns:p159="http://schemas.microsoft.com/office/powerpoint/2015/09/main" Requires="p159">
+    <mc:Choice xmlns:p159="http://schemas.microsoft.com/office/powerpoint/2015/09/main" xmlns="" Requires="p159">
       <p:transition>
         <p159:morph option="byObject"/>
       </p:transition>
@@ -4040,7 +4040,7 @@
           <p:cNvPr id="2" name="Título 1">
             <a:extLst>
               <a:ext uri="{FF2B5EF4-FFF2-40B4-BE49-F238E27FC236}">
-                <a16:creationId xmlns:a16="http://schemas.microsoft.com/office/drawing/2014/main" id="{16396183-FAAC-47B4-8532-D9A09D334419}"/>
+                <a16:creationId xmlns:a16="http://schemas.microsoft.com/office/drawing/2014/main" xmlns="" id="{16396183-FAAC-47B4-8532-D9A09D334419}"/>
               </a:ext>
             </a:extLst>
           </p:cNvPr>
@@ -4068,7 +4068,7 @@
           <p:cNvPr id="3" name="Espaço Reservado para Conteúdo 2">
             <a:extLst>
               <a:ext uri="{FF2B5EF4-FFF2-40B4-BE49-F238E27FC236}">
-                <a16:creationId xmlns:a16="http://schemas.microsoft.com/office/drawing/2014/main" id="{6FF8AAE8-8CC1-4389-9FC2-9415BD925ABF}"/>
+                <a16:creationId xmlns:a16="http://schemas.microsoft.com/office/drawing/2014/main" xmlns="" id="{6FF8AAE8-8CC1-4389-9FC2-9415BD925ABF}"/>
               </a:ext>
             </a:extLst>
           </p:cNvPr>
@@ -4211,7 +4211,7 @@
           <p:cNvPr id="4" name="Retângulo 3">
             <a:extLst>
               <a:ext uri="{FF2B5EF4-FFF2-40B4-BE49-F238E27FC236}">
-                <a16:creationId xmlns:a16="http://schemas.microsoft.com/office/drawing/2014/main" id="{6B20AC76-B05C-4C08-9614-FBFE8B8C55DD}"/>
+                <a16:creationId xmlns:a16="http://schemas.microsoft.com/office/drawing/2014/main" xmlns="" id="{6B20AC76-B05C-4C08-9614-FBFE8B8C55DD}"/>
               </a:ext>
             </a:extLst>
           </p:cNvPr>
@@ -4263,7 +4263,7 @@
           <p:cNvPr id="5" name="Espaço Reservado para Número de Slide 4">
             <a:extLst>
               <a:ext uri="{FF2B5EF4-FFF2-40B4-BE49-F238E27FC236}">
-                <a16:creationId xmlns:a16="http://schemas.microsoft.com/office/drawing/2014/main" id="{309AD7F4-7A81-4D98-861C-0938725EDF22}"/>
+                <a16:creationId xmlns:a16="http://schemas.microsoft.com/office/drawing/2014/main" xmlns="" id="{309AD7F4-7A81-4D98-861C-0938725EDF22}"/>
               </a:ext>
             </a:extLst>
           </p:cNvPr>
@@ -4298,7 +4298,7 @@
     <a:masterClrMapping/>
   </p:clrMapOvr>
   <mc:AlternateContent xmlns:mc="http://schemas.openxmlformats.org/markup-compatibility/2006">
-    <mc:Choice xmlns:p159="http://schemas.microsoft.com/office/powerpoint/2015/09/main" Requires="p159">
+    <mc:Choice xmlns:p159="http://schemas.microsoft.com/office/powerpoint/2015/09/main" xmlns="" Requires="p159">
       <p:transition>
         <p159:morph option="byObject"/>
       </p:transition>
@@ -4334,7 +4334,7 @@
           <p:cNvPr id="2" name="Título 1">
             <a:extLst>
               <a:ext uri="{FF2B5EF4-FFF2-40B4-BE49-F238E27FC236}">
-                <a16:creationId xmlns:a16="http://schemas.microsoft.com/office/drawing/2014/main" id="{23A9C045-07C2-42EB-BBCD-2AEB24A9997A}"/>
+                <a16:creationId xmlns:a16="http://schemas.microsoft.com/office/drawing/2014/main" xmlns="" id="{23A9C045-07C2-42EB-BBCD-2AEB24A9997A}"/>
               </a:ext>
             </a:extLst>
           </p:cNvPr>
@@ -4366,7 +4366,7 @@
           <p:cNvPr id="3" name="Subtítulo 2">
             <a:extLst>
               <a:ext uri="{FF2B5EF4-FFF2-40B4-BE49-F238E27FC236}">
-                <a16:creationId xmlns:a16="http://schemas.microsoft.com/office/drawing/2014/main" id="{6792FAB0-BCAC-4ABD-9DDF-EC2B65C9C61A}"/>
+                <a16:creationId xmlns:a16="http://schemas.microsoft.com/office/drawing/2014/main" xmlns="" id="{6792FAB0-BCAC-4ABD-9DDF-EC2B65C9C61A}"/>
               </a:ext>
             </a:extLst>
           </p:cNvPr>
@@ -4406,7 +4406,7 @@
           <p:cNvPr id="4" name="Retângulo 3">
             <a:extLst>
               <a:ext uri="{FF2B5EF4-FFF2-40B4-BE49-F238E27FC236}">
-                <a16:creationId xmlns:a16="http://schemas.microsoft.com/office/drawing/2014/main" id="{535F9D35-E37E-4CFD-954C-C1A322C367CB}"/>
+                <a16:creationId xmlns:a16="http://schemas.microsoft.com/office/drawing/2014/main" xmlns="" id="{535F9D35-E37E-4CFD-954C-C1A322C367CB}"/>
               </a:ext>
             </a:extLst>
           </p:cNvPr>
@@ -4458,7 +4458,7 @@
           <p:cNvPr id="5" name="Espaço Reservado para Número de Slide 4">
             <a:extLst>
               <a:ext uri="{FF2B5EF4-FFF2-40B4-BE49-F238E27FC236}">
-                <a16:creationId xmlns:a16="http://schemas.microsoft.com/office/drawing/2014/main" id="{7E480703-93CB-4DA3-A49B-5993B64762F4}"/>
+                <a16:creationId xmlns:a16="http://schemas.microsoft.com/office/drawing/2014/main" xmlns="" id="{7E480703-93CB-4DA3-A49B-5993B64762F4}"/>
               </a:ext>
             </a:extLst>
           </p:cNvPr>
@@ -4493,7 +4493,7 @@
     <a:masterClrMapping/>
   </p:clrMapOvr>
   <mc:AlternateContent xmlns:mc="http://schemas.openxmlformats.org/markup-compatibility/2006">
-    <mc:Choice xmlns:p159="http://schemas.microsoft.com/office/powerpoint/2015/09/main" Requires="p159">
+    <mc:Choice xmlns:p159="http://schemas.microsoft.com/office/powerpoint/2015/09/main" xmlns="" Requires="p159">
       <p:transition>
         <p159:morph option="byObject"/>
       </p:transition>
@@ -4529,7 +4529,7 @@
           <p:cNvPr id="2" name="Título 1">
             <a:extLst>
               <a:ext uri="{FF2B5EF4-FFF2-40B4-BE49-F238E27FC236}">
-                <a16:creationId xmlns:a16="http://schemas.microsoft.com/office/drawing/2014/main" id="{16396183-FAAC-47B4-8532-D9A09D334419}"/>
+                <a16:creationId xmlns:a16="http://schemas.microsoft.com/office/drawing/2014/main" xmlns="" id="{16396183-FAAC-47B4-8532-D9A09D334419}"/>
               </a:ext>
             </a:extLst>
           </p:cNvPr>
@@ -4557,7 +4557,7 @@
           <p:cNvPr id="3" name="Espaço Reservado para Conteúdo 2">
             <a:extLst>
               <a:ext uri="{FF2B5EF4-FFF2-40B4-BE49-F238E27FC236}">
-                <a16:creationId xmlns:a16="http://schemas.microsoft.com/office/drawing/2014/main" id="{6FF8AAE8-8CC1-4389-9FC2-9415BD925ABF}"/>
+                <a16:creationId xmlns:a16="http://schemas.microsoft.com/office/drawing/2014/main" xmlns="" id="{6FF8AAE8-8CC1-4389-9FC2-9415BD925ABF}"/>
               </a:ext>
             </a:extLst>
           </p:cNvPr>
@@ -4665,7 +4665,7 @@
           <p:cNvPr id="4" name="Retângulo 3">
             <a:extLst>
               <a:ext uri="{FF2B5EF4-FFF2-40B4-BE49-F238E27FC236}">
-                <a16:creationId xmlns:a16="http://schemas.microsoft.com/office/drawing/2014/main" id="{6B20AC76-B05C-4C08-9614-FBFE8B8C55DD}"/>
+                <a16:creationId xmlns:a16="http://schemas.microsoft.com/office/drawing/2014/main" xmlns="" id="{6B20AC76-B05C-4C08-9614-FBFE8B8C55DD}"/>
               </a:ext>
             </a:extLst>
           </p:cNvPr>
@@ -4717,7 +4717,7 @@
           <p:cNvPr id="6" name="Gráfico 5">
             <a:extLst>
               <a:ext uri="{FF2B5EF4-FFF2-40B4-BE49-F238E27FC236}">
-                <a16:creationId xmlns:a16="http://schemas.microsoft.com/office/drawing/2014/main" id="{16F75C6A-5433-497A-8EB9-F48F13CE461D}"/>
+                <a16:creationId xmlns:a16="http://schemas.microsoft.com/office/drawing/2014/main" xmlns="" id="{16F75C6A-5433-497A-8EB9-F48F13CE461D}"/>
               </a:ext>
             </a:extLst>
           </p:cNvPr>
@@ -4727,13 +4727,13 @@
           <p:nvPr/>
         </p:nvPicPr>
         <p:blipFill>
-          <a:blip r:embed="rId2">
+          <a:blip r:embed="rId2" cstate="print">
             <a:extLst>
               <a:ext uri="{28A0092B-C50C-407E-A947-70E740481C1C}">
                 <a14:useLocalDpi xmlns:a14="http://schemas.microsoft.com/office/drawing/2010/main" val="0"/>
               </a:ext>
               <a:ext uri="{96DAC541-7B7A-43D3-8B79-37D633B846F1}">
-                <asvg:svgBlip xmlns:asvg="http://schemas.microsoft.com/office/drawing/2016/SVG/main" r:embed="rId3"/>
+                <asvg:svgBlip xmlns:asvg="http://schemas.microsoft.com/office/drawing/2016/SVG/main" xmlns="" r:embed="rId3"/>
               </a:ext>
             </a:extLst>
           </a:blip>
@@ -4756,7 +4756,7 @@
           <p:cNvPr id="7" name="Espaço Reservado para Número de Slide 6">
             <a:extLst>
               <a:ext uri="{FF2B5EF4-FFF2-40B4-BE49-F238E27FC236}">
-                <a16:creationId xmlns:a16="http://schemas.microsoft.com/office/drawing/2014/main" id="{D317E2D2-4FCC-4A7B-80F3-553AF958FE85}"/>
+                <a16:creationId xmlns:a16="http://schemas.microsoft.com/office/drawing/2014/main" xmlns="" id="{D317E2D2-4FCC-4A7B-80F3-553AF958FE85}"/>
               </a:ext>
             </a:extLst>
           </p:cNvPr>
@@ -4791,7 +4791,7 @@
     <a:masterClrMapping/>
   </p:clrMapOvr>
   <mc:AlternateContent xmlns:mc="http://schemas.openxmlformats.org/markup-compatibility/2006">
-    <mc:Choice xmlns:p159="http://schemas.microsoft.com/office/powerpoint/2015/09/main" Requires="p159">
+    <mc:Choice xmlns:p159="http://schemas.microsoft.com/office/powerpoint/2015/09/main" xmlns="" Requires="p159">
       <p:transition>
         <p159:morph option="byObject"/>
       </p:transition>
@@ -4827,7 +4827,7 @@
           <p:cNvPr id="2" name="Título 1">
             <a:extLst>
               <a:ext uri="{FF2B5EF4-FFF2-40B4-BE49-F238E27FC236}">
-                <a16:creationId xmlns:a16="http://schemas.microsoft.com/office/drawing/2014/main" id="{16396183-FAAC-47B4-8532-D9A09D334419}"/>
+                <a16:creationId xmlns:a16="http://schemas.microsoft.com/office/drawing/2014/main" xmlns="" id="{16396183-FAAC-47B4-8532-D9A09D334419}"/>
               </a:ext>
             </a:extLst>
           </p:cNvPr>
@@ -4856,7 +4856,7 @@
           <p:cNvPr id="3" name="Espaço Reservado para Conteúdo 2">
             <a:extLst>
               <a:ext uri="{FF2B5EF4-FFF2-40B4-BE49-F238E27FC236}">
-                <a16:creationId xmlns:a16="http://schemas.microsoft.com/office/drawing/2014/main" id="{6FF8AAE8-8CC1-4389-9FC2-9415BD925ABF}"/>
+                <a16:creationId xmlns:a16="http://schemas.microsoft.com/office/drawing/2014/main" xmlns="" id="{6FF8AAE8-8CC1-4389-9FC2-9415BD925ABF}"/>
               </a:ext>
             </a:extLst>
           </p:cNvPr>
@@ -4940,7 +4940,7 @@
           <p:cNvPr id="4" name="Retângulo 3">
             <a:extLst>
               <a:ext uri="{FF2B5EF4-FFF2-40B4-BE49-F238E27FC236}">
-                <a16:creationId xmlns:a16="http://schemas.microsoft.com/office/drawing/2014/main" id="{6B20AC76-B05C-4C08-9614-FBFE8B8C55DD}"/>
+                <a16:creationId xmlns:a16="http://schemas.microsoft.com/office/drawing/2014/main" xmlns="" id="{6B20AC76-B05C-4C08-9614-FBFE8B8C55DD}"/>
               </a:ext>
             </a:extLst>
           </p:cNvPr>
@@ -4992,7 +4992,7 @@
           <p:cNvPr id="5" name="Espaço Reservado para Conteúdo 5">
             <a:extLst>
               <a:ext uri="{FF2B5EF4-FFF2-40B4-BE49-F238E27FC236}">
-                <a16:creationId xmlns:a16="http://schemas.microsoft.com/office/drawing/2014/main" id="{E3673FF4-41D1-4090-B98C-58F3CA6883F2}"/>
+                <a16:creationId xmlns:a16="http://schemas.microsoft.com/office/drawing/2014/main" xmlns="" id="{E3673FF4-41D1-4090-B98C-58F3CA6883F2}"/>
               </a:ext>
             </a:extLst>
           </p:cNvPr>
@@ -5002,13 +5002,13 @@
           <p:nvPr/>
         </p:nvPicPr>
         <p:blipFill rotWithShape="1">
-          <a:blip r:embed="rId2">
+          <a:blip r:embed="rId2" cstate="print">
             <a:extLst>
               <a:ext uri="{28A0092B-C50C-407E-A947-70E740481C1C}">
                 <a14:useLocalDpi xmlns:a14="http://schemas.microsoft.com/office/drawing/2010/main" val="0"/>
               </a:ext>
               <a:ext uri="{96DAC541-7B7A-43D3-8B79-37D633B846F1}">
-                <asvg:svgBlip xmlns:asvg="http://schemas.microsoft.com/office/drawing/2016/SVG/main" r:embed="rId3"/>
+                <asvg:svgBlip xmlns:asvg="http://schemas.microsoft.com/office/drawing/2016/SVG/main" xmlns="" r:embed="rId3"/>
               </a:ext>
             </a:extLst>
           </a:blip>
@@ -5030,7 +5030,7 @@
           <p:cNvPr id="7" name="Retângulo 6">
             <a:extLst>
               <a:ext uri="{FF2B5EF4-FFF2-40B4-BE49-F238E27FC236}">
-                <a16:creationId xmlns:a16="http://schemas.microsoft.com/office/drawing/2014/main" id="{D296364F-4D09-4B6F-B7F2-77C907C753AA}"/>
+                <a16:creationId xmlns:a16="http://schemas.microsoft.com/office/drawing/2014/main" xmlns="" id="{D296364F-4D09-4B6F-B7F2-77C907C753AA}"/>
               </a:ext>
             </a:extLst>
           </p:cNvPr>
@@ -5084,7 +5084,7 @@
           <p:cNvPr id="8" name="CaixaDeTexto 7">
             <a:extLst>
               <a:ext uri="{FF2B5EF4-FFF2-40B4-BE49-F238E27FC236}">
-                <a16:creationId xmlns:a16="http://schemas.microsoft.com/office/drawing/2014/main" id="{CA38DA59-08F1-4839-94F5-E025AB29B043}"/>
+                <a16:creationId xmlns:a16="http://schemas.microsoft.com/office/drawing/2014/main" xmlns="" id="{CA38DA59-08F1-4839-94F5-E025AB29B043}"/>
               </a:ext>
             </a:extLst>
           </p:cNvPr>
@@ -5144,7 +5144,7 @@
           <p:cNvPr id="6" name="Espaço Reservado para Número de Slide 5">
             <a:extLst>
               <a:ext uri="{FF2B5EF4-FFF2-40B4-BE49-F238E27FC236}">
-                <a16:creationId xmlns:a16="http://schemas.microsoft.com/office/drawing/2014/main" id="{6762A59C-AD24-43BE-A9A0-191DE553C8DE}"/>
+                <a16:creationId xmlns:a16="http://schemas.microsoft.com/office/drawing/2014/main" xmlns="" id="{6762A59C-AD24-43BE-A9A0-191DE553C8DE}"/>
               </a:ext>
             </a:extLst>
           </p:cNvPr>
@@ -5179,7 +5179,7 @@
     <a:masterClrMapping/>
   </p:clrMapOvr>
   <mc:AlternateContent xmlns:mc="http://schemas.openxmlformats.org/markup-compatibility/2006">
-    <mc:Choice xmlns:p159="http://schemas.microsoft.com/office/powerpoint/2015/09/main" Requires="p159">
+    <mc:Choice xmlns:p159="http://schemas.microsoft.com/office/powerpoint/2015/09/main" xmlns="" Requires="p159">
       <p:transition>
         <p159:morph option="byObject"/>
       </p:transition>
@@ -5215,7 +5215,7 @@
           <p:cNvPr id="2" name="Título 1">
             <a:extLst>
               <a:ext uri="{FF2B5EF4-FFF2-40B4-BE49-F238E27FC236}">
-                <a16:creationId xmlns:a16="http://schemas.microsoft.com/office/drawing/2014/main" id="{16396183-FAAC-47B4-8532-D9A09D334419}"/>
+                <a16:creationId xmlns:a16="http://schemas.microsoft.com/office/drawing/2014/main" xmlns="" id="{16396183-FAAC-47B4-8532-D9A09D334419}"/>
               </a:ext>
             </a:extLst>
           </p:cNvPr>
@@ -5243,7 +5243,7 @@
           <p:cNvPr id="3" name="Espaço Reservado para Conteúdo 2">
             <a:extLst>
               <a:ext uri="{FF2B5EF4-FFF2-40B4-BE49-F238E27FC236}">
-                <a16:creationId xmlns:a16="http://schemas.microsoft.com/office/drawing/2014/main" id="{6FF8AAE8-8CC1-4389-9FC2-9415BD925ABF}"/>
+                <a16:creationId xmlns:a16="http://schemas.microsoft.com/office/drawing/2014/main" xmlns="" id="{6FF8AAE8-8CC1-4389-9FC2-9415BD925ABF}"/>
               </a:ext>
             </a:extLst>
           </p:cNvPr>
@@ -5264,8 +5264,12 @@
               <a:buChar char="o"/>
             </a:pPr>
             <a:r>
+              <a:rPr lang="pt-BR" dirty="0" smtClean="0"/>
+              <a:t>Utilizar </a:t>
+            </a:r>
+            <a:r>
               <a:rPr lang="pt-BR" dirty="0"/>
-              <a:t> Utilizar algoritmos genéticos para gerar um conjunto de frequências e durações semelhantes ao conjunto de notas musicais dado como entrada.</a:t>
+              <a:t>algoritmos genéticos para gerar um conjunto de frequências e durações semelhantes ao conjunto de notas musicais dado como entrada.</a:t>
             </a:r>
           </a:p>
           <a:p>
@@ -5284,7 +5288,7 @@
           <p:cNvPr id="4" name="Retângulo 3">
             <a:extLst>
               <a:ext uri="{FF2B5EF4-FFF2-40B4-BE49-F238E27FC236}">
-                <a16:creationId xmlns:a16="http://schemas.microsoft.com/office/drawing/2014/main" id="{6B20AC76-B05C-4C08-9614-FBFE8B8C55DD}"/>
+                <a16:creationId xmlns:a16="http://schemas.microsoft.com/office/drawing/2014/main" xmlns="" id="{6B20AC76-B05C-4C08-9614-FBFE8B8C55DD}"/>
               </a:ext>
             </a:extLst>
           </p:cNvPr>
@@ -5336,7 +5340,7 @@
           <p:cNvPr id="6" name="Gráfico 5">
             <a:extLst>
               <a:ext uri="{FF2B5EF4-FFF2-40B4-BE49-F238E27FC236}">
-                <a16:creationId xmlns:a16="http://schemas.microsoft.com/office/drawing/2014/main" id="{6309F3CE-4DA9-43B7-92BD-9D3BF8F6309C}"/>
+                <a16:creationId xmlns:a16="http://schemas.microsoft.com/office/drawing/2014/main" xmlns="" id="{6309F3CE-4DA9-43B7-92BD-9D3BF8F6309C}"/>
               </a:ext>
             </a:extLst>
           </p:cNvPr>
@@ -5346,13 +5350,13 @@
           <p:nvPr/>
         </p:nvPicPr>
         <p:blipFill>
-          <a:blip r:embed="rId2">
+          <a:blip r:embed="rId2" cstate="print">
             <a:extLst>
               <a:ext uri="{28A0092B-C50C-407E-A947-70E740481C1C}">
                 <a14:useLocalDpi xmlns:a14="http://schemas.microsoft.com/office/drawing/2010/main" val="0"/>
               </a:ext>
               <a:ext uri="{96DAC541-7B7A-43D3-8B79-37D633B846F1}">
-                <asvg:svgBlip xmlns:asvg="http://schemas.microsoft.com/office/drawing/2016/SVG/main" r:embed="rId3"/>
+                <asvg:svgBlip xmlns:asvg="http://schemas.microsoft.com/office/drawing/2016/SVG/main" xmlns="" r:embed="rId3"/>
               </a:ext>
             </a:extLst>
           </a:blip>
@@ -5375,7 +5379,7 @@
           <p:cNvPr id="9" name="Gráfico 8">
             <a:extLst>
               <a:ext uri="{FF2B5EF4-FFF2-40B4-BE49-F238E27FC236}">
-                <a16:creationId xmlns:a16="http://schemas.microsoft.com/office/drawing/2014/main" id="{05C521EB-01BC-42F7-B9B9-FB529BF15E7B}"/>
+                <a16:creationId xmlns:a16="http://schemas.microsoft.com/office/drawing/2014/main" xmlns="" id="{05C521EB-01BC-42F7-B9B9-FB529BF15E7B}"/>
               </a:ext>
             </a:extLst>
           </p:cNvPr>
@@ -5385,13 +5389,13 @@
           <p:nvPr/>
         </p:nvPicPr>
         <p:blipFill>
-          <a:blip r:embed="rId4">
+          <a:blip r:embed="rId4" cstate="print">
             <a:extLst>
               <a:ext uri="{28A0092B-C50C-407E-A947-70E740481C1C}">
                 <a14:useLocalDpi xmlns:a14="http://schemas.microsoft.com/office/drawing/2010/main" val="0"/>
               </a:ext>
               <a:ext uri="{96DAC541-7B7A-43D3-8B79-37D633B846F1}">
-                <asvg:svgBlip xmlns:asvg="http://schemas.microsoft.com/office/drawing/2016/SVG/main" r:embed="rId5"/>
+                <asvg:svgBlip xmlns:asvg="http://schemas.microsoft.com/office/drawing/2016/SVG/main" xmlns="" r:embed="rId5"/>
               </a:ext>
             </a:extLst>
           </a:blip>
@@ -5414,7 +5418,7 @@
           <p:cNvPr id="10" name="Gráfico 9">
             <a:extLst>
               <a:ext uri="{FF2B5EF4-FFF2-40B4-BE49-F238E27FC236}">
-                <a16:creationId xmlns:a16="http://schemas.microsoft.com/office/drawing/2014/main" id="{FD26E511-33C1-4A7C-8325-F2899F8574E5}"/>
+                <a16:creationId xmlns:a16="http://schemas.microsoft.com/office/drawing/2014/main" xmlns="" id="{FD26E511-33C1-4A7C-8325-F2899F8574E5}"/>
               </a:ext>
             </a:extLst>
           </p:cNvPr>
@@ -5424,13 +5428,13 @@
           <p:nvPr/>
         </p:nvPicPr>
         <p:blipFill>
-          <a:blip r:embed="rId4">
+          <a:blip r:embed="rId6" cstate="print">
             <a:extLst>
               <a:ext uri="{28A0092B-C50C-407E-A947-70E740481C1C}">
                 <a14:useLocalDpi xmlns:a14="http://schemas.microsoft.com/office/drawing/2010/main" val="0"/>
               </a:ext>
               <a:ext uri="{96DAC541-7B7A-43D3-8B79-37D633B846F1}">
-                <asvg:svgBlip xmlns:asvg="http://schemas.microsoft.com/office/drawing/2016/SVG/main" r:embed="rId5"/>
+                <asvg:svgBlip xmlns:asvg="http://schemas.microsoft.com/office/drawing/2016/SVG/main" xmlns="" r:embed="rId5"/>
               </a:ext>
             </a:extLst>
           </a:blip>
@@ -5453,7 +5457,7 @@
           <p:cNvPr id="11" name="Espaço Reservado para Número de Slide 10">
             <a:extLst>
               <a:ext uri="{FF2B5EF4-FFF2-40B4-BE49-F238E27FC236}">
-                <a16:creationId xmlns:a16="http://schemas.microsoft.com/office/drawing/2014/main" id="{5E7E17AB-F218-4E35-92B1-5AD099ED2A89}"/>
+                <a16:creationId xmlns:a16="http://schemas.microsoft.com/office/drawing/2014/main" xmlns="" id="{5E7E17AB-F218-4E35-92B1-5AD099ED2A89}"/>
               </a:ext>
             </a:extLst>
           </p:cNvPr>
@@ -5488,7 +5492,7 @@
     <a:masterClrMapping/>
   </p:clrMapOvr>
   <mc:AlternateContent xmlns:mc="http://schemas.openxmlformats.org/markup-compatibility/2006">
-    <mc:Choice xmlns:p159="http://schemas.microsoft.com/office/powerpoint/2015/09/main" Requires="p159">
+    <mc:Choice xmlns:p159="http://schemas.microsoft.com/office/powerpoint/2015/09/main" xmlns="" Requires="p159">
       <p:transition>
         <p159:morph option="byObject"/>
       </p:transition>
@@ -5524,7 +5528,7 @@
           <p:cNvPr id="2" name="Título 1">
             <a:extLst>
               <a:ext uri="{FF2B5EF4-FFF2-40B4-BE49-F238E27FC236}">
-                <a16:creationId xmlns:a16="http://schemas.microsoft.com/office/drawing/2014/main" id="{16396183-FAAC-47B4-8532-D9A09D334419}"/>
+                <a16:creationId xmlns:a16="http://schemas.microsoft.com/office/drawing/2014/main" xmlns="" id="{16396183-FAAC-47B4-8532-D9A09D334419}"/>
               </a:ext>
             </a:extLst>
           </p:cNvPr>
@@ -5552,7 +5556,7 @@
           <p:cNvPr id="3" name="Espaço Reservado para Conteúdo 2">
             <a:extLst>
               <a:ext uri="{FF2B5EF4-FFF2-40B4-BE49-F238E27FC236}">
-                <a16:creationId xmlns:a16="http://schemas.microsoft.com/office/drawing/2014/main" id="{6FF8AAE8-8CC1-4389-9FC2-9415BD925ABF}"/>
+                <a16:creationId xmlns:a16="http://schemas.microsoft.com/office/drawing/2014/main" xmlns="" id="{6FF8AAE8-8CC1-4389-9FC2-9415BD925ABF}"/>
               </a:ext>
             </a:extLst>
           </p:cNvPr>
@@ -5640,7 +5644,7 @@
           <p:cNvPr id="4" name="Retângulo 3">
             <a:extLst>
               <a:ext uri="{FF2B5EF4-FFF2-40B4-BE49-F238E27FC236}">
-                <a16:creationId xmlns:a16="http://schemas.microsoft.com/office/drawing/2014/main" id="{6B20AC76-B05C-4C08-9614-FBFE8B8C55DD}"/>
+                <a16:creationId xmlns:a16="http://schemas.microsoft.com/office/drawing/2014/main" xmlns="" id="{6B20AC76-B05C-4C08-9614-FBFE8B8C55DD}"/>
               </a:ext>
             </a:extLst>
           </p:cNvPr>
@@ -5692,7 +5696,7 @@
           <p:cNvPr id="11" name="Retângulo 10">
             <a:extLst>
               <a:ext uri="{FF2B5EF4-FFF2-40B4-BE49-F238E27FC236}">
-                <a16:creationId xmlns:a16="http://schemas.microsoft.com/office/drawing/2014/main" id="{0E5C7E34-511E-4DC5-8C50-35AF60A83435}"/>
+                <a16:creationId xmlns:a16="http://schemas.microsoft.com/office/drawing/2014/main" xmlns="" id="{0E5C7E34-511E-4DC5-8C50-35AF60A83435}"/>
               </a:ext>
             </a:extLst>
           </p:cNvPr>
@@ -5744,7 +5748,7 @@
           <p:cNvPr id="12" name="CaixaDeTexto 11">
             <a:extLst>
               <a:ext uri="{FF2B5EF4-FFF2-40B4-BE49-F238E27FC236}">
-                <a16:creationId xmlns:a16="http://schemas.microsoft.com/office/drawing/2014/main" id="{74E3C062-A0CA-4970-A59C-E4C321297B31}"/>
+                <a16:creationId xmlns:a16="http://schemas.microsoft.com/office/drawing/2014/main" xmlns="" id="{74E3C062-A0CA-4970-A59C-E4C321297B31}"/>
               </a:ext>
             </a:extLst>
           </p:cNvPr>
@@ -5827,7 +5831,7 @@
           <p:cNvPr id="16" name="Espaço Reservado para Número de Slide 15">
             <a:extLst>
               <a:ext uri="{FF2B5EF4-FFF2-40B4-BE49-F238E27FC236}">
-                <a16:creationId xmlns:a16="http://schemas.microsoft.com/office/drawing/2014/main" id="{BE22234F-AE2F-42FA-9835-7A9561A6BEAD}"/>
+                <a16:creationId xmlns:a16="http://schemas.microsoft.com/office/drawing/2014/main" xmlns="" id="{BE22234F-AE2F-42FA-9835-7A9561A6BEAD}"/>
               </a:ext>
             </a:extLst>
           </p:cNvPr>
@@ -5862,7 +5866,7 @@
     <a:masterClrMapping/>
   </p:clrMapOvr>
   <mc:AlternateContent xmlns:mc="http://schemas.openxmlformats.org/markup-compatibility/2006">
-    <mc:Choice xmlns:p159="http://schemas.microsoft.com/office/powerpoint/2015/09/main" Requires="p159">
+    <mc:Choice xmlns:p159="http://schemas.microsoft.com/office/powerpoint/2015/09/main" xmlns="" Requires="p159">
       <p:transition>
         <p159:morph option="byObject"/>
       </p:transition>
@@ -5898,7 +5902,7 @@
           <p:cNvPr id="5" name="Retângulo 4">
             <a:extLst>
               <a:ext uri="{FF2B5EF4-FFF2-40B4-BE49-F238E27FC236}">
-                <a16:creationId xmlns:a16="http://schemas.microsoft.com/office/drawing/2014/main" id="{9CA9E269-B88E-4E69-A45F-592363FE202A}"/>
+                <a16:creationId xmlns:a16="http://schemas.microsoft.com/office/drawing/2014/main" xmlns="" id="{9CA9E269-B88E-4E69-A45F-592363FE202A}"/>
               </a:ext>
             </a:extLst>
           </p:cNvPr>
@@ -5950,7 +5954,7 @@
           <p:cNvPr id="2" name="Título 1">
             <a:extLst>
               <a:ext uri="{FF2B5EF4-FFF2-40B4-BE49-F238E27FC236}">
-                <a16:creationId xmlns:a16="http://schemas.microsoft.com/office/drawing/2014/main" id="{16396183-FAAC-47B4-8532-D9A09D334419}"/>
+                <a16:creationId xmlns:a16="http://schemas.microsoft.com/office/drawing/2014/main" xmlns="" id="{16396183-FAAC-47B4-8532-D9A09D334419}"/>
               </a:ext>
             </a:extLst>
           </p:cNvPr>
@@ -5978,7 +5982,7 @@
           <p:cNvPr id="3" name="Espaço Reservado para Conteúdo 2">
             <a:extLst>
               <a:ext uri="{FF2B5EF4-FFF2-40B4-BE49-F238E27FC236}">
-                <a16:creationId xmlns:a16="http://schemas.microsoft.com/office/drawing/2014/main" id="{6FF8AAE8-8CC1-4389-9FC2-9415BD925ABF}"/>
+                <a16:creationId xmlns:a16="http://schemas.microsoft.com/office/drawing/2014/main" xmlns="" id="{6FF8AAE8-8CC1-4389-9FC2-9415BD925ABF}"/>
               </a:ext>
             </a:extLst>
           </p:cNvPr>
@@ -6033,7 +6037,7 @@
           <p:cNvPr id="4" name="Retângulo 3">
             <a:extLst>
               <a:ext uri="{FF2B5EF4-FFF2-40B4-BE49-F238E27FC236}">
-                <a16:creationId xmlns:a16="http://schemas.microsoft.com/office/drawing/2014/main" id="{6B20AC76-B05C-4C08-9614-FBFE8B8C55DD}"/>
+                <a16:creationId xmlns:a16="http://schemas.microsoft.com/office/drawing/2014/main" xmlns="" id="{6B20AC76-B05C-4C08-9614-FBFE8B8C55DD}"/>
               </a:ext>
             </a:extLst>
           </p:cNvPr>
@@ -6080,14 +6084,14 @@
           </a:p>
         </p:txBody>
       </p:sp>
-      <mc:AlternateContent xmlns:mc="http://schemas.openxmlformats.org/markup-compatibility/2006">
-        <mc:Choice xmlns:a14="http://schemas.microsoft.com/office/drawing/2010/main" Requires="a14">
+      <mc:AlternateContent xmlns:mc="http://schemas.openxmlformats.org/markup-compatibility/2006" xmlns:a14="http://schemas.microsoft.com/office/drawing/2010/main">
+        <mc:Choice Requires="a14">
           <p:sp>
             <p:nvSpPr>
               <p:cNvPr id="14" name="CaixaDeTexto 13">
                 <a:extLst>
                   <a:ext uri="{FF2B5EF4-FFF2-40B4-BE49-F238E27FC236}">
-                    <a16:creationId xmlns:a16="http://schemas.microsoft.com/office/drawing/2014/main" id="{797A3F77-914D-4A67-9AC7-B9CEA3474878}"/>
+                    <a16:creationId xmlns:a16="http://schemas.microsoft.com/office/drawing/2014/main" xmlns="" id="{797A3F77-914D-4A67-9AC7-B9CEA3474878}"/>
                   </a:ext>
                 </a:extLst>
               </p:cNvPr>
@@ -6110,6 +6114,7 @@
               </a:bodyPr>
               <a:lstStyle/>
               <a:p>
+                <a:pPr/>
                 <a14:m>
                   <m:oMathPara xmlns:m="http://schemas.openxmlformats.org/officeDocument/2006/math">
                     <m:oMathParaPr>
@@ -6243,7 +6248,7 @@
                                     <a:rPr lang="pt-BR" sz="2000" i="1">
                                       <a:latin typeface="Cambria Math" panose="02040503050406030204" pitchFamily="18" charset="0"/>
                                     </a:rPr>
-                                    <m:t>- </m:t>
+                                    <m:t>− </m:t>
                                   </m:r>
                                   <m:r>
                                     <a:rPr lang="pt-BR" sz="2000" b="0" i="1" smtClean="0">
@@ -6285,7 +6290,7 @@
                             <a:rPr lang="pt-BR" sz="2000" i="1">
                               <a:latin typeface="Cambria Math" panose="02040503050406030204" pitchFamily="18" charset="0"/>
                             </a:rPr>
-                            <m:t> * </m:t>
+                            <m:t> ∗ </m:t>
                           </m:r>
                           <m:r>
                             <a:rPr lang="pt-BR" sz="2000" i="1">
@@ -6341,19 +6346,19 @@
                                     <a:rPr lang="pt-BR" sz="2000" i="1">
                                       <a:latin typeface="Cambria Math" panose="02040503050406030204" pitchFamily="18" charset="0"/>
                                     </a:rPr>
-                                    <m:t>- </m:t>
+                                    <m:t>− </m:t>
                                   </m:r>
                                   <m:r>
                                     <a:rPr lang="pt-BR" sz="2000" i="1">
                                       <a:latin typeface="Cambria Math" panose="02040503050406030204" pitchFamily="18" charset="0"/>
                                     </a:rPr>
-                                    <m:t>𝑑𝑢𝑟𝑎𝑐𝑎</m:t>
+                                    <m:t>𝑑𝑢𝑟𝑎𝑐𝑎𝑜𝐺</m:t>
                                   </m:r>
                                   <m:r>
                                     <a:rPr lang="pt-BR" sz="2000" b="0" i="1" smtClean="0">
                                       <a:latin typeface="Cambria Math" panose="02040503050406030204" pitchFamily="18" charset="0"/>
                                     </a:rPr>
-                                    <m:t>𝑜𝐺𝑙𝑜𝑏𝑎𝑙𝑛</m:t>
+                                    <m:t>𝑙𝑜𝑏𝑎𝑙𝑛</m:t>
                                   </m:r>
                                 </m:e>
                               </m:d>
@@ -6389,7 +6394,7 @@
                             <a:rPr lang="pt-BR" sz="2000" i="1">
                               <a:latin typeface="Cambria Math" panose="02040503050406030204" pitchFamily="18" charset="0"/>
                             </a:rPr>
-                            <m:t> * </m:t>
+                            <m:t> ∗ </m:t>
                           </m:r>
                           <m:r>
                             <a:rPr lang="pt-BR" sz="2000" i="1">
@@ -6407,7 +6412,7 @@
             </p:txBody>
           </p:sp>
         </mc:Choice>
-        <mc:Fallback>
+        <mc:Fallback xmlns="">
           <p:sp>
             <p:nvSpPr>
               <p:cNvPr id="14" name="CaixaDeTexto 13">
@@ -6457,7 +6462,7 @@
           <p:cNvPr id="6" name="Espaço Reservado para Número de Slide 5">
             <a:extLst>
               <a:ext uri="{FF2B5EF4-FFF2-40B4-BE49-F238E27FC236}">
-                <a16:creationId xmlns:a16="http://schemas.microsoft.com/office/drawing/2014/main" id="{2817AF29-351E-4AD2-BE0D-A32E79286934}"/>
+                <a16:creationId xmlns:a16="http://schemas.microsoft.com/office/drawing/2014/main" xmlns="" id="{2817AF29-351E-4AD2-BE0D-A32E79286934}"/>
               </a:ext>
             </a:extLst>
           </p:cNvPr>
@@ -6492,7 +6497,7 @@
     <a:masterClrMapping/>
   </p:clrMapOvr>
   <mc:AlternateContent xmlns:mc="http://schemas.openxmlformats.org/markup-compatibility/2006">
-    <mc:Choice xmlns:p159="http://schemas.microsoft.com/office/powerpoint/2015/09/main" Requires="p159">
+    <mc:Choice xmlns:p159="http://schemas.microsoft.com/office/powerpoint/2015/09/main" xmlns="" Requires="p159">
       <p:transition>
         <p159:morph option="byObject"/>
       </p:transition>
@@ -6528,7 +6533,7 @@
           <p:cNvPr id="7" name="Retângulo 6">
             <a:extLst>
               <a:ext uri="{FF2B5EF4-FFF2-40B4-BE49-F238E27FC236}">
-                <a16:creationId xmlns:a16="http://schemas.microsoft.com/office/drawing/2014/main" id="{EAE54499-9E36-40BB-83E2-F1DC420531E8}"/>
+                <a16:creationId xmlns:a16="http://schemas.microsoft.com/office/drawing/2014/main" xmlns="" id="{EAE54499-9E36-40BB-83E2-F1DC420531E8}"/>
               </a:ext>
             </a:extLst>
           </p:cNvPr>
@@ -6580,7 +6585,7 @@
           <p:cNvPr id="2" name="Título 1">
             <a:extLst>
               <a:ext uri="{FF2B5EF4-FFF2-40B4-BE49-F238E27FC236}">
-                <a16:creationId xmlns:a16="http://schemas.microsoft.com/office/drawing/2014/main" id="{16396183-FAAC-47B4-8532-D9A09D334419}"/>
+                <a16:creationId xmlns:a16="http://schemas.microsoft.com/office/drawing/2014/main" xmlns="" id="{16396183-FAAC-47B4-8532-D9A09D334419}"/>
               </a:ext>
             </a:extLst>
           </p:cNvPr>
@@ -6608,7 +6613,7 @@
           <p:cNvPr id="3" name="Espaço Reservado para Conteúdo 2">
             <a:extLst>
               <a:ext uri="{FF2B5EF4-FFF2-40B4-BE49-F238E27FC236}">
-                <a16:creationId xmlns:a16="http://schemas.microsoft.com/office/drawing/2014/main" id="{6FF8AAE8-8CC1-4389-9FC2-9415BD925ABF}"/>
+                <a16:creationId xmlns:a16="http://schemas.microsoft.com/office/drawing/2014/main" xmlns="" id="{6FF8AAE8-8CC1-4389-9FC2-9415BD925ABF}"/>
               </a:ext>
             </a:extLst>
           </p:cNvPr>
@@ -6706,7 +6711,7 @@
           <p:cNvPr id="4" name="Retângulo 3">
             <a:extLst>
               <a:ext uri="{FF2B5EF4-FFF2-40B4-BE49-F238E27FC236}">
-                <a16:creationId xmlns:a16="http://schemas.microsoft.com/office/drawing/2014/main" id="{6B20AC76-B05C-4C08-9614-FBFE8B8C55DD}"/>
+                <a16:creationId xmlns:a16="http://schemas.microsoft.com/office/drawing/2014/main" xmlns="" id="{6B20AC76-B05C-4C08-9614-FBFE8B8C55DD}"/>
               </a:ext>
             </a:extLst>
           </p:cNvPr>
@@ -6758,7 +6763,7 @@
           <p:cNvPr id="6" name="Gráfico 5">
             <a:extLst>
               <a:ext uri="{FF2B5EF4-FFF2-40B4-BE49-F238E27FC236}">
-                <a16:creationId xmlns:a16="http://schemas.microsoft.com/office/drawing/2014/main" id="{B90FED88-EEE1-4A8D-BC61-32361B728619}"/>
+                <a16:creationId xmlns:a16="http://schemas.microsoft.com/office/drawing/2014/main" xmlns="" id="{B90FED88-EEE1-4A8D-BC61-32361B728619}"/>
               </a:ext>
             </a:extLst>
           </p:cNvPr>
@@ -6768,13 +6773,13 @@
           <p:nvPr/>
         </p:nvPicPr>
         <p:blipFill>
-          <a:blip r:embed="rId2">
+          <a:blip r:embed="rId2" cstate="print">
             <a:extLst>
               <a:ext uri="{28A0092B-C50C-407E-A947-70E740481C1C}">
                 <a14:useLocalDpi xmlns:a14="http://schemas.microsoft.com/office/drawing/2010/main" val="0"/>
               </a:ext>
               <a:ext uri="{96DAC541-7B7A-43D3-8B79-37D633B846F1}">
-                <asvg:svgBlip xmlns:asvg="http://schemas.microsoft.com/office/drawing/2016/SVG/main" r:embed="rId3"/>
+                <asvg:svgBlip xmlns:asvg="http://schemas.microsoft.com/office/drawing/2016/SVG/main" xmlns="" r:embed="rId3"/>
               </a:ext>
             </a:extLst>
           </a:blip>
@@ -6792,14 +6797,14 @@
           </a:prstGeom>
         </p:spPr>
       </p:pic>
-      <mc:AlternateContent xmlns:mc="http://schemas.openxmlformats.org/markup-compatibility/2006">
-        <mc:Choice xmlns:a14="http://schemas.microsoft.com/office/drawing/2010/main" Requires="a14">
+      <mc:AlternateContent xmlns:mc="http://schemas.openxmlformats.org/markup-compatibility/2006" xmlns:a14="http://schemas.microsoft.com/office/drawing/2010/main">
+        <mc:Choice Requires="a14">
           <p:sp>
             <p:nvSpPr>
               <p:cNvPr id="9" name="CaixaDeTexto 8">
                 <a:extLst>
                   <a:ext uri="{FF2B5EF4-FFF2-40B4-BE49-F238E27FC236}">
-                    <a16:creationId xmlns:a16="http://schemas.microsoft.com/office/drawing/2014/main" id="{7D04E31E-FB45-40E2-9DA2-3C2FE66B3783}"/>
+                    <a16:creationId xmlns:a16="http://schemas.microsoft.com/office/drawing/2014/main" xmlns="" id="{7D04E31E-FB45-40E2-9DA2-3C2FE66B3783}"/>
                   </a:ext>
                 </a:extLst>
               </p:cNvPr>
@@ -6965,13 +6970,7 @@
                               <a:rPr lang="pt-BR" sz="2400" i="1">
                                 <a:latin typeface="Cambria Math" panose="02040503050406030204" pitchFamily="18" charset="0"/>
                               </a:rPr>
-                              <m:t>𝑑</m:t>
-                            </m:r>
-                            <m:r>
-                              <a:rPr lang="pt-BR" sz="2400" i="1">
-                                <a:latin typeface="Cambria Math" panose="02040503050406030204" pitchFamily="18" charset="0"/>
-                              </a:rPr>
-                              <m:t>𝑢𝑟𝑎𝑐𝑎𝑜𝐿𝑜𝑐𝑎𝑙</m:t>
+                              <m:t>𝑑𝑢𝑟𝑎𝑐𝑎𝑜𝐿𝑜𝑐𝑎𝑙</m:t>
                             </m:r>
                             <m:r>
                               <a:rPr lang="pt-BR" sz="2400" i="1">
@@ -6983,13 +6982,7 @@
                               <a:rPr lang="pt-BR" sz="2400" i="1">
                                 <a:latin typeface="Cambria Math" panose="02040503050406030204" pitchFamily="18" charset="0"/>
                               </a:rPr>
-                              <m:t>𝑑𝑢𝑟𝑎𝑐𝑎𝑜𝐺</m:t>
-                            </m:r>
-                            <m:r>
-                              <a:rPr lang="pt-BR" sz="2400" i="1">
-                                <a:latin typeface="Cambria Math" panose="02040503050406030204" pitchFamily="18" charset="0"/>
-                              </a:rPr>
-                              <m:t>𝑙𝑜𝑏𝑎𝑙</m:t>
+                              <m:t>𝑑𝑢𝑟𝑎𝑐𝑎𝑜𝐺𝑙𝑜𝑏𝑎𝑙</m:t>
                             </m:r>
                           </m:e>
                         </m:d>
@@ -7040,7 +7033,7 @@
             </p:txBody>
           </p:sp>
         </mc:Choice>
-        <mc:Fallback>
+        <mc:Fallback xmlns="">
           <p:sp>
             <p:nvSpPr>
               <p:cNvPr id="9" name="CaixaDeTexto 8">
@@ -7090,7 +7083,7 @@
           <p:cNvPr id="8" name="Espaço Reservado para Número de Slide 7">
             <a:extLst>
               <a:ext uri="{FF2B5EF4-FFF2-40B4-BE49-F238E27FC236}">
-                <a16:creationId xmlns:a16="http://schemas.microsoft.com/office/drawing/2014/main" id="{3AD4646E-5A46-429A-839B-6473BBBA89A2}"/>
+                <a16:creationId xmlns:a16="http://schemas.microsoft.com/office/drawing/2014/main" xmlns="" id="{3AD4646E-5A46-429A-839B-6473BBBA89A2}"/>
               </a:ext>
             </a:extLst>
           </p:cNvPr>
@@ -7125,7 +7118,7 @@
     <a:masterClrMapping/>
   </p:clrMapOvr>
   <mc:AlternateContent xmlns:mc="http://schemas.openxmlformats.org/markup-compatibility/2006">
-    <mc:Choice xmlns:p159="http://schemas.microsoft.com/office/powerpoint/2015/09/main" Requires="p159">
+    <mc:Choice xmlns:p159="http://schemas.microsoft.com/office/powerpoint/2015/09/main" xmlns="" Requires="p159">
       <p:transition>
         <p159:morph option="byObject"/>
       </p:transition>
@@ -7161,7 +7154,7 @@
           <p:cNvPr id="2" name="Título 1">
             <a:extLst>
               <a:ext uri="{FF2B5EF4-FFF2-40B4-BE49-F238E27FC236}">
-                <a16:creationId xmlns:a16="http://schemas.microsoft.com/office/drawing/2014/main" id="{16396183-FAAC-47B4-8532-D9A09D334419}"/>
+                <a16:creationId xmlns:a16="http://schemas.microsoft.com/office/drawing/2014/main" xmlns="" id="{16396183-FAAC-47B4-8532-D9A09D334419}"/>
               </a:ext>
             </a:extLst>
           </p:cNvPr>
@@ -7189,7 +7182,7 @@
           <p:cNvPr id="3" name="Espaço Reservado para Conteúdo 2">
             <a:extLst>
               <a:ext uri="{FF2B5EF4-FFF2-40B4-BE49-F238E27FC236}">
-                <a16:creationId xmlns:a16="http://schemas.microsoft.com/office/drawing/2014/main" id="{6FF8AAE8-8CC1-4389-9FC2-9415BD925ABF}"/>
+                <a16:creationId xmlns:a16="http://schemas.microsoft.com/office/drawing/2014/main" xmlns="" id="{6FF8AAE8-8CC1-4389-9FC2-9415BD925ABF}"/>
               </a:ext>
             </a:extLst>
           </p:cNvPr>
@@ -7200,7 +7193,12 @@
             <p:ph idx="1"/>
           </p:nvPr>
         </p:nvSpPr>
-        <p:spPr/>
+        <p:spPr>
+          <a:xfrm>
+            <a:off x="838200" y="1825624"/>
+            <a:ext cx="10515600" cy="4665327"/>
+          </a:xfrm>
+        </p:spPr>
         <p:txBody>
           <a:bodyPr/>
           <a:lstStyle/>
@@ -7210,14 +7208,113 @@
               <a:buChar char="o"/>
             </a:pPr>
             <a:r>
+              <a:rPr lang="pt-BR" dirty="0" smtClean="0"/>
+              <a:t>Execução de 100 instâncias com notas e durações aleatórias para cada um dos seguintes casos:</a:t>
+            </a:r>
+          </a:p>
+          <a:p>
+            <a:pPr lvl="1">
+              <a:buFont typeface="Courier New" panose="02070309020205020404" pitchFamily="49" charset="0"/>
+              <a:buChar char="o"/>
+            </a:pPr>
+            <a:r>
+              <a:rPr lang="pt-BR" dirty="0" smtClean="0"/>
+              <a:t>5 notas e durações com 50 e 1000 gerações</a:t>
+            </a:r>
+          </a:p>
+          <a:p>
+            <a:pPr lvl="1">
+              <a:buFont typeface="Courier New" panose="02070309020205020404" pitchFamily="49" charset="0"/>
+              <a:buChar char="o"/>
+            </a:pPr>
+            <a:r>
+              <a:rPr lang="pt-BR" dirty="0" smtClean="0"/>
+              <a:t>50 notas e durações com 50 e 1000 gerações</a:t>
+            </a:r>
+          </a:p>
+          <a:p>
+            <a:pPr lvl="1">
+              <a:buFont typeface="Courier New" panose="02070309020205020404" pitchFamily="49" charset="0"/>
+              <a:buChar char="o"/>
+            </a:pPr>
+            <a:r>
+              <a:rPr lang="pt-BR" dirty="0" smtClean="0"/>
+              <a:t>100 </a:t>
+            </a:r>
+            <a:r>
               <a:rPr lang="pt-BR" dirty="0"/>
-              <a:t> </a:t>
-            </a:r>
-          </a:p>
-          <a:p>
+              <a:t>notas e durações com 50 e 1000 gerações</a:t>
+            </a:r>
+          </a:p>
+          <a:p>
+            <a:pPr lvl="1">
+              <a:buFont typeface="Courier New" panose="02070309020205020404" pitchFamily="49" charset="0"/>
+              <a:buChar char="o"/>
+            </a:pPr>
+            <a:r>
+              <a:rPr lang="pt-BR" dirty="0" smtClean="0"/>
+              <a:t>500 </a:t>
+            </a:r>
+            <a:r>
+              <a:rPr lang="pt-BR" dirty="0"/>
+              <a:t>notas e durações com 50 </a:t>
+            </a:r>
+            <a:r>
+              <a:rPr lang="pt-BR" dirty="0" smtClean="0"/>
+              <a:t>gerações</a:t>
+            </a:r>
             <a:endParaRPr lang="pt-BR" dirty="0"/>
           </a:p>
           <a:p>
+            <a:endParaRPr lang="pt-BR" dirty="0" smtClean="0"/>
+          </a:p>
+          <a:p>
+            <a:pPr>
+              <a:buFont typeface="Courier New" panose="02070309020205020404" pitchFamily="49" charset="0"/>
+              <a:buChar char="o"/>
+            </a:pPr>
+            <a:r>
+              <a:rPr lang="pt-BR" dirty="0" smtClean="0"/>
+              <a:t>Dados coletados:</a:t>
+            </a:r>
+          </a:p>
+          <a:p>
+            <a:pPr lvl="1">
+              <a:buFont typeface="Courier New" panose="02070309020205020404" pitchFamily="49" charset="0"/>
+              <a:buChar char="o"/>
+            </a:pPr>
+            <a:r>
+              <a:rPr lang="pt-BR" dirty="0" smtClean="0"/>
+              <a:t>Indivíduo com menor fitness em todas as gerações</a:t>
+            </a:r>
+          </a:p>
+          <a:p>
+            <a:pPr lvl="1">
+              <a:buFont typeface="Courier New" panose="02070309020205020404" pitchFamily="49" charset="0"/>
+              <a:buChar char="o"/>
+            </a:pPr>
+            <a:r>
+              <a:rPr lang="pt-BR" dirty="0"/>
+              <a:t>Indivíduo com </a:t>
+            </a:r>
+            <a:r>
+              <a:rPr lang="pt-BR" dirty="0" smtClean="0"/>
+              <a:t>maior fitness </a:t>
+            </a:r>
+            <a:r>
+              <a:rPr lang="pt-BR" dirty="0"/>
+              <a:t>em todas as gerações</a:t>
+            </a:r>
+          </a:p>
+          <a:p>
+            <a:pPr lvl="1">
+              <a:buFont typeface="Courier New" panose="02070309020205020404" pitchFamily="49" charset="0"/>
+              <a:buChar char="o"/>
+            </a:pPr>
+            <a:r>
+              <a:rPr lang="pt-BR" dirty="0" smtClean="0"/>
+              <a:t>Geração que gerou o indivíduo com maior fitness</a:t>
+            </a:r>
             <a:endParaRPr lang="pt-BR" dirty="0"/>
           </a:p>
         </p:txBody>
@@ -7227,7 +7324,7 @@
           <p:cNvPr id="4" name="Retângulo 3">
             <a:extLst>
               <a:ext uri="{FF2B5EF4-FFF2-40B4-BE49-F238E27FC236}">
-                <a16:creationId xmlns:a16="http://schemas.microsoft.com/office/drawing/2014/main" id="{6B20AC76-B05C-4C08-9614-FBFE8B8C55DD}"/>
+                <a16:creationId xmlns:a16="http://schemas.microsoft.com/office/drawing/2014/main" xmlns="" id="{6B20AC76-B05C-4C08-9614-FBFE8B8C55DD}"/>
               </a:ext>
             </a:extLst>
           </p:cNvPr>
@@ -7279,7 +7376,7 @@
           <p:cNvPr id="5" name="Espaço Reservado para Número de Slide 4">
             <a:extLst>
               <a:ext uri="{FF2B5EF4-FFF2-40B4-BE49-F238E27FC236}">
-                <a16:creationId xmlns:a16="http://schemas.microsoft.com/office/drawing/2014/main" id="{309AD7F4-7A81-4D98-861C-0938725EDF22}"/>
+                <a16:creationId xmlns:a16="http://schemas.microsoft.com/office/drawing/2014/main" xmlns="" id="{309AD7F4-7A81-4D98-861C-0938725EDF22}"/>
               </a:ext>
             </a:extLst>
           </p:cNvPr>
@@ -7314,7 +7411,7 @@
     <a:masterClrMapping/>
   </p:clrMapOvr>
   <mc:AlternateContent xmlns:mc="http://schemas.openxmlformats.org/markup-compatibility/2006">
-    <mc:Choice xmlns:p159="http://schemas.microsoft.com/office/powerpoint/2015/09/main" Requires="p159">
+    <mc:Choice xmlns:p159="http://schemas.microsoft.com/office/powerpoint/2015/09/main" xmlns="" Requires="p159">
       <p:transition>
         <p159:morph option="byObject"/>
       </p:transition>
@@ -7350,7 +7447,7 @@
           <p:cNvPr id="2" name="Título 1">
             <a:extLst>
               <a:ext uri="{FF2B5EF4-FFF2-40B4-BE49-F238E27FC236}">
-                <a16:creationId xmlns:a16="http://schemas.microsoft.com/office/drawing/2014/main" id="{16396183-FAAC-47B4-8532-D9A09D334419}"/>
+                <a16:creationId xmlns:a16="http://schemas.microsoft.com/office/drawing/2014/main" xmlns="" id="{16396183-FAAC-47B4-8532-D9A09D334419}"/>
               </a:ext>
             </a:extLst>
           </p:cNvPr>
@@ -7378,7 +7475,7 @@
           <p:cNvPr id="3" name="Espaço Reservado para Conteúdo 2">
             <a:extLst>
               <a:ext uri="{FF2B5EF4-FFF2-40B4-BE49-F238E27FC236}">
-                <a16:creationId xmlns:a16="http://schemas.microsoft.com/office/drawing/2014/main" id="{6FF8AAE8-8CC1-4389-9FC2-9415BD925ABF}"/>
+                <a16:creationId xmlns:a16="http://schemas.microsoft.com/office/drawing/2014/main" xmlns="" id="{6FF8AAE8-8CC1-4389-9FC2-9415BD925ABF}"/>
               </a:ext>
             </a:extLst>
           </p:cNvPr>
@@ -7394,16 +7491,9 @@
           <a:bodyPr/>
           <a:lstStyle/>
           <a:p>
-            <a:pPr>
-              <a:buFont typeface="Courier New" panose="02070309020205020404" pitchFamily="49" charset="0"/>
-              <a:buChar char="o"/>
+            <a:pPr marL="0" indent="0">
+              <a:buNone/>
             </a:pPr>
-            <a:r>
-              <a:rPr lang="pt-BR" dirty="0"/>
-              <a:t> </a:t>
-            </a:r>
-          </a:p>
-          <a:p>
             <a:endParaRPr lang="pt-BR" dirty="0"/>
           </a:p>
           <a:p>
@@ -7416,7 +7506,7 @@
           <p:cNvPr id="4" name="Retângulo 3">
             <a:extLst>
               <a:ext uri="{FF2B5EF4-FFF2-40B4-BE49-F238E27FC236}">
-                <a16:creationId xmlns:a16="http://schemas.microsoft.com/office/drawing/2014/main" id="{6B20AC76-B05C-4C08-9614-FBFE8B8C55DD}"/>
+                <a16:creationId xmlns:a16="http://schemas.microsoft.com/office/drawing/2014/main" xmlns="" id="{6B20AC76-B05C-4C08-9614-FBFE8B8C55DD}"/>
               </a:ext>
             </a:extLst>
           </p:cNvPr>
@@ -7468,7 +7558,7 @@
           <p:cNvPr id="5" name="Espaço Reservado para Número de Slide 4">
             <a:extLst>
               <a:ext uri="{FF2B5EF4-FFF2-40B4-BE49-F238E27FC236}">
-                <a16:creationId xmlns:a16="http://schemas.microsoft.com/office/drawing/2014/main" id="{309AD7F4-7A81-4D98-861C-0938725EDF22}"/>
+                <a16:creationId xmlns:a16="http://schemas.microsoft.com/office/drawing/2014/main" xmlns="" id="{309AD7F4-7A81-4D98-861C-0938725EDF22}"/>
               </a:ext>
             </a:extLst>
           </p:cNvPr>
@@ -7503,7 +7593,7 @@
     <a:masterClrMapping/>
   </p:clrMapOvr>
   <mc:AlternateContent xmlns:mc="http://schemas.openxmlformats.org/markup-compatibility/2006">
-    <mc:Choice xmlns:p159="http://schemas.microsoft.com/office/powerpoint/2015/09/main" Requires="p159">
+    <mc:Choice xmlns:p159="http://schemas.microsoft.com/office/powerpoint/2015/09/main" xmlns="" Requires="p159">
       <p:transition>
         <p159:morph option="byObject"/>
       </p:transition>

--- a/Genetic Music.pptx
+++ b/Genetic Music.pptx
@@ -500,7 +500,7 @@
           <p:cNvPr id="2" name="Título 1">
             <a:extLst>
               <a:ext uri="{FF2B5EF4-FFF2-40B4-BE49-F238E27FC236}">
-                <a16:creationId xmlns:a16="http://schemas.microsoft.com/office/drawing/2014/main" xmlns="" id="{C7B663C1-2D15-4F64-A34F-1E55FE30EF67}"/>
+                <a16:creationId xmlns="" xmlns:a16="http://schemas.microsoft.com/office/drawing/2014/main" id="{C7B663C1-2D15-4F64-A34F-1E55FE30EF67}"/>
               </a:ext>
             </a:extLst>
           </p:cNvPr>
@@ -537,7 +537,7 @@
           <p:cNvPr id="3" name="Subtítulo 2">
             <a:extLst>
               <a:ext uri="{FF2B5EF4-FFF2-40B4-BE49-F238E27FC236}">
-                <a16:creationId xmlns:a16="http://schemas.microsoft.com/office/drawing/2014/main" xmlns="" id="{829AC2CC-5EF5-4B03-A5CF-95300282B5FA}"/>
+                <a16:creationId xmlns="" xmlns:a16="http://schemas.microsoft.com/office/drawing/2014/main" id="{829AC2CC-5EF5-4B03-A5CF-95300282B5FA}"/>
               </a:ext>
             </a:extLst>
           </p:cNvPr>
@@ -607,7 +607,7 @@
           <p:cNvPr id="4" name="Espaço Reservado para Data 3">
             <a:extLst>
               <a:ext uri="{FF2B5EF4-FFF2-40B4-BE49-F238E27FC236}">
-                <a16:creationId xmlns:a16="http://schemas.microsoft.com/office/drawing/2014/main" xmlns="" id="{ABA943F4-2624-41AA-AAF2-277F9FC3C88A}"/>
+                <a16:creationId xmlns="" xmlns:a16="http://schemas.microsoft.com/office/drawing/2014/main" id="{ABA943F4-2624-41AA-AAF2-277F9FC3C88A}"/>
               </a:ext>
             </a:extLst>
           </p:cNvPr>
@@ -636,7 +636,7 @@
           <p:cNvPr id="5" name="Espaço Reservado para Rodapé 4">
             <a:extLst>
               <a:ext uri="{FF2B5EF4-FFF2-40B4-BE49-F238E27FC236}">
-                <a16:creationId xmlns:a16="http://schemas.microsoft.com/office/drawing/2014/main" xmlns="" id="{3434644E-921D-492A-8B1B-F9501461944F}"/>
+                <a16:creationId xmlns="" xmlns:a16="http://schemas.microsoft.com/office/drawing/2014/main" id="{3434644E-921D-492A-8B1B-F9501461944F}"/>
               </a:ext>
             </a:extLst>
           </p:cNvPr>
@@ -661,7 +661,7 @@
           <p:cNvPr id="6" name="Espaço Reservado para Número de Slide 5">
             <a:extLst>
               <a:ext uri="{FF2B5EF4-FFF2-40B4-BE49-F238E27FC236}">
-                <a16:creationId xmlns:a16="http://schemas.microsoft.com/office/drawing/2014/main" xmlns="" id="{C5FBC25C-DB46-4E89-8860-A0D86F165B4F}"/>
+                <a16:creationId xmlns="" xmlns:a16="http://schemas.microsoft.com/office/drawing/2014/main" id="{C5FBC25C-DB46-4E89-8860-A0D86F165B4F}"/>
               </a:ext>
             </a:extLst>
           </p:cNvPr>
@@ -696,7 +696,7 @@
     <a:masterClrMapping/>
   </p:clrMapOvr>
   <mc:AlternateContent xmlns:mc="http://schemas.openxmlformats.org/markup-compatibility/2006">
-    <mc:Choice xmlns:p159="http://schemas.microsoft.com/office/powerpoint/2015/09/main" xmlns="" Requires="p159">
+    <mc:Choice xmlns="" xmlns:p159="http://schemas.microsoft.com/office/powerpoint/2015/09/main" Requires="p159">
       <p:transition>
         <p159:morph option="byObject"/>
       </p:transition>
@@ -732,7 +732,7 @@
           <p:cNvPr id="2" name="Título 1">
             <a:extLst>
               <a:ext uri="{FF2B5EF4-FFF2-40B4-BE49-F238E27FC236}">
-                <a16:creationId xmlns:a16="http://schemas.microsoft.com/office/drawing/2014/main" xmlns="" id="{542FF3EE-1E65-49D9-8EC6-1FFEE906061A}"/>
+                <a16:creationId xmlns="" xmlns:a16="http://schemas.microsoft.com/office/drawing/2014/main" id="{542FF3EE-1E65-49D9-8EC6-1FFEE906061A}"/>
               </a:ext>
             </a:extLst>
           </p:cNvPr>
@@ -760,7 +760,7 @@
           <p:cNvPr id="3" name="Espaço Reservado para Texto Vertical 2">
             <a:extLst>
               <a:ext uri="{FF2B5EF4-FFF2-40B4-BE49-F238E27FC236}">
-                <a16:creationId xmlns:a16="http://schemas.microsoft.com/office/drawing/2014/main" xmlns="" id="{F1453C7F-CC00-4676-A7E5-D5D21FBAD954}"/>
+                <a16:creationId xmlns="" xmlns:a16="http://schemas.microsoft.com/office/drawing/2014/main" id="{F1453C7F-CC00-4676-A7E5-D5D21FBAD954}"/>
               </a:ext>
             </a:extLst>
           </p:cNvPr>
@@ -817,7 +817,7 @@
           <p:cNvPr id="4" name="Espaço Reservado para Data 3">
             <a:extLst>
               <a:ext uri="{FF2B5EF4-FFF2-40B4-BE49-F238E27FC236}">
-                <a16:creationId xmlns:a16="http://schemas.microsoft.com/office/drawing/2014/main" xmlns="" id="{0E826D4C-8690-40B8-96B4-7FC5963E0C34}"/>
+                <a16:creationId xmlns="" xmlns:a16="http://schemas.microsoft.com/office/drawing/2014/main" id="{0E826D4C-8690-40B8-96B4-7FC5963E0C34}"/>
               </a:ext>
             </a:extLst>
           </p:cNvPr>
@@ -846,7 +846,7 @@
           <p:cNvPr id="5" name="Espaço Reservado para Rodapé 4">
             <a:extLst>
               <a:ext uri="{FF2B5EF4-FFF2-40B4-BE49-F238E27FC236}">
-                <a16:creationId xmlns:a16="http://schemas.microsoft.com/office/drawing/2014/main" xmlns="" id="{606BBEA6-8B8E-41F3-9599-35C1C0F3379A}"/>
+                <a16:creationId xmlns="" xmlns:a16="http://schemas.microsoft.com/office/drawing/2014/main" id="{606BBEA6-8B8E-41F3-9599-35C1C0F3379A}"/>
               </a:ext>
             </a:extLst>
           </p:cNvPr>
@@ -871,7 +871,7 @@
           <p:cNvPr id="6" name="Espaço Reservado para Número de Slide 5">
             <a:extLst>
               <a:ext uri="{FF2B5EF4-FFF2-40B4-BE49-F238E27FC236}">
-                <a16:creationId xmlns:a16="http://schemas.microsoft.com/office/drawing/2014/main" xmlns="" id="{CDD642F4-7F9B-43AA-A62D-60E7B148F656}"/>
+                <a16:creationId xmlns="" xmlns:a16="http://schemas.microsoft.com/office/drawing/2014/main" id="{CDD642F4-7F9B-43AA-A62D-60E7B148F656}"/>
               </a:ext>
             </a:extLst>
           </p:cNvPr>
@@ -906,7 +906,7 @@
     <a:masterClrMapping/>
   </p:clrMapOvr>
   <mc:AlternateContent xmlns:mc="http://schemas.openxmlformats.org/markup-compatibility/2006">
-    <mc:Choice xmlns:p159="http://schemas.microsoft.com/office/powerpoint/2015/09/main" xmlns="" Requires="p159">
+    <mc:Choice xmlns="" xmlns:p159="http://schemas.microsoft.com/office/powerpoint/2015/09/main" Requires="p159">
       <p:transition>
         <p159:morph option="byObject"/>
       </p:transition>
@@ -942,7 +942,7 @@
           <p:cNvPr id="2" name="Título Vertical 1">
             <a:extLst>
               <a:ext uri="{FF2B5EF4-FFF2-40B4-BE49-F238E27FC236}">
-                <a16:creationId xmlns:a16="http://schemas.microsoft.com/office/drawing/2014/main" xmlns="" id="{18A90788-38BA-4938-9776-79A91E8B3A5A}"/>
+                <a16:creationId xmlns="" xmlns:a16="http://schemas.microsoft.com/office/drawing/2014/main" id="{18A90788-38BA-4938-9776-79A91E8B3A5A}"/>
               </a:ext>
             </a:extLst>
           </p:cNvPr>
@@ -975,7 +975,7 @@
           <p:cNvPr id="3" name="Espaço Reservado para Texto Vertical 2">
             <a:extLst>
               <a:ext uri="{FF2B5EF4-FFF2-40B4-BE49-F238E27FC236}">
-                <a16:creationId xmlns:a16="http://schemas.microsoft.com/office/drawing/2014/main" xmlns="" id="{B5D3A5B2-74FA-4DE4-93E4-5F2DBF72E1BD}"/>
+                <a16:creationId xmlns="" xmlns:a16="http://schemas.microsoft.com/office/drawing/2014/main" id="{B5D3A5B2-74FA-4DE4-93E4-5F2DBF72E1BD}"/>
               </a:ext>
             </a:extLst>
           </p:cNvPr>
@@ -1037,7 +1037,7 @@
           <p:cNvPr id="4" name="Espaço Reservado para Data 3">
             <a:extLst>
               <a:ext uri="{FF2B5EF4-FFF2-40B4-BE49-F238E27FC236}">
-                <a16:creationId xmlns:a16="http://schemas.microsoft.com/office/drawing/2014/main" xmlns="" id="{7337EA62-2512-4BCF-9A6D-B609BB6D2A61}"/>
+                <a16:creationId xmlns="" xmlns:a16="http://schemas.microsoft.com/office/drawing/2014/main" id="{7337EA62-2512-4BCF-9A6D-B609BB6D2A61}"/>
               </a:ext>
             </a:extLst>
           </p:cNvPr>
@@ -1066,7 +1066,7 @@
           <p:cNvPr id="5" name="Espaço Reservado para Rodapé 4">
             <a:extLst>
               <a:ext uri="{FF2B5EF4-FFF2-40B4-BE49-F238E27FC236}">
-                <a16:creationId xmlns:a16="http://schemas.microsoft.com/office/drawing/2014/main" xmlns="" id="{1C628116-C822-4852-A485-F246947A6BC8}"/>
+                <a16:creationId xmlns="" xmlns:a16="http://schemas.microsoft.com/office/drawing/2014/main" id="{1C628116-C822-4852-A485-F246947A6BC8}"/>
               </a:ext>
             </a:extLst>
           </p:cNvPr>
@@ -1091,7 +1091,7 @@
           <p:cNvPr id="6" name="Espaço Reservado para Número de Slide 5">
             <a:extLst>
               <a:ext uri="{FF2B5EF4-FFF2-40B4-BE49-F238E27FC236}">
-                <a16:creationId xmlns:a16="http://schemas.microsoft.com/office/drawing/2014/main" xmlns="" id="{A999C47F-FE11-43C1-ABE1-421DFF831783}"/>
+                <a16:creationId xmlns="" xmlns:a16="http://schemas.microsoft.com/office/drawing/2014/main" id="{A999C47F-FE11-43C1-ABE1-421DFF831783}"/>
               </a:ext>
             </a:extLst>
           </p:cNvPr>
@@ -1126,7 +1126,7 @@
     <a:masterClrMapping/>
   </p:clrMapOvr>
   <mc:AlternateContent xmlns:mc="http://schemas.openxmlformats.org/markup-compatibility/2006">
-    <mc:Choice xmlns:p159="http://schemas.microsoft.com/office/powerpoint/2015/09/main" xmlns="" Requires="p159">
+    <mc:Choice xmlns="" xmlns:p159="http://schemas.microsoft.com/office/powerpoint/2015/09/main" Requires="p159">
       <p:transition>
         <p159:morph option="byObject"/>
       </p:transition>
@@ -1162,7 +1162,7 @@
           <p:cNvPr id="2" name="Título 1">
             <a:extLst>
               <a:ext uri="{FF2B5EF4-FFF2-40B4-BE49-F238E27FC236}">
-                <a16:creationId xmlns:a16="http://schemas.microsoft.com/office/drawing/2014/main" xmlns="" id="{3F328E53-21DF-4FC7-A5CC-6D992A97A9DE}"/>
+                <a16:creationId xmlns="" xmlns:a16="http://schemas.microsoft.com/office/drawing/2014/main" id="{3F328E53-21DF-4FC7-A5CC-6D992A97A9DE}"/>
               </a:ext>
             </a:extLst>
           </p:cNvPr>
@@ -1190,7 +1190,7 @@
           <p:cNvPr id="3" name="Espaço Reservado para Conteúdo 2">
             <a:extLst>
               <a:ext uri="{FF2B5EF4-FFF2-40B4-BE49-F238E27FC236}">
-                <a16:creationId xmlns:a16="http://schemas.microsoft.com/office/drawing/2014/main" xmlns="" id="{A305DD2F-CAF2-4878-BFFF-2A31639BD3C3}"/>
+                <a16:creationId xmlns="" xmlns:a16="http://schemas.microsoft.com/office/drawing/2014/main" id="{A305DD2F-CAF2-4878-BFFF-2A31639BD3C3}"/>
               </a:ext>
             </a:extLst>
           </p:cNvPr>
@@ -1247,7 +1247,7 @@
           <p:cNvPr id="4" name="Espaço Reservado para Data 3">
             <a:extLst>
               <a:ext uri="{FF2B5EF4-FFF2-40B4-BE49-F238E27FC236}">
-                <a16:creationId xmlns:a16="http://schemas.microsoft.com/office/drawing/2014/main" xmlns="" id="{82D8150B-76E2-4070-BD63-16C050A350D5}"/>
+                <a16:creationId xmlns="" xmlns:a16="http://schemas.microsoft.com/office/drawing/2014/main" id="{82D8150B-76E2-4070-BD63-16C050A350D5}"/>
               </a:ext>
             </a:extLst>
           </p:cNvPr>
@@ -1276,7 +1276,7 @@
           <p:cNvPr id="5" name="Espaço Reservado para Rodapé 4">
             <a:extLst>
               <a:ext uri="{FF2B5EF4-FFF2-40B4-BE49-F238E27FC236}">
-                <a16:creationId xmlns:a16="http://schemas.microsoft.com/office/drawing/2014/main" xmlns="" id="{40F2FD89-57A1-4A8B-B6D7-150076D8938C}"/>
+                <a16:creationId xmlns="" xmlns:a16="http://schemas.microsoft.com/office/drawing/2014/main" id="{40F2FD89-57A1-4A8B-B6D7-150076D8938C}"/>
               </a:ext>
             </a:extLst>
           </p:cNvPr>
@@ -1301,7 +1301,7 @@
           <p:cNvPr id="6" name="Espaço Reservado para Número de Slide 5">
             <a:extLst>
               <a:ext uri="{FF2B5EF4-FFF2-40B4-BE49-F238E27FC236}">
-                <a16:creationId xmlns:a16="http://schemas.microsoft.com/office/drawing/2014/main" xmlns="" id="{AC1F6BF8-57E5-4459-854B-F7A659717BB6}"/>
+                <a16:creationId xmlns="" xmlns:a16="http://schemas.microsoft.com/office/drawing/2014/main" id="{AC1F6BF8-57E5-4459-854B-F7A659717BB6}"/>
               </a:ext>
             </a:extLst>
           </p:cNvPr>
@@ -1336,7 +1336,7 @@
     <a:masterClrMapping/>
   </p:clrMapOvr>
   <mc:AlternateContent xmlns:mc="http://schemas.openxmlformats.org/markup-compatibility/2006">
-    <mc:Choice xmlns:p159="http://schemas.microsoft.com/office/powerpoint/2015/09/main" xmlns="" Requires="p159">
+    <mc:Choice xmlns="" xmlns:p159="http://schemas.microsoft.com/office/powerpoint/2015/09/main" Requires="p159">
       <p:transition>
         <p159:morph option="byObject"/>
       </p:transition>
@@ -1372,7 +1372,7 @@
           <p:cNvPr id="2" name="Título 1">
             <a:extLst>
               <a:ext uri="{FF2B5EF4-FFF2-40B4-BE49-F238E27FC236}">
-                <a16:creationId xmlns:a16="http://schemas.microsoft.com/office/drawing/2014/main" xmlns="" id="{C9DB65A9-A0C7-4D93-9C0B-C24CB8530CE4}"/>
+                <a16:creationId xmlns="" xmlns:a16="http://schemas.microsoft.com/office/drawing/2014/main" id="{C9DB65A9-A0C7-4D93-9C0B-C24CB8530CE4}"/>
               </a:ext>
             </a:extLst>
           </p:cNvPr>
@@ -1409,7 +1409,7 @@
           <p:cNvPr id="3" name="Espaço Reservado para Texto 2">
             <a:extLst>
               <a:ext uri="{FF2B5EF4-FFF2-40B4-BE49-F238E27FC236}">
-                <a16:creationId xmlns:a16="http://schemas.microsoft.com/office/drawing/2014/main" xmlns="" id="{439B6E4A-3E78-4905-877F-B570E7C600F2}"/>
+                <a16:creationId xmlns="" xmlns:a16="http://schemas.microsoft.com/office/drawing/2014/main" id="{439B6E4A-3E78-4905-877F-B570E7C600F2}"/>
               </a:ext>
             </a:extLst>
           </p:cNvPr>
@@ -1534,7 +1534,7 @@
           <p:cNvPr id="4" name="Espaço Reservado para Data 3">
             <a:extLst>
               <a:ext uri="{FF2B5EF4-FFF2-40B4-BE49-F238E27FC236}">
-                <a16:creationId xmlns:a16="http://schemas.microsoft.com/office/drawing/2014/main" xmlns="" id="{AFB22B4D-65F1-47AE-A22B-C1F7CC0BDF84}"/>
+                <a16:creationId xmlns="" xmlns:a16="http://schemas.microsoft.com/office/drawing/2014/main" id="{AFB22B4D-65F1-47AE-A22B-C1F7CC0BDF84}"/>
               </a:ext>
             </a:extLst>
           </p:cNvPr>
@@ -1563,7 +1563,7 @@
           <p:cNvPr id="5" name="Espaço Reservado para Rodapé 4">
             <a:extLst>
               <a:ext uri="{FF2B5EF4-FFF2-40B4-BE49-F238E27FC236}">
-                <a16:creationId xmlns:a16="http://schemas.microsoft.com/office/drawing/2014/main" xmlns="" id="{2BECB7F9-2A36-416D-B27A-C4190C070453}"/>
+                <a16:creationId xmlns="" xmlns:a16="http://schemas.microsoft.com/office/drawing/2014/main" id="{2BECB7F9-2A36-416D-B27A-C4190C070453}"/>
               </a:ext>
             </a:extLst>
           </p:cNvPr>
@@ -1588,7 +1588,7 @@
           <p:cNvPr id="6" name="Espaço Reservado para Número de Slide 5">
             <a:extLst>
               <a:ext uri="{FF2B5EF4-FFF2-40B4-BE49-F238E27FC236}">
-                <a16:creationId xmlns:a16="http://schemas.microsoft.com/office/drawing/2014/main" xmlns="" id="{AB76765F-52C8-4248-942F-0CFB200B237C}"/>
+                <a16:creationId xmlns="" xmlns:a16="http://schemas.microsoft.com/office/drawing/2014/main" id="{AB76765F-52C8-4248-942F-0CFB200B237C}"/>
               </a:ext>
             </a:extLst>
           </p:cNvPr>
@@ -1623,7 +1623,7 @@
     <a:masterClrMapping/>
   </p:clrMapOvr>
   <mc:AlternateContent xmlns:mc="http://schemas.openxmlformats.org/markup-compatibility/2006">
-    <mc:Choice xmlns:p159="http://schemas.microsoft.com/office/powerpoint/2015/09/main" xmlns="" Requires="p159">
+    <mc:Choice xmlns="" xmlns:p159="http://schemas.microsoft.com/office/powerpoint/2015/09/main" Requires="p159">
       <p:transition>
         <p159:morph option="byObject"/>
       </p:transition>
@@ -1659,7 +1659,7 @@
           <p:cNvPr id="2" name="Título 1">
             <a:extLst>
               <a:ext uri="{FF2B5EF4-FFF2-40B4-BE49-F238E27FC236}">
-                <a16:creationId xmlns:a16="http://schemas.microsoft.com/office/drawing/2014/main" xmlns="" id="{9059BA11-C051-40E3-9B4A-BAEC9DE1FB9D}"/>
+                <a16:creationId xmlns="" xmlns:a16="http://schemas.microsoft.com/office/drawing/2014/main" id="{9059BA11-C051-40E3-9B4A-BAEC9DE1FB9D}"/>
               </a:ext>
             </a:extLst>
           </p:cNvPr>
@@ -1687,7 +1687,7 @@
           <p:cNvPr id="3" name="Espaço Reservado para Conteúdo 2">
             <a:extLst>
               <a:ext uri="{FF2B5EF4-FFF2-40B4-BE49-F238E27FC236}">
-                <a16:creationId xmlns:a16="http://schemas.microsoft.com/office/drawing/2014/main" xmlns="" id="{BCCD484D-02F2-4D20-AEB6-DBDB71B4DBB6}"/>
+                <a16:creationId xmlns="" xmlns:a16="http://schemas.microsoft.com/office/drawing/2014/main" id="{BCCD484D-02F2-4D20-AEB6-DBDB71B4DBB6}"/>
               </a:ext>
             </a:extLst>
           </p:cNvPr>
@@ -1749,7 +1749,7 @@
           <p:cNvPr id="4" name="Espaço Reservado para Conteúdo 3">
             <a:extLst>
               <a:ext uri="{FF2B5EF4-FFF2-40B4-BE49-F238E27FC236}">
-                <a16:creationId xmlns:a16="http://schemas.microsoft.com/office/drawing/2014/main" xmlns="" id="{85A2B5F8-634D-405B-AFDA-46E79E3D01CA}"/>
+                <a16:creationId xmlns="" xmlns:a16="http://schemas.microsoft.com/office/drawing/2014/main" id="{85A2B5F8-634D-405B-AFDA-46E79E3D01CA}"/>
               </a:ext>
             </a:extLst>
           </p:cNvPr>
@@ -1811,7 +1811,7 @@
           <p:cNvPr id="5" name="Espaço Reservado para Data 4">
             <a:extLst>
               <a:ext uri="{FF2B5EF4-FFF2-40B4-BE49-F238E27FC236}">
-                <a16:creationId xmlns:a16="http://schemas.microsoft.com/office/drawing/2014/main" xmlns="" id="{09535A73-109B-48F0-BA9D-87E85DC3BD76}"/>
+                <a16:creationId xmlns="" xmlns:a16="http://schemas.microsoft.com/office/drawing/2014/main" id="{09535A73-109B-48F0-BA9D-87E85DC3BD76}"/>
               </a:ext>
             </a:extLst>
           </p:cNvPr>
@@ -1840,7 +1840,7 @@
           <p:cNvPr id="6" name="Espaço Reservado para Rodapé 5">
             <a:extLst>
               <a:ext uri="{FF2B5EF4-FFF2-40B4-BE49-F238E27FC236}">
-                <a16:creationId xmlns:a16="http://schemas.microsoft.com/office/drawing/2014/main" xmlns="" id="{314BB5DD-2562-438A-BAE9-306E6FE53942}"/>
+                <a16:creationId xmlns="" xmlns:a16="http://schemas.microsoft.com/office/drawing/2014/main" id="{314BB5DD-2562-438A-BAE9-306E6FE53942}"/>
               </a:ext>
             </a:extLst>
           </p:cNvPr>
@@ -1865,7 +1865,7 @@
           <p:cNvPr id="7" name="Espaço Reservado para Número de Slide 6">
             <a:extLst>
               <a:ext uri="{FF2B5EF4-FFF2-40B4-BE49-F238E27FC236}">
-                <a16:creationId xmlns:a16="http://schemas.microsoft.com/office/drawing/2014/main" xmlns="" id="{542E7653-F843-4B7F-8B36-5D76F39EFDEA}"/>
+                <a16:creationId xmlns="" xmlns:a16="http://schemas.microsoft.com/office/drawing/2014/main" id="{542E7653-F843-4B7F-8B36-5D76F39EFDEA}"/>
               </a:ext>
             </a:extLst>
           </p:cNvPr>
@@ -1900,7 +1900,7 @@
     <a:masterClrMapping/>
   </p:clrMapOvr>
   <mc:AlternateContent xmlns:mc="http://schemas.openxmlformats.org/markup-compatibility/2006">
-    <mc:Choice xmlns:p159="http://schemas.microsoft.com/office/powerpoint/2015/09/main" xmlns="" Requires="p159">
+    <mc:Choice xmlns="" xmlns:p159="http://schemas.microsoft.com/office/powerpoint/2015/09/main" Requires="p159">
       <p:transition>
         <p159:morph option="byObject"/>
       </p:transition>
@@ -1936,7 +1936,7 @@
           <p:cNvPr id="2" name="Título 1">
             <a:extLst>
               <a:ext uri="{FF2B5EF4-FFF2-40B4-BE49-F238E27FC236}">
-                <a16:creationId xmlns:a16="http://schemas.microsoft.com/office/drawing/2014/main" xmlns="" id="{6C758D22-F52E-4C81-8C35-A6E84D7FD8ED}"/>
+                <a16:creationId xmlns="" xmlns:a16="http://schemas.microsoft.com/office/drawing/2014/main" id="{6C758D22-F52E-4C81-8C35-A6E84D7FD8ED}"/>
               </a:ext>
             </a:extLst>
           </p:cNvPr>
@@ -1969,7 +1969,7 @@
           <p:cNvPr id="3" name="Espaço Reservado para Texto 2">
             <a:extLst>
               <a:ext uri="{FF2B5EF4-FFF2-40B4-BE49-F238E27FC236}">
-                <a16:creationId xmlns:a16="http://schemas.microsoft.com/office/drawing/2014/main" xmlns="" id="{E0B18FCB-7D46-416E-BBEB-9BF5EB02636F}"/>
+                <a16:creationId xmlns="" xmlns:a16="http://schemas.microsoft.com/office/drawing/2014/main" id="{E0B18FCB-7D46-416E-BBEB-9BF5EB02636F}"/>
               </a:ext>
             </a:extLst>
           </p:cNvPr>
@@ -2040,7 +2040,7 @@
           <p:cNvPr id="4" name="Espaço Reservado para Conteúdo 3">
             <a:extLst>
               <a:ext uri="{FF2B5EF4-FFF2-40B4-BE49-F238E27FC236}">
-                <a16:creationId xmlns:a16="http://schemas.microsoft.com/office/drawing/2014/main" xmlns="" id="{D79D70EF-C0E2-4207-B239-8FB223CEF120}"/>
+                <a16:creationId xmlns="" xmlns:a16="http://schemas.microsoft.com/office/drawing/2014/main" id="{D79D70EF-C0E2-4207-B239-8FB223CEF120}"/>
               </a:ext>
             </a:extLst>
           </p:cNvPr>
@@ -2102,7 +2102,7 @@
           <p:cNvPr id="5" name="Espaço Reservado para Texto 4">
             <a:extLst>
               <a:ext uri="{FF2B5EF4-FFF2-40B4-BE49-F238E27FC236}">
-                <a16:creationId xmlns:a16="http://schemas.microsoft.com/office/drawing/2014/main" xmlns="" id="{72D43328-40CA-4EFE-B238-21FAFA08F60D}"/>
+                <a16:creationId xmlns="" xmlns:a16="http://schemas.microsoft.com/office/drawing/2014/main" id="{72D43328-40CA-4EFE-B238-21FAFA08F60D}"/>
               </a:ext>
             </a:extLst>
           </p:cNvPr>
@@ -2173,7 +2173,7 @@
           <p:cNvPr id="6" name="Espaço Reservado para Conteúdo 5">
             <a:extLst>
               <a:ext uri="{FF2B5EF4-FFF2-40B4-BE49-F238E27FC236}">
-                <a16:creationId xmlns:a16="http://schemas.microsoft.com/office/drawing/2014/main" xmlns="" id="{0C50E75B-5039-4501-8252-0544E6DBE235}"/>
+                <a16:creationId xmlns="" xmlns:a16="http://schemas.microsoft.com/office/drawing/2014/main" id="{0C50E75B-5039-4501-8252-0544E6DBE235}"/>
               </a:ext>
             </a:extLst>
           </p:cNvPr>
@@ -2235,7 +2235,7 @@
           <p:cNvPr id="7" name="Espaço Reservado para Data 6">
             <a:extLst>
               <a:ext uri="{FF2B5EF4-FFF2-40B4-BE49-F238E27FC236}">
-                <a16:creationId xmlns:a16="http://schemas.microsoft.com/office/drawing/2014/main" xmlns="" id="{89CF1543-53DB-4233-B3DE-18D39EAFC286}"/>
+                <a16:creationId xmlns="" xmlns:a16="http://schemas.microsoft.com/office/drawing/2014/main" id="{89CF1543-53DB-4233-B3DE-18D39EAFC286}"/>
               </a:ext>
             </a:extLst>
           </p:cNvPr>
@@ -2264,7 +2264,7 @@
           <p:cNvPr id="8" name="Espaço Reservado para Rodapé 7">
             <a:extLst>
               <a:ext uri="{FF2B5EF4-FFF2-40B4-BE49-F238E27FC236}">
-                <a16:creationId xmlns:a16="http://schemas.microsoft.com/office/drawing/2014/main" xmlns="" id="{2EF5AB11-E73C-49F4-9886-8DDF1455679F}"/>
+                <a16:creationId xmlns="" xmlns:a16="http://schemas.microsoft.com/office/drawing/2014/main" id="{2EF5AB11-E73C-49F4-9886-8DDF1455679F}"/>
               </a:ext>
             </a:extLst>
           </p:cNvPr>
@@ -2289,7 +2289,7 @@
           <p:cNvPr id="9" name="Espaço Reservado para Número de Slide 8">
             <a:extLst>
               <a:ext uri="{FF2B5EF4-FFF2-40B4-BE49-F238E27FC236}">
-                <a16:creationId xmlns:a16="http://schemas.microsoft.com/office/drawing/2014/main" xmlns="" id="{E25B62CE-77EC-47A6-B725-EB44E18DB7E6}"/>
+                <a16:creationId xmlns="" xmlns:a16="http://schemas.microsoft.com/office/drawing/2014/main" id="{E25B62CE-77EC-47A6-B725-EB44E18DB7E6}"/>
               </a:ext>
             </a:extLst>
           </p:cNvPr>
@@ -2324,7 +2324,7 @@
     <a:masterClrMapping/>
   </p:clrMapOvr>
   <mc:AlternateContent xmlns:mc="http://schemas.openxmlformats.org/markup-compatibility/2006">
-    <mc:Choice xmlns:p159="http://schemas.microsoft.com/office/powerpoint/2015/09/main" xmlns="" Requires="p159">
+    <mc:Choice xmlns="" xmlns:p159="http://schemas.microsoft.com/office/powerpoint/2015/09/main" Requires="p159">
       <p:transition>
         <p159:morph option="byObject"/>
       </p:transition>
@@ -2360,7 +2360,7 @@
           <p:cNvPr id="2" name="Título 1">
             <a:extLst>
               <a:ext uri="{FF2B5EF4-FFF2-40B4-BE49-F238E27FC236}">
-                <a16:creationId xmlns:a16="http://schemas.microsoft.com/office/drawing/2014/main" xmlns="" id="{68D9F5F2-91A8-45A1-8F01-B7956C048B57}"/>
+                <a16:creationId xmlns="" xmlns:a16="http://schemas.microsoft.com/office/drawing/2014/main" id="{68D9F5F2-91A8-45A1-8F01-B7956C048B57}"/>
               </a:ext>
             </a:extLst>
           </p:cNvPr>
@@ -2388,7 +2388,7 @@
           <p:cNvPr id="3" name="Espaço Reservado para Data 2">
             <a:extLst>
               <a:ext uri="{FF2B5EF4-FFF2-40B4-BE49-F238E27FC236}">
-                <a16:creationId xmlns:a16="http://schemas.microsoft.com/office/drawing/2014/main" xmlns="" id="{1F4AD42A-B2BD-4D88-A4AC-13E7897AA9ED}"/>
+                <a16:creationId xmlns="" xmlns:a16="http://schemas.microsoft.com/office/drawing/2014/main" id="{1F4AD42A-B2BD-4D88-A4AC-13E7897AA9ED}"/>
               </a:ext>
             </a:extLst>
           </p:cNvPr>
@@ -2417,7 +2417,7 @@
           <p:cNvPr id="4" name="Espaço Reservado para Rodapé 3">
             <a:extLst>
               <a:ext uri="{FF2B5EF4-FFF2-40B4-BE49-F238E27FC236}">
-                <a16:creationId xmlns:a16="http://schemas.microsoft.com/office/drawing/2014/main" xmlns="" id="{C9BADC64-9B75-4204-9D58-6BA65DDBE064}"/>
+                <a16:creationId xmlns="" xmlns:a16="http://schemas.microsoft.com/office/drawing/2014/main" id="{C9BADC64-9B75-4204-9D58-6BA65DDBE064}"/>
               </a:ext>
             </a:extLst>
           </p:cNvPr>
@@ -2442,7 +2442,7 @@
           <p:cNvPr id="5" name="Espaço Reservado para Número de Slide 4">
             <a:extLst>
               <a:ext uri="{FF2B5EF4-FFF2-40B4-BE49-F238E27FC236}">
-                <a16:creationId xmlns:a16="http://schemas.microsoft.com/office/drawing/2014/main" xmlns="" id="{E84CD316-4A57-4743-86DC-F46267C798E5}"/>
+                <a16:creationId xmlns="" xmlns:a16="http://schemas.microsoft.com/office/drawing/2014/main" id="{E84CD316-4A57-4743-86DC-F46267C798E5}"/>
               </a:ext>
             </a:extLst>
           </p:cNvPr>
@@ -2477,7 +2477,7 @@
     <a:masterClrMapping/>
   </p:clrMapOvr>
   <mc:AlternateContent xmlns:mc="http://schemas.openxmlformats.org/markup-compatibility/2006">
-    <mc:Choice xmlns:p159="http://schemas.microsoft.com/office/powerpoint/2015/09/main" xmlns="" Requires="p159">
+    <mc:Choice xmlns="" xmlns:p159="http://schemas.microsoft.com/office/powerpoint/2015/09/main" Requires="p159">
       <p:transition>
         <p159:morph option="byObject"/>
       </p:transition>
@@ -2513,7 +2513,7 @@
           <p:cNvPr id="2" name="Espaço Reservado para Data 1">
             <a:extLst>
               <a:ext uri="{FF2B5EF4-FFF2-40B4-BE49-F238E27FC236}">
-                <a16:creationId xmlns:a16="http://schemas.microsoft.com/office/drawing/2014/main" xmlns="" id="{2B632D4C-4EBA-48CD-95CA-05B7866CEA82}"/>
+                <a16:creationId xmlns="" xmlns:a16="http://schemas.microsoft.com/office/drawing/2014/main" id="{2B632D4C-4EBA-48CD-95CA-05B7866CEA82}"/>
               </a:ext>
             </a:extLst>
           </p:cNvPr>
@@ -2542,7 +2542,7 @@
           <p:cNvPr id="3" name="Espaço Reservado para Rodapé 2">
             <a:extLst>
               <a:ext uri="{FF2B5EF4-FFF2-40B4-BE49-F238E27FC236}">
-                <a16:creationId xmlns:a16="http://schemas.microsoft.com/office/drawing/2014/main" xmlns="" id="{D818C369-CE00-4B53-AD2D-945D8F9ABDC6}"/>
+                <a16:creationId xmlns="" xmlns:a16="http://schemas.microsoft.com/office/drawing/2014/main" id="{D818C369-CE00-4B53-AD2D-945D8F9ABDC6}"/>
               </a:ext>
             </a:extLst>
           </p:cNvPr>
@@ -2567,7 +2567,7 @@
           <p:cNvPr id="4" name="Espaço Reservado para Número de Slide 3">
             <a:extLst>
               <a:ext uri="{FF2B5EF4-FFF2-40B4-BE49-F238E27FC236}">
-                <a16:creationId xmlns:a16="http://schemas.microsoft.com/office/drawing/2014/main" xmlns="" id="{584AA5AB-D97C-472B-829C-1E4777028044}"/>
+                <a16:creationId xmlns="" xmlns:a16="http://schemas.microsoft.com/office/drawing/2014/main" id="{584AA5AB-D97C-472B-829C-1E4777028044}"/>
               </a:ext>
             </a:extLst>
           </p:cNvPr>
@@ -2602,7 +2602,7 @@
     <a:masterClrMapping/>
   </p:clrMapOvr>
   <mc:AlternateContent xmlns:mc="http://schemas.openxmlformats.org/markup-compatibility/2006">
-    <mc:Choice xmlns:p159="http://schemas.microsoft.com/office/powerpoint/2015/09/main" xmlns="" Requires="p159">
+    <mc:Choice xmlns="" xmlns:p159="http://schemas.microsoft.com/office/powerpoint/2015/09/main" Requires="p159">
       <p:transition>
         <p159:morph option="byObject"/>
       </p:transition>
@@ -2638,7 +2638,7 @@
           <p:cNvPr id="2" name="Título 1">
             <a:extLst>
               <a:ext uri="{FF2B5EF4-FFF2-40B4-BE49-F238E27FC236}">
-                <a16:creationId xmlns:a16="http://schemas.microsoft.com/office/drawing/2014/main" xmlns="" id="{AB7F6789-896C-4858-96CB-700291FF85FE}"/>
+                <a16:creationId xmlns="" xmlns:a16="http://schemas.microsoft.com/office/drawing/2014/main" id="{AB7F6789-896C-4858-96CB-700291FF85FE}"/>
               </a:ext>
             </a:extLst>
           </p:cNvPr>
@@ -2675,7 +2675,7 @@
           <p:cNvPr id="3" name="Espaço Reservado para Conteúdo 2">
             <a:extLst>
               <a:ext uri="{FF2B5EF4-FFF2-40B4-BE49-F238E27FC236}">
-                <a16:creationId xmlns:a16="http://schemas.microsoft.com/office/drawing/2014/main" xmlns="" id="{E6844293-BE9B-4251-AE6A-5D3F6A65BF41}"/>
+                <a16:creationId xmlns="" xmlns:a16="http://schemas.microsoft.com/office/drawing/2014/main" id="{E6844293-BE9B-4251-AE6A-5D3F6A65BF41}"/>
               </a:ext>
             </a:extLst>
           </p:cNvPr>
@@ -2765,7 +2765,7 @@
           <p:cNvPr id="4" name="Espaço Reservado para Texto 3">
             <a:extLst>
               <a:ext uri="{FF2B5EF4-FFF2-40B4-BE49-F238E27FC236}">
-                <a16:creationId xmlns:a16="http://schemas.microsoft.com/office/drawing/2014/main" xmlns="" id="{39650F59-E8D9-44D6-9B3B-8DEC393EA4FC}"/>
+                <a16:creationId xmlns="" xmlns:a16="http://schemas.microsoft.com/office/drawing/2014/main" id="{39650F59-E8D9-44D6-9B3B-8DEC393EA4FC}"/>
               </a:ext>
             </a:extLst>
           </p:cNvPr>
@@ -2836,7 +2836,7 @@
           <p:cNvPr id="5" name="Espaço Reservado para Data 4">
             <a:extLst>
               <a:ext uri="{FF2B5EF4-FFF2-40B4-BE49-F238E27FC236}">
-                <a16:creationId xmlns:a16="http://schemas.microsoft.com/office/drawing/2014/main" xmlns="" id="{C5E5B930-5020-4887-9719-C9D5AEFD4A09}"/>
+                <a16:creationId xmlns="" xmlns:a16="http://schemas.microsoft.com/office/drawing/2014/main" id="{C5E5B930-5020-4887-9719-C9D5AEFD4A09}"/>
               </a:ext>
             </a:extLst>
           </p:cNvPr>
@@ -2865,7 +2865,7 @@
           <p:cNvPr id="6" name="Espaço Reservado para Rodapé 5">
             <a:extLst>
               <a:ext uri="{FF2B5EF4-FFF2-40B4-BE49-F238E27FC236}">
-                <a16:creationId xmlns:a16="http://schemas.microsoft.com/office/drawing/2014/main" xmlns="" id="{95DC6F7B-C8A4-44ED-A18D-4D160FA969EC}"/>
+                <a16:creationId xmlns="" xmlns:a16="http://schemas.microsoft.com/office/drawing/2014/main" id="{95DC6F7B-C8A4-44ED-A18D-4D160FA969EC}"/>
               </a:ext>
             </a:extLst>
           </p:cNvPr>
@@ -2890,7 +2890,7 @@
           <p:cNvPr id="7" name="Espaço Reservado para Número de Slide 6">
             <a:extLst>
               <a:ext uri="{FF2B5EF4-FFF2-40B4-BE49-F238E27FC236}">
-                <a16:creationId xmlns:a16="http://schemas.microsoft.com/office/drawing/2014/main" xmlns="" id="{57F1164D-E2DD-43B8-B3E2-EBDB6CB90C4C}"/>
+                <a16:creationId xmlns="" xmlns:a16="http://schemas.microsoft.com/office/drawing/2014/main" id="{57F1164D-E2DD-43B8-B3E2-EBDB6CB90C4C}"/>
               </a:ext>
             </a:extLst>
           </p:cNvPr>
@@ -2925,7 +2925,7 @@
     <a:masterClrMapping/>
   </p:clrMapOvr>
   <mc:AlternateContent xmlns:mc="http://schemas.openxmlformats.org/markup-compatibility/2006">
-    <mc:Choice xmlns:p159="http://schemas.microsoft.com/office/powerpoint/2015/09/main" xmlns="" Requires="p159">
+    <mc:Choice xmlns="" xmlns:p159="http://schemas.microsoft.com/office/powerpoint/2015/09/main" Requires="p159">
       <p:transition>
         <p159:morph option="byObject"/>
       </p:transition>
@@ -2961,7 +2961,7 @@
           <p:cNvPr id="2" name="Título 1">
             <a:extLst>
               <a:ext uri="{FF2B5EF4-FFF2-40B4-BE49-F238E27FC236}">
-                <a16:creationId xmlns:a16="http://schemas.microsoft.com/office/drawing/2014/main" xmlns="" id="{71F51297-FBF0-4628-A9EF-897A26D51E57}"/>
+                <a16:creationId xmlns="" xmlns:a16="http://schemas.microsoft.com/office/drawing/2014/main" id="{71F51297-FBF0-4628-A9EF-897A26D51E57}"/>
               </a:ext>
             </a:extLst>
           </p:cNvPr>
@@ -2998,7 +2998,7 @@
           <p:cNvPr id="3" name="Espaço Reservado para Imagem 2">
             <a:extLst>
               <a:ext uri="{FF2B5EF4-FFF2-40B4-BE49-F238E27FC236}">
-                <a16:creationId xmlns:a16="http://schemas.microsoft.com/office/drawing/2014/main" xmlns="" id="{5C8BE9AD-DCA5-4127-B8E5-4AAE6BC78D13}"/>
+                <a16:creationId xmlns="" xmlns:a16="http://schemas.microsoft.com/office/drawing/2014/main" id="{5C8BE9AD-DCA5-4127-B8E5-4AAE6BC78D13}"/>
               </a:ext>
             </a:extLst>
           </p:cNvPr>
@@ -3065,7 +3065,7 @@
           <p:cNvPr id="4" name="Espaço Reservado para Texto 3">
             <a:extLst>
               <a:ext uri="{FF2B5EF4-FFF2-40B4-BE49-F238E27FC236}">
-                <a16:creationId xmlns:a16="http://schemas.microsoft.com/office/drawing/2014/main" xmlns="" id="{E691CCC1-7B04-4961-9790-230F8A641941}"/>
+                <a16:creationId xmlns="" xmlns:a16="http://schemas.microsoft.com/office/drawing/2014/main" id="{E691CCC1-7B04-4961-9790-230F8A641941}"/>
               </a:ext>
             </a:extLst>
           </p:cNvPr>
@@ -3136,7 +3136,7 @@
           <p:cNvPr id="5" name="Espaço Reservado para Data 4">
             <a:extLst>
               <a:ext uri="{FF2B5EF4-FFF2-40B4-BE49-F238E27FC236}">
-                <a16:creationId xmlns:a16="http://schemas.microsoft.com/office/drawing/2014/main" xmlns="" id="{78CBC5E1-FC70-4F7E-96A5-10F9CDA95BD5}"/>
+                <a16:creationId xmlns="" xmlns:a16="http://schemas.microsoft.com/office/drawing/2014/main" id="{78CBC5E1-FC70-4F7E-96A5-10F9CDA95BD5}"/>
               </a:ext>
             </a:extLst>
           </p:cNvPr>
@@ -3165,7 +3165,7 @@
           <p:cNvPr id="6" name="Espaço Reservado para Rodapé 5">
             <a:extLst>
               <a:ext uri="{FF2B5EF4-FFF2-40B4-BE49-F238E27FC236}">
-                <a16:creationId xmlns:a16="http://schemas.microsoft.com/office/drawing/2014/main" xmlns="" id="{90D5A14A-1A02-4E26-BE81-01C46B4A356A}"/>
+                <a16:creationId xmlns="" xmlns:a16="http://schemas.microsoft.com/office/drawing/2014/main" id="{90D5A14A-1A02-4E26-BE81-01C46B4A356A}"/>
               </a:ext>
             </a:extLst>
           </p:cNvPr>
@@ -3190,7 +3190,7 @@
           <p:cNvPr id="7" name="Espaço Reservado para Número de Slide 6">
             <a:extLst>
               <a:ext uri="{FF2B5EF4-FFF2-40B4-BE49-F238E27FC236}">
-                <a16:creationId xmlns:a16="http://schemas.microsoft.com/office/drawing/2014/main" xmlns="" id="{A5ED61E8-F4BB-40EB-9AD7-850E09315516}"/>
+                <a16:creationId xmlns="" xmlns:a16="http://schemas.microsoft.com/office/drawing/2014/main" id="{A5ED61E8-F4BB-40EB-9AD7-850E09315516}"/>
               </a:ext>
             </a:extLst>
           </p:cNvPr>
@@ -3225,7 +3225,7 @@
     <a:masterClrMapping/>
   </p:clrMapOvr>
   <mc:AlternateContent xmlns:mc="http://schemas.openxmlformats.org/markup-compatibility/2006">
-    <mc:Choice xmlns:p159="http://schemas.microsoft.com/office/powerpoint/2015/09/main" xmlns="" Requires="p159">
+    <mc:Choice xmlns="" xmlns:p159="http://schemas.microsoft.com/office/powerpoint/2015/09/main" Requires="p159">
       <p:transition>
         <p159:morph option="byObject"/>
       </p:transition>
@@ -3269,7 +3269,7 @@
           <p:cNvPr id="2" name="Espaço Reservado para Título 1">
             <a:extLst>
               <a:ext uri="{FF2B5EF4-FFF2-40B4-BE49-F238E27FC236}">
-                <a16:creationId xmlns:a16="http://schemas.microsoft.com/office/drawing/2014/main" xmlns="" id="{0D4BB98E-D1E0-40D0-855A-F00A2C7E1E53}"/>
+                <a16:creationId xmlns="" xmlns:a16="http://schemas.microsoft.com/office/drawing/2014/main" id="{0D4BB98E-D1E0-40D0-855A-F00A2C7E1E53}"/>
               </a:ext>
             </a:extLst>
           </p:cNvPr>
@@ -3307,7 +3307,7 @@
           <p:cNvPr id="3" name="Espaço Reservado para Texto 2">
             <a:extLst>
               <a:ext uri="{FF2B5EF4-FFF2-40B4-BE49-F238E27FC236}">
-                <a16:creationId xmlns:a16="http://schemas.microsoft.com/office/drawing/2014/main" xmlns="" id="{77B38482-042F-4811-B7B9-90E65B079DED}"/>
+                <a16:creationId xmlns="" xmlns:a16="http://schemas.microsoft.com/office/drawing/2014/main" id="{77B38482-042F-4811-B7B9-90E65B079DED}"/>
               </a:ext>
             </a:extLst>
           </p:cNvPr>
@@ -3374,7 +3374,7 @@
           <p:cNvPr id="4" name="Espaço Reservado para Data 3">
             <a:extLst>
               <a:ext uri="{FF2B5EF4-FFF2-40B4-BE49-F238E27FC236}">
-                <a16:creationId xmlns:a16="http://schemas.microsoft.com/office/drawing/2014/main" xmlns="" id="{94C41A0F-F141-43AF-A950-91B1A48D9EC1}"/>
+                <a16:creationId xmlns="" xmlns:a16="http://schemas.microsoft.com/office/drawing/2014/main" id="{94C41A0F-F141-43AF-A950-91B1A48D9EC1}"/>
               </a:ext>
             </a:extLst>
           </p:cNvPr>
@@ -3421,7 +3421,7 @@
           <p:cNvPr id="5" name="Espaço Reservado para Rodapé 4">
             <a:extLst>
               <a:ext uri="{FF2B5EF4-FFF2-40B4-BE49-F238E27FC236}">
-                <a16:creationId xmlns:a16="http://schemas.microsoft.com/office/drawing/2014/main" xmlns="" id="{1E35CCA8-6E48-47C0-87A0-B34DDEEF0E50}"/>
+                <a16:creationId xmlns="" xmlns:a16="http://schemas.microsoft.com/office/drawing/2014/main" id="{1E35CCA8-6E48-47C0-87A0-B34DDEEF0E50}"/>
               </a:ext>
             </a:extLst>
           </p:cNvPr>
@@ -3464,7 +3464,7 @@
           <p:cNvPr id="6" name="Espaço Reservado para Número de Slide 5">
             <a:extLst>
               <a:ext uri="{FF2B5EF4-FFF2-40B4-BE49-F238E27FC236}">
-                <a16:creationId xmlns:a16="http://schemas.microsoft.com/office/drawing/2014/main" xmlns="" id="{DE09B279-E0F9-4205-A8AA-0564D8033305}"/>
+                <a16:creationId xmlns="" xmlns:a16="http://schemas.microsoft.com/office/drawing/2014/main" id="{DE09B279-E0F9-4205-A8AA-0564D8033305}"/>
               </a:ext>
             </a:extLst>
           </p:cNvPr>
@@ -3528,7 +3528,7 @@
     <p:sldLayoutId id="2147483659" r:id="rId11"/>
   </p:sldLayoutIdLst>
   <mc:AlternateContent xmlns:mc="http://schemas.openxmlformats.org/markup-compatibility/2006">
-    <mc:Choice xmlns:p159="http://schemas.microsoft.com/office/powerpoint/2015/09/main" xmlns="" Requires="p159">
+    <mc:Choice xmlns="" xmlns:p159="http://schemas.microsoft.com/office/powerpoint/2015/09/main" Requires="p159">
       <p:transition>
         <p159:morph option="byObject"/>
       </p:transition>
@@ -3845,7 +3845,7 @@
           <p:cNvPr id="2" name="Título 1">
             <a:extLst>
               <a:ext uri="{FF2B5EF4-FFF2-40B4-BE49-F238E27FC236}">
-                <a16:creationId xmlns:a16="http://schemas.microsoft.com/office/drawing/2014/main" xmlns="" id="{23A9C045-07C2-42EB-BBCD-2AEB24A9997A}"/>
+                <a16:creationId xmlns="" xmlns:a16="http://schemas.microsoft.com/office/drawing/2014/main" id="{23A9C045-07C2-42EB-BBCD-2AEB24A9997A}"/>
               </a:ext>
             </a:extLst>
           </p:cNvPr>
@@ -3877,7 +3877,7 @@
           <p:cNvPr id="3" name="Subtítulo 2">
             <a:extLst>
               <a:ext uri="{FF2B5EF4-FFF2-40B4-BE49-F238E27FC236}">
-                <a16:creationId xmlns:a16="http://schemas.microsoft.com/office/drawing/2014/main" xmlns="" id="{6792FAB0-BCAC-4ABD-9DDF-EC2B65C9C61A}"/>
+                <a16:creationId xmlns="" xmlns:a16="http://schemas.microsoft.com/office/drawing/2014/main" id="{6792FAB0-BCAC-4ABD-9DDF-EC2B65C9C61A}"/>
               </a:ext>
             </a:extLst>
           </p:cNvPr>
@@ -3917,7 +3917,7 @@
           <p:cNvPr id="4" name="Retângulo 3">
             <a:extLst>
               <a:ext uri="{FF2B5EF4-FFF2-40B4-BE49-F238E27FC236}">
-                <a16:creationId xmlns:a16="http://schemas.microsoft.com/office/drawing/2014/main" xmlns="" id="{535F9D35-E37E-4CFD-954C-C1A322C367CB}"/>
+                <a16:creationId xmlns="" xmlns:a16="http://schemas.microsoft.com/office/drawing/2014/main" id="{535F9D35-E37E-4CFD-954C-C1A322C367CB}"/>
               </a:ext>
             </a:extLst>
           </p:cNvPr>
@@ -3969,7 +3969,7 @@
           <p:cNvPr id="5" name="Espaço Reservado para Número de Slide 4">
             <a:extLst>
               <a:ext uri="{FF2B5EF4-FFF2-40B4-BE49-F238E27FC236}">
-                <a16:creationId xmlns:a16="http://schemas.microsoft.com/office/drawing/2014/main" xmlns="" id="{7E480703-93CB-4DA3-A49B-5993B64762F4}"/>
+                <a16:creationId xmlns="" xmlns:a16="http://schemas.microsoft.com/office/drawing/2014/main" id="{7E480703-93CB-4DA3-A49B-5993B64762F4}"/>
               </a:ext>
             </a:extLst>
           </p:cNvPr>
@@ -4004,7 +4004,7 @@
     <a:masterClrMapping/>
   </p:clrMapOvr>
   <mc:AlternateContent xmlns:mc="http://schemas.openxmlformats.org/markup-compatibility/2006">
-    <mc:Choice xmlns:p159="http://schemas.microsoft.com/office/powerpoint/2015/09/main" xmlns="" Requires="p159">
+    <mc:Choice xmlns="" xmlns:p159="http://schemas.microsoft.com/office/powerpoint/2015/09/main" Requires="p159">
       <p:transition>
         <p159:morph option="byObject"/>
       </p:transition>
@@ -4015,6 +4015,13 @@
       </p:transition>
     </mc:Fallback>
   </mc:AlternateContent>
+  <p:timing>
+    <p:tnLst>
+      <p:par>
+        <p:cTn id="1" dur="indefinite" restart="never" nodeType="tmRoot"/>
+      </p:par>
+    </p:tnLst>
+  </p:timing>
 </p:sld>
 </file>
 
@@ -4040,7 +4047,7 @@
           <p:cNvPr id="2" name="Título 1">
             <a:extLst>
               <a:ext uri="{FF2B5EF4-FFF2-40B4-BE49-F238E27FC236}">
-                <a16:creationId xmlns:a16="http://schemas.microsoft.com/office/drawing/2014/main" xmlns="" id="{16396183-FAAC-47B4-8532-D9A09D334419}"/>
+                <a16:creationId xmlns="" xmlns:a16="http://schemas.microsoft.com/office/drawing/2014/main" id="{16396183-FAAC-47B4-8532-D9A09D334419}"/>
               </a:ext>
             </a:extLst>
           </p:cNvPr>
@@ -4068,7 +4075,7 @@
           <p:cNvPr id="3" name="Espaço Reservado para Conteúdo 2">
             <a:extLst>
               <a:ext uri="{FF2B5EF4-FFF2-40B4-BE49-F238E27FC236}">
-                <a16:creationId xmlns:a16="http://schemas.microsoft.com/office/drawing/2014/main" xmlns="" id="{6FF8AAE8-8CC1-4389-9FC2-9415BD925ABF}"/>
+                <a16:creationId xmlns="" xmlns:a16="http://schemas.microsoft.com/office/drawing/2014/main" id="{6FF8AAE8-8CC1-4389-9FC2-9415BD925ABF}"/>
               </a:ext>
             </a:extLst>
           </p:cNvPr>
@@ -4211,7 +4218,7 @@
           <p:cNvPr id="4" name="Retângulo 3">
             <a:extLst>
               <a:ext uri="{FF2B5EF4-FFF2-40B4-BE49-F238E27FC236}">
-                <a16:creationId xmlns:a16="http://schemas.microsoft.com/office/drawing/2014/main" xmlns="" id="{6B20AC76-B05C-4C08-9614-FBFE8B8C55DD}"/>
+                <a16:creationId xmlns="" xmlns:a16="http://schemas.microsoft.com/office/drawing/2014/main" id="{6B20AC76-B05C-4C08-9614-FBFE8B8C55DD}"/>
               </a:ext>
             </a:extLst>
           </p:cNvPr>
@@ -4263,7 +4270,7 @@
           <p:cNvPr id="5" name="Espaço Reservado para Número de Slide 4">
             <a:extLst>
               <a:ext uri="{FF2B5EF4-FFF2-40B4-BE49-F238E27FC236}">
-                <a16:creationId xmlns:a16="http://schemas.microsoft.com/office/drawing/2014/main" xmlns="" id="{309AD7F4-7A81-4D98-861C-0938725EDF22}"/>
+                <a16:creationId xmlns="" xmlns:a16="http://schemas.microsoft.com/office/drawing/2014/main" id="{309AD7F4-7A81-4D98-861C-0938725EDF22}"/>
               </a:ext>
             </a:extLst>
           </p:cNvPr>
@@ -4298,7 +4305,7 @@
     <a:masterClrMapping/>
   </p:clrMapOvr>
   <mc:AlternateContent xmlns:mc="http://schemas.openxmlformats.org/markup-compatibility/2006">
-    <mc:Choice xmlns:p159="http://schemas.microsoft.com/office/powerpoint/2015/09/main" xmlns="" Requires="p159">
+    <mc:Choice xmlns="" xmlns:p159="http://schemas.microsoft.com/office/powerpoint/2015/09/main" Requires="p159">
       <p:transition>
         <p159:morph option="byObject"/>
       </p:transition>
@@ -4334,7 +4341,7 @@
           <p:cNvPr id="2" name="Título 1">
             <a:extLst>
               <a:ext uri="{FF2B5EF4-FFF2-40B4-BE49-F238E27FC236}">
-                <a16:creationId xmlns:a16="http://schemas.microsoft.com/office/drawing/2014/main" xmlns="" id="{23A9C045-07C2-42EB-BBCD-2AEB24A9997A}"/>
+                <a16:creationId xmlns="" xmlns:a16="http://schemas.microsoft.com/office/drawing/2014/main" id="{23A9C045-07C2-42EB-BBCD-2AEB24A9997A}"/>
               </a:ext>
             </a:extLst>
           </p:cNvPr>
@@ -4366,7 +4373,7 @@
           <p:cNvPr id="3" name="Subtítulo 2">
             <a:extLst>
               <a:ext uri="{FF2B5EF4-FFF2-40B4-BE49-F238E27FC236}">
-                <a16:creationId xmlns:a16="http://schemas.microsoft.com/office/drawing/2014/main" xmlns="" id="{6792FAB0-BCAC-4ABD-9DDF-EC2B65C9C61A}"/>
+                <a16:creationId xmlns="" xmlns:a16="http://schemas.microsoft.com/office/drawing/2014/main" id="{6792FAB0-BCAC-4ABD-9DDF-EC2B65C9C61A}"/>
               </a:ext>
             </a:extLst>
           </p:cNvPr>
@@ -4406,7 +4413,7 @@
           <p:cNvPr id="4" name="Retângulo 3">
             <a:extLst>
               <a:ext uri="{FF2B5EF4-FFF2-40B4-BE49-F238E27FC236}">
-                <a16:creationId xmlns:a16="http://schemas.microsoft.com/office/drawing/2014/main" xmlns="" id="{535F9D35-E37E-4CFD-954C-C1A322C367CB}"/>
+                <a16:creationId xmlns="" xmlns:a16="http://schemas.microsoft.com/office/drawing/2014/main" id="{535F9D35-E37E-4CFD-954C-C1A322C367CB}"/>
               </a:ext>
             </a:extLst>
           </p:cNvPr>
@@ -4458,7 +4465,7 @@
           <p:cNvPr id="5" name="Espaço Reservado para Número de Slide 4">
             <a:extLst>
               <a:ext uri="{FF2B5EF4-FFF2-40B4-BE49-F238E27FC236}">
-                <a16:creationId xmlns:a16="http://schemas.microsoft.com/office/drawing/2014/main" xmlns="" id="{7E480703-93CB-4DA3-A49B-5993B64762F4}"/>
+                <a16:creationId xmlns="" xmlns:a16="http://schemas.microsoft.com/office/drawing/2014/main" id="{7E480703-93CB-4DA3-A49B-5993B64762F4}"/>
               </a:ext>
             </a:extLst>
           </p:cNvPr>
@@ -4493,7 +4500,7 @@
     <a:masterClrMapping/>
   </p:clrMapOvr>
   <mc:AlternateContent xmlns:mc="http://schemas.openxmlformats.org/markup-compatibility/2006">
-    <mc:Choice xmlns:p159="http://schemas.microsoft.com/office/powerpoint/2015/09/main" xmlns="" Requires="p159">
+    <mc:Choice xmlns="" xmlns:p159="http://schemas.microsoft.com/office/powerpoint/2015/09/main" Requires="p159">
       <p:transition>
         <p159:morph option="byObject"/>
       </p:transition>
@@ -4529,7 +4536,7 @@
           <p:cNvPr id="2" name="Título 1">
             <a:extLst>
               <a:ext uri="{FF2B5EF4-FFF2-40B4-BE49-F238E27FC236}">
-                <a16:creationId xmlns:a16="http://schemas.microsoft.com/office/drawing/2014/main" xmlns="" id="{16396183-FAAC-47B4-8532-D9A09D334419}"/>
+                <a16:creationId xmlns="" xmlns:a16="http://schemas.microsoft.com/office/drawing/2014/main" id="{16396183-FAAC-47B4-8532-D9A09D334419}"/>
               </a:ext>
             </a:extLst>
           </p:cNvPr>
@@ -4557,7 +4564,7 @@
           <p:cNvPr id="3" name="Espaço Reservado para Conteúdo 2">
             <a:extLst>
               <a:ext uri="{FF2B5EF4-FFF2-40B4-BE49-F238E27FC236}">
-                <a16:creationId xmlns:a16="http://schemas.microsoft.com/office/drawing/2014/main" xmlns="" id="{6FF8AAE8-8CC1-4389-9FC2-9415BD925ABF}"/>
+                <a16:creationId xmlns="" xmlns:a16="http://schemas.microsoft.com/office/drawing/2014/main" id="{6FF8AAE8-8CC1-4389-9FC2-9415BD925ABF}"/>
               </a:ext>
             </a:extLst>
           </p:cNvPr>
@@ -4665,7 +4672,7 @@
           <p:cNvPr id="4" name="Retângulo 3">
             <a:extLst>
               <a:ext uri="{FF2B5EF4-FFF2-40B4-BE49-F238E27FC236}">
-                <a16:creationId xmlns:a16="http://schemas.microsoft.com/office/drawing/2014/main" xmlns="" id="{6B20AC76-B05C-4C08-9614-FBFE8B8C55DD}"/>
+                <a16:creationId xmlns="" xmlns:a16="http://schemas.microsoft.com/office/drawing/2014/main" id="{6B20AC76-B05C-4C08-9614-FBFE8B8C55DD}"/>
               </a:ext>
             </a:extLst>
           </p:cNvPr>
@@ -4717,7 +4724,7 @@
           <p:cNvPr id="6" name="Gráfico 5">
             <a:extLst>
               <a:ext uri="{FF2B5EF4-FFF2-40B4-BE49-F238E27FC236}">
-                <a16:creationId xmlns:a16="http://schemas.microsoft.com/office/drawing/2014/main" xmlns="" id="{16F75C6A-5433-497A-8EB9-F48F13CE461D}"/>
+                <a16:creationId xmlns="" xmlns:a16="http://schemas.microsoft.com/office/drawing/2014/main" id="{16F75C6A-5433-497A-8EB9-F48F13CE461D}"/>
               </a:ext>
             </a:extLst>
           </p:cNvPr>
@@ -4733,7 +4740,7 @@
                 <a14:useLocalDpi xmlns:a14="http://schemas.microsoft.com/office/drawing/2010/main" val="0"/>
               </a:ext>
               <a:ext uri="{96DAC541-7B7A-43D3-8B79-37D633B846F1}">
-                <asvg:svgBlip xmlns:asvg="http://schemas.microsoft.com/office/drawing/2016/SVG/main" xmlns="" r:embed="rId3"/>
+                <asvg:svgBlip xmlns="" xmlns:asvg="http://schemas.microsoft.com/office/drawing/2016/SVG/main" r:embed="rId3"/>
               </a:ext>
             </a:extLst>
           </a:blip>
@@ -4756,7 +4763,7 @@
           <p:cNvPr id="7" name="Espaço Reservado para Número de Slide 6">
             <a:extLst>
               <a:ext uri="{FF2B5EF4-FFF2-40B4-BE49-F238E27FC236}">
-                <a16:creationId xmlns:a16="http://schemas.microsoft.com/office/drawing/2014/main" xmlns="" id="{D317E2D2-4FCC-4A7B-80F3-553AF958FE85}"/>
+                <a16:creationId xmlns="" xmlns:a16="http://schemas.microsoft.com/office/drawing/2014/main" id="{D317E2D2-4FCC-4A7B-80F3-553AF958FE85}"/>
               </a:ext>
             </a:extLst>
           </p:cNvPr>
@@ -4791,7 +4798,7 @@
     <a:masterClrMapping/>
   </p:clrMapOvr>
   <mc:AlternateContent xmlns:mc="http://schemas.openxmlformats.org/markup-compatibility/2006">
-    <mc:Choice xmlns:p159="http://schemas.microsoft.com/office/powerpoint/2015/09/main" xmlns="" Requires="p159">
+    <mc:Choice xmlns="" xmlns:p159="http://schemas.microsoft.com/office/powerpoint/2015/09/main" Requires="p159">
       <p:transition>
         <p159:morph option="byObject"/>
       </p:transition>
@@ -4802,6 +4809,13 @@
       </p:transition>
     </mc:Fallback>
   </mc:AlternateContent>
+  <p:timing>
+    <p:tnLst>
+      <p:par>
+        <p:cTn id="1" dur="indefinite" restart="never" nodeType="tmRoot"/>
+      </p:par>
+    </p:tnLst>
+  </p:timing>
 </p:sld>
 </file>
 
@@ -4827,7 +4841,7 @@
           <p:cNvPr id="2" name="Título 1">
             <a:extLst>
               <a:ext uri="{FF2B5EF4-FFF2-40B4-BE49-F238E27FC236}">
-                <a16:creationId xmlns:a16="http://schemas.microsoft.com/office/drawing/2014/main" xmlns="" id="{16396183-FAAC-47B4-8532-D9A09D334419}"/>
+                <a16:creationId xmlns="" xmlns:a16="http://schemas.microsoft.com/office/drawing/2014/main" id="{16396183-FAAC-47B4-8532-D9A09D334419}"/>
               </a:ext>
             </a:extLst>
           </p:cNvPr>
@@ -4856,7 +4870,7 @@
           <p:cNvPr id="3" name="Espaço Reservado para Conteúdo 2">
             <a:extLst>
               <a:ext uri="{FF2B5EF4-FFF2-40B4-BE49-F238E27FC236}">
-                <a16:creationId xmlns:a16="http://schemas.microsoft.com/office/drawing/2014/main" xmlns="" id="{6FF8AAE8-8CC1-4389-9FC2-9415BD925ABF}"/>
+                <a16:creationId xmlns="" xmlns:a16="http://schemas.microsoft.com/office/drawing/2014/main" id="{6FF8AAE8-8CC1-4389-9FC2-9415BD925ABF}"/>
               </a:ext>
             </a:extLst>
           </p:cNvPr>
@@ -4940,7 +4954,7 @@
           <p:cNvPr id="4" name="Retângulo 3">
             <a:extLst>
               <a:ext uri="{FF2B5EF4-FFF2-40B4-BE49-F238E27FC236}">
-                <a16:creationId xmlns:a16="http://schemas.microsoft.com/office/drawing/2014/main" xmlns="" id="{6B20AC76-B05C-4C08-9614-FBFE8B8C55DD}"/>
+                <a16:creationId xmlns="" xmlns:a16="http://schemas.microsoft.com/office/drawing/2014/main" id="{6B20AC76-B05C-4C08-9614-FBFE8B8C55DD}"/>
               </a:ext>
             </a:extLst>
           </p:cNvPr>
@@ -4992,7 +5006,7 @@
           <p:cNvPr id="5" name="Espaço Reservado para Conteúdo 5">
             <a:extLst>
               <a:ext uri="{FF2B5EF4-FFF2-40B4-BE49-F238E27FC236}">
-                <a16:creationId xmlns:a16="http://schemas.microsoft.com/office/drawing/2014/main" xmlns="" id="{E3673FF4-41D1-4090-B98C-58F3CA6883F2}"/>
+                <a16:creationId xmlns="" xmlns:a16="http://schemas.microsoft.com/office/drawing/2014/main" id="{E3673FF4-41D1-4090-B98C-58F3CA6883F2}"/>
               </a:ext>
             </a:extLst>
           </p:cNvPr>
@@ -5008,7 +5022,7 @@
                 <a14:useLocalDpi xmlns:a14="http://schemas.microsoft.com/office/drawing/2010/main" val="0"/>
               </a:ext>
               <a:ext uri="{96DAC541-7B7A-43D3-8B79-37D633B846F1}">
-                <asvg:svgBlip xmlns:asvg="http://schemas.microsoft.com/office/drawing/2016/SVG/main" xmlns="" r:embed="rId3"/>
+                <asvg:svgBlip xmlns="" xmlns:asvg="http://schemas.microsoft.com/office/drawing/2016/SVG/main" r:embed="rId3"/>
               </a:ext>
             </a:extLst>
           </a:blip>
@@ -5030,7 +5044,7 @@
           <p:cNvPr id="7" name="Retângulo 6">
             <a:extLst>
               <a:ext uri="{FF2B5EF4-FFF2-40B4-BE49-F238E27FC236}">
-                <a16:creationId xmlns:a16="http://schemas.microsoft.com/office/drawing/2014/main" xmlns="" id="{D296364F-4D09-4B6F-B7F2-77C907C753AA}"/>
+                <a16:creationId xmlns="" xmlns:a16="http://schemas.microsoft.com/office/drawing/2014/main" id="{D296364F-4D09-4B6F-B7F2-77C907C753AA}"/>
               </a:ext>
             </a:extLst>
           </p:cNvPr>
@@ -5084,7 +5098,7 @@
           <p:cNvPr id="8" name="CaixaDeTexto 7">
             <a:extLst>
               <a:ext uri="{FF2B5EF4-FFF2-40B4-BE49-F238E27FC236}">
-                <a16:creationId xmlns:a16="http://schemas.microsoft.com/office/drawing/2014/main" xmlns="" id="{CA38DA59-08F1-4839-94F5-E025AB29B043}"/>
+                <a16:creationId xmlns="" xmlns:a16="http://schemas.microsoft.com/office/drawing/2014/main" id="{CA38DA59-08F1-4839-94F5-E025AB29B043}"/>
               </a:ext>
             </a:extLst>
           </p:cNvPr>
@@ -5144,7 +5158,7 @@
           <p:cNvPr id="6" name="Espaço Reservado para Número de Slide 5">
             <a:extLst>
               <a:ext uri="{FF2B5EF4-FFF2-40B4-BE49-F238E27FC236}">
-                <a16:creationId xmlns:a16="http://schemas.microsoft.com/office/drawing/2014/main" xmlns="" id="{6762A59C-AD24-43BE-A9A0-191DE553C8DE}"/>
+                <a16:creationId xmlns="" xmlns:a16="http://schemas.microsoft.com/office/drawing/2014/main" id="{6762A59C-AD24-43BE-A9A0-191DE553C8DE}"/>
               </a:ext>
             </a:extLst>
           </p:cNvPr>
@@ -5179,7 +5193,7 @@
     <a:masterClrMapping/>
   </p:clrMapOvr>
   <mc:AlternateContent xmlns:mc="http://schemas.openxmlformats.org/markup-compatibility/2006">
-    <mc:Choice xmlns:p159="http://schemas.microsoft.com/office/powerpoint/2015/09/main" xmlns="" Requires="p159">
+    <mc:Choice xmlns="" xmlns:p159="http://schemas.microsoft.com/office/powerpoint/2015/09/main" Requires="p159">
       <p:transition>
         <p159:morph option="byObject"/>
       </p:transition>
@@ -5190,6 +5204,13 @@
       </p:transition>
     </mc:Fallback>
   </mc:AlternateContent>
+  <p:timing>
+    <p:tnLst>
+      <p:par>
+        <p:cTn id="1" dur="indefinite" restart="never" nodeType="tmRoot"/>
+      </p:par>
+    </p:tnLst>
+  </p:timing>
 </p:sld>
 </file>
 
@@ -5215,7 +5236,7 @@
           <p:cNvPr id="2" name="Título 1">
             <a:extLst>
               <a:ext uri="{FF2B5EF4-FFF2-40B4-BE49-F238E27FC236}">
-                <a16:creationId xmlns:a16="http://schemas.microsoft.com/office/drawing/2014/main" xmlns="" id="{16396183-FAAC-47B4-8532-D9A09D334419}"/>
+                <a16:creationId xmlns="" xmlns:a16="http://schemas.microsoft.com/office/drawing/2014/main" id="{16396183-FAAC-47B4-8532-D9A09D334419}"/>
               </a:ext>
             </a:extLst>
           </p:cNvPr>
@@ -5243,7 +5264,7 @@
           <p:cNvPr id="3" name="Espaço Reservado para Conteúdo 2">
             <a:extLst>
               <a:ext uri="{FF2B5EF4-FFF2-40B4-BE49-F238E27FC236}">
-                <a16:creationId xmlns:a16="http://schemas.microsoft.com/office/drawing/2014/main" xmlns="" id="{6FF8AAE8-8CC1-4389-9FC2-9415BD925ABF}"/>
+                <a16:creationId xmlns="" xmlns:a16="http://schemas.microsoft.com/office/drawing/2014/main" id="{6FF8AAE8-8CC1-4389-9FC2-9415BD925ABF}"/>
               </a:ext>
             </a:extLst>
           </p:cNvPr>
@@ -5288,7 +5309,7 @@
           <p:cNvPr id="4" name="Retângulo 3">
             <a:extLst>
               <a:ext uri="{FF2B5EF4-FFF2-40B4-BE49-F238E27FC236}">
-                <a16:creationId xmlns:a16="http://schemas.microsoft.com/office/drawing/2014/main" xmlns="" id="{6B20AC76-B05C-4C08-9614-FBFE8B8C55DD}"/>
+                <a16:creationId xmlns="" xmlns:a16="http://schemas.microsoft.com/office/drawing/2014/main" id="{6B20AC76-B05C-4C08-9614-FBFE8B8C55DD}"/>
               </a:ext>
             </a:extLst>
           </p:cNvPr>
@@ -5340,7 +5361,7 @@
           <p:cNvPr id="6" name="Gráfico 5">
             <a:extLst>
               <a:ext uri="{FF2B5EF4-FFF2-40B4-BE49-F238E27FC236}">
-                <a16:creationId xmlns:a16="http://schemas.microsoft.com/office/drawing/2014/main" xmlns="" id="{6309F3CE-4DA9-43B7-92BD-9D3BF8F6309C}"/>
+                <a16:creationId xmlns="" xmlns:a16="http://schemas.microsoft.com/office/drawing/2014/main" id="{6309F3CE-4DA9-43B7-92BD-9D3BF8F6309C}"/>
               </a:ext>
             </a:extLst>
           </p:cNvPr>
@@ -5356,7 +5377,7 @@
                 <a14:useLocalDpi xmlns:a14="http://schemas.microsoft.com/office/drawing/2010/main" val="0"/>
               </a:ext>
               <a:ext uri="{96DAC541-7B7A-43D3-8B79-37D633B846F1}">
-                <asvg:svgBlip xmlns:asvg="http://schemas.microsoft.com/office/drawing/2016/SVG/main" xmlns="" r:embed="rId3"/>
+                <asvg:svgBlip xmlns="" xmlns:asvg="http://schemas.microsoft.com/office/drawing/2016/SVG/main" r:embed="rId3"/>
               </a:ext>
             </a:extLst>
           </a:blip>
@@ -5379,7 +5400,7 @@
           <p:cNvPr id="9" name="Gráfico 8">
             <a:extLst>
               <a:ext uri="{FF2B5EF4-FFF2-40B4-BE49-F238E27FC236}">
-                <a16:creationId xmlns:a16="http://schemas.microsoft.com/office/drawing/2014/main" xmlns="" id="{05C521EB-01BC-42F7-B9B9-FB529BF15E7B}"/>
+                <a16:creationId xmlns="" xmlns:a16="http://schemas.microsoft.com/office/drawing/2014/main" id="{05C521EB-01BC-42F7-B9B9-FB529BF15E7B}"/>
               </a:ext>
             </a:extLst>
           </p:cNvPr>
@@ -5395,7 +5416,7 @@
                 <a14:useLocalDpi xmlns:a14="http://schemas.microsoft.com/office/drawing/2010/main" val="0"/>
               </a:ext>
               <a:ext uri="{96DAC541-7B7A-43D3-8B79-37D633B846F1}">
-                <asvg:svgBlip xmlns:asvg="http://schemas.microsoft.com/office/drawing/2016/SVG/main" xmlns="" r:embed="rId5"/>
+                <asvg:svgBlip xmlns="" xmlns:asvg="http://schemas.microsoft.com/office/drawing/2016/SVG/main" r:embed="rId5"/>
               </a:ext>
             </a:extLst>
           </a:blip>
@@ -5418,7 +5439,7 @@
           <p:cNvPr id="10" name="Gráfico 9">
             <a:extLst>
               <a:ext uri="{FF2B5EF4-FFF2-40B4-BE49-F238E27FC236}">
-                <a16:creationId xmlns:a16="http://schemas.microsoft.com/office/drawing/2014/main" xmlns="" id="{FD26E511-33C1-4A7C-8325-F2899F8574E5}"/>
+                <a16:creationId xmlns="" xmlns:a16="http://schemas.microsoft.com/office/drawing/2014/main" id="{FD26E511-33C1-4A7C-8325-F2899F8574E5}"/>
               </a:ext>
             </a:extLst>
           </p:cNvPr>
@@ -5434,7 +5455,7 @@
                 <a14:useLocalDpi xmlns:a14="http://schemas.microsoft.com/office/drawing/2010/main" val="0"/>
               </a:ext>
               <a:ext uri="{96DAC541-7B7A-43D3-8B79-37D633B846F1}">
-                <asvg:svgBlip xmlns:asvg="http://schemas.microsoft.com/office/drawing/2016/SVG/main" xmlns="" r:embed="rId5"/>
+                <asvg:svgBlip xmlns="" xmlns:asvg="http://schemas.microsoft.com/office/drawing/2016/SVG/main" r:embed="rId5"/>
               </a:ext>
             </a:extLst>
           </a:blip>
@@ -5457,7 +5478,7 @@
           <p:cNvPr id="11" name="Espaço Reservado para Número de Slide 10">
             <a:extLst>
               <a:ext uri="{FF2B5EF4-FFF2-40B4-BE49-F238E27FC236}">
-                <a16:creationId xmlns:a16="http://schemas.microsoft.com/office/drawing/2014/main" xmlns="" id="{5E7E17AB-F218-4E35-92B1-5AD099ED2A89}"/>
+                <a16:creationId xmlns="" xmlns:a16="http://schemas.microsoft.com/office/drawing/2014/main" id="{5E7E17AB-F218-4E35-92B1-5AD099ED2A89}"/>
               </a:ext>
             </a:extLst>
           </p:cNvPr>
@@ -5492,7 +5513,7 @@
     <a:masterClrMapping/>
   </p:clrMapOvr>
   <mc:AlternateContent xmlns:mc="http://schemas.openxmlformats.org/markup-compatibility/2006">
-    <mc:Choice xmlns:p159="http://schemas.microsoft.com/office/powerpoint/2015/09/main" xmlns="" Requires="p159">
+    <mc:Choice xmlns="" xmlns:p159="http://schemas.microsoft.com/office/powerpoint/2015/09/main" Requires="p159">
       <p:transition>
         <p159:morph option="byObject"/>
       </p:transition>
@@ -5503,6 +5524,13 @@
       </p:transition>
     </mc:Fallback>
   </mc:AlternateContent>
+  <p:timing>
+    <p:tnLst>
+      <p:par>
+        <p:cTn id="1" dur="indefinite" restart="never" nodeType="tmRoot"/>
+      </p:par>
+    </p:tnLst>
+  </p:timing>
 </p:sld>
 </file>
 
@@ -5528,7 +5556,7 @@
           <p:cNvPr id="2" name="Título 1">
             <a:extLst>
               <a:ext uri="{FF2B5EF4-FFF2-40B4-BE49-F238E27FC236}">
-                <a16:creationId xmlns:a16="http://schemas.microsoft.com/office/drawing/2014/main" xmlns="" id="{16396183-FAAC-47B4-8532-D9A09D334419}"/>
+                <a16:creationId xmlns="" xmlns:a16="http://schemas.microsoft.com/office/drawing/2014/main" id="{16396183-FAAC-47B4-8532-D9A09D334419}"/>
               </a:ext>
             </a:extLst>
           </p:cNvPr>
@@ -5556,7 +5584,7 @@
           <p:cNvPr id="3" name="Espaço Reservado para Conteúdo 2">
             <a:extLst>
               <a:ext uri="{FF2B5EF4-FFF2-40B4-BE49-F238E27FC236}">
-                <a16:creationId xmlns:a16="http://schemas.microsoft.com/office/drawing/2014/main" xmlns="" id="{6FF8AAE8-8CC1-4389-9FC2-9415BD925ABF}"/>
+                <a16:creationId xmlns="" xmlns:a16="http://schemas.microsoft.com/office/drawing/2014/main" id="{6FF8AAE8-8CC1-4389-9FC2-9415BD925ABF}"/>
               </a:ext>
             </a:extLst>
           </p:cNvPr>
@@ -5644,7 +5672,7 @@
           <p:cNvPr id="4" name="Retângulo 3">
             <a:extLst>
               <a:ext uri="{FF2B5EF4-FFF2-40B4-BE49-F238E27FC236}">
-                <a16:creationId xmlns:a16="http://schemas.microsoft.com/office/drawing/2014/main" xmlns="" id="{6B20AC76-B05C-4C08-9614-FBFE8B8C55DD}"/>
+                <a16:creationId xmlns="" xmlns:a16="http://schemas.microsoft.com/office/drawing/2014/main" id="{6B20AC76-B05C-4C08-9614-FBFE8B8C55DD}"/>
               </a:ext>
             </a:extLst>
           </p:cNvPr>
@@ -5696,7 +5724,7 @@
           <p:cNvPr id="11" name="Retângulo 10">
             <a:extLst>
               <a:ext uri="{FF2B5EF4-FFF2-40B4-BE49-F238E27FC236}">
-                <a16:creationId xmlns:a16="http://schemas.microsoft.com/office/drawing/2014/main" xmlns="" id="{0E5C7E34-511E-4DC5-8C50-35AF60A83435}"/>
+                <a16:creationId xmlns="" xmlns:a16="http://schemas.microsoft.com/office/drawing/2014/main" id="{0E5C7E34-511E-4DC5-8C50-35AF60A83435}"/>
               </a:ext>
             </a:extLst>
           </p:cNvPr>
@@ -5748,7 +5776,7 @@
           <p:cNvPr id="12" name="CaixaDeTexto 11">
             <a:extLst>
               <a:ext uri="{FF2B5EF4-FFF2-40B4-BE49-F238E27FC236}">
-                <a16:creationId xmlns:a16="http://schemas.microsoft.com/office/drawing/2014/main" xmlns="" id="{74E3C062-A0CA-4970-A59C-E4C321297B31}"/>
+                <a16:creationId xmlns="" xmlns:a16="http://schemas.microsoft.com/office/drawing/2014/main" id="{74E3C062-A0CA-4970-A59C-E4C321297B31}"/>
               </a:ext>
             </a:extLst>
           </p:cNvPr>
@@ -5831,7 +5859,7 @@
           <p:cNvPr id="16" name="Espaço Reservado para Número de Slide 15">
             <a:extLst>
               <a:ext uri="{FF2B5EF4-FFF2-40B4-BE49-F238E27FC236}">
-                <a16:creationId xmlns:a16="http://schemas.microsoft.com/office/drawing/2014/main" xmlns="" id="{BE22234F-AE2F-42FA-9835-7A9561A6BEAD}"/>
+                <a16:creationId xmlns="" xmlns:a16="http://schemas.microsoft.com/office/drawing/2014/main" id="{BE22234F-AE2F-42FA-9835-7A9561A6BEAD}"/>
               </a:ext>
             </a:extLst>
           </p:cNvPr>
@@ -5866,7 +5894,7 @@
     <a:masterClrMapping/>
   </p:clrMapOvr>
   <mc:AlternateContent xmlns:mc="http://schemas.openxmlformats.org/markup-compatibility/2006">
-    <mc:Choice xmlns:p159="http://schemas.microsoft.com/office/powerpoint/2015/09/main" xmlns="" Requires="p159">
+    <mc:Choice xmlns="" xmlns:p159="http://schemas.microsoft.com/office/powerpoint/2015/09/main" Requires="p159">
       <p:transition>
         <p159:morph option="byObject"/>
       </p:transition>
@@ -5877,6 +5905,13 @@
       </p:transition>
     </mc:Fallback>
   </mc:AlternateContent>
+  <p:timing>
+    <p:tnLst>
+      <p:par>
+        <p:cTn id="1" dur="indefinite" restart="never" nodeType="tmRoot"/>
+      </p:par>
+    </p:tnLst>
+  </p:timing>
 </p:sld>
 </file>
 
@@ -5902,7 +5937,7 @@
           <p:cNvPr id="5" name="Retângulo 4">
             <a:extLst>
               <a:ext uri="{FF2B5EF4-FFF2-40B4-BE49-F238E27FC236}">
-                <a16:creationId xmlns:a16="http://schemas.microsoft.com/office/drawing/2014/main" xmlns="" id="{9CA9E269-B88E-4E69-A45F-592363FE202A}"/>
+                <a16:creationId xmlns="" xmlns:a16="http://schemas.microsoft.com/office/drawing/2014/main" id="{9CA9E269-B88E-4E69-A45F-592363FE202A}"/>
               </a:ext>
             </a:extLst>
           </p:cNvPr>
@@ -5911,8 +5946,8 @@
         </p:nvSpPr>
         <p:spPr>
           <a:xfrm>
-            <a:off x="-76200" y="3724275"/>
-            <a:ext cx="12411075" cy="1390650"/>
+            <a:off x="97313" y="3724275"/>
+            <a:ext cx="11983070" cy="1169697"/>
           </a:xfrm>
           <a:prstGeom prst="rect">
             <a:avLst/>
@@ -5954,7 +5989,7 @@
           <p:cNvPr id="2" name="Título 1">
             <a:extLst>
               <a:ext uri="{FF2B5EF4-FFF2-40B4-BE49-F238E27FC236}">
-                <a16:creationId xmlns:a16="http://schemas.microsoft.com/office/drawing/2014/main" xmlns="" id="{16396183-FAAC-47B4-8532-D9A09D334419}"/>
+                <a16:creationId xmlns="" xmlns:a16="http://schemas.microsoft.com/office/drawing/2014/main" id="{16396183-FAAC-47B4-8532-D9A09D334419}"/>
               </a:ext>
             </a:extLst>
           </p:cNvPr>
@@ -5982,7 +6017,7 @@
           <p:cNvPr id="3" name="Espaço Reservado para Conteúdo 2">
             <a:extLst>
               <a:ext uri="{FF2B5EF4-FFF2-40B4-BE49-F238E27FC236}">
-                <a16:creationId xmlns:a16="http://schemas.microsoft.com/office/drawing/2014/main" xmlns="" id="{6FF8AAE8-8CC1-4389-9FC2-9415BD925ABF}"/>
+                <a16:creationId xmlns="" xmlns:a16="http://schemas.microsoft.com/office/drawing/2014/main" id="{6FF8AAE8-8CC1-4389-9FC2-9415BD925ABF}"/>
               </a:ext>
             </a:extLst>
           </p:cNvPr>
@@ -6037,7 +6072,7 @@
           <p:cNvPr id="4" name="Retângulo 3">
             <a:extLst>
               <a:ext uri="{FF2B5EF4-FFF2-40B4-BE49-F238E27FC236}">
-                <a16:creationId xmlns:a16="http://schemas.microsoft.com/office/drawing/2014/main" xmlns="" id="{6B20AC76-B05C-4C08-9614-FBFE8B8C55DD}"/>
+                <a16:creationId xmlns="" xmlns:a16="http://schemas.microsoft.com/office/drawing/2014/main" id="{6B20AC76-B05C-4C08-9614-FBFE8B8C55DD}"/>
               </a:ext>
             </a:extLst>
           </p:cNvPr>
@@ -6084,14 +6119,14 @@
           </a:p>
         </p:txBody>
       </p:sp>
-      <mc:AlternateContent xmlns:mc="http://schemas.openxmlformats.org/markup-compatibility/2006" xmlns:a14="http://schemas.microsoft.com/office/drawing/2010/main">
-        <mc:Choice Requires="a14">
+      <mc:AlternateContent xmlns:mc="http://schemas.openxmlformats.org/markup-compatibility/2006">
+        <mc:Choice xmlns:a14="http://schemas.microsoft.com/office/drawing/2010/main" Requires="a14">
           <p:sp>
             <p:nvSpPr>
               <p:cNvPr id="14" name="CaixaDeTexto 13">
                 <a:extLst>
                   <a:ext uri="{FF2B5EF4-FFF2-40B4-BE49-F238E27FC236}">
-                    <a16:creationId xmlns:a16="http://schemas.microsoft.com/office/drawing/2014/main" xmlns="" id="{797A3F77-914D-4A67-9AC7-B9CEA3474878}"/>
+                    <a16:creationId xmlns="" xmlns:a16="http://schemas.microsoft.com/office/drawing/2014/main" id="{797A3F77-914D-4A67-9AC7-B9CEA3474878}"/>
                   </a:ext>
                 </a:extLst>
               </p:cNvPr>
@@ -6100,8 +6135,8 @@
             </p:nvSpPr>
             <p:spPr>
               <a:xfrm>
-                <a:off x="419285" y="4001294"/>
-                <a:ext cx="11353429" cy="871649"/>
+                <a:off x="332721" y="3900162"/>
+                <a:ext cx="11512254" cy="828112"/>
               </a:xfrm>
               <a:prstGeom prst="rect">
                 <a:avLst/>
@@ -6122,7 +6157,7 @@
                     </m:oMathParaPr>
                     <m:oMath xmlns:m="http://schemas.openxmlformats.org/officeDocument/2006/math">
                       <m:r>
-                        <a:rPr lang="pt-BR" sz="2000" i="1" smtClean="0">
+                        <a:rPr lang="pt-BR" sz="1900" i="1" smtClean="0">
                           <a:latin typeface="Cambria Math" panose="02040503050406030204" pitchFamily="18" charset="0"/>
                         </a:rPr>
                         <m:t>𝑓</m:t>
@@ -6130,14 +6165,14 @@
                       <m:d>
                         <m:dPr>
                           <m:ctrlPr>
-                            <a:rPr lang="pt-BR" sz="2000" i="1" smtClean="0">
+                            <a:rPr lang="pt-BR" sz="1900" i="1" smtClean="0">
                               <a:latin typeface="Cambria Math" panose="02040503050406030204" pitchFamily="18" charset="0"/>
                             </a:rPr>
                           </m:ctrlPr>
                         </m:dPr>
                         <m:e>
                           <m:r>
-                            <a:rPr lang="pt-BR" sz="2000" i="1" smtClean="0">
+                            <a:rPr lang="pt-BR" sz="1900" i="1" smtClean="0">
                               <a:latin typeface="Cambria Math" panose="02040503050406030204" pitchFamily="18" charset="0"/>
                             </a:rPr>
                             <m:t>𝑥</m:t>
@@ -6145,7 +6180,7 @@
                         </m:e>
                       </m:d>
                       <m:r>
-                        <a:rPr lang="pt-BR" sz="2000" i="1" smtClean="0">
+                        <a:rPr lang="pt-BR" sz="1900" i="1" smtClean="0">
                           <a:latin typeface="Cambria Math" panose="02040503050406030204" pitchFamily="18" charset="0"/>
                         </a:rPr>
                         <m:t>=</m:t>
@@ -6154,20 +6189,20 @@
                         <m:naryPr>
                           <m:chr m:val="∑"/>
                           <m:ctrlPr>
-                            <a:rPr lang="pt-BR" sz="2000" i="1" smtClean="0">
+                            <a:rPr lang="pt-BR" sz="1900" i="1" smtClean="0">
                               <a:latin typeface="Cambria Math" panose="02040503050406030204" pitchFamily="18" charset="0"/>
                             </a:rPr>
                           </m:ctrlPr>
                         </m:naryPr>
                         <m:sub>
                           <m:r>
-                            <a:rPr lang="pt-BR" sz="2000" i="1" smtClean="0">
+                            <a:rPr lang="pt-BR" sz="1900" i="1" smtClean="0">
                               <a:latin typeface="Cambria Math" panose="02040503050406030204" pitchFamily="18" charset="0"/>
                             </a:rPr>
                             <m:t>𝑛</m:t>
                           </m:r>
                           <m:r>
-                            <a:rPr lang="pt-BR" sz="2000" i="1" smtClean="0">
+                            <a:rPr lang="pt-BR" sz="1900" i="1" smtClean="0">
                               <a:latin typeface="Cambria Math" panose="02040503050406030204" pitchFamily="18" charset="0"/>
                             </a:rPr>
                             <m:t>=1</m:t>
@@ -6175,31 +6210,31 @@
                         </m:sub>
                         <m:sup>
                           <m:r>
-                            <a:rPr lang="pt-BR" sz="2000" b="0" i="1" smtClean="0">
+                            <a:rPr lang="pt-BR" sz="1900" b="0" i="1" smtClean="0">
                               <a:latin typeface="Cambria Math" panose="02040503050406030204" pitchFamily="18" charset="0"/>
                             </a:rPr>
                             <m:t>𝑛𝑢𝑚𝑒𝑟𝑜</m:t>
                           </m:r>
                           <m:r>
-                            <a:rPr lang="pt-BR" sz="2000" b="0" i="1" smtClean="0">
+                            <a:rPr lang="pt-BR" sz="1900" b="0" i="1" smtClean="0">
                               <a:latin typeface="Cambria Math" panose="02040503050406030204" pitchFamily="18" charset="0"/>
                             </a:rPr>
                             <m:t> </m:t>
                           </m:r>
                           <m:r>
-                            <a:rPr lang="pt-BR" sz="2000" b="0" i="1" smtClean="0">
+                            <a:rPr lang="pt-BR" sz="1900" b="0" i="1" smtClean="0">
                               <a:latin typeface="Cambria Math" panose="02040503050406030204" pitchFamily="18" charset="0"/>
                             </a:rPr>
                             <m:t>𝑑𝑒</m:t>
                           </m:r>
                           <m:r>
-                            <a:rPr lang="pt-BR" sz="2000" b="0" i="1" smtClean="0">
+                            <a:rPr lang="pt-BR" sz="1900" b="0" i="1" smtClean="0">
                               <a:latin typeface="Cambria Math" panose="02040503050406030204" pitchFamily="18" charset="0"/>
                             </a:rPr>
                             <m:t> </m:t>
                           </m:r>
                           <m:r>
-                            <a:rPr lang="pt-BR" sz="2000" b="0" i="1" smtClean="0">
+                            <a:rPr lang="pt-BR" sz="1900" b="0" i="1" smtClean="0">
                               <a:latin typeface="Cambria Math" panose="02040503050406030204" pitchFamily="18" charset="0"/>
                             </a:rPr>
                             <m:t>𝑛𝑜𝑡𝑎𝑠</m:t>
@@ -6209,7 +6244,7 @@
                           <m:f>
                             <m:fPr>
                               <m:ctrlPr>
-                                <a:rPr lang="pt-BR" sz="2000" b="0" i="1" smtClean="0">
+                                <a:rPr lang="pt-BR" sz="1900" b="0" i="1" smtClean="0">
                                   <a:latin typeface="Cambria Math" panose="02040503050406030204" pitchFamily="18" charset="0"/>
                                 </a:rPr>
                               </m:ctrlPr>
@@ -6220,44 +6255,44 @@
                                   <m:begChr m:val="|"/>
                                   <m:endChr m:val="|"/>
                                   <m:ctrlPr>
-                                    <a:rPr lang="pt-BR" sz="2000" b="0" i="1" smtClean="0">
+                                    <a:rPr lang="pt-BR" sz="1900" b="0" i="1" smtClean="0">
                                       <a:latin typeface="Cambria Math" panose="02040503050406030204" pitchFamily="18" charset="0"/>
                                     </a:rPr>
                                   </m:ctrlPr>
                                 </m:dPr>
                                 <m:e>
                                   <m:r>
-                                    <a:rPr lang="pt-BR" sz="2000" i="1" smtClean="0">
+                                    <a:rPr lang="pt-BR" sz="1900" i="1" smtClean="0">
                                       <a:latin typeface="Cambria Math" panose="02040503050406030204" pitchFamily="18" charset="0"/>
                                     </a:rPr>
                                     <m:t>𝑛</m:t>
                                   </m:r>
                                   <m:r>
-                                    <a:rPr lang="pt-BR" sz="2000" b="0" i="1" smtClean="0">
+                                    <a:rPr lang="pt-BR" sz="1900" b="0" i="1" smtClean="0">
                                       <a:latin typeface="Cambria Math" panose="02040503050406030204" pitchFamily="18" charset="0"/>
                                     </a:rPr>
                                     <m:t>𝑜𝑡𝑎𝐿𝑜𝑐𝑎𝑙</m:t>
                                   </m:r>
                                   <m:r>
-                                    <a:rPr lang="pt-BR" sz="2000" b="0" i="1" baseline="-25000" smtClean="0">
+                                    <a:rPr lang="pt-BR" sz="1900" b="0" i="1" baseline="-25000" smtClean="0">
                                       <a:latin typeface="Cambria Math" panose="02040503050406030204" pitchFamily="18" charset="0"/>
                                     </a:rPr>
                                     <m:t>𝑛</m:t>
                                   </m:r>
                                   <m:r>
-                                    <a:rPr lang="pt-BR" sz="2000" i="1">
+                                    <a:rPr lang="pt-BR" sz="1900" i="1">
                                       <a:latin typeface="Cambria Math" panose="02040503050406030204" pitchFamily="18" charset="0"/>
                                     </a:rPr>
                                     <m:t>− </m:t>
                                   </m:r>
                                   <m:r>
-                                    <a:rPr lang="pt-BR" sz="2000" b="0" i="1" smtClean="0">
+                                    <a:rPr lang="pt-BR" sz="1900" b="0" i="1" smtClean="0">
                                       <a:latin typeface="Cambria Math" panose="02040503050406030204" pitchFamily="18" charset="0"/>
                                     </a:rPr>
                                     <m:t>𝑛𝑜𝑡𝑎𝐺𝑙𝑜𝑏𝑎𝑙</m:t>
                                   </m:r>
                                   <m:r>
-                                    <a:rPr lang="pt-BR" sz="2000" b="0" i="1" baseline="-25000" smtClean="0">
+                                    <a:rPr lang="pt-BR" sz="1900" b="0" i="1" baseline="-25000" smtClean="0">
                                       <a:latin typeface="Cambria Math" panose="02040503050406030204" pitchFamily="18" charset="0"/>
                                     </a:rPr>
                                     <m:t>𝑛</m:t>
@@ -6267,19 +6302,19 @@
                             </m:num>
                             <m:den>
                               <m:r>
-                                <a:rPr lang="pt-BR" sz="2000" i="1">
+                                <a:rPr lang="pt-BR" sz="1900" i="1">
                                   <a:latin typeface="Cambria Math" panose="02040503050406030204" pitchFamily="18" charset="0"/>
                                 </a:rPr>
                                 <m:t>𝐵</m:t>
                               </m:r>
                               <m:r>
-                                <a:rPr lang="pt-BR" sz="2000" b="0" i="1" smtClean="0">
+                                <a:rPr lang="pt-BR" sz="1900" b="0" i="1" smtClean="0">
                                   <a:latin typeface="Cambria Math" panose="02040503050406030204" pitchFamily="18" charset="0"/>
                                 </a:rPr>
                                 <m:t>−</m:t>
                               </m:r>
                               <m:r>
-                                <a:rPr lang="pt-BR" sz="2000" b="0" i="1" smtClean="0">
+                                <a:rPr lang="pt-BR" sz="1900" b="0" i="1" smtClean="0">
                                   <a:latin typeface="Cambria Math" panose="02040503050406030204" pitchFamily="18" charset="0"/>
                                 </a:rPr>
                                 <m:t>𝐶</m:t>
@@ -6287,19 +6322,19 @@
                             </m:den>
                           </m:f>
                           <m:r>
-                            <a:rPr lang="pt-BR" sz="2000" i="1">
+                            <a:rPr lang="pt-BR" sz="1900" i="1">
                               <a:latin typeface="Cambria Math" panose="02040503050406030204" pitchFamily="18" charset="0"/>
                             </a:rPr>
                             <m:t> ∗ </m:t>
                           </m:r>
                           <m:r>
-                            <a:rPr lang="pt-BR" sz="2000" i="1">
+                            <a:rPr lang="pt-BR" sz="1900" i="1">
                               <a:latin typeface="Cambria Math" panose="02040503050406030204" pitchFamily="18" charset="0"/>
                             </a:rPr>
                             <m:t>𝑝𝑒𝑠𝑜𝑓</m:t>
                           </m:r>
                           <m:r>
-                            <a:rPr lang="pt-BR" sz="2000" i="1">
+                            <a:rPr lang="pt-BR" sz="1900" i="1">
                               <a:latin typeface="Cambria Math" panose="02040503050406030204" pitchFamily="18" charset="0"/>
                             </a:rPr>
                             <m:t> +</m:t>
@@ -6307,7 +6342,7 @@
                           <m:f>
                             <m:fPr>
                               <m:ctrlPr>
-                                <a:rPr lang="pt-BR" sz="2000" b="0" i="1" smtClean="0">
+                                <a:rPr lang="pt-BR" sz="1900" b="0" i="1" smtClean="0">
                                   <a:latin typeface="Cambria Math" panose="02040503050406030204" pitchFamily="18" charset="0"/>
                                 </a:rPr>
                               </m:ctrlPr>
@@ -6318,72 +6353,72 @@
                                   <m:begChr m:val="|"/>
                                   <m:endChr m:val="|"/>
                                   <m:ctrlPr>
-                                    <a:rPr lang="pt-BR" sz="2000" b="0" i="1" smtClean="0">
+                                    <a:rPr lang="pt-BR" sz="1900" b="0" i="1" smtClean="0">
                                       <a:latin typeface="Cambria Math" panose="02040503050406030204" pitchFamily="18" charset="0"/>
                                     </a:rPr>
                                   </m:ctrlPr>
                                 </m:dPr>
                                 <m:e>
                                   <m:r>
-                                    <a:rPr lang="pt-BR" sz="2000" i="1">
+                                    <a:rPr lang="pt-BR" sz="1900" i="1">
                                       <a:latin typeface="Cambria Math" panose="02040503050406030204" pitchFamily="18" charset="0"/>
                                     </a:rPr>
                                     <m:t>𝑑</m:t>
                                   </m:r>
                                   <m:r>
-                                    <a:rPr lang="pt-BR" sz="2000" b="0" i="1" smtClean="0">
+                                    <a:rPr lang="pt-BR" sz="1900" b="0" i="1" smtClean="0">
                                       <a:latin typeface="Cambria Math" panose="02040503050406030204" pitchFamily="18" charset="0"/>
                                     </a:rPr>
                                     <m:t>𝑢𝑟𝑎𝑐𝑎𝑜𝐿𝑜𝑐𝑎𝑙</m:t>
                                   </m:r>
                                   <m:r>
-                                    <a:rPr lang="pt-BR" sz="2000" b="0" i="1" baseline="-25000" smtClean="0">
+                                    <a:rPr lang="pt-BR" sz="1900" b="0" i="1" baseline="-25000" smtClean="0">
                                       <a:latin typeface="Cambria Math" panose="02040503050406030204" pitchFamily="18" charset="0"/>
                                     </a:rPr>
                                     <m:t>𝑛</m:t>
                                   </m:r>
                                   <m:r>
-                                    <a:rPr lang="pt-BR" sz="2000" i="1">
+                                    <a:rPr lang="pt-BR" sz="1900" i="1">
                                       <a:latin typeface="Cambria Math" panose="02040503050406030204" pitchFamily="18" charset="0"/>
                                     </a:rPr>
                                     <m:t>− </m:t>
                                   </m:r>
                                   <m:r>
-                                    <a:rPr lang="pt-BR" sz="2000" i="1">
+                                    <a:rPr lang="pt-BR" sz="1900" i="1">
                                       <a:latin typeface="Cambria Math" panose="02040503050406030204" pitchFamily="18" charset="0"/>
                                     </a:rPr>
-                                    <m:t>𝑑𝑢𝑟𝑎𝑐𝑎𝑜𝐺</m:t>
+                                    <m:t>𝑑𝑢𝑟𝑎𝑐𝑎𝑜𝐺𝑙𝑜</m:t>
                                   </m:r>
                                   <m:r>
-                                    <a:rPr lang="pt-BR" sz="2000" b="0" i="1" smtClean="0">
+                                    <a:rPr lang="pt-BR" sz="1900" b="0" i="1" smtClean="0">
                                       <a:latin typeface="Cambria Math" panose="02040503050406030204" pitchFamily="18" charset="0"/>
                                     </a:rPr>
-                                    <m:t>𝑙𝑜𝑏𝑎𝑙𝑛</m:t>
+                                    <m:t>𝑏𝑎𝑙𝑛</m:t>
                                   </m:r>
                                 </m:e>
                               </m:d>
                             </m:num>
                             <m:den>
                               <m:r>
-                                <a:rPr lang="pt-BR" sz="2000" b="0" i="1" smtClean="0">
+                                <a:rPr lang="pt-BR" sz="1900" b="0" i="1" smtClean="0">
                                   <a:latin typeface="Cambria Math" panose="02040503050406030204" pitchFamily="18" charset="0"/>
                                 </a:rPr>
                                 <m:t>𝑑𝑢𝑟𝑎𝑐𝑎𝑜𝑀𝑎𝑥</m:t>
                               </m:r>
                               <m:r>
-                                <a:rPr lang="pt-BR" sz="2000" b="0" i="1" baseline="-25000" smtClean="0">
+                                <a:rPr lang="pt-BR" sz="1900" b="0" i="1" baseline="-25000" smtClean="0">
                                   <a:latin typeface="Cambria Math" panose="02040503050406030204" pitchFamily="18" charset="0"/>
                                 </a:rPr>
                                 <m:t> </m:t>
                               </m:r>
                               <m:r>
-                                <a:rPr lang="pt-BR" sz="2000" b="0" i="1" smtClean="0">
+                                <a:rPr lang="pt-BR" sz="1900" b="0" i="1" smtClean="0">
                                   <a:latin typeface="Cambria Math" panose="02040503050406030204" pitchFamily="18" charset="0"/>
                                 </a:rPr>
                                 <m:t>−</m:t>
                               </m:r>
                               <m:r>
-                                <a:rPr lang="pt-BR" sz="2000" b="0" i="1" smtClean="0">
+                                <a:rPr lang="pt-BR" sz="1900" b="0" i="1" smtClean="0">
                                   <a:latin typeface="Cambria Math" panose="02040503050406030204" pitchFamily="18" charset="0"/>
                                 </a:rPr>
                                 <m:t>𝑑𝑢𝑟𝑎𝑐𝑎𝑜𝑀𝑖𝑛</m:t>
@@ -6391,13 +6426,13 @@
                             </m:den>
                           </m:f>
                           <m:r>
-                            <a:rPr lang="pt-BR" sz="2000" i="1">
+                            <a:rPr lang="pt-BR" sz="1900" i="1">
                               <a:latin typeface="Cambria Math" panose="02040503050406030204" pitchFamily="18" charset="0"/>
                             </a:rPr>
                             <m:t> ∗ </m:t>
                           </m:r>
                           <m:r>
-                            <a:rPr lang="pt-BR" sz="2000" i="1">
+                            <a:rPr lang="pt-BR" sz="1900" i="1">
                               <a:latin typeface="Cambria Math" panose="02040503050406030204" pitchFamily="18" charset="0"/>
                             </a:rPr>
                             <m:t>𝑝𝑒𝑠𝑜𝑑</m:t>
@@ -6407,18 +6442,18 @@
                     </m:oMath>
                   </m:oMathPara>
                 </a14:m>
-                <a:endParaRPr lang="pt-BR" sz="2000" dirty="0"/>
+                <a:endParaRPr lang="pt-BR" sz="1900" dirty="0"/>
               </a:p>
             </p:txBody>
           </p:sp>
         </mc:Choice>
-        <mc:Fallback xmlns="">
+        <mc:Fallback>
           <p:sp>
             <p:nvSpPr>
               <p:cNvPr id="14" name="CaixaDeTexto 13">
                 <a:extLst>
                   <a:ext uri="{FF2B5EF4-FFF2-40B4-BE49-F238E27FC236}">
-                    <a16:creationId xmlns:a16="http://schemas.microsoft.com/office/drawing/2014/main" id="{797A3F77-914D-4A67-9AC7-B9CEA3474878}"/>
+                    <a16:creationId xmlns="" xmlns:a16="http://schemas.microsoft.com/office/drawing/2014/main" xmlns:a14="http://schemas.microsoft.com/office/drawing/2010/main" id="{797A3F77-914D-4A67-9AC7-B9CEA3474878}"/>
                   </a:ext>
                 </a:extLst>
               </p:cNvPr>
@@ -6429,13 +6464,13 @@
             </p:nvSpPr>
             <p:spPr>
               <a:xfrm>
-                <a:off x="419285" y="4001294"/>
-                <a:ext cx="11353429" cy="871649"/>
+                <a:off x="332721" y="3900162"/>
+                <a:ext cx="11512254" cy="828112"/>
               </a:xfrm>
               <a:prstGeom prst="rect">
                 <a:avLst/>
               </a:prstGeom>
-              <a:blipFill>
+              <a:blipFill rotWithShape="0">
                 <a:blip r:embed="rId2"/>
                 <a:stretch>
                   <a:fillRect/>
@@ -6447,7 +6482,7 @@
               <a:lstStyle/>
               <a:p>
                 <a:r>
-                  <a:rPr lang="pt-BR">
+                  <a:rPr lang="en-US">
                     <a:noFill/>
                   </a:rPr>
                   <a:t> </a:t>
@@ -6462,7 +6497,7 @@
           <p:cNvPr id="6" name="Espaço Reservado para Número de Slide 5">
             <a:extLst>
               <a:ext uri="{FF2B5EF4-FFF2-40B4-BE49-F238E27FC236}">
-                <a16:creationId xmlns:a16="http://schemas.microsoft.com/office/drawing/2014/main" xmlns="" id="{2817AF29-351E-4AD2-BE0D-A32E79286934}"/>
+                <a16:creationId xmlns="" xmlns:a16="http://schemas.microsoft.com/office/drawing/2014/main" id="{2817AF29-351E-4AD2-BE0D-A32E79286934}"/>
               </a:ext>
             </a:extLst>
           </p:cNvPr>
@@ -6497,7 +6532,7 @@
     <a:masterClrMapping/>
   </p:clrMapOvr>
   <mc:AlternateContent xmlns:mc="http://schemas.openxmlformats.org/markup-compatibility/2006">
-    <mc:Choice xmlns:p159="http://schemas.microsoft.com/office/powerpoint/2015/09/main" xmlns="" Requires="p159">
+    <mc:Choice xmlns="" xmlns:p159="http://schemas.microsoft.com/office/powerpoint/2015/09/main" Requires="p159">
       <p:transition>
         <p159:morph option="byObject"/>
       </p:transition>
@@ -6508,6 +6543,13 @@
       </p:transition>
     </mc:Fallback>
   </mc:AlternateContent>
+  <p:timing>
+    <p:tnLst>
+      <p:par>
+        <p:cTn id="1" dur="indefinite" restart="never" nodeType="tmRoot"/>
+      </p:par>
+    </p:tnLst>
+  </p:timing>
 </p:sld>
 </file>
 
@@ -6533,7 +6575,7 @@
           <p:cNvPr id="7" name="Retângulo 6">
             <a:extLst>
               <a:ext uri="{FF2B5EF4-FFF2-40B4-BE49-F238E27FC236}">
-                <a16:creationId xmlns:a16="http://schemas.microsoft.com/office/drawing/2014/main" xmlns="" id="{EAE54499-9E36-40BB-83E2-F1DC420531E8}"/>
+                <a16:creationId xmlns="" xmlns:a16="http://schemas.microsoft.com/office/drawing/2014/main" id="{EAE54499-9E36-40BB-83E2-F1DC420531E8}"/>
               </a:ext>
             </a:extLst>
           </p:cNvPr>
@@ -6585,7 +6627,7 @@
           <p:cNvPr id="2" name="Título 1">
             <a:extLst>
               <a:ext uri="{FF2B5EF4-FFF2-40B4-BE49-F238E27FC236}">
-                <a16:creationId xmlns:a16="http://schemas.microsoft.com/office/drawing/2014/main" xmlns="" id="{16396183-FAAC-47B4-8532-D9A09D334419}"/>
+                <a16:creationId xmlns="" xmlns:a16="http://schemas.microsoft.com/office/drawing/2014/main" id="{16396183-FAAC-47B4-8532-D9A09D334419}"/>
               </a:ext>
             </a:extLst>
           </p:cNvPr>
@@ -6613,7 +6655,7 @@
           <p:cNvPr id="3" name="Espaço Reservado para Conteúdo 2">
             <a:extLst>
               <a:ext uri="{FF2B5EF4-FFF2-40B4-BE49-F238E27FC236}">
-                <a16:creationId xmlns:a16="http://schemas.microsoft.com/office/drawing/2014/main" xmlns="" id="{6FF8AAE8-8CC1-4389-9FC2-9415BD925ABF}"/>
+                <a16:creationId xmlns="" xmlns:a16="http://schemas.microsoft.com/office/drawing/2014/main" id="{6FF8AAE8-8CC1-4389-9FC2-9415BD925ABF}"/>
               </a:ext>
             </a:extLst>
           </p:cNvPr>
@@ -6711,7 +6753,7 @@
           <p:cNvPr id="4" name="Retângulo 3">
             <a:extLst>
               <a:ext uri="{FF2B5EF4-FFF2-40B4-BE49-F238E27FC236}">
-                <a16:creationId xmlns:a16="http://schemas.microsoft.com/office/drawing/2014/main" xmlns="" id="{6B20AC76-B05C-4C08-9614-FBFE8B8C55DD}"/>
+                <a16:creationId xmlns="" xmlns:a16="http://schemas.microsoft.com/office/drawing/2014/main" id="{6B20AC76-B05C-4C08-9614-FBFE8B8C55DD}"/>
               </a:ext>
             </a:extLst>
           </p:cNvPr>
@@ -6763,7 +6805,7 @@
           <p:cNvPr id="6" name="Gráfico 5">
             <a:extLst>
               <a:ext uri="{FF2B5EF4-FFF2-40B4-BE49-F238E27FC236}">
-                <a16:creationId xmlns:a16="http://schemas.microsoft.com/office/drawing/2014/main" xmlns="" id="{B90FED88-EEE1-4A8D-BC61-32361B728619}"/>
+                <a16:creationId xmlns="" xmlns:a16="http://schemas.microsoft.com/office/drawing/2014/main" id="{B90FED88-EEE1-4A8D-BC61-32361B728619}"/>
               </a:ext>
             </a:extLst>
           </p:cNvPr>
@@ -6779,7 +6821,7 @@
                 <a14:useLocalDpi xmlns:a14="http://schemas.microsoft.com/office/drawing/2010/main" val="0"/>
               </a:ext>
               <a:ext uri="{96DAC541-7B7A-43D3-8B79-37D633B846F1}">
-                <asvg:svgBlip xmlns:asvg="http://schemas.microsoft.com/office/drawing/2016/SVG/main" xmlns="" r:embed="rId3"/>
+                <asvg:svgBlip xmlns="" xmlns:asvg="http://schemas.microsoft.com/office/drawing/2016/SVG/main" r:embed="rId3"/>
               </a:ext>
             </a:extLst>
           </a:blip>
@@ -6804,7 +6846,7 @@
               <p:cNvPr id="9" name="CaixaDeTexto 8">
                 <a:extLst>
                   <a:ext uri="{FF2B5EF4-FFF2-40B4-BE49-F238E27FC236}">
-                    <a16:creationId xmlns:a16="http://schemas.microsoft.com/office/drawing/2014/main" xmlns="" id="{7D04E31E-FB45-40E2-9DA2-3C2FE66B3783}"/>
+                    <a16:creationId xmlns="" xmlns:a16="http://schemas.microsoft.com/office/drawing/2014/main" id="{7D04E31E-FB45-40E2-9DA2-3C2FE66B3783}"/>
                   </a:ext>
                 </a:extLst>
               </p:cNvPr>
@@ -7083,7 +7125,7 @@
           <p:cNvPr id="8" name="Espaço Reservado para Número de Slide 7">
             <a:extLst>
               <a:ext uri="{FF2B5EF4-FFF2-40B4-BE49-F238E27FC236}">
-                <a16:creationId xmlns:a16="http://schemas.microsoft.com/office/drawing/2014/main" xmlns="" id="{3AD4646E-5A46-429A-839B-6473BBBA89A2}"/>
+                <a16:creationId xmlns="" xmlns:a16="http://schemas.microsoft.com/office/drawing/2014/main" id="{3AD4646E-5A46-429A-839B-6473BBBA89A2}"/>
               </a:ext>
             </a:extLst>
           </p:cNvPr>
@@ -7118,7 +7160,7 @@
     <a:masterClrMapping/>
   </p:clrMapOvr>
   <mc:AlternateContent xmlns:mc="http://schemas.openxmlformats.org/markup-compatibility/2006">
-    <mc:Choice xmlns:p159="http://schemas.microsoft.com/office/powerpoint/2015/09/main" xmlns="" Requires="p159">
+    <mc:Choice xmlns="" xmlns:p159="http://schemas.microsoft.com/office/powerpoint/2015/09/main" Requires="p159">
       <p:transition>
         <p159:morph option="byObject"/>
       </p:transition>
@@ -7129,6 +7171,13 @@
       </p:transition>
     </mc:Fallback>
   </mc:AlternateContent>
+  <p:timing>
+    <p:tnLst>
+      <p:par>
+        <p:cTn id="1" dur="indefinite" restart="never" nodeType="tmRoot"/>
+      </p:par>
+    </p:tnLst>
+  </p:timing>
 </p:sld>
 </file>
 
@@ -7154,7 +7203,7 @@
           <p:cNvPr id="2" name="Título 1">
             <a:extLst>
               <a:ext uri="{FF2B5EF4-FFF2-40B4-BE49-F238E27FC236}">
-                <a16:creationId xmlns:a16="http://schemas.microsoft.com/office/drawing/2014/main" xmlns="" id="{16396183-FAAC-47B4-8532-D9A09D334419}"/>
+                <a16:creationId xmlns="" xmlns:a16="http://schemas.microsoft.com/office/drawing/2014/main" id="{16396183-FAAC-47B4-8532-D9A09D334419}"/>
               </a:ext>
             </a:extLst>
           </p:cNvPr>
@@ -7182,7 +7231,7 @@
           <p:cNvPr id="3" name="Espaço Reservado para Conteúdo 2">
             <a:extLst>
               <a:ext uri="{FF2B5EF4-FFF2-40B4-BE49-F238E27FC236}">
-                <a16:creationId xmlns:a16="http://schemas.microsoft.com/office/drawing/2014/main" xmlns="" id="{6FF8AAE8-8CC1-4389-9FC2-9415BD925ABF}"/>
+                <a16:creationId xmlns="" xmlns:a16="http://schemas.microsoft.com/office/drawing/2014/main" id="{6FF8AAE8-8CC1-4389-9FC2-9415BD925ABF}"/>
               </a:ext>
             </a:extLst>
           </p:cNvPr>
@@ -7324,7 +7373,7 @@
           <p:cNvPr id="4" name="Retângulo 3">
             <a:extLst>
               <a:ext uri="{FF2B5EF4-FFF2-40B4-BE49-F238E27FC236}">
-                <a16:creationId xmlns:a16="http://schemas.microsoft.com/office/drawing/2014/main" xmlns="" id="{6B20AC76-B05C-4C08-9614-FBFE8B8C55DD}"/>
+                <a16:creationId xmlns="" xmlns:a16="http://schemas.microsoft.com/office/drawing/2014/main" id="{6B20AC76-B05C-4C08-9614-FBFE8B8C55DD}"/>
               </a:ext>
             </a:extLst>
           </p:cNvPr>
@@ -7376,7 +7425,7 @@
           <p:cNvPr id="5" name="Espaço Reservado para Número de Slide 4">
             <a:extLst>
               <a:ext uri="{FF2B5EF4-FFF2-40B4-BE49-F238E27FC236}">
-                <a16:creationId xmlns:a16="http://schemas.microsoft.com/office/drawing/2014/main" xmlns="" id="{309AD7F4-7A81-4D98-861C-0938725EDF22}"/>
+                <a16:creationId xmlns="" xmlns:a16="http://schemas.microsoft.com/office/drawing/2014/main" id="{309AD7F4-7A81-4D98-861C-0938725EDF22}"/>
               </a:ext>
             </a:extLst>
           </p:cNvPr>
@@ -7411,7 +7460,7 @@
     <a:masterClrMapping/>
   </p:clrMapOvr>
   <mc:AlternateContent xmlns:mc="http://schemas.openxmlformats.org/markup-compatibility/2006">
-    <mc:Choice xmlns:p159="http://schemas.microsoft.com/office/powerpoint/2015/09/main" xmlns="" Requires="p159">
+    <mc:Choice xmlns="" xmlns:p159="http://schemas.microsoft.com/office/powerpoint/2015/09/main" Requires="p159">
       <p:transition>
         <p159:morph option="byObject"/>
       </p:transition>
@@ -7422,6 +7471,13 @@
       </p:transition>
     </mc:Fallback>
   </mc:AlternateContent>
+  <p:timing>
+    <p:tnLst>
+      <p:par>
+        <p:cTn id="1" dur="indefinite" restart="never" nodeType="tmRoot"/>
+      </p:par>
+    </p:tnLst>
+  </p:timing>
 </p:sld>
 </file>
 
@@ -7447,7 +7503,7 @@
           <p:cNvPr id="2" name="Título 1">
             <a:extLst>
               <a:ext uri="{FF2B5EF4-FFF2-40B4-BE49-F238E27FC236}">
-                <a16:creationId xmlns:a16="http://schemas.microsoft.com/office/drawing/2014/main" xmlns="" id="{16396183-FAAC-47B4-8532-D9A09D334419}"/>
+                <a16:creationId xmlns="" xmlns:a16="http://schemas.microsoft.com/office/drawing/2014/main" id="{16396183-FAAC-47B4-8532-D9A09D334419}"/>
               </a:ext>
             </a:extLst>
           </p:cNvPr>
@@ -7475,7 +7531,7 @@
           <p:cNvPr id="3" name="Espaço Reservado para Conteúdo 2">
             <a:extLst>
               <a:ext uri="{FF2B5EF4-FFF2-40B4-BE49-F238E27FC236}">
-                <a16:creationId xmlns:a16="http://schemas.microsoft.com/office/drawing/2014/main" xmlns="" id="{6FF8AAE8-8CC1-4389-9FC2-9415BD925ABF}"/>
+                <a16:creationId xmlns="" xmlns:a16="http://schemas.microsoft.com/office/drawing/2014/main" id="{6FF8AAE8-8CC1-4389-9FC2-9415BD925ABF}"/>
               </a:ext>
             </a:extLst>
           </p:cNvPr>
@@ -7506,7 +7562,7 @@
           <p:cNvPr id="4" name="Retângulo 3">
             <a:extLst>
               <a:ext uri="{FF2B5EF4-FFF2-40B4-BE49-F238E27FC236}">
-                <a16:creationId xmlns:a16="http://schemas.microsoft.com/office/drawing/2014/main" xmlns="" id="{6B20AC76-B05C-4C08-9614-FBFE8B8C55DD}"/>
+                <a16:creationId xmlns="" xmlns:a16="http://schemas.microsoft.com/office/drawing/2014/main" id="{6B20AC76-B05C-4C08-9614-FBFE8B8C55DD}"/>
               </a:ext>
             </a:extLst>
           </p:cNvPr>
@@ -7558,7 +7614,7 @@
           <p:cNvPr id="5" name="Espaço Reservado para Número de Slide 4">
             <a:extLst>
               <a:ext uri="{FF2B5EF4-FFF2-40B4-BE49-F238E27FC236}">
-                <a16:creationId xmlns:a16="http://schemas.microsoft.com/office/drawing/2014/main" xmlns="" id="{309AD7F4-7A81-4D98-861C-0938725EDF22}"/>
+                <a16:creationId xmlns="" xmlns:a16="http://schemas.microsoft.com/office/drawing/2014/main" id="{309AD7F4-7A81-4D98-861C-0938725EDF22}"/>
               </a:ext>
             </a:extLst>
           </p:cNvPr>
@@ -7582,6 +7638,790 @@
           </a:p>
         </p:txBody>
       </p:sp>
+      <p:graphicFrame>
+        <p:nvGraphicFramePr>
+          <p:cNvPr id="6" name="Table 5"/>
+          <p:cNvGraphicFramePr>
+            <a:graphicFrameLocks noGrp="1"/>
+          </p:cNvGraphicFramePr>
+          <p:nvPr>
+            <p:extLst>
+              <p:ext uri="{D42A27DB-BD31-4B8C-83A1-F6EECF244321}">
+                <p14:modId xmlns:p14="http://schemas.microsoft.com/office/powerpoint/2010/main" val="3121042468"/>
+              </p:ext>
+            </p:extLst>
+          </p:nvPr>
+        </p:nvGraphicFramePr>
+        <p:xfrm>
+          <a:off x="1880315" y="2279562"/>
+          <a:ext cx="8912181" cy="3522374"/>
+        </p:xfrm>
+        <a:graphic>
+          <a:graphicData uri="http://schemas.openxmlformats.org/drawingml/2006/table">
+            <a:tbl>
+              <a:tblPr firstRow="1" bandRow="1">
+                <a:tableStyleId>{5C22544A-7EE6-4342-B048-85BDC9FD1C3A}</a:tableStyleId>
+              </a:tblPr>
+              <a:tblGrid>
+                <a:gridCol w="2228045"/>
+                <a:gridCol w="2336309"/>
+                <a:gridCol w="2119782"/>
+                <a:gridCol w="2228045"/>
+              </a:tblGrid>
+              <a:tr h="437882">
+                <a:tc>
+                  <a:txBody>
+                    <a:bodyPr/>
+                    <a:lstStyle/>
+                    <a:p>
+                      <a:pPr algn="ctr"/>
+                      <a:r>
+                        <a:rPr lang="pt-BR" sz="2400" dirty="0" smtClean="0"/>
+                        <a:t>Caso</a:t>
+                      </a:r>
+                      <a:r>
+                        <a:rPr lang="pt-BR" sz="2400" baseline="0" dirty="0" smtClean="0"/>
+                        <a:t> de Teste</a:t>
+                      </a:r>
+                      <a:endParaRPr lang="en-US" sz="2400" dirty="0"/>
+                    </a:p>
+                  </a:txBody>
+                  <a:tcPr/>
+                </a:tc>
+                <a:tc>
+                  <a:txBody>
+                    <a:bodyPr/>
+                    <a:lstStyle/>
+                    <a:p>
+                      <a:pPr algn="ctr"/>
+                      <a:r>
+                        <a:rPr lang="pt-BR" sz="2400" dirty="0" smtClean="0"/>
+                        <a:t>Geração</a:t>
+                      </a:r>
+                      <a:endParaRPr lang="en-US" sz="2400" dirty="0"/>
+                    </a:p>
+                  </a:txBody>
+                  <a:tcPr/>
+                </a:tc>
+                <a:tc>
+                  <a:txBody>
+                    <a:bodyPr/>
+                    <a:lstStyle/>
+                    <a:p>
+                      <a:pPr algn="ctr"/>
+                      <a:r>
+                        <a:rPr lang="pt-BR" sz="2400" dirty="0" smtClean="0"/>
+                        <a:t>Menor </a:t>
+                      </a:r>
+                      <a:r>
+                        <a:rPr lang="pt-BR" sz="2400" baseline="0" dirty="0" smtClean="0"/>
+                        <a:t>Fitness</a:t>
+                      </a:r>
+                      <a:endParaRPr lang="en-US" sz="2400" dirty="0"/>
+                    </a:p>
+                  </a:txBody>
+                  <a:tcPr/>
+                </a:tc>
+                <a:tc>
+                  <a:txBody>
+                    <a:bodyPr/>
+                    <a:lstStyle/>
+                    <a:p>
+                      <a:pPr algn="ctr"/>
+                      <a:r>
+                        <a:rPr lang="pt-BR" sz="2400" dirty="0" smtClean="0"/>
+                        <a:t>Maior</a:t>
+                      </a:r>
+                      <a:r>
+                        <a:rPr lang="pt-BR" sz="2400" baseline="0" dirty="0" smtClean="0"/>
+                        <a:t> </a:t>
+                      </a:r>
+                      <a:r>
+                        <a:rPr lang="pt-BR" sz="2400" dirty="0" smtClean="0"/>
+                        <a:t>Fitness</a:t>
+                      </a:r>
+                      <a:endParaRPr lang="en-US" sz="2400" dirty="0"/>
+                    </a:p>
+                  </a:txBody>
+                  <a:tcPr/>
+                </a:tc>
+              </a:tr>
+              <a:tr h="437882">
+                <a:tc>
+                  <a:txBody>
+                    <a:bodyPr/>
+                    <a:lstStyle/>
+                    <a:p>
+                      <a:pPr algn="ctr" fontAlgn="b"/>
+                      <a:r>
+                        <a:rPr lang="en-US" sz="2400" b="0" i="0" u="none" strike="noStrike" dirty="0">
+                          <a:solidFill>
+                            <a:schemeClr val="tx1"/>
+                          </a:solidFill>
+                          <a:effectLst/>
+                          <a:latin typeface="Calibri" panose="020F0502020204030204" pitchFamily="34" charset="0"/>
+                        </a:rPr>
+                        <a:t>5, 50</a:t>
+                      </a:r>
+                    </a:p>
+                  </a:txBody>
+                  <a:tcPr marL="9525" marR="9525" marT="9525" marB="0" anchor="b"/>
+                </a:tc>
+                <a:tc>
+                  <a:txBody>
+                    <a:bodyPr/>
+                    <a:lstStyle/>
+                    <a:p>
+                      <a:pPr algn="ctr" fontAlgn="b"/>
+                      <a:r>
+                        <a:rPr lang="en-US" sz="2400" b="0" i="0" u="none" strike="noStrike" dirty="0">
+                          <a:solidFill>
+                            <a:schemeClr val="tx1"/>
+                          </a:solidFill>
+                          <a:effectLst/>
+                          <a:latin typeface="Calibri" panose="020F0502020204030204" pitchFamily="34" charset="0"/>
+                        </a:rPr>
+                        <a:t>19</a:t>
+                      </a:r>
+                    </a:p>
+                  </a:txBody>
+                  <a:tcPr marL="9525" marR="9525" marT="9525" marB="0" anchor="b"/>
+                </a:tc>
+                <a:tc>
+                  <a:txBody>
+                    <a:bodyPr/>
+                    <a:lstStyle/>
+                    <a:p>
+                      <a:pPr algn="ctr" fontAlgn="b"/>
+                      <a:r>
+                        <a:rPr lang="en-US" sz="2400" b="0" i="0" u="none" strike="noStrike" dirty="0" smtClean="0">
+                          <a:solidFill>
+                            <a:schemeClr val="tx1"/>
+                          </a:solidFill>
+                          <a:effectLst/>
+                          <a:latin typeface="Calibri" panose="020F0502020204030204" pitchFamily="34" charset="0"/>
+                        </a:rPr>
+                        <a:t>58.86%</a:t>
+                      </a:r>
+                      <a:endParaRPr lang="en-US" sz="2400" b="0" i="0" u="none" strike="noStrike" dirty="0">
+                        <a:solidFill>
+                          <a:schemeClr val="tx1"/>
+                        </a:solidFill>
+                        <a:effectLst/>
+                        <a:latin typeface="Calibri" panose="020F0502020204030204" pitchFamily="34" charset="0"/>
+                      </a:endParaRPr>
+                    </a:p>
+                  </a:txBody>
+                  <a:tcPr marL="9525" marR="9525" marT="9525" marB="0" anchor="b"/>
+                </a:tc>
+                <a:tc>
+                  <a:txBody>
+                    <a:bodyPr/>
+                    <a:lstStyle/>
+                    <a:p>
+                      <a:pPr algn="ctr" fontAlgn="b"/>
+                      <a:r>
+                        <a:rPr lang="en-US" sz="2400" b="0" i="0" u="none" strike="noStrike" dirty="0" smtClean="0">
+                          <a:solidFill>
+                            <a:schemeClr val="tx1"/>
+                          </a:solidFill>
+                          <a:effectLst/>
+                          <a:latin typeface="Calibri" panose="020F0502020204030204" pitchFamily="34" charset="0"/>
+                        </a:rPr>
+                        <a:t>98.24%</a:t>
+                      </a:r>
+                      <a:endParaRPr lang="en-US" sz="2400" b="0" i="0" u="none" strike="noStrike" dirty="0">
+                        <a:solidFill>
+                          <a:schemeClr val="tx1"/>
+                        </a:solidFill>
+                        <a:effectLst/>
+                        <a:latin typeface="Calibri" panose="020F0502020204030204" pitchFamily="34" charset="0"/>
+                      </a:endParaRPr>
+                    </a:p>
+                  </a:txBody>
+                  <a:tcPr marL="9525" marR="9525" marT="9525" marB="0" anchor="b"/>
+                </a:tc>
+              </a:tr>
+              <a:tr h="437882">
+                <a:tc>
+                  <a:txBody>
+                    <a:bodyPr/>
+                    <a:lstStyle/>
+                    <a:p>
+                      <a:pPr algn="ctr" fontAlgn="b"/>
+                      <a:r>
+                        <a:rPr lang="en-US" sz="2400" b="0" i="0" u="none" strike="noStrike" dirty="0">
+                          <a:solidFill>
+                            <a:schemeClr val="tx1"/>
+                          </a:solidFill>
+                          <a:effectLst/>
+                          <a:latin typeface="Calibri" panose="020F0502020204030204" pitchFamily="34" charset="0"/>
+                        </a:rPr>
+                        <a:t>5, 1000</a:t>
+                      </a:r>
+                    </a:p>
+                  </a:txBody>
+                  <a:tcPr marL="9525" marR="9525" marT="9525" marB="0" anchor="b"/>
+                </a:tc>
+                <a:tc>
+                  <a:txBody>
+                    <a:bodyPr/>
+                    <a:lstStyle/>
+                    <a:p>
+                      <a:pPr algn="ctr" fontAlgn="b"/>
+                      <a:r>
+                        <a:rPr lang="en-US" sz="2400" b="0" i="0" u="none" strike="noStrike" dirty="0">
+                          <a:solidFill>
+                            <a:schemeClr val="tx1"/>
+                          </a:solidFill>
+                          <a:effectLst/>
+                          <a:latin typeface="Calibri" panose="020F0502020204030204" pitchFamily="34" charset="0"/>
+                        </a:rPr>
+                        <a:t>464</a:t>
+                      </a:r>
+                    </a:p>
+                  </a:txBody>
+                  <a:tcPr marL="9525" marR="9525" marT="9525" marB="0" anchor="b"/>
+                </a:tc>
+                <a:tc>
+                  <a:txBody>
+                    <a:bodyPr/>
+                    <a:lstStyle/>
+                    <a:p>
+                      <a:pPr algn="ctr" fontAlgn="b"/>
+                      <a:r>
+                        <a:rPr lang="en-US" sz="2400" b="0" i="0" u="none" strike="noStrike" dirty="0" smtClean="0">
+                          <a:solidFill>
+                            <a:schemeClr val="tx1"/>
+                          </a:solidFill>
+                          <a:effectLst/>
+                          <a:latin typeface="Calibri" panose="020F0502020204030204" pitchFamily="34" charset="0"/>
+                        </a:rPr>
+                        <a:t>58.33%</a:t>
+                      </a:r>
+                      <a:endParaRPr lang="en-US" sz="2400" b="0" i="0" u="none" strike="noStrike" dirty="0">
+                        <a:solidFill>
+                          <a:schemeClr val="tx1"/>
+                        </a:solidFill>
+                        <a:effectLst/>
+                        <a:latin typeface="Calibri" panose="020F0502020204030204" pitchFamily="34" charset="0"/>
+                      </a:endParaRPr>
+                    </a:p>
+                  </a:txBody>
+                  <a:tcPr marL="9525" marR="9525" marT="9525" marB="0" anchor="b"/>
+                </a:tc>
+                <a:tc>
+                  <a:txBody>
+                    <a:bodyPr/>
+                    <a:lstStyle/>
+                    <a:p>
+                      <a:pPr algn="ctr" fontAlgn="b"/>
+                      <a:r>
+                        <a:rPr lang="en-US" sz="2400" b="0" i="0" u="none" strike="noStrike" dirty="0" smtClean="0">
+                          <a:solidFill>
+                            <a:schemeClr val="tx1"/>
+                          </a:solidFill>
+                          <a:effectLst/>
+                          <a:latin typeface="Calibri" panose="020F0502020204030204" pitchFamily="34" charset="0"/>
+                        </a:rPr>
+                        <a:t>99.92%</a:t>
+                      </a:r>
+                      <a:endParaRPr lang="en-US" sz="2400" b="0" i="0" u="none" strike="noStrike" dirty="0">
+                        <a:solidFill>
+                          <a:schemeClr val="tx1"/>
+                        </a:solidFill>
+                        <a:effectLst/>
+                        <a:latin typeface="Calibri" panose="020F0502020204030204" pitchFamily="34" charset="0"/>
+                      </a:endParaRPr>
+                    </a:p>
+                  </a:txBody>
+                  <a:tcPr marL="9525" marR="9525" marT="9525" marB="0" anchor="b"/>
+                </a:tc>
+              </a:tr>
+              <a:tr h="437882">
+                <a:tc>
+                  <a:txBody>
+                    <a:bodyPr/>
+                    <a:lstStyle/>
+                    <a:p>
+                      <a:pPr algn="ctr" fontAlgn="b"/>
+                      <a:r>
+                        <a:rPr lang="en-US" sz="2400" b="0" i="0" u="none" strike="noStrike">
+                          <a:solidFill>
+                            <a:schemeClr val="tx1"/>
+                          </a:solidFill>
+                          <a:effectLst/>
+                          <a:latin typeface="Calibri" panose="020F0502020204030204" pitchFamily="34" charset="0"/>
+                        </a:rPr>
+                        <a:t>50, 50</a:t>
+                      </a:r>
+                    </a:p>
+                  </a:txBody>
+                  <a:tcPr marL="9525" marR="9525" marT="9525" marB="0" anchor="b"/>
+                </a:tc>
+                <a:tc>
+                  <a:txBody>
+                    <a:bodyPr/>
+                    <a:lstStyle/>
+                    <a:p>
+                      <a:pPr algn="ctr" fontAlgn="b"/>
+                      <a:r>
+                        <a:rPr lang="en-US" sz="2400" b="0" i="0" u="none" strike="noStrike" dirty="0">
+                          <a:solidFill>
+                            <a:schemeClr val="tx1"/>
+                          </a:solidFill>
+                          <a:effectLst/>
+                          <a:latin typeface="Calibri" panose="020F0502020204030204" pitchFamily="34" charset="0"/>
+                        </a:rPr>
+                        <a:t>18</a:t>
+                      </a:r>
+                    </a:p>
+                  </a:txBody>
+                  <a:tcPr marL="9525" marR="9525" marT="9525" marB="0" anchor="b"/>
+                </a:tc>
+                <a:tc>
+                  <a:txBody>
+                    <a:bodyPr/>
+                    <a:lstStyle/>
+                    <a:p>
+                      <a:pPr algn="ctr" fontAlgn="b"/>
+                      <a:r>
+                        <a:rPr lang="en-US" sz="2400" b="0" i="0" u="none" strike="noStrike" dirty="0" smtClean="0">
+                          <a:solidFill>
+                            <a:schemeClr val="tx1"/>
+                          </a:solidFill>
+                          <a:effectLst/>
+                          <a:latin typeface="Calibri" panose="020F0502020204030204" pitchFamily="34" charset="0"/>
+                        </a:rPr>
+                        <a:t>67.59%</a:t>
+                      </a:r>
+                      <a:endParaRPr lang="en-US" sz="2400" b="0" i="0" u="none" strike="noStrike" dirty="0">
+                        <a:solidFill>
+                          <a:schemeClr val="tx1"/>
+                        </a:solidFill>
+                        <a:effectLst/>
+                        <a:latin typeface="Calibri" panose="020F0502020204030204" pitchFamily="34" charset="0"/>
+                      </a:endParaRPr>
+                    </a:p>
+                  </a:txBody>
+                  <a:tcPr marL="9525" marR="9525" marT="9525" marB="0" anchor="b"/>
+                </a:tc>
+                <a:tc>
+                  <a:txBody>
+                    <a:bodyPr/>
+                    <a:lstStyle/>
+                    <a:p>
+                      <a:pPr algn="ctr" fontAlgn="b"/>
+                      <a:r>
+                        <a:rPr lang="en-US" sz="2400" b="0" i="0" u="none" strike="noStrike" dirty="0" smtClean="0">
+                          <a:solidFill>
+                            <a:schemeClr val="tx1"/>
+                          </a:solidFill>
+                          <a:effectLst/>
+                          <a:latin typeface="Calibri" panose="020F0502020204030204" pitchFamily="34" charset="0"/>
+                        </a:rPr>
+                        <a:t>99.90%</a:t>
+                      </a:r>
+                      <a:endParaRPr lang="en-US" sz="2400" b="0" i="0" u="none" strike="noStrike" dirty="0">
+                        <a:solidFill>
+                          <a:schemeClr val="tx1"/>
+                        </a:solidFill>
+                        <a:effectLst/>
+                        <a:latin typeface="Calibri" panose="020F0502020204030204" pitchFamily="34" charset="0"/>
+                      </a:endParaRPr>
+                    </a:p>
+                  </a:txBody>
+                  <a:tcPr marL="9525" marR="9525" marT="9525" marB="0" anchor="b"/>
+                </a:tc>
+              </a:tr>
+              <a:tr h="437882">
+                <a:tc>
+                  <a:txBody>
+                    <a:bodyPr/>
+                    <a:lstStyle/>
+                    <a:p>
+                      <a:pPr algn="ctr" fontAlgn="b"/>
+                      <a:r>
+                        <a:rPr lang="en-US" sz="2400" b="0" i="0" u="none" strike="noStrike">
+                          <a:solidFill>
+                            <a:schemeClr val="tx1"/>
+                          </a:solidFill>
+                          <a:effectLst/>
+                          <a:latin typeface="Calibri" panose="020F0502020204030204" pitchFamily="34" charset="0"/>
+                        </a:rPr>
+                        <a:t>50, 1000</a:t>
+                      </a:r>
+                    </a:p>
+                  </a:txBody>
+                  <a:tcPr marL="9525" marR="9525" marT="9525" marB="0" anchor="b"/>
+                </a:tc>
+                <a:tc>
+                  <a:txBody>
+                    <a:bodyPr/>
+                    <a:lstStyle/>
+                    <a:p>
+                      <a:pPr algn="ctr" fontAlgn="b"/>
+                      <a:r>
+                        <a:rPr lang="en-US" sz="2400" b="0" i="0" u="none" strike="noStrike" dirty="0">
+                          <a:solidFill>
+                            <a:schemeClr val="tx1"/>
+                          </a:solidFill>
+                          <a:effectLst/>
+                          <a:latin typeface="Calibri" panose="020F0502020204030204" pitchFamily="34" charset="0"/>
+                        </a:rPr>
+                        <a:t>430</a:t>
+                      </a:r>
+                    </a:p>
+                  </a:txBody>
+                  <a:tcPr marL="9525" marR="9525" marT="9525" marB="0" anchor="b"/>
+                </a:tc>
+                <a:tc>
+                  <a:txBody>
+                    <a:bodyPr/>
+                    <a:lstStyle/>
+                    <a:p>
+                      <a:pPr algn="ctr" fontAlgn="b"/>
+                      <a:r>
+                        <a:rPr lang="en-US" sz="2400" b="0" i="0" u="none" strike="noStrike" dirty="0" smtClean="0">
+                          <a:solidFill>
+                            <a:schemeClr val="tx1"/>
+                          </a:solidFill>
+                          <a:effectLst/>
+                          <a:latin typeface="Calibri" panose="020F0502020204030204" pitchFamily="34" charset="0"/>
+                        </a:rPr>
+                        <a:t>67.88%</a:t>
+                      </a:r>
+                      <a:endParaRPr lang="en-US" sz="2400" b="0" i="0" u="none" strike="noStrike" dirty="0">
+                        <a:solidFill>
+                          <a:schemeClr val="tx1"/>
+                        </a:solidFill>
+                        <a:effectLst/>
+                        <a:latin typeface="Calibri" panose="020F0502020204030204" pitchFamily="34" charset="0"/>
+                      </a:endParaRPr>
+                    </a:p>
+                  </a:txBody>
+                  <a:tcPr marL="9525" marR="9525" marT="9525" marB="0" anchor="b"/>
+                </a:tc>
+                <a:tc>
+                  <a:txBody>
+                    <a:bodyPr/>
+                    <a:lstStyle/>
+                    <a:p>
+                      <a:pPr algn="ctr" fontAlgn="b"/>
+                      <a:r>
+                        <a:rPr lang="en-US" sz="2400" b="0" i="0" u="none" strike="noStrike" dirty="0" smtClean="0">
+                          <a:solidFill>
+                            <a:schemeClr val="tx1"/>
+                          </a:solidFill>
+                          <a:effectLst/>
+                          <a:latin typeface="Calibri" panose="020F0502020204030204" pitchFamily="34" charset="0"/>
+                        </a:rPr>
+                        <a:t>99.99%</a:t>
+                      </a:r>
+                      <a:endParaRPr lang="en-US" sz="2400" b="0" i="0" u="none" strike="noStrike" dirty="0">
+                        <a:solidFill>
+                          <a:schemeClr val="tx1"/>
+                        </a:solidFill>
+                        <a:effectLst/>
+                        <a:latin typeface="Calibri" panose="020F0502020204030204" pitchFamily="34" charset="0"/>
+                      </a:endParaRPr>
+                    </a:p>
+                  </a:txBody>
+                  <a:tcPr marL="9525" marR="9525" marT="9525" marB="0" anchor="b"/>
+                </a:tc>
+              </a:tr>
+              <a:tr h="437882">
+                <a:tc>
+                  <a:txBody>
+                    <a:bodyPr/>
+                    <a:lstStyle/>
+                    <a:p>
+                      <a:pPr algn="ctr" fontAlgn="b"/>
+                      <a:r>
+                        <a:rPr lang="en-US" sz="2400" b="0" i="0" u="none" strike="noStrike">
+                          <a:solidFill>
+                            <a:schemeClr val="tx1"/>
+                          </a:solidFill>
+                          <a:effectLst/>
+                          <a:latin typeface="Calibri" panose="020F0502020204030204" pitchFamily="34" charset="0"/>
+                        </a:rPr>
+                        <a:t>100, 50</a:t>
+                      </a:r>
+                    </a:p>
+                  </a:txBody>
+                  <a:tcPr marL="9525" marR="9525" marT="9525" marB="0" anchor="b"/>
+                </a:tc>
+                <a:tc>
+                  <a:txBody>
+                    <a:bodyPr/>
+                    <a:lstStyle/>
+                    <a:p>
+                      <a:pPr algn="ctr" fontAlgn="b"/>
+                      <a:r>
+                        <a:rPr lang="en-US" sz="2400" b="0" i="0" u="none" strike="noStrike">
+                          <a:solidFill>
+                            <a:schemeClr val="tx1"/>
+                          </a:solidFill>
+                          <a:effectLst/>
+                          <a:latin typeface="Calibri" panose="020F0502020204030204" pitchFamily="34" charset="0"/>
+                        </a:rPr>
+                        <a:t>19</a:t>
+                      </a:r>
+                    </a:p>
+                  </a:txBody>
+                  <a:tcPr marL="9525" marR="9525" marT="9525" marB="0" anchor="b"/>
+                </a:tc>
+                <a:tc>
+                  <a:txBody>
+                    <a:bodyPr/>
+                    <a:lstStyle/>
+                    <a:p>
+                      <a:pPr algn="ctr" fontAlgn="b"/>
+                      <a:r>
+                        <a:rPr lang="en-US" sz="2400" b="0" i="0" u="none" strike="noStrike" dirty="0" smtClean="0">
+                          <a:solidFill>
+                            <a:schemeClr val="tx1"/>
+                          </a:solidFill>
+                          <a:effectLst/>
+                          <a:latin typeface="Calibri" panose="020F0502020204030204" pitchFamily="34" charset="0"/>
+                        </a:rPr>
+                        <a:t>74.71%</a:t>
+                      </a:r>
+                      <a:endParaRPr lang="en-US" sz="2400" b="0" i="0" u="none" strike="noStrike" dirty="0">
+                        <a:solidFill>
+                          <a:schemeClr val="tx1"/>
+                        </a:solidFill>
+                        <a:effectLst/>
+                        <a:latin typeface="Calibri" panose="020F0502020204030204" pitchFamily="34" charset="0"/>
+                      </a:endParaRPr>
+                    </a:p>
+                  </a:txBody>
+                  <a:tcPr marL="9525" marR="9525" marT="9525" marB="0" anchor="b"/>
+                </a:tc>
+                <a:tc>
+                  <a:txBody>
+                    <a:bodyPr/>
+                    <a:lstStyle/>
+                    <a:p>
+                      <a:pPr algn="ctr" fontAlgn="b"/>
+                      <a:r>
+                        <a:rPr lang="en-US" sz="2400" b="0" i="0" u="none" strike="noStrike" dirty="0" smtClean="0">
+                          <a:solidFill>
+                            <a:schemeClr val="tx1"/>
+                          </a:solidFill>
+                          <a:effectLst/>
+                          <a:latin typeface="Calibri" panose="020F0502020204030204" pitchFamily="34" charset="0"/>
+                        </a:rPr>
+                        <a:t>99.92%</a:t>
+                      </a:r>
+                      <a:endParaRPr lang="en-US" sz="2400" b="0" i="0" u="none" strike="noStrike" dirty="0">
+                        <a:solidFill>
+                          <a:schemeClr val="tx1"/>
+                        </a:solidFill>
+                        <a:effectLst/>
+                        <a:latin typeface="Calibri" panose="020F0502020204030204" pitchFamily="34" charset="0"/>
+                      </a:endParaRPr>
+                    </a:p>
+                  </a:txBody>
+                  <a:tcPr marL="9525" marR="9525" marT="9525" marB="0" anchor="b"/>
+                </a:tc>
+              </a:tr>
+              <a:tr h="437882">
+                <a:tc>
+                  <a:txBody>
+                    <a:bodyPr/>
+                    <a:lstStyle/>
+                    <a:p>
+                      <a:pPr algn="ctr" fontAlgn="b"/>
+                      <a:r>
+                        <a:rPr lang="en-US" sz="2400" b="0" i="0" u="none" strike="noStrike">
+                          <a:solidFill>
+                            <a:schemeClr val="tx1"/>
+                          </a:solidFill>
+                          <a:effectLst/>
+                          <a:latin typeface="Calibri" panose="020F0502020204030204" pitchFamily="34" charset="0"/>
+                        </a:rPr>
+                        <a:t>100, 1000</a:t>
+                      </a:r>
+                    </a:p>
+                  </a:txBody>
+                  <a:tcPr marL="9525" marR="9525" marT="9525" marB="0" anchor="b"/>
+                </a:tc>
+                <a:tc>
+                  <a:txBody>
+                    <a:bodyPr/>
+                    <a:lstStyle/>
+                    <a:p>
+                      <a:pPr algn="ctr" fontAlgn="b"/>
+                      <a:r>
+                        <a:rPr lang="en-US" sz="2400" b="0" i="0" u="none" strike="noStrike">
+                          <a:solidFill>
+                            <a:schemeClr val="tx1"/>
+                          </a:solidFill>
+                          <a:effectLst/>
+                          <a:latin typeface="Calibri" panose="020F0502020204030204" pitchFamily="34" charset="0"/>
+                        </a:rPr>
+                        <a:t>514</a:t>
+                      </a:r>
+                    </a:p>
+                  </a:txBody>
+                  <a:tcPr marL="9525" marR="9525" marT="9525" marB="0" anchor="b"/>
+                </a:tc>
+                <a:tc>
+                  <a:txBody>
+                    <a:bodyPr/>
+                    <a:lstStyle/>
+                    <a:p>
+                      <a:pPr algn="ctr" fontAlgn="b"/>
+                      <a:r>
+                        <a:rPr lang="en-US" sz="2400" b="0" i="0" u="none" strike="noStrike" dirty="0" smtClean="0">
+                          <a:solidFill>
+                            <a:schemeClr val="tx1"/>
+                          </a:solidFill>
+                          <a:effectLst/>
+                          <a:latin typeface="Calibri" panose="020F0502020204030204" pitchFamily="34" charset="0"/>
+                        </a:rPr>
+                        <a:t>74.81%</a:t>
+                      </a:r>
+                      <a:endParaRPr lang="en-US" sz="2400" b="0" i="0" u="none" strike="noStrike" dirty="0">
+                        <a:solidFill>
+                          <a:schemeClr val="tx1"/>
+                        </a:solidFill>
+                        <a:effectLst/>
+                        <a:latin typeface="Calibri" panose="020F0502020204030204" pitchFamily="34" charset="0"/>
+                      </a:endParaRPr>
+                    </a:p>
+                  </a:txBody>
+                  <a:tcPr marL="9525" marR="9525" marT="9525" marB="0" anchor="b"/>
+                </a:tc>
+                <a:tc>
+                  <a:txBody>
+                    <a:bodyPr/>
+                    <a:lstStyle/>
+                    <a:p>
+                      <a:pPr algn="ctr" fontAlgn="b"/>
+                      <a:r>
+                        <a:rPr lang="en-US" sz="2400" b="0" i="0" u="none" strike="noStrike" dirty="0" smtClean="0">
+                          <a:solidFill>
+                            <a:schemeClr val="tx1"/>
+                          </a:solidFill>
+                          <a:effectLst/>
+                          <a:latin typeface="Calibri" panose="020F0502020204030204" pitchFamily="34" charset="0"/>
+                        </a:rPr>
+                        <a:t>99.99%</a:t>
+                      </a:r>
+                      <a:endParaRPr lang="en-US" sz="2400" b="0" i="0" u="none" strike="noStrike" dirty="0">
+                        <a:solidFill>
+                          <a:schemeClr val="tx1"/>
+                        </a:solidFill>
+                        <a:effectLst/>
+                        <a:latin typeface="Calibri" panose="020F0502020204030204" pitchFamily="34" charset="0"/>
+                      </a:endParaRPr>
+                    </a:p>
+                  </a:txBody>
+                  <a:tcPr marL="9525" marR="9525" marT="9525" marB="0" anchor="b"/>
+                </a:tc>
+              </a:tr>
+              <a:tr h="437882">
+                <a:tc>
+                  <a:txBody>
+                    <a:bodyPr/>
+                    <a:lstStyle/>
+                    <a:p>
+                      <a:pPr algn="ctr" fontAlgn="b"/>
+                      <a:r>
+                        <a:rPr lang="en-US" sz="2400" b="0" i="0" u="none" strike="noStrike">
+                          <a:solidFill>
+                            <a:schemeClr val="tx1"/>
+                          </a:solidFill>
+                          <a:effectLst/>
+                          <a:latin typeface="Calibri" panose="020F0502020204030204" pitchFamily="34" charset="0"/>
+                        </a:rPr>
+                        <a:t>500, 50</a:t>
+                      </a:r>
+                    </a:p>
+                  </a:txBody>
+                  <a:tcPr marL="9525" marR="9525" marT="9525" marB="0" anchor="b"/>
+                </a:tc>
+                <a:tc>
+                  <a:txBody>
+                    <a:bodyPr/>
+                    <a:lstStyle/>
+                    <a:p>
+                      <a:pPr algn="ctr" fontAlgn="b"/>
+                      <a:r>
+                        <a:rPr lang="en-US" sz="2400" b="0" i="0" u="none" strike="noStrike">
+                          <a:solidFill>
+                            <a:schemeClr val="tx1"/>
+                          </a:solidFill>
+                          <a:effectLst/>
+                          <a:latin typeface="Calibri" panose="020F0502020204030204" pitchFamily="34" charset="0"/>
+                        </a:rPr>
+                        <a:t>13</a:t>
+                      </a:r>
+                    </a:p>
+                  </a:txBody>
+                  <a:tcPr marL="9525" marR="9525" marT="9525" marB="0" anchor="b"/>
+                </a:tc>
+                <a:tc>
+                  <a:txBody>
+                    <a:bodyPr/>
+                    <a:lstStyle/>
+                    <a:p>
+                      <a:pPr algn="ctr" fontAlgn="b"/>
+                      <a:r>
+                        <a:rPr lang="en-US" sz="2400" b="0" i="0" u="none" strike="noStrike" dirty="0" smtClean="0">
+                          <a:solidFill>
+                            <a:schemeClr val="tx1"/>
+                          </a:solidFill>
+                          <a:effectLst/>
+                          <a:latin typeface="Calibri" panose="020F0502020204030204" pitchFamily="34" charset="0"/>
+                        </a:rPr>
+                        <a:t>74.62%</a:t>
+                      </a:r>
+                      <a:endParaRPr lang="en-US" sz="2400" b="0" i="0" u="none" strike="noStrike" dirty="0">
+                        <a:solidFill>
+                          <a:schemeClr val="tx1"/>
+                        </a:solidFill>
+                        <a:effectLst/>
+                        <a:latin typeface="Calibri" panose="020F0502020204030204" pitchFamily="34" charset="0"/>
+                      </a:endParaRPr>
+                    </a:p>
+                  </a:txBody>
+                  <a:tcPr marL="9525" marR="9525" marT="9525" marB="0" anchor="b"/>
+                </a:tc>
+                <a:tc>
+                  <a:txBody>
+                    <a:bodyPr/>
+                    <a:lstStyle/>
+                    <a:p>
+                      <a:pPr algn="ctr" fontAlgn="b"/>
+                      <a:r>
+                        <a:rPr lang="en-US" sz="2400" b="0" i="0" u="none" strike="noStrike" dirty="0" smtClean="0">
+                          <a:solidFill>
+                            <a:schemeClr val="tx1"/>
+                          </a:solidFill>
+                          <a:effectLst/>
+                          <a:latin typeface="Calibri" panose="020F0502020204030204" pitchFamily="34" charset="0"/>
+                        </a:rPr>
+                        <a:t>99.90%</a:t>
+                      </a:r>
+                      <a:endParaRPr lang="en-US" sz="2400" b="0" i="0" u="none" strike="noStrike" dirty="0">
+                        <a:solidFill>
+                          <a:schemeClr val="tx1"/>
+                        </a:solidFill>
+                        <a:effectLst/>
+                        <a:latin typeface="Calibri" panose="020F0502020204030204" pitchFamily="34" charset="0"/>
+                      </a:endParaRPr>
+                    </a:p>
+                  </a:txBody>
+                  <a:tcPr marL="9525" marR="9525" marT="9525" marB="0" anchor="b"/>
+                </a:tc>
+              </a:tr>
+            </a:tbl>
+          </a:graphicData>
+        </a:graphic>
+      </p:graphicFrame>
     </p:spTree>
     <p:extLst>
       <p:ext uri="{BB962C8B-B14F-4D97-AF65-F5344CB8AC3E}">
@@ -7593,7 +8433,7 @@
     <a:masterClrMapping/>
   </p:clrMapOvr>
   <mc:AlternateContent xmlns:mc="http://schemas.openxmlformats.org/markup-compatibility/2006">
-    <mc:Choice xmlns:p159="http://schemas.microsoft.com/office/powerpoint/2015/09/main" xmlns="" Requires="p159">
+    <mc:Choice xmlns="" xmlns:p159="http://schemas.microsoft.com/office/powerpoint/2015/09/main" Requires="p159">
       <p:transition>
         <p159:morph option="byObject"/>
       </p:transition>
@@ -7604,6 +8444,13 @@
       </p:transition>
     </mc:Fallback>
   </mc:AlternateContent>
+  <p:timing>
+    <p:tnLst>
+      <p:par>
+        <p:cTn id="1" dur="indefinite" restart="never" nodeType="tmRoot"/>
+      </p:par>
+    </p:tnLst>
+  </p:timing>
 </p:sld>
 </file>
 

--- a/Genetic Music.pptx
+++ b/Genetic Music.pptx
@@ -369,7 +369,7 @@
           <a:p>
             <a:fld id="{8E7505CA-0EDF-41F7-924B-02F3FD44E4A9}" type="slidenum">
               <a:rPr lang="pt-BR" smtClean="0"/>
-              <a:t>‹#›</a:t>
+              <a:t>‹nº›</a:t>
             </a:fld>
             <a:endParaRPr lang="pt-BR"/>
           </a:p>
@@ -500,7 +500,7 @@
           <p:cNvPr id="2" name="Título 1">
             <a:extLst>
               <a:ext uri="{FF2B5EF4-FFF2-40B4-BE49-F238E27FC236}">
-                <a16:creationId xmlns="" xmlns:a16="http://schemas.microsoft.com/office/drawing/2014/main" id="{C7B663C1-2D15-4F64-A34F-1E55FE30EF67}"/>
+                <a16:creationId xmlns:a16="http://schemas.microsoft.com/office/drawing/2014/main" id="{C7B663C1-2D15-4F64-A34F-1E55FE30EF67}"/>
               </a:ext>
             </a:extLst>
           </p:cNvPr>
@@ -537,7 +537,7 @@
           <p:cNvPr id="3" name="Subtítulo 2">
             <a:extLst>
               <a:ext uri="{FF2B5EF4-FFF2-40B4-BE49-F238E27FC236}">
-                <a16:creationId xmlns="" xmlns:a16="http://schemas.microsoft.com/office/drawing/2014/main" id="{829AC2CC-5EF5-4B03-A5CF-95300282B5FA}"/>
+                <a16:creationId xmlns:a16="http://schemas.microsoft.com/office/drawing/2014/main" id="{829AC2CC-5EF5-4B03-A5CF-95300282B5FA}"/>
               </a:ext>
             </a:extLst>
           </p:cNvPr>
@@ -607,7 +607,7 @@
           <p:cNvPr id="4" name="Espaço Reservado para Data 3">
             <a:extLst>
               <a:ext uri="{FF2B5EF4-FFF2-40B4-BE49-F238E27FC236}">
-                <a16:creationId xmlns="" xmlns:a16="http://schemas.microsoft.com/office/drawing/2014/main" id="{ABA943F4-2624-41AA-AAF2-277F9FC3C88A}"/>
+                <a16:creationId xmlns:a16="http://schemas.microsoft.com/office/drawing/2014/main" id="{ABA943F4-2624-41AA-AAF2-277F9FC3C88A}"/>
               </a:ext>
             </a:extLst>
           </p:cNvPr>
@@ -636,7 +636,7 @@
           <p:cNvPr id="5" name="Espaço Reservado para Rodapé 4">
             <a:extLst>
               <a:ext uri="{FF2B5EF4-FFF2-40B4-BE49-F238E27FC236}">
-                <a16:creationId xmlns="" xmlns:a16="http://schemas.microsoft.com/office/drawing/2014/main" id="{3434644E-921D-492A-8B1B-F9501461944F}"/>
+                <a16:creationId xmlns:a16="http://schemas.microsoft.com/office/drawing/2014/main" id="{3434644E-921D-492A-8B1B-F9501461944F}"/>
               </a:ext>
             </a:extLst>
           </p:cNvPr>
@@ -661,7 +661,7 @@
           <p:cNvPr id="6" name="Espaço Reservado para Número de Slide 5">
             <a:extLst>
               <a:ext uri="{FF2B5EF4-FFF2-40B4-BE49-F238E27FC236}">
-                <a16:creationId xmlns="" xmlns:a16="http://schemas.microsoft.com/office/drawing/2014/main" id="{C5FBC25C-DB46-4E89-8860-A0D86F165B4F}"/>
+                <a16:creationId xmlns:a16="http://schemas.microsoft.com/office/drawing/2014/main" id="{C5FBC25C-DB46-4E89-8860-A0D86F165B4F}"/>
               </a:ext>
             </a:extLst>
           </p:cNvPr>
@@ -679,7 +679,7 @@
           <a:p>
             <a:fld id="{33568D6D-ECDC-4F67-8140-691F6B31FF65}" type="slidenum">
               <a:rPr lang="pt-BR" smtClean="0"/>
-              <a:t>‹#›</a:t>
+              <a:t>‹nº›</a:t>
             </a:fld>
             <a:endParaRPr lang="pt-BR"/>
           </a:p>
@@ -695,13 +695,13 @@
   <p:clrMapOvr>
     <a:masterClrMapping/>
   </p:clrMapOvr>
-  <mc:AlternateContent xmlns:mc="http://schemas.openxmlformats.org/markup-compatibility/2006">
-    <mc:Choice xmlns="" xmlns:p159="http://schemas.microsoft.com/office/powerpoint/2015/09/main" Requires="p159">
+  <mc:AlternateContent xmlns:mc="http://schemas.openxmlformats.org/markup-compatibility/2006" xmlns:p159="http://schemas.microsoft.com/office/powerpoint/2015/09/main">
+    <mc:Choice Requires="p159">
       <p:transition>
         <p159:morph option="byObject"/>
       </p:transition>
     </mc:Choice>
-    <mc:Fallback>
+    <mc:Fallback xmlns="">
       <p:transition>
         <p:fade/>
       </p:transition>
@@ -732,7 +732,7 @@
           <p:cNvPr id="2" name="Título 1">
             <a:extLst>
               <a:ext uri="{FF2B5EF4-FFF2-40B4-BE49-F238E27FC236}">
-                <a16:creationId xmlns="" xmlns:a16="http://schemas.microsoft.com/office/drawing/2014/main" id="{542FF3EE-1E65-49D9-8EC6-1FFEE906061A}"/>
+                <a16:creationId xmlns:a16="http://schemas.microsoft.com/office/drawing/2014/main" id="{542FF3EE-1E65-49D9-8EC6-1FFEE906061A}"/>
               </a:ext>
             </a:extLst>
           </p:cNvPr>
@@ -760,7 +760,7 @@
           <p:cNvPr id="3" name="Espaço Reservado para Texto Vertical 2">
             <a:extLst>
               <a:ext uri="{FF2B5EF4-FFF2-40B4-BE49-F238E27FC236}">
-                <a16:creationId xmlns="" xmlns:a16="http://schemas.microsoft.com/office/drawing/2014/main" id="{F1453C7F-CC00-4676-A7E5-D5D21FBAD954}"/>
+                <a16:creationId xmlns:a16="http://schemas.microsoft.com/office/drawing/2014/main" id="{F1453C7F-CC00-4676-A7E5-D5D21FBAD954}"/>
               </a:ext>
             </a:extLst>
           </p:cNvPr>
@@ -817,7 +817,7 @@
           <p:cNvPr id="4" name="Espaço Reservado para Data 3">
             <a:extLst>
               <a:ext uri="{FF2B5EF4-FFF2-40B4-BE49-F238E27FC236}">
-                <a16:creationId xmlns="" xmlns:a16="http://schemas.microsoft.com/office/drawing/2014/main" id="{0E826D4C-8690-40B8-96B4-7FC5963E0C34}"/>
+                <a16:creationId xmlns:a16="http://schemas.microsoft.com/office/drawing/2014/main" id="{0E826D4C-8690-40B8-96B4-7FC5963E0C34}"/>
               </a:ext>
             </a:extLst>
           </p:cNvPr>
@@ -846,7 +846,7 @@
           <p:cNvPr id="5" name="Espaço Reservado para Rodapé 4">
             <a:extLst>
               <a:ext uri="{FF2B5EF4-FFF2-40B4-BE49-F238E27FC236}">
-                <a16:creationId xmlns="" xmlns:a16="http://schemas.microsoft.com/office/drawing/2014/main" id="{606BBEA6-8B8E-41F3-9599-35C1C0F3379A}"/>
+                <a16:creationId xmlns:a16="http://schemas.microsoft.com/office/drawing/2014/main" id="{606BBEA6-8B8E-41F3-9599-35C1C0F3379A}"/>
               </a:ext>
             </a:extLst>
           </p:cNvPr>
@@ -871,7 +871,7 @@
           <p:cNvPr id="6" name="Espaço Reservado para Número de Slide 5">
             <a:extLst>
               <a:ext uri="{FF2B5EF4-FFF2-40B4-BE49-F238E27FC236}">
-                <a16:creationId xmlns="" xmlns:a16="http://schemas.microsoft.com/office/drawing/2014/main" id="{CDD642F4-7F9B-43AA-A62D-60E7B148F656}"/>
+                <a16:creationId xmlns:a16="http://schemas.microsoft.com/office/drawing/2014/main" id="{CDD642F4-7F9B-43AA-A62D-60E7B148F656}"/>
               </a:ext>
             </a:extLst>
           </p:cNvPr>
@@ -889,7 +889,7 @@
           <a:p>
             <a:fld id="{33568D6D-ECDC-4F67-8140-691F6B31FF65}" type="slidenum">
               <a:rPr lang="pt-BR" smtClean="0"/>
-              <a:t>‹#›</a:t>
+              <a:t>‹nº›</a:t>
             </a:fld>
             <a:endParaRPr lang="pt-BR"/>
           </a:p>
@@ -905,13 +905,13 @@
   <p:clrMapOvr>
     <a:masterClrMapping/>
   </p:clrMapOvr>
-  <mc:AlternateContent xmlns:mc="http://schemas.openxmlformats.org/markup-compatibility/2006">
-    <mc:Choice xmlns="" xmlns:p159="http://schemas.microsoft.com/office/powerpoint/2015/09/main" Requires="p159">
+  <mc:AlternateContent xmlns:mc="http://schemas.openxmlformats.org/markup-compatibility/2006" xmlns:p159="http://schemas.microsoft.com/office/powerpoint/2015/09/main">
+    <mc:Choice Requires="p159">
       <p:transition>
         <p159:morph option="byObject"/>
       </p:transition>
     </mc:Choice>
-    <mc:Fallback>
+    <mc:Fallback xmlns="">
       <p:transition>
         <p:fade/>
       </p:transition>
@@ -942,7 +942,7 @@
           <p:cNvPr id="2" name="Título Vertical 1">
             <a:extLst>
               <a:ext uri="{FF2B5EF4-FFF2-40B4-BE49-F238E27FC236}">
-                <a16:creationId xmlns="" xmlns:a16="http://schemas.microsoft.com/office/drawing/2014/main" id="{18A90788-38BA-4938-9776-79A91E8B3A5A}"/>
+                <a16:creationId xmlns:a16="http://schemas.microsoft.com/office/drawing/2014/main" id="{18A90788-38BA-4938-9776-79A91E8B3A5A}"/>
               </a:ext>
             </a:extLst>
           </p:cNvPr>
@@ -975,7 +975,7 @@
           <p:cNvPr id="3" name="Espaço Reservado para Texto Vertical 2">
             <a:extLst>
               <a:ext uri="{FF2B5EF4-FFF2-40B4-BE49-F238E27FC236}">
-                <a16:creationId xmlns="" xmlns:a16="http://schemas.microsoft.com/office/drawing/2014/main" id="{B5D3A5B2-74FA-4DE4-93E4-5F2DBF72E1BD}"/>
+                <a16:creationId xmlns:a16="http://schemas.microsoft.com/office/drawing/2014/main" id="{B5D3A5B2-74FA-4DE4-93E4-5F2DBF72E1BD}"/>
               </a:ext>
             </a:extLst>
           </p:cNvPr>
@@ -1037,7 +1037,7 @@
           <p:cNvPr id="4" name="Espaço Reservado para Data 3">
             <a:extLst>
               <a:ext uri="{FF2B5EF4-FFF2-40B4-BE49-F238E27FC236}">
-                <a16:creationId xmlns="" xmlns:a16="http://schemas.microsoft.com/office/drawing/2014/main" id="{7337EA62-2512-4BCF-9A6D-B609BB6D2A61}"/>
+                <a16:creationId xmlns:a16="http://schemas.microsoft.com/office/drawing/2014/main" id="{7337EA62-2512-4BCF-9A6D-B609BB6D2A61}"/>
               </a:ext>
             </a:extLst>
           </p:cNvPr>
@@ -1066,7 +1066,7 @@
           <p:cNvPr id="5" name="Espaço Reservado para Rodapé 4">
             <a:extLst>
               <a:ext uri="{FF2B5EF4-FFF2-40B4-BE49-F238E27FC236}">
-                <a16:creationId xmlns="" xmlns:a16="http://schemas.microsoft.com/office/drawing/2014/main" id="{1C628116-C822-4852-A485-F246947A6BC8}"/>
+                <a16:creationId xmlns:a16="http://schemas.microsoft.com/office/drawing/2014/main" id="{1C628116-C822-4852-A485-F246947A6BC8}"/>
               </a:ext>
             </a:extLst>
           </p:cNvPr>
@@ -1091,7 +1091,7 @@
           <p:cNvPr id="6" name="Espaço Reservado para Número de Slide 5">
             <a:extLst>
               <a:ext uri="{FF2B5EF4-FFF2-40B4-BE49-F238E27FC236}">
-                <a16:creationId xmlns="" xmlns:a16="http://schemas.microsoft.com/office/drawing/2014/main" id="{A999C47F-FE11-43C1-ABE1-421DFF831783}"/>
+                <a16:creationId xmlns:a16="http://schemas.microsoft.com/office/drawing/2014/main" id="{A999C47F-FE11-43C1-ABE1-421DFF831783}"/>
               </a:ext>
             </a:extLst>
           </p:cNvPr>
@@ -1109,7 +1109,7 @@
           <a:p>
             <a:fld id="{33568D6D-ECDC-4F67-8140-691F6B31FF65}" type="slidenum">
               <a:rPr lang="pt-BR" smtClean="0"/>
-              <a:t>‹#›</a:t>
+              <a:t>‹nº›</a:t>
             </a:fld>
             <a:endParaRPr lang="pt-BR"/>
           </a:p>
@@ -1125,13 +1125,13 @@
   <p:clrMapOvr>
     <a:masterClrMapping/>
   </p:clrMapOvr>
-  <mc:AlternateContent xmlns:mc="http://schemas.openxmlformats.org/markup-compatibility/2006">
-    <mc:Choice xmlns="" xmlns:p159="http://schemas.microsoft.com/office/powerpoint/2015/09/main" Requires="p159">
+  <mc:AlternateContent xmlns:mc="http://schemas.openxmlformats.org/markup-compatibility/2006" xmlns:p159="http://schemas.microsoft.com/office/powerpoint/2015/09/main">
+    <mc:Choice Requires="p159">
       <p:transition>
         <p159:morph option="byObject"/>
       </p:transition>
     </mc:Choice>
-    <mc:Fallback>
+    <mc:Fallback xmlns="">
       <p:transition>
         <p:fade/>
       </p:transition>
@@ -1162,7 +1162,7 @@
           <p:cNvPr id="2" name="Título 1">
             <a:extLst>
               <a:ext uri="{FF2B5EF4-FFF2-40B4-BE49-F238E27FC236}">
-                <a16:creationId xmlns="" xmlns:a16="http://schemas.microsoft.com/office/drawing/2014/main" id="{3F328E53-21DF-4FC7-A5CC-6D992A97A9DE}"/>
+                <a16:creationId xmlns:a16="http://schemas.microsoft.com/office/drawing/2014/main" id="{3F328E53-21DF-4FC7-A5CC-6D992A97A9DE}"/>
               </a:ext>
             </a:extLst>
           </p:cNvPr>
@@ -1190,7 +1190,7 @@
           <p:cNvPr id="3" name="Espaço Reservado para Conteúdo 2">
             <a:extLst>
               <a:ext uri="{FF2B5EF4-FFF2-40B4-BE49-F238E27FC236}">
-                <a16:creationId xmlns="" xmlns:a16="http://schemas.microsoft.com/office/drawing/2014/main" id="{A305DD2F-CAF2-4878-BFFF-2A31639BD3C3}"/>
+                <a16:creationId xmlns:a16="http://schemas.microsoft.com/office/drawing/2014/main" id="{A305DD2F-CAF2-4878-BFFF-2A31639BD3C3}"/>
               </a:ext>
             </a:extLst>
           </p:cNvPr>
@@ -1247,7 +1247,7 @@
           <p:cNvPr id="4" name="Espaço Reservado para Data 3">
             <a:extLst>
               <a:ext uri="{FF2B5EF4-FFF2-40B4-BE49-F238E27FC236}">
-                <a16:creationId xmlns="" xmlns:a16="http://schemas.microsoft.com/office/drawing/2014/main" id="{82D8150B-76E2-4070-BD63-16C050A350D5}"/>
+                <a16:creationId xmlns:a16="http://schemas.microsoft.com/office/drawing/2014/main" id="{82D8150B-76E2-4070-BD63-16C050A350D5}"/>
               </a:ext>
             </a:extLst>
           </p:cNvPr>
@@ -1276,7 +1276,7 @@
           <p:cNvPr id="5" name="Espaço Reservado para Rodapé 4">
             <a:extLst>
               <a:ext uri="{FF2B5EF4-FFF2-40B4-BE49-F238E27FC236}">
-                <a16:creationId xmlns="" xmlns:a16="http://schemas.microsoft.com/office/drawing/2014/main" id="{40F2FD89-57A1-4A8B-B6D7-150076D8938C}"/>
+                <a16:creationId xmlns:a16="http://schemas.microsoft.com/office/drawing/2014/main" id="{40F2FD89-57A1-4A8B-B6D7-150076D8938C}"/>
               </a:ext>
             </a:extLst>
           </p:cNvPr>
@@ -1301,7 +1301,7 @@
           <p:cNvPr id="6" name="Espaço Reservado para Número de Slide 5">
             <a:extLst>
               <a:ext uri="{FF2B5EF4-FFF2-40B4-BE49-F238E27FC236}">
-                <a16:creationId xmlns="" xmlns:a16="http://schemas.microsoft.com/office/drawing/2014/main" id="{AC1F6BF8-57E5-4459-854B-F7A659717BB6}"/>
+                <a16:creationId xmlns:a16="http://schemas.microsoft.com/office/drawing/2014/main" id="{AC1F6BF8-57E5-4459-854B-F7A659717BB6}"/>
               </a:ext>
             </a:extLst>
           </p:cNvPr>
@@ -1319,7 +1319,7 @@
           <a:p>
             <a:fld id="{33568D6D-ECDC-4F67-8140-691F6B31FF65}" type="slidenum">
               <a:rPr lang="pt-BR" smtClean="0"/>
-              <a:t>‹#›</a:t>
+              <a:t>‹nº›</a:t>
             </a:fld>
             <a:endParaRPr lang="pt-BR"/>
           </a:p>
@@ -1335,13 +1335,13 @@
   <p:clrMapOvr>
     <a:masterClrMapping/>
   </p:clrMapOvr>
-  <mc:AlternateContent xmlns:mc="http://schemas.openxmlformats.org/markup-compatibility/2006">
-    <mc:Choice xmlns="" xmlns:p159="http://schemas.microsoft.com/office/powerpoint/2015/09/main" Requires="p159">
+  <mc:AlternateContent xmlns:mc="http://schemas.openxmlformats.org/markup-compatibility/2006" xmlns:p159="http://schemas.microsoft.com/office/powerpoint/2015/09/main">
+    <mc:Choice Requires="p159">
       <p:transition>
         <p159:morph option="byObject"/>
       </p:transition>
     </mc:Choice>
-    <mc:Fallback>
+    <mc:Fallback xmlns="">
       <p:transition>
         <p:fade/>
       </p:transition>
@@ -1372,7 +1372,7 @@
           <p:cNvPr id="2" name="Título 1">
             <a:extLst>
               <a:ext uri="{FF2B5EF4-FFF2-40B4-BE49-F238E27FC236}">
-                <a16:creationId xmlns="" xmlns:a16="http://schemas.microsoft.com/office/drawing/2014/main" id="{C9DB65A9-A0C7-4D93-9C0B-C24CB8530CE4}"/>
+                <a16:creationId xmlns:a16="http://schemas.microsoft.com/office/drawing/2014/main" id="{C9DB65A9-A0C7-4D93-9C0B-C24CB8530CE4}"/>
               </a:ext>
             </a:extLst>
           </p:cNvPr>
@@ -1409,7 +1409,7 @@
           <p:cNvPr id="3" name="Espaço Reservado para Texto 2">
             <a:extLst>
               <a:ext uri="{FF2B5EF4-FFF2-40B4-BE49-F238E27FC236}">
-                <a16:creationId xmlns="" xmlns:a16="http://schemas.microsoft.com/office/drawing/2014/main" id="{439B6E4A-3E78-4905-877F-B570E7C600F2}"/>
+                <a16:creationId xmlns:a16="http://schemas.microsoft.com/office/drawing/2014/main" id="{439B6E4A-3E78-4905-877F-B570E7C600F2}"/>
               </a:ext>
             </a:extLst>
           </p:cNvPr>
@@ -1534,7 +1534,7 @@
           <p:cNvPr id="4" name="Espaço Reservado para Data 3">
             <a:extLst>
               <a:ext uri="{FF2B5EF4-FFF2-40B4-BE49-F238E27FC236}">
-                <a16:creationId xmlns="" xmlns:a16="http://schemas.microsoft.com/office/drawing/2014/main" id="{AFB22B4D-65F1-47AE-A22B-C1F7CC0BDF84}"/>
+                <a16:creationId xmlns:a16="http://schemas.microsoft.com/office/drawing/2014/main" id="{AFB22B4D-65F1-47AE-A22B-C1F7CC0BDF84}"/>
               </a:ext>
             </a:extLst>
           </p:cNvPr>
@@ -1563,7 +1563,7 @@
           <p:cNvPr id="5" name="Espaço Reservado para Rodapé 4">
             <a:extLst>
               <a:ext uri="{FF2B5EF4-FFF2-40B4-BE49-F238E27FC236}">
-                <a16:creationId xmlns="" xmlns:a16="http://schemas.microsoft.com/office/drawing/2014/main" id="{2BECB7F9-2A36-416D-B27A-C4190C070453}"/>
+                <a16:creationId xmlns:a16="http://schemas.microsoft.com/office/drawing/2014/main" id="{2BECB7F9-2A36-416D-B27A-C4190C070453}"/>
               </a:ext>
             </a:extLst>
           </p:cNvPr>
@@ -1588,7 +1588,7 @@
           <p:cNvPr id="6" name="Espaço Reservado para Número de Slide 5">
             <a:extLst>
               <a:ext uri="{FF2B5EF4-FFF2-40B4-BE49-F238E27FC236}">
-                <a16:creationId xmlns="" xmlns:a16="http://schemas.microsoft.com/office/drawing/2014/main" id="{AB76765F-52C8-4248-942F-0CFB200B237C}"/>
+                <a16:creationId xmlns:a16="http://schemas.microsoft.com/office/drawing/2014/main" id="{AB76765F-52C8-4248-942F-0CFB200B237C}"/>
               </a:ext>
             </a:extLst>
           </p:cNvPr>
@@ -1606,7 +1606,7 @@
           <a:p>
             <a:fld id="{33568D6D-ECDC-4F67-8140-691F6B31FF65}" type="slidenum">
               <a:rPr lang="pt-BR" smtClean="0"/>
-              <a:t>‹#›</a:t>
+              <a:t>‹nº›</a:t>
             </a:fld>
             <a:endParaRPr lang="pt-BR"/>
           </a:p>
@@ -1622,13 +1622,13 @@
   <p:clrMapOvr>
     <a:masterClrMapping/>
   </p:clrMapOvr>
-  <mc:AlternateContent xmlns:mc="http://schemas.openxmlformats.org/markup-compatibility/2006">
-    <mc:Choice xmlns="" xmlns:p159="http://schemas.microsoft.com/office/powerpoint/2015/09/main" Requires="p159">
+  <mc:AlternateContent xmlns:mc="http://schemas.openxmlformats.org/markup-compatibility/2006" xmlns:p159="http://schemas.microsoft.com/office/powerpoint/2015/09/main">
+    <mc:Choice Requires="p159">
       <p:transition>
         <p159:morph option="byObject"/>
       </p:transition>
     </mc:Choice>
-    <mc:Fallback>
+    <mc:Fallback xmlns="">
       <p:transition>
         <p:fade/>
       </p:transition>
@@ -1659,7 +1659,7 @@
           <p:cNvPr id="2" name="Título 1">
             <a:extLst>
               <a:ext uri="{FF2B5EF4-FFF2-40B4-BE49-F238E27FC236}">
-                <a16:creationId xmlns="" xmlns:a16="http://schemas.microsoft.com/office/drawing/2014/main" id="{9059BA11-C051-40E3-9B4A-BAEC9DE1FB9D}"/>
+                <a16:creationId xmlns:a16="http://schemas.microsoft.com/office/drawing/2014/main" id="{9059BA11-C051-40E3-9B4A-BAEC9DE1FB9D}"/>
               </a:ext>
             </a:extLst>
           </p:cNvPr>
@@ -1687,7 +1687,7 @@
           <p:cNvPr id="3" name="Espaço Reservado para Conteúdo 2">
             <a:extLst>
               <a:ext uri="{FF2B5EF4-FFF2-40B4-BE49-F238E27FC236}">
-                <a16:creationId xmlns="" xmlns:a16="http://schemas.microsoft.com/office/drawing/2014/main" id="{BCCD484D-02F2-4D20-AEB6-DBDB71B4DBB6}"/>
+                <a16:creationId xmlns:a16="http://schemas.microsoft.com/office/drawing/2014/main" id="{BCCD484D-02F2-4D20-AEB6-DBDB71B4DBB6}"/>
               </a:ext>
             </a:extLst>
           </p:cNvPr>
@@ -1749,7 +1749,7 @@
           <p:cNvPr id="4" name="Espaço Reservado para Conteúdo 3">
             <a:extLst>
               <a:ext uri="{FF2B5EF4-FFF2-40B4-BE49-F238E27FC236}">
-                <a16:creationId xmlns="" xmlns:a16="http://schemas.microsoft.com/office/drawing/2014/main" id="{85A2B5F8-634D-405B-AFDA-46E79E3D01CA}"/>
+                <a16:creationId xmlns:a16="http://schemas.microsoft.com/office/drawing/2014/main" id="{85A2B5F8-634D-405B-AFDA-46E79E3D01CA}"/>
               </a:ext>
             </a:extLst>
           </p:cNvPr>
@@ -1811,7 +1811,7 @@
           <p:cNvPr id="5" name="Espaço Reservado para Data 4">
             <a:extLst>
               <a:ext uri="{FF2B5EF4-FFF2-40B4-BE49-F238E27FC236}">
-                <a16:creationId xmlns="" xmlns:a16="http://schemas.microsoft.com/office/drawing/2014/main" id="{09535A73-109B-48F0-BA9D-87E85DC3BD76}"/>
+                <a16:creationId xmlns:a16="http://schemas.microsoft.com/office/drawing/2014/main" id="{09535A73-109B-48F0-BA9D-87E85DC3BD76}"/>
               </a:ext>
             </a:extLst>
           </p:cNvPr>
@@ -1840,7 +1840,7 @@
           <p:cNvPr id="6" name="Espaço Reservado para Rodapé 5">
             <a:extLst>
               <a:ext uri="{FF2B5EF4-FFF2-40B4-BE49-F238E27FC236}">
-                <a16:creationId xmlns="" xmlns:a16="http://schemas.microsoft.com/office/drawing/2014/main" id="{314BB5DD-2562-438A-BAE9-306E6FE53942}"/>
+                <a16:creationId xmlns:a16="http://schemas.microsoft.com/office/drawing/2014/main" id="{314BB5DD-2562-438A-BAE9-306E6FE53942}"/>
               </a:ext>
             </a:extLst>
           </p:cNvPr>
@@ -1865,7 +1865,7 @@
           <p:cNvPr id="7" name="Espaço Reservado para Número de Slide 6">
             <a:extLst>
               <a:ext uri="{FF2B5EF4-FFF2-40B4-BE49-F238E27FC236}">
-                <a16:creationId xmlns="" xmlns:a16="http://schemas.microsoft.com/office/drawing/2014/main" id="{542E7653-F843-4B7F-8B36-5D76F39EFDEA}"/>
+                <a16:creationId xmlns:a16="http://schemas.microsoft.com/office/drawing/2014/main" id="{542E7653-F843-4B7F-8B36-5D76F39EFDEA}"/>
               </a:ext>
             </a:extLst>
           </p:cNvPr>
@@ -1883,7 +1883,7 @@
           <a:p>
             <a:fld id="{33568D6D-ECDC-4F67-8140-691F6B31FF65}" type="slidenum">
               <a:rPr lang="pt-BR" smtClean="0"/>
-              <a:t>‹#›</a:t>
+              <a:t>‹nº›</a:t>
             </a:fld>
             <a:endParaRPr lang="pt-BR"/>
           </a:p>
@@ -1899,13 +1899,13 @@
   <p:clrMapOvr>
     <a:masterClrMapping/>
   </p:clrMapOvr>
-  <mc:AlternateContent xmlns:mc="http://schemas.openxmlformats.org/markup-compatibility/2006">
-    <mc:Choice xmlns="" xmlns:p159="http://schemas.microsoft.com/office/powerpoint/2015/09/main" Requires="p159">
+  <mc:AlternateContent xmlns:mc="http://schemas.openxmlformats.org/markup-compatibility/2006" xmlns:p159="http://schemas.microsoft.com/office/powerpoint/2015/09/main">
+    <mc:Choice Requires="p159">
       <p:transition>
         <p159:morph option="byObject"/>
       </p:transition>
     </mc:Choice>
-    <mc:Fallback>
+    <mc:Fallback xmlns="">
       <p:transition>
         <p:fade/>
       </p:transition>
@@ -1936,7 +1936,7 @@
           <p:cNvPr id="2" name="Título 1">
             <a:extLst>
               <a:ext uri="{FF2B5EF4-FFF2-40B4-BE49-F238E27FC236}">
-                <a16:creationId xmlns="" xmlns:a16="http://schemas.microsoft.com/office/drawing/2014/main" id="{6C758D22-F52E-4C81-8C35-A6E84D7FD8ED}"/>
+                <a16:creationId xmlns:a16="http://schemas.microsoft.com/office/drawing/2014/main" id="{6C758D22-F52E-4C81-8C35-A6E84D7FD8ED}"/>
               </a:ext>
             </a:extLst>
           </p:cNvPr>
@@ -1969,7 +1969,7 @@
           <p:cNvPr id="3" name="Espaço Reservado para Texto 2">
             <a:extLst>
               <a:ext uri="{FF2B5EF4-FFF2-40B4-BE49-F238E27FC236}">
-                <a16:creationId xmlns="" xmlns:a16="http://schemas.microsoft.com/office/drawing/2014/main" id="{E0B18FCB-7D46-416E-BBEB-9BF5EB02636F}"/>
+                <a16:creationId xmlns:a16="http://schemas.microsoft.com/office/drawing/2014/main" id="{E0B18FCB-7D46-416E-BBEB-9BF5EB02636F}"/>
               </a:ext>
             </a:extLst>
           </p:cNvPr>
@@ -2040,7 +2040,7 @@
           <p:cNvPr id="4" name="Espaço Reservado para Conteúdo 3">
             <a:extLst>
               <a:ext uri="{FF2B5EF4-FFF2-40B4-BE49-F238E27FC236}">
-                <a16:creationId xmlns="" xmlns:a16="http://schemas.microsoft.com/office/drawing/2014/main" id="{D79D70EF-C0E2-4207-B239-8FB223CEF120}"/>
+                <a16:creationId xmlns:a16="http://schemas.microsoft.com/office/drawing/2014/main" id="{D79D70EF-C0E2-4207-B239-8FB223CEF120}"/>
               </a:ext>
             </a:extLst>
           </p:cNvPr>
@@ -2102,7 +2102,7 @@
           <p:cNvPr id="5" name="Espaço Reservado para Texto 4">
             <a:extLst>
               <a:ext uri="{FF2B5EF4-FFF2-40B4-BE49-F238E27FC236}">
-                <a16:creationId xmlns="" xmlns:a16="http://schemas.microsoft.com/office/drawing/2014/main" id="{72D43328-40CA-4EFE-B238-21FAFA08F60D}"/>
+                <a16:creationId xmlns:a16="http://schemas.microsoft.com/office/drawing/2014/main" id="{72D43328-40CA-4EFE-B238-21FAFA08F60D}"/>
               </a:ext>
             </a:extLst>
           </p:cNvPr>
@@ -2173,7 +2173,7 @@
           <p:cNvPr id="6" name="Espaço Reservado para Conteúdo 5">
             <a:extLst>
               <a:ext uri="{FF2B5EF4-FFF2-40B4-BE49-F238E27FC236}">
-                <a16:creationId xmlns="" xmlns:a16="http://schemas.microsoft.com/office/drawing/2014/main" id="{0C50E75B-5039-4501-8252-0544E6DBE235}"/>
+                <a16:creationId xmlns:a16="http://schemas.microsoft.com/office/drawing/2014/main" id="{0C50E75B-5039-4501-8252-0544E6DBE235}"/>
               </a:ext>
             </a:extLst>
           </p:cNvPr>
@@ -2235,7 +2235,7 @@
           <p:cNvPr id="7" name="Espaço Reservado para Data 6">
             <a:extLst>
               <a:ext uri="{FF2B5EF4-FFF2-40B4-BE49-F238E27FC236}">
-                <a16:creationId xmlns="" xmlns:a16="http://schemas.microsoft.com/office/drawing/2014/main" id="{89CF1543-53DB-4233-B3DE-18D39EAFC286}"/>
+                <a16:creationId xmlns:a16="http://schemas.microsoft.com/office/drawing/2014/main" id="{89CF1543-53DB-4233-B3DE-18D39EAFC286}"/>
               </a:ext>
             </a:extLst>
           </p:cNvPr>
@@ -2264,7 +2264,7 @@
           <p:cNvPr id="8" name="Espaço Reservado para Rodapé 7">
             <a:extLst>
               <a:ext uri="{FF2B5EF4-FFF2-40B4-BE49-F238E27FC236}">
-                <a16:creationId xmlns="" xmlns:a16="http://schemas.microsoft.com/office/drawing/2014/main" id="{2EF5AB11-E73C-49F4-9886-8DDF1455679F}"/>
+                <a16:creationId xmlns:a16="http://schemas.microsoft.com/office/drawing/2014/main" id="{2EF5AB11-E73C-49F4-9886-8DDF1455679F}"/>
               </a:ext>
             </a:extLst>
           </p:cNvPr>
@@ -2289,7 +2289,7 @@
           <p:cNvPr id="9" name="Espaço Reservado para Número de Slide 8">
             <a:extLst>
               <a:ext uri="{FF2B5EF4-FFF2-40B4-BE49-F238E27FC236}">
-                <a16:creationId xmlns="" xmlns:a16="http://schemas.microsoft.com/office/drawing/2014/main" id="{E25B62CE-77EC-47A6-B725-EB44E18DB7E6}"/>
+                <a16:creationId xmlns:a16="http://schemas.microsoft.com/office/drawing/2014/main" id="{E25B62CE-77EC-47A6-B725-EB44E18DB7E6}"/>
               </a:ext>
             </a:extLst>
           </p:cNvPr>
@@ -2307,7 +2307,7 @@
           <a:p>
             <a:fld id="{33568D6D-ECDC-4F67-8140-691F6B31FF65}" type="slidenum">
               <a:rPr lang="pt-BR" smtClean="0"/>
-              <a:t>‹#›</a:t>
+              <a:t>‹nº›</a:t>
             </a:fld>
             <a:endParaRPr lang="pt-BR"/>
           </a:p>
@@ -2323,13 +2323,13 @@
   <p:clrMapOvr>
     <a:masterClrMapping/>
   </p:clrMapOvr>
-  <mc:AlternateContent xmlns:mc="http://schemas.openxmlformats.org/markup-compatibility/2006">
-    <mc:Choice xmlns="" xmlns:p159="http://schemas.microsoft.com/office/powerpoint/2015/09/main" Requires="p159">
+  <mc:AlternateContent xmlns:mc="http://schemas.openxmlformats.org/markup-compatibility/2006" xmlns:p159="http://schemas.microsoft.com/office/powerpoint/2015/09/main">
+    <mc:Choice Requires="p159">
       <p:transition>
         <p159:morph option="byObject"/>
       </p:transition>
     </mc:Choice>
-    <mc:Fallback>
+    <mc:Fallback xmlns="">
       <p:transition>
         <p:fade/>
       </p:transition>
@@ -2360,7 +2360,7 @@
           <p:cNvPr id="2" name="Título 1">
             <a:extLst>
               <a:ext uri="{FF2B5EF4-FFF2-40B4-BE49-F238E27FC236}">
-                <a16:creationId xmlns="" xmlns:a16="http://schemas.microsoft.com/office/drawing/2014/main" id="{68D9F5F2-91A8-45A1-8F01-B7956C048B57}"/>
+                <a16:creationId xmlns:a16="http://schemas.microsoft.com/office/drawing/2014/main" id="{68D9F5F2-91A8-45A1-8F01-B7956C048B57}"/>
               </a:ext>
             </a:extLst>
           </p:cNvPr>
@@ -2388,7 +2388,7 @@
           <p:cNvPr id="3" name="Espaço Reservado para Data 2">
             <a:extLst>
               <a:ext uri="{FF2B5EF4-FFF2-40B4-BE49-F238E27FC236}">
-                <a16:creationId xmlns="" xmlns:a16="http://schemas.microsoft.com/office/drawing/2014/main" id="{1F4AD42A-B2BD-4D88-A4AC-13E7897AA9ED}"/>
+                <a16:creationId xmlns:a16="http://schemas.microsoft.com/office/drawing/2014/main" id="{1F4AD42A-B2BD-4D88-A4AC-13E7897AA9ED}"/>
               </a:ext>
             </a:extLst>
           </p:cNvPr>
@@ -2417,7 +2417,7 @@
           <p:cNvPr id="4" name="Espaço Reservado para Rodapé 3">
             <a:extLst>
               <a:ext uri="{FF2B5EF4-FFF2-40B4-BE49-F238E27FC236}">
-                <a16:creationId xmlns="" xmlns:a16="http://schemas.microsoft.com/office/drawing/2014/main" id="{C9BADC64-9B75-4204-9D58-6BA65DDBE064}"/>
+                <a16:creationId xmlns:a16="http://schemas.microsoft.com/office/drawing/2014/main" id="{C9BADC64-9B75-4204-9D58-6BA65DDBE064}"/>
               </a:ext>
             </a:extLst>
           </p:cNvPr>
@@ -2442,7 +2442,7 @@
           <p:cNvPr id="5" name="Espaço Reservado para Número de Slide 4">
             <a:extLst>
               <a:ext uri="{FF2B5EF4-FFF2-40B4-BE49-F238E27FC236}">
-                <a16:creationId xmlns="" xmlns:a16="http://schemas.microsoft.com/office/drawing/2014/main" id="{E84CD316-4A57-4743-86DC-F46267C798E5}"/>
+                <a16:creationId xmlns:a16="http://schemas.microsoft.com/office/drawing/2014/main" id="{E84CD316-4A57-4743-86DC-F46267C798E5}"/>
               </a:ext>
             </a:extLst>
           </p:cNvPr>
@@ -2460,7 +2460,7 @@
           <a:p>
             <a:fld id="{33568D6D-ECDC-4F67-8140-691F6B31FF65}" type="slidenum">
               <a:rPr lang="pt-BR" smtClean="0"/>
-              <a:t>‹#›</a:t>
+              <a:t>‹nº›</a:t>
             </a:fld>
             <a:endParaRPr lang="pt-BR"/>
           </a:p>
@@ -2476,13 +2476,13 @@
   <p:clrMapOvr>
     <a:masterClrMapping/>
   </p:clrMapOvr>
-  <mc:AlternateContent xmlns:mc="http://schemas.openxmlformats.org/markup-compatibility/2006">
-    <mc:Choice xmlns="" xmlns:p159="http://schemas.microsoft.com/office/powerpoint/2015/09/main" Requires="p159">
+  <mc:AlternateContent xmlns:mc="http://schemas.openxmlformats.org/markup-compatibility/2006" xmlns:p159="http://schemas.microsoft.com/office/powerpoint/2015/09/main">
+    <mc:Choice Requires="p159">
       <p:transition>
         <p159:morph option="byObject"/>
       </p:transition>
     </mc:Choice>
-    <mc:Fallback>
+    <mc:Fallback xmlns="">
       <p:transition>
         <p:fade/>
       </p:transition>
@@ -2513,7 +2513,7 @@
           <p:cNvPr id="2" name="Espaço Reservado para Data 1">
             <a:extLst>
               <a:ext uri="{FF2B5EF4-FFF2-40B4-BE49-F238E27FC236}">
-                <a16:creationId xmlns="" xmlns:a16="http://schemas.microsoft.com/office/drawing/2014/main" id="{2B632D4C-4EBA-48CD-95CA-05B7866CEA82}"/>
+                <a16:creationId xmlns:a16="http://schemas.microsoft.com/office/drawing/2014/main" id="{2B632D4C-4EBA-48CD-95CA-05B7866CEA82}"/>
               </a:ext>
             </a:extLst>
           </p:cNvPr>
@@ -2542,7 +2542,7 @@
           <p:cNvPr id="3" name="Espaço Reservado para Rodapé 2">
             <a:extLst>
               <a:ext uri="{FF2B5EF4-FFF2-40B4-BE49-F238E27FC236}">
-                <a16:creationId xmlns="" xmlns:a16="http://schemas.microsoft.com/office/drawing/2014/main" id="{D818C369-CE00-4B53-AD2D-945D8F9ABDC6}"/>
+                <a16:creationId xmlns:a16="http://schemas.microsoft.com/office/drawing/2014/main" id="{D818C369-CE00-4B53-AD2D-945D8F9ABDC6}"/>
               </a:ext>
             </a:extLst>
           </p:cNvPr>
@@ -2567,7 +2567,7 @@
           <p:cNvPr id="4" name="Espaço Reservado para Número de Slide 3">
             <a:extLst>
               <a:ext uri="{FF2B5EF4-FFF2-40B4-BE49-F238E27FC236}">
-                <a16:creationId xmlns="" xmlns:a16="http://schemas.microsoft.com/office/drawing/2014/main" id="{584AA5AB-D97C-472B-829C-1E4777028044}"/>
+                <a16:creationId xmlns:a16="http://schemas.microsoft.com/office/drawing/2014/main" id="{584AA5AB-D97C-472B-829C-1E4777028044}"/>
               </a:ext>
             </a:extLst>
           </p:cNvPr>
@@ -2585,7 +2585,7 @@
           <a:p>
             <a:fld id="{33568D6D-ECDC-4F67-8140-691F6B31FF65}" type="slidenum">
               <a:rPr lang="pt-BR" smtClean="0"/>
-              <a:t>‹#›</a:t>
+              <a:t>‹nº›</a:t>
             </a:fld>
             <a:endParaRPr lang="pt-BR"/>
           </a:p>
@@ -2601,13 +2601,13 @@
   <p:clrMapOvr>
     <a:masterClrMapping/>
   </p:clrMapOvr>
-  <mc:AlternateContent xmlns:mc="http://schemas.openxmlformats.org/markup-compatibility/2006">
-    <mc:Choice xmlns="" xmlns:p159="http://schemas.microsoft.com/office/powerpoint/2015/09/main" Requires="p159">
+  <mc:AlternateContent xmlns:mc="http://schemas.openxmlformats.org/markup-compatibility/2006" xmlns:p159="http://schemas.microsoft.com/office/powerpoint/2015/09/main">
+    <mc:Choice Requires="p159">
       <p:transition>
         <p159:morph option="byObject"/>
       </p:transition>
     </mc:Choice>
-    <mc:Fallback>
+    <mc:Fallback xmlns="">
       <p:transition>
         <p:fade/>
       </p:transition>
@@ -2638,7 +2638,7 @@
           <p:cNvPr id="2" name="Título 1">
             <a:extLst>
               <a:ext uri="{FF2B5EF4-FFF2-40B4-BE49-F238E27FC236}">
-                <a16:creationId xmlns="" xmlns:a16="http://schemas.microsoft.com/office/drawing/2014/main" id="{AB7F6789-896C-4858-96CB-700291FF85FE}"/>
+                <a16:creationId xmlns:a16="http://schemas.microsoft.com/office/drawing/2014/main" id="{AB7F6789-896C-4858-96CB-700291FF85FE}"/>
               </a:ext>
             </a:extLst>
           </p:cNvPr>
@@ -2675,7 +2675,7 @@
           <p:cNvPr id="3" name="Espaço Reservado para Conteúdo 2">
             <a:extLst>
               <a:ext uri="{FF2B5EF4-FFF2-40B4-BE49-F238E27FC236}">
-                <a16:creationId xmlns="" xmlns:a16="http://schemas.microsoft.com/office/drawing/2014/main" id="{E6844293-BE9B-4251-AE6A-5D3F6A65BF41}"/>
+                <a16:creationId xmlns:a16="http://schemas.microsoft.com/office/drawing/2014/main" id="{E6844293-BE9B-4251-AE6A-5D3F6A65BF41}"/>
               </a:ext>
             </a:extLst>
           </p:cNvPr>
@@ -2765,7 +2765,7 @@
           <p:cNvPr id="4" name="Espaço Reservado para Texto 3">
             <a:extLst>
               <a:ext uri="{FF2B5EF4-FFF2-40B4-BE49-F238E27FC236}">
-                <a16:creationId xmlns="" xmlns:a16="http://schemas.microsoft.com/office/drawing/2014/main" id="{39650F59-E8D9-44D6-9B3B-8DEC393EA4FC}"/>
+                <a16:creationId xmlns:a16="http://schemas.microsoft.com/office/drawing/2014/main" id="{39650F59-E8D9-44D6-9B3B-8DEC393EA4FC}"/>
               </a:ext>
             </a:extLst>
           </p:cNvPr>
@@ -2836,7 +2836,7 @@
           <p:cNvPr id="5" name="Espaço Reservado para Data 4">
             <a:extLst>
               <a:ext uri="{FF2B5EF4-FFF2-40B4-BE49-F238E27FC236}">
-                <a16:creationId xmlns="" xmlns:a16="http://schemas.microsoft.com/office/drawing/2014/main" id="{C5E5B930-5020-4887-9719-C9D5AEFD4A09}"/>
+                <a16:creationId xmlns:a16="http://schemas.microsoft.com/office/drawing/2014/main" id="{C5E5B930-5020-4887-9719-C9D5AEFD4A09}"/>
               </a:ext>
             </a:extLst>
           </p:cNvPr>
@@ -2865,7 +2865,7 @@
           <p:cNvPr id="6" name="Espaço Reservado para Rodapé 5">
             <a:extLst>
               <a:ext uri="{FF2B5EF4-FFF2-40B4-BE49-F238E27FC236}">
-                <a16:creationId xmlns="" xmlns:a16="http://schemas.microsoft.com/office/drawing/2014/main" id="{95DC6F7B-C8A4-44ED-A18D-4D160FA969EC}"/>
+                <a16:creationId xmlns:a16="http://schemas.microsoft.com/office/drawing/2014/main" id="{95DC6F7B-C8A4-44ED-A18D-4D160FA969EC}"/>
               </a:ext>
             </a:extLst>
           </p:cNvPr>
@@ -2890,7 +2890,7 @@
           <p:cNvPr id="7" name="Espaço Reservado para Número de Slide 6">
             <a:extLst>
               <a:ext uri="{FF2B5EF4-FFF2-40B4-BE49-F238E27FC236}">
-                <a16:creationId xmlns="" xmlns:a16="http://schemas.microsoft.com/office/drawing/2014/main" id="{57F1164D-E2DD-43B8-B3E2-EBDB6CB90C4C}"/>
+                <a16:creationId xmlns:a16="http://schemas.microsoft.com/office/drawing/2014/main" id="{57F1164D-E2DD-43B8-B3E2-EBDB6CB90C4C}"/>
               </a:ext>
             </a:extLst>
           </p:cNvPr>
@@ -2908,7 +2908,7 @@
           <a:p>
             <a:fld id="{33568D6D-ECDC-4F67-8140-691F6B31FF65}" type="slidenum">
               <a:rPr lang="pt-BR" smtClean="0"/>
-              <a:t>‹#›</a:t>
+              <a:t>‹nº›</a:t>
             </a:fld>
             <a:endParaRPr lang="pt-BR"/>
           </a:p>
@@ -2924,13 +2924,13 @@
   <p:clrMapOvr>
     <a:masterClrMapping/>
   </p:clrMapOvr>
-  <mc:AlternateContent xmlns:mc="http://schemas.openxmlformats.org/markup-compatibility/2006">
-    <mc:Choice xmlns="" xmlns:p159="http://schemas.microsoft.com/office/powerpoint/2015/09/main" Requires="p159">
+  <mc:AlternateContent xmlns:mc="http://schemas.openxmlformats.org/markup-compatibility/2006" xmlns:p159="http://schemas.microsoft.com/office/powerpoint/2015/09/main">
+    <mc:Choice Requires="p159">
       <p:transition>
         <p159:morph option="byObject"/>
       </p:transition>
     </mc:Choice>
-    <mc:Fallback>
+    <mc:Fallback xmlns="">
       <p:transition>
         <p:fade/>
       </p:transition>
@@ -2961,7 +2961,7 @@
           <p:cNvPr id="2" name="Título 1">
             <a:extLst>
               <a:ext uri="{FF2B5EF4-FFF2-40B4-BE49-F238E27FC236}">
-                <a16:creationId xmlns="" xmlns:a16="http://schemas.microsoft.com/office/drawing/2014/main" id="{71F51297-FBF0-4628-A9EF-897A26D51E57}"/>
+                <a16:creationId xmlns:a16="http://schemas.microsoft.com/office/drawing/2014/main" id="{71F51297-FBF0-4628-A9EF-897A26D51E57}"/>
               </a:ext>
             </a:extLst>
           </p:cNvPr>
@@ -2998,7 +2998,7 @@
           <p:cNvPr id="3" name="Espaço Reservado para Imagem 2">
             <a:extLst>
               <a:ext uri="{FF2B5EF4-FFF2-40B4-BE49-F238E27FC236}">
-                <a16:creationId xmlns="" xmlns:a16="http://schemas.microsoft.com/office/drawing/2014/main" id="{5C8BE9AD-DCA5-4127-B8E5-4AAE6BC78D13}"/>
+                <a16:creationId xmlns:a16="http://schemas.microsoft.com/office/drawing/2014/main" id="{5C8BE9AD-DCA5-4127-B8E5-4AAE6BC78D13}"/>
               </a:ext>
             </a:extLst>
           </p:cNvPr>
@@ -3065,7 +3065,7 @@
           <p:cNvPr id="4" name="Espaço Reservado para Texto 3">
             <a:extLst>
               <a:ext uri="{FF2B5EF4-FFF2-40B4-BE49-F238E27FC236}">
-                <a16:creationId xmlns="" xmlns:a16="http://schemas.microsoft.com/office/drawing/2014/main" id="{E691CCC1-7B04-4961-9790-230F8A641941}"/>
+                <a16:creationId xmlns:a16="http://schemas.microsoft.com/office/drawing/2014/main" id="{E691CCC1-7B04-4961-9790-230F8A641941}"/>
               </a:ext>
             </a:extLst>
           </p:cNvPr>
@@ -3136,7 +3136,7 @@
           <p:cNvPr id="5" name="Espaço Reservado para Data 4">
             <a:extLst>
               <a:ext uri="{FF2B5EF4-FFF2-40B4-BE49-F238E27FC236}">
-                <a16:creationId xmlns="" xmlns:a16="http://schemas.microsoft.com/office/drawing/2014/main" id="{78CBC5E1-FC70-4F7E-96A5-10F9CDA95BD5}"/>
+                <a16:creationId xmlns:a16="http://schemas.microsoft.com/office/drawing/2014/main" id="{78CBC5E1-FC70-4F7E-96A5-10F9CDA95BD5}"/>
               </a:ext>
             </a:extLst>
           </p:cNvPr>
@@ -3165,7 +3165,7 @@
           <p:cNvPr id="6" name="Espaço Reservado para Rodapé 5">
             <a:extLst>
               <a:ext uri="{FF2B5EF4-FFF2-40B4-BE49-F238E27FC236}">
-                <a16:creationId xmlns="" xmlns:a16="http://schemas.microsoft.com/office/drawing/2014/main" id="{90D5A14A-1A02-4E26-BE81-01C46B4A356A}"/>
+                <a16:creationId xmlns:a16="http://schemas.microsoft.com/office/drawing/2014/main" id="{90D5A14A-1A02-4E26-BE81-01C46B4A356A}"/>
               </a:ext>
             </a:extLst>
           </p:cNvPr>
@@ -3190,7 +3190,7 @@
           <p:cNvPr id="7" name="Espaço Reservado para Número de Slide 6">
             <a:extLst>
               <a:ext uri="{FF2B5EF4-FFF2-40B4-BE49-F238E27FC236}">
-                <a16:creationId xmlns="" xmlns:a16="http://schemas.microsoft.com/office/drawing/2014/main" id="{A5ED61E8-F4BB-40EB-9AD7-850E09315516}"/>
+                <a16:creationId xmlns:a16="http://schemas.microsoft.com/office/drawing/2014/main" id="{A5ED61E8-F4BB-40EB-9AD7-850E09315516}"/>
               </a:ext>
             </a:extLst>
           </p:cNvPr>
@@ -3208,7 +3208,7 @@
           <a:p>
             <a:fld id="{33568D6D-ECDC-4F67-8140-691F6B31FF65}" type="slidenum">
               <a:rPr lang="pt-BR" smtClean="0"/>
-              <a:t>‹#›</a:t>
+              <a:t>‹nº›</a:t>
             </a:fld>
             <a:endParaRPr lang="pt-BR"/>
           </a:p>
@@ -3224,13 +3224,13 @@
   <p:clrMapOvr>
     <a:masterClrMapping/>
   </p:clrMapOvr>
-  <mc:AlternateContent xmlns:mc="http://schemas.openxmlformats.org/markup-compatibility/2006">
-    <mc:Choice xmlns="" xmlns:p159="http://schemas.microsoft.com/office/powerpoint/2015/09/main" Requires="p159">
+  <mc:AlternateContent xmlns:mc="http://schemas.openxmlformats.org/markup-compatibility/2006" xmlns:p159="http://schemas.microsoft.com/office/powerpoint/2015/09/main">
+    <mc:Choice Requires="p159">
       <p:transition>
         <p159:morph option="byObject"/>
       </p:transition>
     </mc:Choice>
-    <mc:Fallback>
+    <mc:Fallback xmlns="">
       <p:transition>
         <p:fade/>
       </p:transition>
@@ -3269,7 +3269,7 @@
           <p:cNvPr id="2" name="Espaço Reservado para Título 1">
             <a:extLst>
               <a:ext uri="{FF2B5EF4-FFF2-40B4-BE49-F238E27FC236}">
-                <a16:creationId xmlns="" xmlns:a16="http://schemas.microsoft.com/office/drawing/2014/main" id="{0D4BB98E-D1E0-40D0-855A-F00A2C7E1E53}"/>
+                <a16:creationId xmlns:a16="http://schemas.microsoft.com/office/drawing/2014/main" id="{0D4BB98E-D1E0-40D0-855A-F00A2C7E1E53}"/>
               </a:ext>
             </a:extLst>
           </p:cNvPr>
@@ -3307,7 +3307,7 @@
           <p:cNvPr id="3" name="Espaço Reservado para Texto 2">
             <a:extLst>
               <a:ext uri="{FF2B5EF4-FFF2-40B4-BE49-F238E27FC236}">
-                <a16:creationId xmlns="" xmlns:a16="http://schemas.microsoft.com/office/drawing/2014/main" id="{77B38482-042F-4811-B7B9-90E65B079DED}"/>
+                <a16:creationId xmlns:a16="http://schemas.microsoft.com/office/drawing/2014/main" id="{77B38482-042F-4811-B7B9-90E65B079DED}"/>
               </a:ext>
             </a:extLst>
           </p:cNvPr>
@@ -3374,7 +3374,7 @@
           <p:cNvPr id="4" name="Espaço Reservado para Data 3">
             <a:extLst>
               <a:ext uri="{FF2B5EF4-FFF2-40B4-BE49-F238E27FC236}">
-                <a16:creationId xmlns="" xmlns:a16="http://schemas.microsoft.com/office/drawing/2014/main" id="{94C41A0F-F141-43AF-A950-91B1A48D9EC1}"/>
+                <a16:creationId xmlns:a16="http://schemas.microsoft.com/office/drawing/2014/main" id="{94C41A0F-F141-43AF-A950-91B1A48D9EC1}"/>
               </a:ext>
             </a:extLst>
           </p:cNvPr>
@@ -3421,7 +3421,7 @@
           <p:cNvPr id="5" name="Espaço Reservado para Rodapé 4">
             <a:extLst>
               <a:ext uri="{FF2B5EF4-FFF2-40B4-BE49-F238E27FC236}">
-                <a16:creationId xmlns="" xmlns:a16="http://schemas.microsoft.com/office/drawing/2014/main" id="{1E35CCA8-6E48-47C0-87A0-B34DDEEF0E50}"/>
+                <a16:creationId xmlns:a16="http://schemas.microsoft.com/office/drawing/2014/main" id="{1E35CCA8-6E48-47C0-87A0-B34DDEEF0E50}"/>
               </a:ext>
             </a:extLst>
           </p:cNvPr>
@@ -3464,7 +3464,7 @@
           <p:cNvPr id="6" name="Espaço Reservado para Número de Slide 5">
             <a:extLst>
               <a:ext uri="{FF2B5EF4-FFF2-40B4-BE49-F238E27FC236}">
-                <a16:creationId xmlns="" xmlns:a16="http://schemas.microsoft.com/office/drawing/2014/main" id="{DE09B279-E0F9-4205-A8AA-0564D8033305}"/>
+                <a16:creationId xmlns:a16="http://schemas.microsoft.com/office/drawing/2014/main" id="{DE09B279-E0F9-4205-A8AA-0564D8033305}"/>
               </a:ext>
             </a:extLst>
           </p:cNvPr>
@@ -3500,7 +3500,7 @@
           <a:p>
             <a:fld id="{33568D6D-ECDC-4F67-8140-691F6B31FF65}" type="slidenum">
               <a:rPr lang="pt-BR" smtClean="0"/>
-              <a:t>‹#›</a:t>
+              <a:t>‹nº›</a:t>
             </a:fld>
             <a:endParaRPr lang="pt-BR"/>
           </a:p>
@@ -3527,13 +3527,13 @@
     <p:sldLayoutId id="2147483658" r:id="rId10"/>
     <p:sldLayoutId id="2147483659" r:id="rId11"/>
   </p:sldLayoutIdLst>
-  <mc:AlternateContent xmlns:mc="http://schemas.openxmlformats.org/markup-compatibility/2006">
-    <mc:Choice xmlns="" xmlns:p159="http://schemas.microsoft.com/office/powerpoint/2015/09/main" Requires="p159">
+  <mc:AlternateContent xmlns:mc="http://schemas.openxmlformats.org/markup-compatibility/2006" xmlns:p159="http://schemas.microsoft.com/office/powerpoint/2015/09/main">
+    <mc:Choice Requires="p159">
       <p:transition>
         <p159:morph option="byObject"/>
       </p:transition>
     </mc:Choice>
-    <mc:Fallback>
+    <mc:Fallback xmlns="">
       <p:transition>
         <p:fade/>
       </p:transition>
@@ -3845,7 +3845,7 @@
           <p:cNvPr id="2" name="Título 1">
             <a:extLst>
               <a:ext uri="{FF2B5EF4-FFF2-40B4-BE49-F238E27FC236}">
-                <a16:creationId xmlns="" xmlns:a16="http://schemas.microsoft.com/office/drawing/2014/main" id="{23A9C045-07C2-42EB-BBCD-2AEB24A9997A}"/>
+                <a16:creationId xmlns:a16="http://schemas.microsoft.com/office/drawing/2014/main" id="{23A9C045-07C2-42EB-BBCD-2AEB24A9997A}"/>
               </a:ext>
             </a:extLst>
           </p:cNvPr>
@@ -3858,16 +3858,14 @@
         </p:nvSpPr>
         <p:spPr/>
         <p:txBody>
-          <a:bodyPr/>
-          <a:lstStyle/>
-          <a:p>
-            <a:r>
-              <a:rPr lang="pt-BR" dirty="0" err="1"/>
-              <a:t>Genetic</a:t>
-            </a:r>
+          <a:bodyPr>
+            <a:normAutofit fontScale="90000"/>
+          </a:bodyPr>
+          <a:lstStyle/>
+          <a:p>
             <a:r>
               <a:rPr lang="pt-BR" dirty="0"/>
-              <a:t> Music</a:t>
+              <a:t>Uso de Algoritmos Genéticos para Geração de Conjunto de Notas Musicais</a:t>
             </a:r>
           </a:p>
         </p:txBody>
@@ -3877,7 +3875,7 @@
           <p:cNvPr id="3" name="Subtítulo 2">
             <a:extLst>
               <a:ext uri="{FF2B5EF4-FFF2-40B4-BE49-F238E27FC236}">
-                <a16:creationId xmlns="" xmlns:a16="http://schemas.microsoft.com/office/drawing/2014/main" id="{6792FAB0-BCAC-4ABD-9DDF-EC2B65C9C61A}"/>
+                <a16:creationId xmlns:a16="http://schemas.microsoft.com/office/drawing/2014/main" id="{6792FAB0-BCAC-4ABD-9DDF-EC2B65C9C61A}"/>
               </a:ext>
             </a:extLst>
           </p:cNvPr>
@@ -3917,7 +3915,7 @@
           <p:cNvPr id="4" name="Retângulo 3">
             <a:extLst>
               <a:ext uri="{FF2B5EF4-FFF2-40B4-BE49-F238E27FC236}">
-                <a16:creationId xmlns="" xmlns:a16="http://schemas.microsoft.com/office/drawing/2014/main" id="{535F9D35-E37E-4CFD-954C-C1A322C367CB}"/>
+                <a16:creationId xmlns:a16="http://schemas.microsoft.com/office/drawing/2014/main" id="{535F9D35-E37E-4CFD-954C-C1A322C367CB}"/>
               </a:ext>
             </a:extLst>
           </p:cNvPr>
@@ -3969,7 +3967,7 @@
           <p:cNvPr id="5" name="Espaço Reservado para Número de Slide 4">
             <a:extLst>
               <a:ext uri="{FF2B5EF4-FFF2-40B4-BE49-F238E27FC236}">
-                <a16:creationId xmlns="" xmlns:a16="http://schemas.microsoft.com/office/drawing/2014/main" id="{7E480703-93CB-4DA3-A49B-5993B64762F4}"/>
+                <a16:creationId xmlns:a16="http://schemas.microsoft.com/office/drawing/2014/main" id="{7E480703-93CB-4DA3-A49B-5993B64762F4}"/>
               </a:ext>
             </a:extLst>
           </p:cNvPr>
@@ -4003,25 +4001,18 @@
   <p:clrMapOvr>
     <a:masterClrMapping/>
   </p:clrMapOvr>
-  <mc:AlternateContent xmlns:mc="http://schemas.openxmlformats.org/markup-compatibility/2006">
-    <mc:Choice xmlns="" xmlns:p159="http://schemas.microsoft.com/office/powerpoint/2015/09/main" Requires="p159">
+  <mc:AlternateContent xmlns:mc="http://schemas.openxmlformats.org/markup-compatibility/2006" xmlns:p159="http://schemas.microsoft.com/office/powerpoint/2015/09/main">
+    <mc:Choice Requires="p159">
       <p:transition>
         <p159:morph option="byObject"/>
       </p:transition>
     </mc:Choice>
-    <mc:Fallback>
+    <mc:Fallback xmlns="">
       <p:transition>
         <p:fade/>
       </p:transition>
     </mc:Fallback>
   </mc:AlternateContent>
-  <p:timing>
-    <p:tnLst>
-      <p:par>
-        <p:cTn id="1" dur="indefinite" restart="never" nodeType="tmRoot"/>
-      </p:par>
-    </p:tnLst>
-  </p:timing>
 </p:sld>
 </file>
 
@@ -4047,7 +4038,7 @@
           <p:cNvPr id="2" name="Título 1">
             <a:extLst>
               <a:ext uri="{FF2B5EF4-FFF2-40B4-BE49-F238E27FC236}">
-                <a16:creationId xmlns="" xmlns:a16="http://schemas.microsoft.com/office/drawing/2014/main" id="{16396183-FAAC-47B4-8532-D9A09D334419}"/>
+                <a16:creationId xmlns:a16="http://schemas.microsoft.com/office/drawing/2014/main" id="{16396183-FAAC-47B4-8532-D9A09D334419}"/>
               </a:ext>
             </a:extLst>
           </p:cNvPr>
@@ -4075,7 +4066,7 @@
           <p:cNvPr id="3" name="Espaço Reservado para Conteúdo 2">
             <a:extLst>
               <a:ext uri="{FF2B5EF4-FFF2-40B4-BE49-F238E27FC236}">
-                <a16:creationId xmlns="" xmlns:a16="http://schemas.microsoft.com/office/drawing/2014/main" id="{6FF8AAE8-8CC1-4389-9FC2-9415BD925ABF}"/>
+                <a16:creationId xmlns:a16="http://schemas.microsoft.com/office/drawing/2014/main" id="{6FF8AAE8-8CC1-4389-9FC2-9415BD925ABF}"/>
               </a:ext>
             </a:extLst>
           </p:cNvPr>
@@ -4218,7 +4209,7 @@
           <p:cNvPr id="4" name="Retângulo 3">
             <a:extLst>
               <a:ext uri="{FF2B5EF4-FFF2-40B4-BE49-F238E27FC236}">
-                <a16:creationId xmlns="" xmlns:a16="http://schemas.microsoft.com/office/drawing/2014/main" id="{6B20AC76-B05C-4C08-9614-FBFE8B8C55DD}"/>
+                <a16:creationId xmlns:a16="http://schemas.microsoft.com/office/drawing/2014/main" id="{6B20AC76-B05C-4C08-9614-FBFE8B8C55DD}"/>
               </a:ext>
             </a:extLst>
           </p:cNvPr>
@@ -4270,7 +4261,7 @@
           <p:cNvPr id="5" name="Espaço Reservado para Número de Slide 4">
             <a:extLst>
               <a:ext uri="{FF2B5EF4-FFF2-40B4-BE49-F238E27FC236}">
-                <a16:creationId xmlns="" xmlns:a16="http://schemas.microsoft.com/office/drawing/2014/main" id="{309AD7F4-7A81-4D98-861C-0938725EDF22}"/>
+                <a16:creationId xmlns:a16="http://schemas.microsoft.com/office/drawing/2014/main" id="{309AD7F4-7A81-4D98-861C-0938725EDF22}"/>
               </a:ext>
             </a:extLst>
           </p:cNvPr>
@@ -4304,13 +4295,13 @@
   <p:clrMapOvr>
     <a:masterClrMapping/>
   </p:clrMapOvr>
-  <mc:AlternateContent xmlns:mc="http://schemas.openxmlformats.org/markup-compatibility/2006">
-    <mc:Choice xmlns="" xmlns:p159="http://schemas.microsoft.com/office/powerpoint/2015/09/main" Requires="p159">
+  <mc:AlternateContent xmlns:mc="http://schemas.openxmlformats.org/markup-compatibility/2006" xmlns:p159="http://schemas.microsoft.com/office/powerpoint/2015/09/main">
+    <mc:Choice Requires="p159">
       <p:transition>
         <p159:morph option="byObject"/>
       </p:transition>
     </mc:Choice>
-    <mc:Fallback>
+    <mc:Fallback xmlns="">
       <p:transition>
         <p:fade/>
       </p:transition>
@@ -4341,7 +4332,7 @@
           <p:cNvPr id="2" name="Título 1">
             <a:extLst>
               <a:ext uri="{FF2B5EF4-FFF2-40B4-BE49-F238E27FC236}">
-                <a16:creationId xmlns="" xmlns:a16="http://schemas.microsoft.com/office/drawing/2014/main" id="{23A9C045-07C2-42EB-BBCD-2AEB24A9997A}"/>
+                <a16:creationId xmlns:a16="http://schemas.microsoft.com/office/drawing/2014/main" id="{23A9C045-07C2-42EB-BBCD-2AEB24A9997A}"/>
               </a:ext>
             </a:extLst>
           </p:cNvPr>
@@ -4373,7 +4364,7 @@
           <p:cNvPr id="3" name="Subtítulo 2">
             <a:extLst>
               <a:ext uri="{FF2B5EF4-FFF2-40B4-BE49-F238E27FC236}">
-                <a16:creationId xmlns="" xmlns:a16="http://schemas.microsoft.com/office/drawing/2014/main" id="{6792FAB0-BCAC-4ABD-9DDF-EC2B65C9C61A}"/>
+                <a16:creationId xmlns:a16="http://schemas.microsoft.com/office/drawing/2014/main" id="{6792FAB0-BCAC-4ABD-9DDF-EC2B65C9C61A}"/>
               </a:ext>
             </a:extLst>
           </p:cNvPr>
@@ -4413,7 +4404,7 @@
           <p:cNvPr id="4" name="Retângulo 3">
             <a:extLst>
               <a:ext uri="{FF2B5EF4-FFF2-40B4-BE49-F238E27FC236}">
-                <a16:creationId xmlns="" xmlns:a16="http://schemas.microsoft.com/office/drawing/2014/main" id="{535F9D35-E37E-4CFD-954C-C1A322C367CB}"/>
+                <a16:creationId xmlns:a16="http://schemas.microsoft.com/office/drawing/2014/main" id="{535F9D35-E37E-4CFD-954C-C1A322C367CB}"/>
               </a:ext>
             </a:extLst>
           </p:cNvPr>
@@ -4465,7 +4456,7 @@
           <p:cNvPr id="5" name="Espaço Reservado para Número de Slide 4">
             <a:extLst>
               <a:ext uri="{FF2B5EF4-FFF2-40B4-BE49-F238E27FC236}">
-                <a16:creationId xmlns="" xmlns:a16="http://schemas.microsoft.com/office/drawing/2014/main" id="{7E480703-93CB-4DA3-A49B-5993B64762F4}"/>
+                <a16:creationId xmlns:a16="http://schemas.microsoft.com/office/drawing/2014/main" id="{7E480703-93CB-4DA3-A49B-5993B64762F4}"/>
               </a:ext>
             </a:extLst>
           </p:cNvPr>
@@ -4499,13 +4490,13 @@
   <p:clrMapOvr>
     <a:masterClrMapping/>
   </p:clrMapOvr>
-  <mc:AlternateContent xmlns:mc="http://schemas.openxmlformats.org/markup-compatibility/2006">
-    <mc:Choice xmlns="" xmlns:p159="http://schemas.microsoft.com/office/powerpoint/2015/09/main" Requires="p159">
+  <mc:AlternateContent xmlns:mc="http://schemas.openxmlformats.org/markup-compatibility/2006" xmlns:p159="http://schemas.microsoft.com/office/powerpoint/2015/09/main">
+    <mc:Choice Requires="p159">
       <p:transition>
         <p159:morph option="byObject"/>
       </p:transition>
     </mc:Choice>
-    <mc:Fallback>
+    <mc:Fallback xmlns="">
       <p:transition>
         <p:fade/>
       </p:transition>
@@ -4536,7 +4527,7 @@
           <p:cNvPr id="2" name="Título 1">
             <a:extLst>
               <a:ext uri="{FF2B5EF4-FFF2-40B4-BE49-F238E27FC236}">
-                <a16:creationId xmlns="" xmlns:a16="http://schemas.microsoft.com/office/drawing/2014/main" id="{16396183-FAAC-47B4-8532-D9A09D334419}"/>
+                <a16:creationId xmlns:a16="http://schemas.microsoft.com/office/drawing/2014/main" id="{16396183-FAAC-47B4-8532-D9A09D334419}"/>
               </a:ext>
             </a:extLst>
           </p:cNvPr>
@@ -4564,7 +4555,7 @@
           <p:cNvPr id="3" name="Espaço Reservado para Conteúdo 2">
             <a:extLst>
               <a:ext uri="{FF2B5EF4-FFF2-40B4-BE49-F238E27FC236}">
-                <a16:creationId xmlns="" xmlns:a16="http://schemas.microsoft.com/office/drawing/2014/main" id="{6FF8AAE8-8CC1-4389-9FC2-9415BD925ABF}"/>
+                <a16:creationId xmlns:a16="http://schemas.microsoft.com/office/drawing/2014/main" id="{6FF8AAE8-8CC1-4389-9FC2-9415BD925ABF}"/>
               </a:ext>
             </a:extLst>
           </p:cNvPr>
@@ -4672,7 +4663,7 @@
           <p:cNvPr id="4" name="Retângulo 3">
             <a:extLst>
               <a:ext uri="{FF2B5EF4-FFF2-40B4-BE49-F238E27FC236}">
-                <a16:creationId xmlns="" xmlns:a16="http://schemas.microsoft.com/office/drawing/2014/main" id="{6B20AC76-B05C-4C08-9614-FBFE8B8C55DD}"/>
+                <a16:creationId xmlns:a16="http://schemas.microsoft.com/office/drawing/2014/main" id="{6B20AC76-B05C-4C08-9614-FBFE8B8C55DD}"/>
               </a:ext>
             </a:extLst>
           </p:cNvPr>
@@ -4724,7 +4715,7 @@
           <p:cNvPr id="6" name="Gráfico 5">
             <a:extLst>
               <a:ext uri="{FF2B5EF4-FFF2-40B4-BE49-F238E27FC236}">
-                <a16:creationId xmlns="" xmlns:a16="http://schemas.microsoft.com/office/drawing/2014/main" id="{16F75C6A-5433-497A-8EB9-F48F13CE461D}"/>
+                <a16:creationId xmlns:a16="http://schemas.microsoft.com/office/drawing/2014/main" id="{16F75C6A-5433-497A-8EB9-F48F13CE461D}"/>
               </a:ext>
             </a:extLst>
           </p:cNvPr>
@@ -4740,7 +4731,7 @@
                 <a14:useLocalDpi xmlns:a14="http://schemas.microsoft.com/office/drawing/2010/main" val="0"/>
               </a:ext>
               <a:ext uri="{96DAC541-7B7A-43D3-8B79-37D633B846F1}">
-                <asvg:svgBlip xmlns="" xmlns:asvg="http://schemas.microsoft.com/office/drawing/2016/SVG/main" r:embed="rId3"/>
+                <asvg:svgBlip xmlns:asvg="http://schemas.microsoft.com/office/drawing/2016/SVG/main" r:embed="rId3"/>
               </a:ext>
             </a:extLst>
           </a:blip>
@@ -4763,7 +4754,7 @@
           <p:cNvPr id="7" name="Espaço Reservado para Número de Slide 6">
             <a:extLst>
               <a:ext uri="{FF2B5EF4-FFF2-40B4-BE49-F238E27FC236}">
-                <a16:creationId xmlns="" xmlns:a16="http://schemas.microsoft.com/office/drawing/2014/main" id="{D317E2D2-4FCC-4A7B-80F3-553AF958FE85}"/>
+                <a16:creationId xmlns:a16="http://schemas.microsoft.com/office/drawing/2014/main" id="{D317E2D2-4FCC-4A7B-80F3-553AF958FE85}"/>
               </a:ext>
             </a:extLst>
           </p:cNvPr>
@@ -4797,25 +4788,18 @@
   <p:clrMapOvr>
     <a:masterClrMapping/>
   </p:clrMapOvr>
-  <mc:AlternateContent xmlns:mc="http://schemas.openxmlformats.org/markup-compatibility/2006">
-    <mc:Choice xmlns="" xmlns:p159="http://schemas.microsoft.com/office/powerpoint/2015/09/main" Requires="p159">
+  <mc:AlternateContent xmlns:mc="http://schemas.openxmlformats.org/markup-compatibility/2006" xmlns:p159="http://schemas.microsoft.com/office/powerpoint/2015/09/main">
+    <mc:Choice Requires="p159">
       <p:transition>
         <p159:morph option="byObject"/>
       </p:transition>
     </mc:Choice>
-    <mc:Fallback>
+    <mc:Fallback xmlns="">
       <p:transition>
         <p:fade/>
       </p:transition>
     </mc:Fallback>
   </mc:AlternateContent>
-  <p:timing>
-    <p:tnLst>
-      <p:par>
-        <p:cTn id="1" dur="indefinite" restart="never" nodeType="tmRoot"/>
-      </p:par>
-    </p:tnLst>
-  </p:timing>
 </p:sld>
 </file>
 
@@ -4841,7 +4825,7 @@
           <p:cNvPr id="2" name="Título 1">
             <a:extLst>
               <a:ext uri="{FF2B5EF4-FFF2-40B4-BE49-F238E27FC236}">
-                <a16:creationId xmlns="" xmlns:a16="http://schemas.microsoft.com/office/drawing/2014/main" id="{16396183-FAAC-47B4-8532-D9A09D334419}"/>
+                <a16:creationId xmlns:a16="http://schemas.microsoft.com/office/drawing/2014/main" id="{16396183-FAAC-47B4-8532-D9A09D334419}"/>
               </a:ext>
             </a:extLst>
           </p:cNvPr>
@@ -4870,7 +4854,7 @@
           <p:cNvPr id="3" name="Espaço Reservado para Conteúdo 2">
             <a:extLst>
               <a:ext uri="{FF2B5EF4-FFF2-40B4-BE49-F238E27FC236}">
-                <a16:creationId xmlns="" xmlns:a16="http://schemas.microsoft.com/office/drawing/2014/main" id="{6FF8AAE8-8CC1-4389-9FC2-9415BD925ABF}"/>
+                <a16:creationId xmlns:a16="http://schemas.microsoft.com/office/drawing/2014/main" id="{6FF8AAE8-8CC1-4389-9FC2-9415BD925ABF}"/>
               </a:ext>
             </a:extLst>
           </p:cNvPr>
@@ -4954,7 +4938,7 @@
           <p:cNvPr id="4" name="Retângulo 3">
             <a:extLst>
               <a:ext uri="{FF2B5EF4-FFF2-40B4-BE49-F238E27FC236}">
-                <a16:creationId xmlns="" xmlns:a16="http://schemas.microsoft.com/office/drawing/2014/main" id="{6B20AC76-B05C-4C08-9614-FBFE8B8C55DD}"/>
+                <a16:creationId xmlns:a16="http://schemas.microsoft.com/office/drawing/2014/main" id="{6B20AC76-B05C-4C08-9614-FBFE8B8C55DD}"/>
               </a:ext>
             </a:extLst>
           </p:cNvPr>
@@ -5006,7 +4990,7 @@
           <p:cNvPr id="5" name="Espaço Reservado para Conteúdo 5">
             <a:extLst>
               <a:ext uri="{FF2B5EF4-FFF2-40B4-BE49-F238E27FC236}">
-                <a16:creationId xmlns="" xmlns:a16="http://schemas.microsoft.com/office/drawing/2014/main" id="{E3673FF4-41D1-4090-B98C-58F3CA6883F2}"/>
+                <a16:creationId xmlns:a16="http://schemas.microsoft.com/office/drawing/2014/main" id="{E3673FF4-41D1-4090-B98C-58F3CA6883F2}"/>
               </a:ext>
             </a:extLst>
           </p:cNvPr>
@@ -5022,7 +5006,7 @@
                 <a14:useLocalDpi xmlns:a14="http://schemas.microsoft.com/office/drawing/2010/main" val="0"/>
               </a:ext>
               <a:ext uri="{96DAC541-7B7A-43D3-8B79-37D633B846F1}">
-                <asvg:svgBlip xmlns="" xmlns:asvg="http://schemas.microsoft.com/office/drawing/2016/SVG/main" r:embed="rId3"/>
+                <asvg:svgBlip xmlns:asvg="http://schemas.microsoft.com/office/drawing/2016/SVG/main" r:embed="rId3"/>
               </a:ext>
             </a:extLst>
           </a:blip>
@@ -5044,7 +5028,7 @@
           <p:cNvPr id="7" name="Retângulo 6">
             <a:extLst>
               <a:ext uri="{FF2B5EF4-FFF2-40B4-BE49-F238E27FC236}">
-                <a16:creationId xmlns="" xmlns:a16="http://schemas.microsoft.com/office/drawing/2014/main" id="{D296364F-4D09-4B6F-B7F2-77C907C753AA}"/>
+                <a16:creationId xmlns:a16="http://schemas.microsoft.com/office/drawing/2014/main" id="{D296364F-4D09-4B6F-B7F2-77C907C753AA}"/>
               </a:ext>
             </a:extLst>
           </p:cNvPr>
@@ -5098,7 +5082,7 @@
           <p:cNvPr id="8" name="CaixaDeTexto 7">
             <a:extLst>
               <a:ext uri="{FF2B5EF4-FFF2-40B4-BE49-F238E27FC236}">
-                <a16:creationId xmlns="" xmlns:a16="http://schemas.microsoft.com/office/drawing/2014/main" id="{CA38DA59-08F1-4839-94F5-E025AB29B043}"/>
+                <a16:creationId xmlns:a16="http://schemas.microsoft.com/office/drawing/2014/main" id="{CA38DA59-08F1-4839-94F5-E025AB29B043}"/>
               </a:ext>
             </a:extLst>
           </p:cNvPr>
@@ -5158,7 +5142,7 @@
           <p:cNvPr id="6" name="Espaço Reservado para Número de Slide 5">
             <a:extLst>
               <a:ext uri="{FF2B5EF4-FFF2-40B4-BE49-F238E27FC236}">
-                <a16:creationId xmlns="" xmlns:a16="http://schemas.microsoft.com/office/drawing/2014/main" id="{6762A59C-AD24-43BE-A9A0-191DE553C8DE}"/>
+                <a16:creationId xmlns:a16="http://schemas.microsoft.com/office/drawing/2014/main" id="{6762A59C-AD24-43BE-A9A0-191DE553C8DE}"/>
               </a:ext>
             </a:extLst>
           </p:cNvPr>
@@ -5192,25 +5176,18 @@
   <p:clrMapOvr>
     <a:masterClrMapping/>
   </p:clrMapOvr>
-  <mc:AlternateContent xmlns:mc="http://schemas.openxmlformats.org/markup-compatibility/2006">
-    <mc:Choice xmlns="" xmlns:p159="http://schemas.microsoft.com/office/powerpoint/2015/09/main" Requires="p159">
+  <mc:AlternateContent xmlns:mc="http://schemas.openxmlformats.org/markup-compatibility/2006" xmlns:p159="http://schemas.microsoft.com/office/powerpoint/2015/09/main">
+    <mc:Choice Requires="p159">
       <p:transition>
         <p159:morph option="byObject"/>
       </p:transition>
     </mc:Choice>
-    <mc:Fallback>
+    <mc:Fallback xmlns="">
       <p:transition>
         <p:fade/>
       </p:transition>
     </mc:Fallback>
   </mc:AlternateContent>
-  <p:timing>
-    <p:tnLst>
-      <p:par>
-        <p:cTn id="1" dur="indefinite" restart="never" nodeType="tmRoot"/>
-      </p:par>
-    </p:tnLst>
-  </p:timing>
 </p:sld>
 </file>
 
@@ -5236,7 +5213,7 @@
           <p:cNvPr id="2" name="Título 1">
             <a:extLst>
               <a:ext uri="{FF2B5EF4-FFF2-40B4-BE49-F238E27FC236}">
-                <a16:creationId xmlns="" xmlns:a16="http://schemas.microsoft.com/office/drawing/2014/main" id="{16396183-FAAC-47B4-8532-D9A09D334419}"/>
+                <a16:creationId xmlns:a16="http://schemas.microsoft.com/office/drawing/2014/main" id="{16396183-FAAC-47B4-8532-D9A09D334419}"/>
               </a:ext>
             </a:extLst>
           </p:cNvPr>
@@ -5264,7 +5241,7 @@
           <p:cNvPr id="3" name="Espaço Reservado para Conteúdo 2">
             <a:extLst>
               <a:ext uri="{FF2B5EF4-FFF2-40B4-BE49-F238E27FC236}">
-                <a16:creationId xmlns="" xmlns:a16="http://schemas.microsoft.com/office/drawing/2014/main" id="{6FF8AAE8-8CC1-4389-9FC2-9415BD925ABF}"/>
+                <a16:creationId xmlns:a16="http://schemas.microsoft.com/office/drawing/2014/main" id="{6FF8AAE8-8CC1-4389-9FC2-9415BD925ABF}"/>
               </a:ext>
             </a:extLst>
           </p:cNvPr>
@@ -5285,12 +5262,8 @@
               <a:buChar char="o"/>
             </a:pPr>
             <a:r>
-              <a:rPr lang="pt-BR" dirty="0" smtClean="0"/>
-              <a:t>Utilizar </a:t>
-            </a:r>
-            <a:r>
               <a:rPr lang="pt-BR" dirty="0"/>
-              <a:t>algoritmos genéticos para gerar um conjunto de frequências e durações semelhantes ao conjunto de notas musicais dado como entrada.</a:t>
+              <a:t>Utilizar algoritmos genéticos para gerar um conjunto de frequências e durações semelhantes ao conjunto de notas musicais dado como entrada.</a:t>
             </a:r>
           </a:p>
           <a:p>
@@ -5309,7 +5282,7 @@
           <p:cNvPr id="4" name="Retângulo 3">
             <a:extLst>
               <a:ext uri="{FF2B5EF4-FFF2-40B4-BE49-F238E27FC236}">
-                <a16:creationId xmlns="" xmlns:a16="http://schemas.microsoft.com/office/drawing/2014/main" id="{6B20AC76-B05C-4C08-9614-FBFE8B8C55DD}"/>
+                <a16:creationId xmlns:a16="http://schemas.microsoft.com/office/drawing/2014/main" id="{6B20AC76-B05C-4C08-9614-FBFE8B8C55DD}"/>
               </a:ext>
             </a:extLst>
           </p:cNvPr>
@@ -5361,7 +5334,7 @@
           <p:cNvPr id="6" name="Gráfico 5">
             <a:extLst>
               <a:ext uri="{FF2B5EF4-FFF2-40B4-BE49-F238E27FC236}">
-                <a16:creationId xmlns="" xmlns:a16="http://schemas.microsoft.com/office/drawing/2014/main" id="{6309F3CE-4DA9-43B7-92BD-9D3BF8F6309C}"/>
+                <a16:creationId xmlns:a16="http://schemas.microsoft.com/office/drawing/2014/main" id="{6309F3CE-4DA9-43B7-92BD-9D3BF8F6309C}"/>
               </a:ext>
             </a:extLst>
           </p:cNvPr>
@@ -5377,7 +5350,7 @@
                 <a14:useLocalDpi xmlns:a14="http://schemas.microsoft.com/office/drawing/2010/main" val="0"/>
               </a:ext>
               <a:ext uri="{96DAC541-7B7A-43D3-8B79-37D633B846F1}">
-                <asvg:svgBlip xmlns="" xmlns:asvg="http://schemas.microsoft.com/office/drawing/2016/SVG/main" r:embed="rId3"/>
+                <asvg:svgBlip xmlns:asvg="http://schemas.microsoft.com/office/drawing/2016/SVG/main" r:embed="rId3"/>
               </a:ext>
             </a:extLst>
           </a:blip>
@@ -5400,7 +5373,7 @@
           <p:cNvPr id="9" name="Gráfico 8">
             <a:extLst>
               <a:ext uri="{FF2B5EF4-FFF2-40B4-BE49-F238E27FC236}">
-                <a16:creationId xmlns="" xmlns:a16="http://schemas.microsoft.com/office/drawing/2014/main" id="{05C521EB-01BC-42F7-B9B9-FB529BF15E7B}"/>
+                <a16:creationId xmlns:a16="http://schemas.microsoft.com/office/drawing/2014/main" id="{05C521EB-01BC-42F7-B9B9-FB529BF15E7B}"/>
               </a:ext>
             </a:extLst>
           </p:cNvPr>
@@ -5416,7 +5389,7 @@
                 <a14:useLocalDpi xmlns:a14="http://schemas.microsoft.com/office/drawing/2010/main" val="0"/>
               </a:ext>
               <a:ext uri="{96DAC541-7B7A-43D3-8B79-37D633B846F1}">
-                <asvg:svgBlip xmlns="" xmlns:asvg="http://schemas.microsoft.com/office/drawing/2016/SVG/main" r:embed="rId5"/>
+                <asvg:svgBlip xmlns:asvg="http://schemas.microsoft.com/office/drawing/2016/SVG/main" r:embed="rId5"/>
               </a:ext>
             </a:extLst>
           </a:blip>
@@ -5439,7 +5412,7 @@
           <p:cNvPr id="10" name="Gráfico 9">
             <a:extLst>
               <a:ext uri="{FF2B5EF4-FFF2-40B4-BE49-F238E27FC236}">
-                <a16:creationId xmlns="" xmlns:a16="http://schemas.microsoft.com/office/drawing/2014/main" id="{FD26E511-33C1-4A7C-8325-F2899F8574E5}"/>
+                <a16:creationId xmlns:a16="http://schemas.microsoft.com/office/drawing/2014/main" id="{FD26E511-33C1-4A7C-8325-F2899F8574E5}"/>
               </a:ext>
             </a:extLst>
           </p:cNvPr>
@@ -5455,7 +5428,7 @@
                 <a14:useLocalDpi xmlns:a14="http://schemas.microsoft.com/office/drawing/2010/main" val="0"/>
               </a:ext>
               <a:ext uri="{96DAC541-7B7A-43D3-8B79-37D633B846F1}">
-                <asvg:svgBlip xmlns="" xmlns:asvg="http://schemas.microsoft.com/office/drawing/2016/SVG/main" r:embed="rId5"/>
+                <asvg:svgBlip xmlns:asvg="http://schemas.microsoft.com/office/drawing/2016/SVG/main" r:embed="rId5"/>
               </a:ext>
             </a:extLst>
           </a:blip>
@@ -5478,7 +5451,7 @@
           <p:cNvPr id="11" name="Espaço Reservado para Número de Slide 10">
             <a:extLst>
               <a:ext uri="{FF2B5EF4-FFF2-40B4-BE49-F238E27FC236}">
-                <a16:creationId xmlns="" xmlns:a16="http://schemas.microsoft.com/office/drawing/2014/main" id="{5E7E17AB-F218-4E35-92B1-5AD099ED2A89}"/>
+                <a16:creationId xmlns:a16="http://schemas.microsoft.com/office/drawing/2014/main" id="{5E7E17AB-F218-4E35-92B1-5AD099ED2A89}"/>
               </a:ext>
             </a:extLst>
           </p:cNvPr>
@@ -5512,25 +5485,18 @@
   <p:clrMapOvr>
     <a:masterClrMapping/>
   </p:clrMapOvr>
-  <mc:AlternateContent xmlns:mc="http://schemas.openxmlformats.org/markup-compatibility/2006">
-    <mc:Choice xmlns="" xmlns:p159="http://schemas.microsoft.com/office/powerpoint/2015/09/main" Requires="p159">
+  <mc:AlternateContent xmlns:mc="http://schemas.openxmlformats.org/markup-compatibility/2006" xmlns:p159="http://schemas.microsoft.com/office/powerpoint/2015/09/main">
+    <mc:Choice Requires="p159">
       <p:transition>
         <p159:morph option="byObject"/>
       </p:transition>
     </mc:Choice>
-    <mc:Fallback>
+    <mc:Fallback xmlns="">
       <p:transition>
         <p:fade/>
       </p:transition>
     </mc:Fallback>
   </mc:AlternateContent>
-  <p:timing>
-    <p:tnLst>
-      <p:par>
-        <p:cTn id="1" dur="indefinite" restart="never" nodeType="tmRoot"/>
-      </p:par>
-    </p:tnLst>
-  </p:timing>
 </p:sld>
 </file>
 
@@ -5556,7 +5522,7 @@
           <p:cNvPr id="2" name="Título 1">
             <a:extLst>
               <a:ext uri="{FF2B5EF4-FFF2-40B4-BE49-F238E27FC236}">
-                <a16:creationId xmlns="" xmlns:a16="http://schemas.microsoft.com/office/drawing/2014/main" id="{16396183-FAAC-47B4-8532-D9A09D334419}"/>
+                <a16:creationId xmlns:a16="http://schemas.microsoft.com/office/drawing/2014/main" id="{16396183-FAAC-47B4-8532-D9A09D334419}"/>
               </a:ext>
             </a:extLst>
           </p:cNvPr>
@@ -5584,7 +5550,7 @@
           <p:cNvPr id="3" name="Espaço Reservado para Conteúdo 2">
             <a:extLst>
               <a:ext uri="{FF2B5EF4-FFF2-40B4-BE49-F238E27FC236}">
-                <a16:creationId xmlns="" xmlns:a16="http://schemas.microsoft.com/office/drawing/2014/main" id="{6FF8AAE8-8CC1-4389-9FC2-9415BD925ABF}"/>
+                <a16:creationId xmlns:a16="http://schemas.microsoft.com/office/drawing/2014/main" id="{6FF8AAE8-8CC1-4389-9FC2-9415BD925ABF}"/>
               </a:ext>
             </a:extLst>
           </p:cNvPr>
@@ -5672,7 +5638,7 @@
           <p:cNvPr id="4" name="Retângulo 3">
             <a:extLst>
               <a:ext uri="{FF2B5EF4-FFF2-40B4-BE49-F238E27FC236}">
-                <a16:creationId xmlns="" xmlns:a16="http://schemas.microsoft.com/office/drawing/2014/main" id="{6B20AC76-B05C-4C08-9614-FBFE8B8C55DD}"/>
+                <a16:creationId xmlns:a16="http://schemas.microsoft.com/office/drawing/2014/main" id="{6B20AC76-B05C-4C08-9614-FBFE8B8C55DD}"/>
               </a:ext>
             </a:extLst>
           </p:cNvPr>
@@ -5724,7 +5690,7 @@
           <p:cNvPr id="11" name="Retângulo 10">
             <a:extLst>
               <a:ext uri="{FF2B5EF4-FFF2-40B4-BE49-F238E27FC236}">
-                <a16:creationId xmlns="" xmlns:a16="http://schemas.microsoft.com/office/drawing/2014/main" id="{0E5C7E34-511E-4DC5-8C50-35AF60A83435}"/>
+                <a16:creationId xmlns:a16="http://schemas.microsoft.com/office/drawing/2014/main" id="{0E5C7E34-511E-4DC5-8C50-35AF60A83435}"/>
               </a:ext>
             </a:extLst>
           </p:cNvPr>
@@ -5776,7 +5742,7 @@
           <p:cNvPr id="12" name="CaixaDeTexto 11">
             <a:extLst>
               <a:ext uri="{FF2B5EF4-FFF2-40B4-BE49-F238E27FC236}">
-                <a16:creationId xmlns="" xmlns:a16="http://schemas.microsoft.com/office/drawing/2014/main" id="{74E3C062-A0CA-4970-A59C-E4C321297B31}"/>
+                <a16:creationId xmlns:a16="http://schemas.microsoft.com/office/drawing/2014/main" id="{74E3C062-A0CA-4970-A59C-E4C321297B31}"/>
               </a:ext>
             </a:extLst>
           </p:cNvPr>
@@ -5859,7 +5825,7 @@
           <p:cNvPr id="16" name="Espaço Reservado para Número de Slide 15">
             <a:extLst>
               <a:ext uri="{FF2B5EF4-FFF2-40B4-BE49-F238E27FC236}">
-                <a16:creationId xmlns="" xmlns:a16="http://schemas.microsoft.com/office/drawing/2014/main" id="{BE22234F-AE2F-42FA-9835-7A9561A6BEAD}"/>
+                <a16:creationId xmlns:a16="http://schemas.microsoft.com/office/drawing/2014/main" id="{BE22234F-AE2F-42FA-9835-7A9561A6BEAD}"/>
               </a:ext>
             </a:extLst>
           </p:cNvPr>
@@ -5893,25 +5859,18 @@
   <p:clrMapOvr>
     <a:masterClrMapping/>
   </p:clrMapOvr>
-  <mc:AlternateContent xmlns:mc="http://schemas.openxmlformats.org/markup-compatibility/2006">
-    <mc:Choice xmlns="" xmlns:p159="http://schemas.microsoft.com/office/powerpoint/2015/09/main" Requires="p159">
+  <mc:AlternateContent xmlns:mc="http://schemas.openxmlformats.org/markup-compatibility/2006" xmlns:p159="http://schemas.microsoft.com/office/powerpoint/2015/09/main">
+    <mc:Choice Requires="p159">
       <p:transition>
         <p159:morph option="byObject"/>
       </p:transition>
     </mc:Choice>
-    <mc:Fallback>
+    <mc:Fallback xmlns="">
       <p:transition>
         <p:fade/>
       </p:transition>
     </mc:Fallback>
   </mc:AlternateContent>
-  <p:timing>
-    <p:tnLst>
-      <p:par>
-        <p:cTn id="1" dur="indefinite" restart="never" nodeType="tmRoot"/>
-      </p:par>
-    </p:tnLst>
-  </p:timing>
 </p:sld>
 </file>
 
@@ -5937,7 +5896,7 @@
           <p:cNvPr id="5" name="Retângulo 4">
             <a:extLst>
               <a:ext uri="{FF2B5EF4-FFF2-40B4-BE49-F238E27FC236}">
-                <a16:creationId xmlns="" xmlns:a16="http://schemas.microsoft.com/office/drawing/2014/main" id="{9CA9E269-B88E-4E69-A45F-592363FE202A}"/>
+                <a16:creationId xmlns:a16="http://schemas.microsoft.com/office/drawing/2014/main" id="{9CA9E269-B88E-4E69-A45F-592363FE202A}"/>
               </a:ext>
             </a:extLst>
           </p:cNvPr>
@@ -5989,7 +5948,7 @@
           <p:cNvPr id="2" name="Título 1">
             <a:extLst>
               <a:ext uri="{FF2B5EF4-FFF2-40B4-BE49-F238E27FC236}">
-                <a16:creationId xmlns="" xmlns:a16="http://schemas.microsoft.com/office/drawing/2014/main" id="{16396183-FAAC-47B4-8532-D9A09D334419}"/>
+                <a16:creationId xmlns:a16="http://schemas.microsoft.com/office/drawing/2014/main" id="{16396183-FAAC-47B4-8532-D9A09D334419}"/>
               </a:ext>
             </a:extLst>
           </p:cNvPr>
@@ -6017,7 +5976,7 @@
           <p:cNvPr id="3" name="Espaço Reservado para Conteúdo 2">
             <a:extLst>
               <a:ext uri="{FF2B5EF4-FFF2-40B4-BE49-F238E27FC236}">
-                <a16:creationId xmlns="" xmlns:a16="http://schemas.microsoft.com/office/drawing/2014/main" id="{6FF8AAE8-8CC1-4389-9FC2-9415BD925ABF}"/>
+                <a16:creationId xmlns:a16="http://schemas.microsoft.com/office/drawing/2014/main" id="{6FF8AAE8-8CC1-4389-9FC2-9415BD925ABF}"/>
               </a:ext>
             </a:extLst>
           </p:cNvPr>
@@ -6072,7 +6031,7 @@
           <p:cNvPr id="4" name="Retângulo 3">
             <a:extLst>
               <a:ext uri="{FF2B5EF4-FFF2-40B4-BE49-F238E27FC236}">
-                <a16:creationId xmlns="" xmlns:a16="http://schemas.microsoft.com/office/drawing/2014/main" id="{6B20AC76-B05C-4C08-9614-FBFE8B8C55DD}"/>
+                <a16:creationId xmlns:a16="http://schemas.microsoft.com/office/drawing/2014/main" id="{6B20AC76-B05C-4C08-9614-FBFE8B8C55DD}"/>
               </a:ext>
             </a:extLst>
           </p:cNvPr>
@@ -6119,14 +6078,14 @@
           </a:p>
         </p:txBody>
       </p:sp>
-      <mc:AlternateContent xmlns:mc="http://schemas.openxmlformats.org/markup-compatibility/2006">
-        <mc:Choice xmlns:a14="http://schemas.microsoft.com/office/drawing/2010/main" Requires="a14">
+      <mc:AlternateContent xmlns:mc="http://schemas.openxmlformats.org/markup-compatibility/2006" xmlns:a14="http://schemas.microsoft.com/office/drawing/2010/main">
+        <mc:Choice Requires="a14">
           <p:sp>
             <p:nvSpPr>
               <p:cNvPr id="14" name="CaixaDeTexto 13">
                 <a:extLst>
                   <a:ext uri="{FF2B5EF4-FFF2-40B4-BE49-F238E27FC236}">
-                    <a16:creationId xmlns="" xmlns:a16="http://schemas.microsoft.com/office/drawing/2014/main" id="{797A3F77-914D-4A67-9AC7-B9CEA3474878}"/>
+                    <a16:creationId xmlns:a16="http://schemas.microsoft.com/office/drawing/2014/main" id="{797A3F77-914D-4A67-9AC7-B9CEA3474878}"/>
                   </a:ext>
                 </a:extLst>
               </p:cNvPr>
@@ -6387,13 +6346,13 @@
                                     <a:rPr lang="pt-BR" sz="1900" i="1">
                                       <a:latin typeface="Cambria Math" panose="02040503050406030204" pitchFamily="18" charset="0"/>
                                     </a:rPr>
-                                    <m:t>𝑑𝑢𝑟𝑎𝑐𝑎𝑜𝐺𝑙𝑜</m:t>
+                                    <m:t>𝑑𝑢𝑟𝑎𝑐𝑎𝑜𝐺𝑙𝑜𝑏𝑎</m:t>
                                   </m:r>
                                   <m:r>
                                     <a:rPr lang="pt-BR" sz="1900" b="0" i="1" smtClean="0">
                                       <a:latin typeface="Cambria Math" panose="02040503050406030204" pitchFamily="18" charset="0"/>
                                     </a:rPr>
-                                    <m:t>𝑏𝑎𝑙𝑛</m:t>
+                                    <m:t>𝑙𝑛</m:t>
                                   </m:r>
                                 </m:e>
                               </m:d>
@@ -6447,7 +6406,7 @@
             </p:txBody>
           </p:sp>
         </mc:Choice>
-        <mc:Fallback>
+        <mc:Fallback xmlns="">
           <p:sp>
             <p:nvSpPr>
               <p:cNvPr id="14" name="CaixaDeTexto 13">
@@ -6497,7 +6456,7 @@
           <p:cNvPr id="6" name="Espaço Reservado para Número de Slide 5">
             <a:extLst>
               <a:ext uri="{FF2B5EF4-FFF2-40B4-BE49-F238E27FC236}">
-                <a16:creationId xmlns="" xmlns:a16="http://schemas.microsoft.com/office/drawing/2014/main" id="{2817AF29-351E-4AD2-BE0D-A32E79286934}"/>
+                <a16:creationId xmlns:a16="http://schemas.microsoft.com/office/drawing/2014/main" id="{2817AF29-351E-4AD2-BE0D-A32E79286934}"/>
               </a:ext>
             </a:extLst>
           </p:cNvPr>
@@ -6531,25 +6490,18 @@
   <p:clrMapOvr>
     <a:masterClrMapping/>
   </p:clrMapOvr>
-  <mc:AlternateContent xmlns:mc="http://schemas.openxmlformats.org/markup-compatibility/2006">
-    <mc:Choice xmlns="" xmlns:p159="http://schemas.microsoft.com/office/powerpoint/2015/09/main" Requires="p159">
+  <mc:AlternateContent xmlns:mc="http://schemas.openxmlformats.org/markup-compatibility/2006" xmlns:p159="http://schemas.microsoft.com/office/powerpoint/2015/09/main">
+    <mc:Choice Requires="p159">
       <p:transition>
         <p159:morph option="byObject"/>
       </p:transition>
     </mc:Choice>
-    <mc:Fallback>
+    <mc:Fallback xmlns="">
       <p:transition>
         <p:fade/>
       </p:transition>
     </mc:Fallback>
   </mc:AlternateContent>
-  <p:timing>
-    <p:tnLst>
-      <p:par>
-        <p:cTn id="1" dur="indefinite" restart="never" nodeType="tmRoot"/>
-      </p:par>
-    </p:tnLst>
-  </p:timing>
 </p:sld>
 </file>
 
@@ -6575,7 +6527,7 @@
           <p:cNvPr id="7" name="Retângulo 6">
             <a:extLst>
               <a:ext uri="{FF2B5EF4-FFF2-40B4-BE49-F238E27FC236}">
-                <a16:creationId xmlns="" xmlns:a16="http://schemas.microsoft.com/office/drawing/2014/main" id="{EAE54499-9E36-40BB-83E2-F1DC420531E8}"/>
+                <a16:creationId xmlns:a16="http://schemas.microsoft.com/office/drawing/2014/main" id="{EAE54499-9E36-40BB-83E2-F1DC420531E8}"/>
               </a:ext>
             </a:extLst>
           </p:cNvPr>
@@ -6627,7 +6579,7 @@
           <p:cNvPr id="2" name="Título 1">
             <a:extLst>
               <a:ext uri="{FF2B5EF4-FFF2-40B4-BE49-F238E27FC236}">
-                <a16:creationId xmlns="" xmlns:a16="http://schemas.microsoft.com/office/drawing/2014/main" id="{16396183-FAAC-47B4-8532-D9A09D334419}"/>
+                <a16:creationId xmlns:a16="http://schemas.microsoft.com/office/drawing/2014/main" id="{16396183-FAAC-47B4-8532-D9A09D334419}"/>
               </a:ext>
             </a:extLst>
           </p:cNvPr>
@@ -6655,7 +6607,7 @@
           <p:cNvPr id="3" name="Espaço Reservado para Conteúdo 2">
             <a:extLst>
               <a:ext uri="{FF2B5EF4-FFF2-40B4-BE49-F238E27FC236}">
-                <a16:creationId xmlns="" xmlns:a16="http://schemas.microsoft.com/office/drawing/2014/main" id="{6FF8AAE8-8CC1-4389-9FC2-9415BD925ABF}"/>
+                <a16:creationId xmlns:a16="http://schemas.microsoft.com/office/drawing/2014/main" id="{6FF8AAE8-8CC1-4389-9FC2-9415BD925ABF}"/>
               </a:ext>
             </a:extLst>
           </p:cNvPr>
@@ -6753,7 +6705,7 @@
           <p:cNvPr id="4" name="Retângulo 3">
             <a:extLst>
               <a:ext uri="{FF2B5EF4-FFF2-40B4-BE49-F238E27FC236}">
-                <a16:creationId xmlns="" xmlns:a16="http://schemas.microsoft.com/office/drawing/2014/main" id="{6B20AC76-B05C-4C08-9614-FBFE8B8C55DD}"/>
+                <a16:creationId xmlns:a16="http://schemas.microsoft.com/office/drawing/2014/main" id="{6B20AC76-B05C-4C08-9614-FBFE8B8C55DD}"/>
               </a:ext>
             </a:extLst>
           </p:cNvPr>
@@ -6805,7 +6757,7 @@
           <p:cNvPr id="6" name="Gráfico 5">
             <a:extLst>
               <a:ext uri="{FF2B5EF4-FFF2-40B4-BE49-F238E27FC236}">
-                <a16:creationId xmlns="" xmlns:a16="http://schemas.microsoft.com/office/drawing/2014/main" id="{B90FED88-EEE1-4A8D-BC61-32361B728619}"/>
+                <a16:creationId xmlns:a16="http://schemas.microsoft.com/office/drawing/2014/main" id="{B90FED88-EEE1-4A8D-BC61-32361B728619}"/>
               </a:ext>
             </a:extLst>
           </p:cNvPr>
@@ -6821,7 +6773,7 @@
                 <a14:useLocalDpi xmlns:a14="http://schemas.microsoft.com/office/drawing/2010/main" val="0"/>
               </a:ext>
               <a:ext uri="{96DAC541-7B7A-43D3-8B79-37D633B846F1}">
-                <asvg:svgBlip xmlns="" xmlns:asvg="http://schemas.microsoft.com/office/drawing/2016/SVG/main" r:embed="rId3"/>
+                <asvg:svgBlip xmlns:asvg="http://schemas.microsoft.com/office/drawing/2016/SVG/main" r:embed="rId3"/>
               </a:ext>
             </a:extLst>
           </a:blip>
@@ -6846,7 +6798,7 @@
               <p:cNvPr id="9" name="CaixaDeTexto 8">
                 <a:extLst>
                   <a:ext uri="{FF2B5EF4-FFF2-40B4-BE49-F238E27FC236}">
-                    <a16:creationId xmlns="" xmlns:a16="http://schemas.microsoft.com/office/drawing/2014/main" id="{7D04E31E-FB45-40E2-9DA2-3C2FE66B3783}"/>
+                    <a16:creationId xmlns:a16="http://schemas.microsoft.com/office/drawing/2014/main" id="{7D04E31E-FB45-40E2-9DA2-3C2FE66B3783}"/>
                   </a:ext>
                 </a:extLst>
               </p:cNvPr>
@@ -7125,7 +7077,7 @@
           <p:cNvPr id="8" name="Espaço Reservado para Número de Slide 7">
             <a:extLst>
               <a:ext uri="{FF2B5EF4-FFF2-40B4-BE49-F238E27FC236}">
-                <a16:creationId xmlns="" xmlns:a16="http://schemas.microsoft.com/office/drawing/2014/main" id="{3AD4646E-5A46-429A-839B-6473BBBA89A2}"/>
+                <a16:creationId xmlns:a16="http://schemas.microsoft.com/office/drawing/2014/main" id="{3AD4646E-5A46-429A-839B-6473BBBA89A2}"/>
               </a:ext>
             </a:extLst>
           </p:cNvPr>
@@ -7159,25 +7111,18 @@
   <p:clrMapOvr>
     <a:masterClrMapping/>
   </p:clrMapOvr>
-  <mc:AlternateContent xmlns:mc="http://schemas.openxmlformats.org/markup-compatibility/2006">
-    <mc:Choice xmlns="" xmlns:p159="http://schemas.microsoft.com/office/powerpoint/2015/09/main" Requires="p159">
+  <mc:AlternateContent xmlns:mc="http://schemas.openxmlformats.org/markup-compatibility/2006" xmlns:p159="http://schemas.microsoft.com/office/powerpoint/2015/09/main">
+    <mc:Choice Requires="p159">
       <p:transition>
         <p159:morph option="byObject"/>
       </p:transition>
     </mc:Choice>
-    <mc:Fallback>
+    <mc:Fallback xmlns="">
       <p:transition>
         <p:fade/>
       </p:transition>
     </mc:Fallback>
   </mc:AlternateContent>
-  <p:timing>
-    <p:tnLst>
-      <p:par>
-        <p:cTn id="1" dur="indefinite" restart="never" nodeType="tmRoot"/>
-      </p:par>
-    </p:tnLst>
-  </p:timing>
 </p:sld>
 </file>
 
@@ -7203,7 +7148,7 @@
           <p:cNvPr id="2" name="Título 1">
             <a:extLst>
               <a:ext uri="{FF2B5EF4-FFF2-40B4-BE49-F238E27FC236}">
-                <a16:creationId xmlns="" xmlns:a16="http://schemas.microsoft.com/office/drawing/2014/main" id="{16396183-FAAC-47B4-8532-D9A09D334419}"/>
+                <a16:creationId xmlns:a16="http://schemas.microsoft.com/office/drawing/2014/main" id="{16396183-FAAC-47B4-8532-D9A09D334419}"/>
               </a:ext>
             </a:extLst>
           </p:cNvPr>
@@ -7231,7 +7176,7 @@
           <p:cNvPr id="3" name="Espaço Reservado para Conteúdo 2">
             <a:extLst>
               <a:ext uri="{FF2B5EF4-FFF2-40B4-BE49-F238E27FC236}">
-                <a16:creationId xmlns="" xmlns:a16="http://schemas.microsoft.com/office/drawing/2014/main" id="{6FF8AAE8-8CC1-4389-9FC2-9415BD925ABF}"/>
+                <a16:creationId xmlns:a16="http://schemas.microsoft.com/office/drawing/2014/main" id="{6FF8AAE8-8CC1-4389-9FC2-9415BD925ABF}"/>
               </a:ext>
             </a:extLst>
           </p:cNvPr>
@@ -7257,7 +7202,7 @@
               <a:buChar char="o"/>
             </a:pPr>
             <a:r>
-              <a:rPr lang="pt-BR" dirty="0" smtClean="0"/>
+              <a:rPr lang="pt-BR" dirty="0"/>
               <a:t>Execução de 100 instâncias com notas e durações aleatórias para cada um dos seguintes casos:</a:t>
             </a:r>
           </a:p>
@@ -7267,7 +7212,7 @@
               <a:buChar char="o"/>
             </a:pPr>
             <a:r>
-              <a:rPr lang="pt-BR" dirty="0" smtClean="0"/>
+              <a:rPr lang="pt-BR" dirty="0"/>
               <a:t>5 notas e durações com 50 e 1000 gerações</a:t>
             </a:r>
           </a:p>
@@ -7277,7 +7222,7 @@
               <a:buChar char="o"/>
             </a:pPr>
             <a:r>
-              <a:rPr lang="pt-BR" dirty="0" smtClean="0"/>
+              <a:rPr lang="pt-BR" dirty="0"/>
               <a:t>50 notas e durações com 50 e 1000 gerações</a:t>
             </a:r>
           </a:p>
@@ -7287,12 +7232,8 @@
               <a:buChar char="o"/>
             </a:pPr>
             <a:r>
-              <a:rPr lang="pt-BR" dirty="0" smtClean="0"/>
-              <a:t>100 </a:t>
-            </a:r>
-            <a:r>
               <a:rPr lang="pt-BR" dirty="0"/>
-              <a:t>notas e durações com 50 e 1000 gerações</a:t>
+              <a:t>100 notas e durações com 50 e 1000 gerações</a:t>
             </a:r>
           </a:p>
           <a:p>
@@ -7301,21 +7242,12 @@
               <a:buChar char="o"/>
             </a:pPr>
             <a:r>
-              <a:rPr lang="pt-BR" dirty="0" smtClean="0"/>
-              <a:t>500 </a:t>
-            </a:r>
-            <a:r>
               <a:rPr lang="pt-BR" dirty="0"/>
-              <a:t>notas e durações com 50 </a:t>
-            </a:r>
-            <a:r>
-              <a:rPr lang="pt-BR" dirty="0" smtClean="0"/>
-              <a:t>gerações</a:t>
-            </a:r>
+              <a:t>500 notas e durações com 50 gerações</a:t>
+            </a:r>
+          </a:p>
+          <a:p>
             <a:endParaRPr lang="pt-BR" dirty="0"/>
-          </a:p>
-          <a:p>
-            <a:endParaRPr lang="pt-BR" dirty="0" smtClean="0"/>
           </a:p>
           <a:p>
             <a:pPr>
@@ -7323,7 +7255,7 @@
               <a:buChar char="o"/>
             </a:pPr>
             <a:r>
-              <a:rPr lang="pt-BR" dirty="0" smtClean="0"/>
+              <a:rPr lang="pt-BR" dirty="0"/>
               <a:t>Dados coletados:</a:t>
             </a:r>
           </a:p>
@@ -7333,7 +7265,7 @@
               <a:buChar char="o"/>
             </a:pPr>
             <a:r>
-              <a:rPr lang="pt-BR" dirty="0" smtClean="0"/>
+              <a:rPr lang="pt-BR" dirty="0"/>
               <a:t>Indivíduo com menor fitness em todas as gerações</a:t>
             </a:r>
           </a:p>
@@ -7344,15 +7276,7 @@
             </a:pPr>
             <a:r>
               <a:rPr lang="pt-BR" dirty="0"/>
-              <a:t>Indivíduo com </a:t>
-            </a:r>
-            <a:r>
-              <a:rPr lang="pt-BR" dirty="0" smtClean="0"/>
-              <a:t>maior fitness </a:t>
-            </a:r>
-            <a:r>
-              <a:rPr lang="pt-BR" dirty="0"/>
-              <a:t>em todas as gerações</a:t>
+              <a:t>Indivíduo com maior fitness em todas as gerações</a:t>
             </a:r>
           </a:p>
           <a:p>
@@ -7361,10 +7285,9 @@
               <a:buChar char="o"/>
             </a:pPr>
             <a:r>
-              <a:rPr lang="pt-BR" dirty="0" smtClean="0"/>
+              <a:rPr lang="pt-BR" dirty="0"/>
               <a:t>Geração que gerou o indivíduo com maior fitness</a:t>
             </a:r>
-            <a:endParaRPr lang="pt-BR" dirty="0"/>
           </a:p>
         </p:txBody>
       </p:sp>
@@ -7373,7 +7296,7 @@
           <p:cNvPr id="4" name="Retângulo 3">
             <a:extLst>
               <a:ext uri="{FF2B5EF4-FFF2-40B4-BE49-F238E27FC236}">
-                <a16:creationId xmlns="" xmlns:a16="http://schemas.microsoft.com/office/drawing/2014/main" id="{6B20AC76-B05C-4C08-9614-FBFE8B8C55DD}"/>
+                <a16:creationId xmlns:a16="http://schemas.microsoft.com/office/drawing/2014/main" id="{6B20AC76-B05C-4C08-9614-FBFE8B8C55DD}"/>
               </a:ext>
             </a:extLst>
           </p:cNvPr>
@@ -7425,7 +7348,7 @@
           <p:cNvPr id="5" name="Espaço Reservado para Número de Slide 4">
             <a:extLst>
               <a:ext uri="{FF2B5EF4-FFF2-40B4-BE49-F238E27FC236}">
-                <a16:creationId xmlns="" xmlns:a16="http://schemas.microsoft.com/office/drawing/2014/main" id="{309AD7F4-7A81-4D98-861C-0938725EDF22}"/>
+                <a16:creationId xmlns:a16="http://schemas.microsoft.com/office/drawing/2014/main" id="{309AD7F4-7A81-4D98-861C-0938725EDF22}"/>
               </a:ext>
             </a:extLst>
           </p:cNvPr>
@@ -7459,25 +7382,18 @@
   <p:clrMapOvr>
     <a:masterClrMapping/>
   </p:clrMapOvr>
-  <mc:AlternateContent xmlns:mc="http://schemas.openxmlformats.org/markup-compatibility/2006">
-    <mc:Choice xmlns="" xmlns:p159="http://schemas.microsoft.com/office/powerpoint/2015/09/main" Requires="p159">
+  <mc:AlternateContent xmlns:mc="http://schemas.openxmlformats.org/markup-compatibility/2006" xmlns:p159="http://schemas.microsoft.com/office/powerpoint/2015/09/main">
+    <mc:Choice Requires="p159">
       <p:transition>
         <p159:morph option="byObject"/>
       </p:transition>
     </mc:Choice>
-    <mc:Fallback>
+    <mc:Fallback xmlns="">
       <p:transition>
         <p:fade/>
       </p:transition>
     </mc:Fallback>
   </mc:AlternateContent>
-  <p:timing>
-    <p:tnLst>
-      <p:par>
-        <p:cTn id="1" dur="indefinite" restart="never" nodeType="tmRoot"/>
-      </p:par>
-    </p:tnLst>
-  </p:timing>
 </p:sld>
 </file>
 
@@ -7503,7 +7419,7 @@
           <p:cNvPr id="2" name="Título 1">
             <a:extLst>
               <a:ext uri="{FF2B5EF4-FFF2-40B4-BE49-F238E27FC236}">
-                <a16:creationId xmlns="" xmlns:a16="http://schemas.microsoft.com/office/drawing/2014/main" id="{16396183-FAAC-47B4-8532-D9A09D334419}"/>
+                <a16:creationId xmlns:a16="http://schemas.microsoft.com/office/drawing/2014/main" id="{16396183-FAAC-47B4-8532-D9A09D334419}"/>
               </a:ext>
             </a:extLst>
           </p:cNvPr>
@@ -7531,7 +7447,7 @@
           <p:cNvPr id="3" name="Espaço Reservado para Conteúdo 2">
             <a:extLst>
               <a:ext uri="{FF2B5EF4-FFF2-40B4-BE49-F238E27FC236}">
-                <a16:creationId xmlns="" xmlns:a16="http://schemas.microsoft.com/office/drawing/2014/main" id="{6FF8AAE8-8CC1-4389-9FC2-9415BD925ABF}"/>
+                <a16:creationId xmlns:a16="http://schemas.microsoft.com/office/drawing/2014/main" id="{6FF8AAE8-8CC1-4389-9FC2-9415BD925ABF}"/>
               </a:ext>
             </a:extLst>
           </p:cNvPr>
@@ -7562,7 +7478,7 @@
           <p:cNvPr id="4" name="Retângulo 3">
             <a:extLst>
               <a:ext uri="{FF2B5EF4-FFF2-40B4-BE49-F238E27FC236}">
-                <a16:creationId xmlns="" xmlns:a16="http://schemas.microsoft.com/office/drawing/2014/main" id="{6B20AC76-B05C-4C08-9614-FBFE8B8C55DD}"/>
+                <a16:creationId xmlns:a16="http://schemas.microsoft.com/office/drawing/2014/main" id="{6B20AC76-B05C-4C08-9614-FBFE8B8C55DD}"/>
               </a:ext>
             </a:extLst>
           </p:cNvPr>
@@ -7614,7 +7530,7 @@
           <p:cNvPr id="5" name="Espaço Reservado para Número de Slide 4">
             <a:extLst>
               <a:ext uri="{FF2B5EF4-FFF2-40B4-BE49-F238E27FC236}">
-                <a16:creationId xmlns="" xmlns:a16="http://schemas.microsoft.com/office/drawing/2014/main" id="{309AD7F4-7A81-4D98-861C-0938725EDF22}"/>
+                <a16:creationId xmlns:a16="http://schemas.microsoft.com/office/drawing/2014/main" id="{309AD7F4-7A81-4D98-861C-0938725EDF22}"/>
               </a:ext>
             </a:extLst>
           </p:cNvPr>
@@ -7663,10 +7579,34 @@
                 <a:tableStyleId>{5C22544A-7EE6-4342-B048-85BDC9FD1C3A}</a:tableStyleId>
               </a:tblPr>
               <a:tblGrid>
-                <a:gridCol w="2228045"/>
-                <a:gridCol w="2336309"/>
-                <a:gridCol w="2119782"/>
-                <a:gridCol w="2228045"/>
+                <a:gridCol w="2228045">
+                  <a:extLst>
+                    <a:ext uri="{9D8B030D-6E8A-4147-A177-3AD203B41FA5}">
+                      <a16:colId xmlns:a16="http://schemas.microsoft.com/office/drawing/2014/main" val="20000"/>
+                    </a:ext>
+                  </a:extLst>
+                </a:gridCol>
+                <a:gridCol w="2336309">
+                  <a:extLst>
+                    <a:ext uri="{9D8B030D-6E8A-4147-A177-3AD203B41FA5}">
+                      <a16:colId xmlns:a16="http://schemas.microsoft.com/office/drawing/2014/main" val="20001"/>
+                    </a:ext>
+                  </a:extLst>
+                </a:gridCol>
+                <a:gridCol w="2119782">
+                  <a:extLst>
+                    <a:ext uri="{9D8B030D-6E8A-4147-A177-3AD203B41FA5}">
+                      <a16:colId xmlns:a16="http://schemas.microsoft.com/office/drawing/2014/main" val="20002"/>
+                    </a:ext>
+                  </a:extLst>
+                </a:gridCol>
+                <a:gridCol w="2228045">
+                  <a:extLst>
+                    <a:ext uri="{9D8B030D-6E8A-4147-A177-3AD203B41FA5}">
+                      <a16:colId xmlns:a16="http://schemas.microsoft.com/office/drawing/2014/main" val="20003"/>
+                    </a:ext>
+                  </a:extLst>
+                </a:gridCol>
               </a:tblGrid>
               <a:tr h="437882">
                 <a:tc>
@@ -7676,11 +7616,11 @@
                     <a:p>
                       <a:pPr algn="ctr"/>
                       <a:r>
-                        <a:rPr lang="pt-BR" sz="2400" dirty="0" smtClean="0"/>
+                        <a:rPr lang="pt-BR" sz="2400" dirty="0"/>
                         <a:t>Caso</a:t>
                       </a:r>
                       <a:r>
-                        <a:rPr lang="pt-BR" sz="2400" baseline="0" dirty="0" smtClean="0"/>
+                        <a:rPr lang="pt-BR" sz="2400" baseline="0" dirty="0"/>
                         <a:t> de Teste</a:t>
                       </a:r>
                       <a:endParaRPr lang="en-US" sz="2400" dirty="0"/>
@@ -7695,7 +7635,7 @@
                     <a:p>
                       <a:pPr algn="ctr"/>
                       <a:r>
-                        <a:rPr lang="pt-BR" sz="2400" dirty="0" smtClean="0"/>
+                        <a:rPr lang="pt-BR" sz="2400" dirty="0"/>
                         <a:t>Geração</a:t>
                       </a:r>
                       <a:endParaRPr lang="en-US" sz="2400" dirty="0"/>
@@ -7710,11 +7650,11 @@
                     <a:p>
                       <a:pPr algn="ctr"/>
                       <a:r>
-                        <a:rPr lang="pt-BR" sz="2400" dirty="0" smtClean="0"/>
+                        <a:rPr lang="pt-BR" sz="2400" dirty="0"/>
                         <a:t>Menor </a:t>
                       </a:r>
                       <a:r>
-                        <a:rPr lang="pt-BR" sz="2400" baseline="0" dirty="0" smtClean="0"/>
+                        <a:rPr lang="pt-BR" sz="2400" baseline="0" dirty="0"/>
                         <a:t>Fitness</a:t>
                       </a:r>
                       <a:endParaRPr lang="en-US" sz="2400" dirty="0"/>
@@ -7729,15 +7669,15 @@
                     <a:p>
                       <a:pPr algn="ctr"/>
                       <a:r>
-                        <a:rPr lang="pt-BR" sz="2400" dirty="0" smtClean="0"/>
+                        <a:rPr lang="pt-BR" sz="2400" dirty="0"/>
                         <a:t>Maior</a:t>
                       </a:r>
                       <a:r>
-                        <a:rPr lang="pt-BR" sz="2400" baseline="0" dirty="0" smtClean="0"/>
+                        <a:rPr lang="pt-BR" sz="2400" baseline="0" dirty="0"/>
                         <a:t> </a:t>
                       </a:r>
                       <a:r>
-                        <a:rPr lang="pt-BR" sz="2400" dirty="0" smtClean="0"/>
+                        <a:rPr lang="pt-BR" sz="2400" dirty="0"/>
                         <a:t>Fitness</a:t>
                       </a:r>
                       <a:endParaRPr lang="en-US" sz="2400" dirty="0"/>
@@ -7745,6 +7685,11 @@
                   </a:txBody>
                   <a:tcPr/>
                 </a:tc>
+                <a:extLst>
+                  <a:ext uri="{0D108BD9-81ED-4DB2-BD59-A6C34878D82A}">
+                    <a16:rowId xmlns:a16="http://schemas.microsoft.com/office/drawing/2014/main" val="10000"/>
+                  </a:ext>
+                </a:extLst>
               </a:tr>
               <a:tr h="437882">
                 <a:tc>
@@ -7794,7 +7739,7 @@
                     <a:p>
                       <a:pPr algn="ctr" fontAlgn="b"/>
                       <a:r>
-                        <a:rPr lang="en-US" sz="2400" b="0" i="0" u="none" strike="noStrike" dirty="0" smtClean="0">
+                        <a:rPr lang="en-US" sz="2400" b="0" i="0" u="none" strike="noStrike" dirty="0">
                           <a:solidFill>
                             <a:schemeClr val="tx1"/>
                           </a:solidFill>
@@ -7803,13 +7748,6 @@
                         </a:rPr>
                         <a:t>58.86%</a:t>
                       </a:r>
-                      <a:endParaRPr lang="en-US" sz="2400" b="0" i="0" u="none" strike="noStrike" dirty="0">
-                        <a:solidFill>
-                          <a:schemeClr val="tx1"/>
-                        </a:solidFill>
-                        <a:effectLst/>
-                        <a:latin typeface="Calibri" panose="020F0502020204030204" pitchFamily="34" charset="0"/>
-                      </a:endParaRPr>
                     </a:p>
                   </a:txBody>
                   <a:tcPr marL="9525" marR="9525" marT="9525" marB="0" anchor="b"/>
@@ -7821,7 +7759,7 @@
                     <a:p>
                       <a:pPr algn="ctr" fontAlgn="b"/>
                       <a:r>
-                        <a:rPr lang="en-US" sz="2400" b="0" i="0" u="none" strike="noStrike" dirty="0" smtClean="0">
+                        <a:rPr lang="en-US" sz="2400" b="0" i="0" u="none" strike="noStrike" dirty="0">
                           <a:solidFill>
                             <a:schemeClr val="tx1"/>
                           </a:solidFill>
@@ -7830,17 +7768,15 @@
                         </a:rPr>
                         <a:t>98.24%</a:t>
                       </a:r>
-                      <a:endParaRPr lang="en-US" sz="2400" b="0" i="0" u="none" strike="noStrike" dirty="0">
-                        <a:solidFill>
-                          <a:schemeClr val="tx1"/>
-                        </a:solidFill>
-                        <a:effectLst/>
-                        <a:latin typeface="Calibri" panose="020F0502020204030204" pitchFamily="34" charset="0"/>
-                      </a:endParaRPr>
                     </a:p>
                   </a:txBody>
                   <a:tcPr marL="9525" marR="9525" marT="9525" marB="0" anchor="b"/>
                 </a:tc>
+                <a:extLst>
+                  <a:ext uri="{0D108BD9-81ED-4DB2-BD59-A6C34878D82A}">
+                    <a16:rowId xmlns:a16="http://schemas.microsoft.com/office/drawing/2014/main" val="10001"/>
+                  </a:ext>
+                </a:extLst>
               </a:tr>
               <a:tr h="437882">
                 <a:tc>
@@ -7890,7 +7826,7 @@
                     <a:p>
                       <a:pPr algn="ctr" fontAlgn="b"/>
                       <a:r>
-                        <a:rPr lang="en-US" sz="2400" b="0" i="0" u="none" strike="noStrike" dirty="0" smtClean="0">
+                        <a:rPr lang="en-US" sz="2400" b="0" i="0" u="none" strike="noStrike" dirty="0">
                           <a:solidFill>
                             <a:schemeClr val="tx1"/>
                           </a:solidFill>
@@ -7899,13 +7835,6 @@
                         </a:rPr>
                         <a:t>58.33%</a:t>
                       </a:r>
-                      <a:endParaRPr lang="en-US" sz="2400" b="0" i="0" u="none" strike="noStrike" dirty="0">
-                        <a:solidFill>
-                          <a:schemeClr val="tx1"/>
-                        </a:solidFill>
-                        <a:effectLst/>
-                        <a:latin typeface="Calibri" panose="020F0502020204030204" pitchFamily="34" charset="0"/>
-                      </a:endParaRPr>
                     </a:p>
                   </a:txBody>
                   <a:tcPr marL="9525" marR="9525" marT="9525" marB="0" anchor="b"/>
@@ -7917,7 +7846,7 @@
                     <a:p>
                       <a:pPr algn="ctr" fontAlgn="b"/>
                       <a:r>
-                        <a:rPr lang="en-US" sz="2400" b="0" i="0" u="none" strike="noStrike" dirty="0" smtClean="0">
+                        <a:rPr lang="en-US" sz="2400" b="0" i="0" u="none" strike="noStrike" dirty="0">
                           <a:solidFill>
                             <a:schemeClr val="tx1"/>
                           </a:solidFill>
@@ -7926,17 +7855,15 @@
                         </a:rPr>
                         <a:t>99.92%</a:t>
                       </a:r>
-                      <a:endParaRPr lang="en-US" sz="2400" b="0" i="0" u="none" strike="noStrike" dirty="0">
-                        <a:solidFill>
-                          <a:schemeClr val="tx1"/>
-                        </a:solidFill>
-                        <a:effectLst/>
-                        <a:latin typeface="Calibri" panose="020F0502020204030204" pitchFamily="34" charset="0"/>
-                      </a:endParaRPr>
                     </a:p>
                   </a:txBody>
                   <a:tcPr marL="9525" marR="9525" marT="9525" marB="0" anchor="b"/>
                 </a:tc>
+                <a:extLst>
+                  <a:ext uri="{0D108BD9-81ED-4DB2-BD59-A6C34878D82A}">
+                    <a16:rowId xmlns:a16="http://schemas.microsoft.com/office/drawing/2014/main" val="10002"/>
+                  </a:ext>
+                </a:extLst>
               </a:tr>
               <a:tr h="437882">
                 <a:tc>
@@ -7986,7 +7913,7 @@
                     <a:p>
                       <a:pPr algn="ctr" fontAlgn="b"/>
                       <a:r>
-                        <a:rPr lang="en-US" sz="2400" b="0" i="0" u="none" strike="noStrike" dirty="0" smtClean="0">
+                        <a:rPr lang="en-US" sz="2400" b="0" i="0" u="none" strike="noStrike" dirty="0">
                           <a:solidFill>
                             <a:schemeClr val="tx1"/>
                           </a:solidFill>
@@ -7995,13 +7922,6 @@
                         </a:rPr>
                         <a:t>67.59%</a:t>
                       </a:r>
-                      <a:endParaRPr lang="en-US" sz="2400" b="0" i="0" u="none" strike="noStrike" dirty="0">
-                        <a:solidFill>
-                          <a:schemeClr val="tx1"/>
-                        </a:solidFill>
-                        <a:effectLst/>
-                        <a:latin typeface="Calibri" panose="020F0502020204030204" pitchFamily="34" charset="0"/>
-                      </a:endParaRPr>
                     </a:p>
                   </a:txBody>
                   <a:tcPr marL="9525" marR="9525" marT="9525" marB="0" anchor="b"/>
@@ -8013,7 +7933,7 @@
                     <a:p>
                       <a:pPr algn="ctr" fontAlgn="b"/>
                       <a:r>
-                        <a:rPr lang="en-US" sz="2400" b="0" i="0" u="none" strike="noStrike" dirty="0" smtClean="0">
+                        <a:rPr lang="en-US" sz="2400" b="0" i="0" u="none" strike="noStrike" dirty="0">
                           <a:solidFill>
                             <a:schemeClr val="tx1"/>
                           </a:solidFill>
@@ -8022,17 +7942,15 @@
                         </a:rPr>
                         <a:t>99.90%</a:t>
                       </a:r>
-                      <a:endParaRPr lang="en-US" sz="2400" b="0" i="0" u="none" strike="noStrike" dirty="0">
-                        <a:solidFill>
-                          <a:schemeClr val="tx1"/>
-                        </a:solidFill>
-                        <a:effectLst/>
-                        <a:latin typeface="Calibri" panose="020F0502020204030204" pitchFamily="34" charset="0"/>
-                      </a:endParaRPr>
                     </a:p>
                   </a:txBody>
                   <a:tcPr marL="9525" marR="9525" marT="9525" marB="0" anchor="b"/>
                 </a:tc>
+                <a:extLst>
+                  <a:ext uri="{0D108BD9-81ED-4DB2-BD59-A6C34878D82A}">
+                    <a16:rowId xmlns:a16="http://schemas.microsoft.com/office/drawing/2014/main" val="10003"/>
+                  </a:ext>
+                </a:extLst>
               </a:tr>
               <a:tr h="437882">
                 <a:tc>
@@ -8082,7 +8000,7 @@
                     <a:p>
                       <a:pPr algn="ctr" fontAlgn="b"/>
                       <a:r>
-                        <a:rPr lang="en-US" sz="2400" b="0" i="0" u="none" strike="noStrike" dirty="0" smtClean="0">
+                        <a:rPr lang="en-US" sz="2400" b="0" i="0" u="none" strike="noStrike" dirty="0">
                           <a:solidFill>
                             <a:schemeClr val="tx1"/>
                           </a:solidFill>
@@ -8091,13 +8009,6 @@
                         </a:rPr>
                         <a:t>67.88%</a:t>
                       </a:r>
-                      <a:endParaRPr lang="en-US" sz="2400" b="0" i="0" u="none" strike="noStrike" dirty="0">
-                        <a:solidFill>
-                          <a:schemeClr val="tx1"/>
-                        </a:solidFill>
-                        <a:effectLst/>
-                        <a:latin typeface="Calibri" panose="020F0502020204030204" pitchFamily="34" charset="0"/>
-                      </a:endParaRPr>
                     </a:p>
                   </a:txBody>
                   <a:tcPr marL="9525" marR="9525" marT="9525" marB="0" anchor="b"/>
@@ -8109,7 +8020,7 @@
                     <a:p>
                       <a:pPr algn="ctr" fontAlgn="b"/>
                       <a:r>
-                        <a:rPr lang="en-US" sz="2400" b="0" i="0" u="none" strike="noStrike" dirty="0" smtClean="0">
+                        <a:rPr lang="en-US" sz="2400" b="0" i="0" u="none" strike="noStrike" dirty="0">
                           <a:solidFill>
                             <a:schemeClr val="tx1"/>
                           </a:solidFill>
@@ -8118,17 +8029,15 @@
                         </a:rPr>
                         <a:t>99.99%</a:t>
                       </a:r>
-                      <a:endParaRPr lang="en-US" sz="2400" b="0" i="0" u="none" strike="noStrike" dirty="0">
-                        <a:solidFill>
-                          <a:schemeClr val="tx1"/>
-                        </a:solidFill>
-                        <a:effectLst/>
-                        <a:latin typeface="Calibri" panose="020F0502020204030204" pitchFamily="34" charset="0"/>
-                      </a:endParaRPr>
                     </a:p>
                   </a:txBody>
                   <a:tcPr marL="9525" marR="9525" marT="9525" marB="0" anchor="b"/>
                 </a:tc>
+                <a:extLst>
+                  <a:ext uri="{0D108BD9-81ED-4DB2-BD59-A6C34878D82A}">
+                    <a16:rowId xmlns:a16="http://schemas.microsoft.com/office/drawing/2014/main" val="10004"/>
+                  </a:ext>
+                </a:extLst>
               </a:tr>
               <a:tr h="437882">
                 <a:tc>
@@ -8178,7 +8087,7 @@
                     <a:p>
                       <a:pPr algn="ctr" fontAlgn="b"/>
                       <a:r>
-                        <a:rPr lang="en-US" sz="2400" b="0" i="0" u="none" strike="noStrike" dirty="0" smtClean="0">
+                        <a:rPr lang="en-US" sz="2400" b="0" i="0" u="none" strike="noStrike" dirty="0">
                           <a:solidFill>
                             <a:schemeClr val="tx1"/>
                           </a:solidFill>
@@ -8187,13 +8096,6 @@
                         </a:rPr>
                         <a:t>74.71%</a:t>
                       </a:r>
-                      <a:endParaRPr lang="en-US" sz="2400" b="0" i="0" u="none" strike="noStrike" dirty="0">
-                        <a:solidFill>
-                          <a:schemeClr val="tx1"/>
-                        </a:solidFill>
-                        <a:effectLst/>
-                        <a:latin typeface="Calibri" panose="020F0502020204030204" pitchFamily="34" charset="0"/>
-                      </a:endParaRPr>
                     </a:p>
                   </a:txBody>
                   <a:tcPr marL="9525" marR="9525" marT="9525" marB="0" anchor="b"/>
@@ -8205,7 +8107,7 @@
                     <a:p>
                       <a:pPr algn="ctr" fontAlgn="b"/>
                       <a:r>
-                        <a:rPr lang="en-US" sz="2400" b="0" i="0" u="none" strike="noStrike" dirty="0" smtClean="0">
+                        <a:rPr lang="en-US" sz="2400" b="0" i="0" u="none" strike="noStrike" dirty="0">
                           <a:solidFill>
                             <a:schemeClr val="tx1"/>
                           </a:solidFill>
@@ -8214,17 +8116,15 @@
                         </a:rPr>
                         <a:t>99.92%</a:t>
                       </a:r>
-                      <a:endParaRPr lang="en-US" sz="2400" b="0" i="0" u="none" strike="noStrike" dirty="0">
-                        <a:solidFill>
-                          <a:schemeClr val="tx1"/>
-                        </a:solidFill>
-                        <a:effectLst/>
-                        <a:latin typeface="Calibri" panose="020F0502020204030204" pitchFamily="34" charset="0"/>
-                      </a:endParaRPr>
                     </a:p>
                   </a:txBody>
                   <a:tcPr marL="9525" marR="9525" marT="9525" marB="0" anchor="b"/>
                 </a:tc>
+                <a:extLst>
+                  <a:ext uri="{0D108BD9-81ED-4DB2-BD59-A6C34878D82A}">
+                    <a16:rowId xmlns:a16="http://schemas.microsoft.com/office/drawing/2014/main" val="10005"/>
+                  </a:ext>
+                </a:extLst>
               </a:tr>
               <a:tr h="437882">
                 <a:tc>
@@ -8274,7 +8174,7 @@
                     <a:p>
                       <a:pPr algn="ctr" fontAlgn="b"/>
                       <a:r>
-                        <a:rPr lang="en-US" sz="2400" b="0" i="0" u="none" strike="noStrike" dirty="0" smtClean="0">
+                        <a:rPr lang="en-US" sz="2400" b="0" i="0" u="none" strike="noStrike" dirty="0">
                           <a:solidFill>
                             <a:schemeClr val="tx1"/>
                           </a:solidFill>
@@ -8283,13 +8183,6 @@
                         </a:rPr>
                         <a:t>74.81%</a:t>
                       </a:r>
-                      <a:endParaRPr lang="en-US" sz="2400" b="0" i="0" u="none" strike="noStrike" dirty="0">
-                        <a:solidFill>
-                          <a:schemeClr val="tx1"/>
-                        </a:solidFill>
-                        <a:effectLst/>
-                        <a:latin typeface="Calibri" panose="020F0502020204030204" pitchFamily="34" charset="0"/>
-                      </a:endParaRPr>
                     </a:p>
                   </a:txBody>
                   <a:tcPr marL="9525" marR="9525" marT="9525" marB="0" anchor="b"/>
@@ -8301,7 +8194,7 @@
                     <a:p>
                       <a:pPr algn="ctr" fontAlgn="b"/>
                       <a:r>
-                        <a:rPr lang="en-US" sz="2400" b="0" i="0" u="none" strike="noStrike" dirty="0" smtClean="0">
+                        <a:rPr lang="en-US" sz="2400" b="0" i="0" u="none" strike="noStrike" dirty="0">
                           <a:solidFill>
                             <a:schemeClr val="tx1"/>
                           </a:solidFill>
@@ -8310,17 +8203,15 @@
                         </a:rPr>
                         <a:t>99.99%</a:t>
                       </a:r>
-                      <a:endParaRPr lang="en-US" sz="2400" b="0" i="0" u="none" strike="noStrike" dirty="0">
-                        <a:solidFill>
-                          <a:schemeClr val="tx1"/>
-                        </a:solidFill>
-                        <a:effectLst/>
-                        <a:latin typeface="Calibri" panose="020F0502020204030204" pitchFamily="34" charset="0"/>
-                      </a:endParaRPr>
                     </a:p>
                   </a:txBody>
                   <a:tcPr marL="9525" marR="9525" marT="9525" marB="0" anchor="b"/>
                 </a:tc>
+                <a:extLst>
+                  <a:ext uri="{0D108BD9-81ED-4DB2-BD59-A6C34878D82A}">
+                    <a16:rowId xmlns:a16="http://schemas.microsoft.com/office/drawing/2014/main" val="10006"/>
+                  </a:ext>
+                </a:extLst>
               </a:tr>
               <a:tr h="437882">
                 <a:tc>
@@ -8370,7 +8261,7 @@
                     <a:p>
                       <a:pPr algn="ctr" fontAlgn="b"/>
                       <a:r>
-                        <a:rPr lang="en-US" sz="2400" b="0" i="0" u="none" strike="noStrike" dirty="0" smtClean="0">
+                        <a:rPr lang="en-US" sz="2400" b="0" i="0" u="none" strike="noStrike" dirty="0">
                           <a:solidFill>
                             <a:schemeClr val="tx1"/>
                           </a:solidFill>
@@ -8379,13 +8270,6 @@
                         </a:rPr>
                         <a:t>74.62%</a:t>
                       </a:r>
-                      <a:endParaRPr lang="en-US" sz="2400" b="0" i="0" u="none" strike="noStrike" dirty="0">
-                        <a:solidFill>
-                          <a:schemeClr val="tx1"/>
-                        </a:solidFill>
-                        <a:effectLst/>
-                        <a:latin typeface="Calibri" panose="020F0502020204030204" pitchFamily="34" charset="0"/>
-                      </a:endParaRPr>
                     </a:p>
                   </a:txBody>
                   <a:tcPr marL="9525" marR="9525" marT="9525" marB="0" anchor="b"/>
@@ -8397,7 +8281,7 @@
                     <a:p>
                       <a:pPr algn="ctr" fontAlgn="b"/>
                       <a:r>
-                        <a:rPr lang="en-US" sz="2400" b="0" i="0" u="none" strike="noStrike" dirty="0" smtClean="0">
+                        <a:rPr lang="en-US" sz="2400" b="0" i="0" u="none" strike="noStrike" dirty="0">
                           <a:solidFill>
                             <a:schemeClr val="tx1"/>
                           </a:solidFill>
@@ -8406,17 +8290,15 @@
                         </a:rPr>
                         <a:t>99.90%</a:t>
                       </a:r>
-                      <a:endParaRPr lang="en-US" sz="2400" b="0" i="0" u="none" strike="noStrike" dirty="0">
-                        <a:solidFill>
-                          <a:schemeClr val="tx1"/>
-                        </a:solidFill>
-                        <a:effectLst/>
-                        <a:latin typeface="Calibri" panose="020F0502020204030204" pitchFamily="34" charset="0"/>
-                      </a:endParaRPr>
                     </a:p>
                   </a:txBody>
                   <a:tcPr marL="9525" marR="9525" marT="9525" marB="0" anchor="b"/>
                 </a:tc>
+                <a:extLst>
+                  <a:ext uri="{0D108BD9-81ED-4DB2-BD59-A6C34878D82A}">
+                    <a16:rowId xmlns:a16="http://schemas.microsoft.com/office/drawing/2014/main" val="10007"/>
+                  </a:ext>
+                </a:extLst>
               </a:tr>
             </a:tbl>
           </a:graphicData>
@@ -8432,25 +8314,18 @@
   <p:clrMapOvr>
     <a:masterClrMapping/>
   </p:clrMapOvr>
-  <mc:AlternateContent xmlns:mc="http://schemas.openxmlformats.org/markup-compatibility/2006">
-    <mc:Choice xmlns="" xmlns:p159="http://schemas.microsoft.com/office/powerpoint/2015/09/main" Requires="p159">
+  <mc:AlternateContent xmlns:mc="http://schemas.openxmlformats.org/markup-compatibility/2006" xmlns:p159="http://schemas.microsoft.com/office/powerpoint/2015/09/main">
+    <mc:Choice Requires="p159">
       <p:transition>
         <p159:morph option="byObject"/>
       </p:transition>
     </mc:Choice>
-    <mc:Fallback>
+    <mc:Fallback xmlns="">
       <p:transition>
         <p:fade/>
       </p:transition>
     </mc:Fallback>
   </mc:AlternateContent>
-  <p:timing>
-    <p:tnLst>
-      <p:par>
-        <p:cTn id="1" dur="indefinite" restart="never" nodeType="tmRoot"/>
-      </p:par>
-    </p:tnLst>
-  </p:timing>
 </p:sld>
 </file>
 

--- a/Genetic Music.pptx
+++ b/Genetic Music.pptx
@@ -18,7 +18,7 @@
     <p:sldId id="266" r:id="rId9"/>
     <p:sldId id="268" r:id="rId10"/>
     <p:sldId id="267" r:id="rId11"/>
-    <p:sldId id="269" r:id="rId12"/>
+    <p:sldId id="270" r:id="rId12"/>
   </p:sldIdLst>
   <p:sldSz cx="12192000" cy="6858000"/>
   <p:notesSz cx="6858000" cy="9144000"/>
@@ -3826,6 +3826,14 @@
 <file path=ppt/slides/slide1.xml><?xml version="1.0" encoding="utf-8"?>
 <p:sld xmlns:a="http://schemas.openxmlformats.org/drawingml/2006/main" xmlns:r="http://schemas.openxmlformats.org/officeDocument/2006/relationships" xmlns:p="http://schemas.openxmlformats.org/presentationml/2006/main">
   <p:cSld>
+    <p:bg>
+      <p:bgPr>
+        <a:solidFill>
+          <a:schemeClr val="bg2"/>
+        </a:solidFill>
+        <a:effectLst/>
+      </p:bgPr>
+    </p:bg>
     <p:spTree>
       <p:nvGrpSpPr>
         <p:cNvPr id="1" name=""/>
@@ -4345,16 +4353,14 @@
         </p:nvSpPr>
         <p:spPr/>
         <p:txBody>
-          <a:bodyPr/>
-          <a:lstStyle/>
-          <a:p>
-            <a:r>
-              <a:rPr lang="pt-BR" dirty="0" err="1"/>
-              <a:t>Genetic</a:t>
-            </a:r>
+          <a:bodyPr>
+            <a:normAutofit fontScale="90000"/>
+          </a:bodyPr>
+          <a:lstStyle/>
+          <a:p>
             <a:r>
               <a:rPr lang="pt-BR" dirty="0"/>
-              <a:t> Music</a:t>
+              <a:t>Uso de Algoritmos Genéticos para Geração de Conjunto de Notas Musicais</a:t>
             </a:r>
           </a:p>
         </p:txBody>
@@ -4483,7 +4489,7 @@
     </p:spTree>
     <p:extLst>
       <p:ext uri="{BB962C8B-B14F-4D97-AF65-F5344CB8AC3E}">
-        <p14:creationId xmlns:p14="http://schemas.microsoft.com/office/powerpoint/2010/main" val="4071406723"/>
+        <p14:creationId xmlns:p14="http://schemas.microsoft.com/office/powerpoint/2010/main" val="3338059648"/>
       </p:ext>
     </p:extLst>
   </p:cSld>
@@ -4597,7 +4603,17 @@
             </a:pPr>
             <a:r>
               <a:rPr lang="pt-BR" dirty="0"/>
-              <a:t> Crossovers</a:t>
+              <a:t> Fitness</a:t>
+            </a:r>
+          </a:p>
+          <a:p>
+            <a:pPr lvl="1">
+              <a:buFont typeface="Courier New" panose="02070309020205020404" pitchFamily="49" charset="0"/>
+              <a:buChar char="o"/>
+            </a:pPr>
+            <a:r>
+              <a:rPr lang="pt-BR" dirty="0"/>
+              <a:t> Crossover</a:t>
             </a:r>
           </a:p>
           <a:p>
@@ -4985,44 +5001,6 @@
           </a:p>
         </p:txBody>
       </p:sp>
-      <p:pic>
-        <p:nvPicPr>
-          <p:cNvPr id="5" name="Espaço Reservado para Conteúdo 5">
-            <a:extLst>
-              <a:ext uri="{FF2B5EF4-FFF2-40B4-BE49-F238E27FC236}">
-                <a16:creationId xmlns:a16="http://schemas.microsoft.com/office/drawing/2014/main" id="{E3673FF4-41D1-4090-B98C-58F3CA6883F2}"/>
-              </a:ext>
-            </a:extLst>
-          </p:cNvPr>
-          <p:cNvPicPr>
-            <a:picLocks noChangeAspect="1"/>
-          </p:cNvPicPr>
-          <p:nvPr/>
-        </p:nvPicPr>
-        <p:blipFill rotWithShape="1">
-          <a:blip r:embed="rId2" cstate="print">
-            <a:extLst>
-              <a:ext uri="{28A0092B-C50C-407E-A947-70E740481C1C}">
-                <a14:useLocalDpi xmlns:a14="http://schemas.microsoft.com/office/drawing/2010/main" val="0"/>
-              </a:ext>
-              <a:ext uri="{96DAC541-7B7A-43D3-8B79-37D633B846F1}">
-                <asvg:svgBlip xmlns:asvg="http://schemas.microsoft.com/office/drawing/2016/SVG/main" r:embed="rId3"/>
-              </a:ext>
-            </a:extLst>
-          </a:blip>
-          <a:srcRect l="17604" t="14116" r="11613" b="9125"/>
-          <a:stretch/>
-        </p:blipFill>
-        <p:spPr>
-          <a:xfrm>
-            <a:off x="6255420" y="1182777"/>
-            <a:ext cx="4193451" cy="4547536"/>
-          </a:xfrm>
-          <a:prstGeom prst="rect">
-            <a:avLst/>
-          </a:prstGeom>
-        </p:spPr>
-      </p:pic>
       <p:sp>
         <p:nvSpPr>
           <p:cNvPr id="7" name="Retângulo 6">
@@ -5038,7 +5016,7 @@
         <p:spPr>
           <a:xfrm>
             <a:off x="7363838" y="5476672"/>
-            <a:ext cx="4828162" cy="885217"/>
+            <a:ext cx="4999612" cy="885217"/>
           </a:xfrm>
           <a:prstGeom prst="rect">
             <a:avLst/>
@@ -5046,9 +5024,9 @@
           <a:solidFill>
             <a:schemeClr val="bg1"/>
           </a:solidFill>
-          <a:ln>
+          <a:ln w="28575">
             <a:solidFill>
-              <a:schemeClr val="bg1"/>
+              <a:srgbClr val="F0AD4E"/>
             </a:solidFill>
           </a:ln>
         </p:spPr>
@@ -5166,6 +5144,45 @@
           </a:p>
         </p:txBody>
       </p:sp>
+      <p:pic>
+        <p:nvPicPr>
+          <p:cNvPr id="10" name="Gráfico 9">
+            <a:extLst>
+              <a:ext uri="{FF2B5EF4-FFF2-40B4-BE49-F238E27FC236}">
+                <a16:creationId xmlns:a16="http://schemas.microsoft.com/office/drawing/2014/main" id="{48B03F08-4F8E-4D8A-A303-A375097AD4DC}"/>
+              </a:ext>
+            </a:extLst>
+          </p:cNvPr>
+          <p:cNvPicPr>
+            <a:picLocks noChangeAspect="1"/>
+          </p:cNvPicPr>
+          <p:nvPr/>
+        </p:nvPicPr>
+        <p:blipFill>
+          <a:blip r:embed="rId2">
+            <a:extLst>
+              <a:ext uri="{28A0092B-C50C-407E-A947-70E740481C1C}">
+                <a14:useLocalDpi xmlns:a14="http://schemas.microsoft.com/office/drawing/2010/main" val="0"/>
+              </a:ext>
+              <a:ext uri="{96DAC541-7B7A-43D3-8B79-37D633B846F1}">
+                <asvg:svgBlip xmlns:asvg="http://schemas.microsoft.com/office/drawing/2016/SVG/main" r:embed="rId3"/>
+              </a:ext>
+            </a:extLst>
+          </a:blip>
+          <a:stretch>
+            <a:fillRect/>
+          </a:stretch>
+        </p:blipFill>
+        <p:spPr>
+          <a:xfrm rot="20410176">
+            <a:off x="6114808" y="900708"/>
+            <a:ext cx="3826437" cy="3826437"/>
+          </a:xfrm>
+          <a:prstGeom prst="rect">
+            <a:avLst/>
+          </a:prstGeom>
+        </p:spPr>
+      </p:pic>
     </p:spTree>
     <p:extLst>
       <p:ext uri="{BB962C8B-B14F-4D97-AF65-F5344CB8AC3E}">
@@ -5263,7 +5280,7 @@
             </a:pPr>
             <a:r>
               <a:rPr lang="pt-BR" dirty="0"/>
-              <a:t>Utilizar algoritmos genéticos para gerar um conjunto de frequências e durações semelhantes ao conjunto de notas musicais dado como entrada.</a:t>
+              <a:t> Utilizar algoritmos genéticos para gerar um conjunto de frequências e durações semelhantes ao conjunto de notas musicais dado como entrada.</a:t>
             </a:r>
           </a:p>
           <a:p>
@@ -5422,7 +5439,7 @@
           <p:nvPr/>
         </p:nvPicPr>
         <p:blipFill>
-          <a:blip r:embed="rId6" cstate="print">
+          <a:blip r:embed="rId4" cstate="print">
             <a:extLst>
               <a:ext uri="{28A0092B-C50C-407E-A947-70E740481C1C}">
                 <a14:useLocalDpi xmlns:a14="http://schemas.microsoft.com/office/drawing/2010/main" val="0"/>
@@ -5700,7 +5717,7 @@
         <p:spPr>
           <a:xfrm>
             <a:off x="8979243" y="1911525"/>
-            <a:ext cx="3212757" cy="1103870"/>
+            <a:ext cx="3498507" cy="1103870"/>
           </a:xfrm>
           <a:prstGeom prst="rect">
             <a:avLst/>
@@ -5708,8 +5725,10 @@
           <a:solidFill>
             <a:schemeClr val="bg1"/>
           </a:solidFill>
-          <a:ln>
-            <a:noFill/>
+          <a:ln w="28575">
+            <a:solidFill>
+              <a:srgbClr val="F0AD4E"/>
+            </a:solidFill>
           </a:ln>
         </p:spPr>
         <p:style>
@@ -5770,7 +5789,7 @@
               <a:t>C </a:t>
             </a:r>
             <a:r>
-              <a:rPr lang="pt-BR" dirty="0">
+              <a:rPr lang="pt-BR" b="1" dirty="0">
                 <a:solidFill>
                   <a:srgbClr val="F0AD4E"/>
                 </a:solidFill>
@@ -5788,7 +5807,7 @@
               <a:t>E </a:t>
             </a:r>
             <a:r>
-              <a:rPr lang="pt-BR" dirty="0">
+              <a:rPr lang="pt-BR" b="1" dirty="0">
                 <a:solidFill>
                   <a:srgbClr val="F0AD4E"/>
                 </a:solidFill>
@@ -5806,7 +5825,7 @@
               <a:t>G </a:t>
             </a:r>
             <a:r>
-              <a:rPr lang="pt-BR" dirty="0">
+              <a:rPr lang="pt-BR" b="1" dirty="0">
                 <a:solidFill>
                   <a:srgbClr val="F0AD4E"/>
                 </a:solidFill>
@@ -5905,8 +5924,8 @@
         </p:nvSpPr>
         <p:spPr>
           <a:xfrm>
-            <a:off x="97313" y="3724275"/>
-            <a:ext cx="11983070" cy="1169697"/>
+            <a:off x="-133350" y="3724275"/>
+            <a:ext cx="12439650" cy="1169697"/>
           </a:xfrm>
           <a:prstGeom prst="rect">
             <a:avLst/>
@@ -5914,8 +5933,10 @@
           <a:solidFill>
             <a:schemeClr val="bg1"/>
           </a:solidFill>
-          <a:ln>
-            <a:noFill/>
+          <a:ln w="28575">
+            <a:solidFill>
+              <a:srgbClr val="F0AD4E"/>
+            </a:solidFill>
           </a:ln>
         </p:spPr>
         <p:style>
@@ -6012,7 +6033,7 @@
             </a:r>
           </a:p>
           <a:p>
-            <a:pPr lvl="2">
+            <a:pPr lvl="1">
               <a:buFont typeface="Courier New" panose="02070309020205020404" pitchFamily="49" charset="0"/>
               <a:buChar char="o"/>
             </a:pPr>
@@ -6078,8 +6099,8 @@
           </a:p>
         </p:txBody>
       </p:sp>
-      <mc:AlternateContent xmlns:mc="http://schemas.openxmlformats.org/markup-compatibility/2006" xmlns:a14="http://schemas.microsoft.com/office/drawing/2010/main">
-        <mc:Choice Requires="a14">
+      <mc:AlternateContent xmlns:mc="http://schemas.openxmlformats.org/markup-compatibility/2006">
+        <mc:Choice xmlns:a14="http://schemas.microsoft.com/office/drawing/2010/main" Requires="a14">
           <p:sp>
             <p:nvSpPr>
               <p:cNvPr id="14" name="CaixaDeTexto 13">
@@ -6094,8 +6115,8 @@
             </p:nvSpPr>
             <p:spPr>
               <a:xfrm>
-                <a:off x="332721" y="3900162"/>
-                <a:ext cx="11512254" cy="828112"/>
+                <a:off x="808494" y="3900162"/>
+                <a:ext cx="10575011" cy="828112"/>
               </a:xfrm>
               <a:prstGeom prst="rect">
                 <a:avLst/>
@@ -6115,35 +6136,6 @@
                       <m:jc m:val="centerGroup"/>
                     </m:oMathParaPr>
                     <m:oMath xmlns:m="http://schemas.openxmlformats.org/officeDocument/2006/math">
-                      <m:r>
-                        <a:rPr lang="pt-BR" sz="1900" i="1" smtClean="0">
-                          <a:latin typeface="Cambria Math" panose="02040503050406030204" pitchFamily="18" charset="0"/>
-                        </a:rPr>
-                        <m:t>𝑓</m:t>
-                      </m:r>
-                      <m:d>
-                        <m:dPr>
-                          <m:ctrlPr>
-                            <a:rPr lang="pt-BR" sz="1900" i="1" smtClean="0">
-                              <a:latin typeface="Cambria Math" panose="02040503050406030204" pitchFamily="18" charset="0"/>
-                            </a:rPr>
-                          </m:ctrlPr>
-                        </m:dPr>
-                        <m:e>
-                          <m:r>
-                            <a:rPr lang="pt-BR" sz="1900" i="1" smtClean="0">
-                              <a:latin typeface="Cambria Math" panose="02040503050406030204" pitchFamily="18" charset="0"/>
-                            </a:rPr>
-                            <m:t>𝑥</m:t>
-                          </m:r>
-                        </m:e>
-                      </m:d>
-                      <m:r>
-                        <a:rPr lang="pt-BR" sz="1900" i="1" smtClean="0">
-                          <a:latin typeface="Cambria Math" panose="02040503050406030204" pitchFamily="18" charset="0"/>
-                        </a:rPr>
-                        <m:t>=</m:t>
-                      </m:r>
                       <m:nary>
                         <m:naryPr>
                           <m:chr m:val="∑"/>
@@ -6346,13 +6338,7 @@
                                     <a:rPr lang="pt-BR" sz="1900" i="1">
                                       <a:latin typeface="Cambria Math" panose="02040503050406030204" pitchFamily="18" charset="0"/>
                                     </a:rPr>
-                                    <m:t>𝑑𝑢𝑟𝑎𝑐𝑎𝑜𝐺𝑙𝑜𝑏𝑎</m:t>
-                                  </m:r>
-                                  <m:r>
-                                    <a:rPr lang="pt-BR" sz="1900" b="0" i="1" smtClean="0">
-                                      <a:latin typeface="Cambria Math" panose="02040503050406030204" pitchFamily="18" charset="0"/>
-                                    </a:rPr>
-                                    <m:t>𝑙𝑛</m:t>
+                                    <m:t>𝑑𝑢𝑟𝑎𝑐𝑎𝑜𝐺𝑙𝑜𝑏𝑎𝑙𝑛</m:t>
                                   </m:r>
                                 </m:e>
                               </m:d>
@@ -6406,13 +6392,13 @@
             </p:txBody>
           </p:sp>
         </mc:Choice>
-        <mc:Fallback xmlns="">
+        <mc:Fallback>
           <p:sp>
             <p:nvSpPr>
               <p:cNvPr id="14" name="CaixaDeTexto 13">
                 <a:extLst>
                   <a:ext uri="{FF2B5EF4-FFF2-40B4-BE49-F238E27FC236}">
-                    <a16:creationId xmlns="" xmlns:a16="http://schemas.microsoft.com/office/drawing/2014/main" xmlns:a14="http://schemas.microsoft.com/office/drawing/2010/main" id="{797A3F77-914D-4A67-9AC7-B9CEA3474878}"/>
+                    <a16:creationId xmlns:a16="http://schemas.microsoft.com/office/drawing/2014/main" id="{797A3F77-914D-4A67-9AC7-B9CEA3474878}"/>
                   </a:ext>
                 </a:extLst>
               </p:cNvPr>
@@ -6423,13 +6409,13 @@
             </p:nvSpPr>
             <p:spPr>
               <a:xfrm>
-                <a:off x="332721" y="3900162"/>
-                <a:ext cx="11512254" cy="828112"/>
+                <a:off x="808494" y="3900162"/>
+                <a:ext cx="10575011" cy="828112"/>
               </a:xfrm>
               <a:prstGeom prst="rect">
                 <a:avLst/>
               </a:prstGeom>
-              <a:blipFill rotWithShape="0">
+              <a:blipFill>
                 <a:blip r:embed="rId2"/>
                 <a:stretch>
                   <a:fillRect/>
@@ -6441,7 +6427,7 @@
               <a:lstStyle/>
               <a:p>
                 <a:r>
-                  <a:rPr lang="en-US">
+                  <a:rPr lang="pt-BR">
                     <a:noFill/>
                   </a:rPr>
                   <a:t> </a:t>
@@ -6545,8 +6531,10 @@
           <a:solidFill>
             <a:schemeClr val="bg1"/>
           </a:solidFill>
-          <a:ln>
-            <a:noFill/>
+          <a:ln w="28575">
+            <a:solidFill>
+              <a:srgbClr val="F0AD4E"/>
+            </a:solidFill>
           </a:ln>
         </p:spPr>
         <p:style>
@@ -6675,7 +6663,7 @@
             </a:pPr>
             <a:r>
               <a:rPr lang="pt-BR" dirty="0"/>
-              <a:t>Mutação</a:t>
+              <a:t> Mutação</a:t>
             </a:r>
           </a:p>
           <a:p>
@@ -6791,8 +6779,8 @@
           </a:prstGeom>
         </p:spPr>
       </p:pic>
-      <mc:AlternateContent xmlns:mc="http://schemas.openxmlformats.org/markup-compatibility/2006" xmlns:a14="http://schemas.microsoft.com/office/drawing/2010/main">
-        <mc:Choice Requires="a14">
+      <mc:AlternateContent xmlns:mc="http://schemas.openxmlformats.org/markup-compatibility/2006">
+        <mc:Choice xmlns:a14="http://schemas.microsoft.com/office/drawing/2010/main" Requires="a14">
           <p:sp>
             <p:nvSpPr>
               <p:cNvPr id="9" name="CaixaDeTexto 8">
@@ -6807,8 +6795,8 @@
             </p:nvSpPr>
             <p:spPr>
               <a:xfrm>
-                <a:off x="1077350" y="3215736"/>
-                <a:ext cx="10037300" cy="548805"/>
+                <a:off x="1286900" y="3267780"/>
+                <a:ext cx="10355912" cy="548805"/>
               </a:xfrm>
               <a:prstGeom prst="rect">
                 <a:avLst/>
@@ -6816,44 +6804,11 @@
               <a:noFill/>
             </p:spPr>
             <p:txBody>
-              <a:bodyPr wrap="none" lIns="0" tIns="0" rIns="0" bIns="0" rtlCol="0">
+              <a:bodyPr wrap="square" lIns="0" tIns="0" rIns="0" bIns="0" rtlCol="0">
                 <a:spAutoFit/>
               </a:bodyPr>
               <a:lstStyle/>
               <a:p>
-                <a14:m>
-                  <m:oMath xmlns:m="http://schemas.openxmlformats.org/officeDocument/2006/math">
-                    <m:r>
-                      <a:rPr lang="pt-BR" sz="2400" i="1" smtClean="0">
-                        <a:latin typeface="Cambria Math" panose="02040503050406030204" pitchFamily="18" charset="0"/>
-                      </a:rPr>
-                      <m:t>𝑓</m:t>
-                    </m:r>
-                    <m:d>
-                      <m:dPr>
-                        <m:ctrlPr>
-                          <a:rPr lang="pt-BR" sz="2400" i="1" smtClean="0">
-                            <a:latin typeface="Cambria Math" panose="02040503050406030204" pitchFamily="18" charset="0"/>
-                          </a:rPr>
-                        </m:ctrlPr>
-                      </m:dPr>
-                      <m:e>
-                        <m:r>
-                          <a:rPr lang="pt-BR" sz="2400" i="1" smtClean="0">
-                            <a:latin typeface="Cambria Math" panose="02040503050406030204" pitchFamily="18" charset="0"/>
-                          </a:rPr>
-                          <m:t>𝑥</m:t>
-                        </m:r>
-                      </m:e>
-                    </m:d>
-                    <m:r>
-                      <a:rPr lang="pt-BR" sz="2400" i="1" smtClean="0">
-                        <a:latin typeface="Cambria Math" panose="02040503050406030204" pitchFamily="18" charset="0"/>
-                      </a:rPr>
-                      <m:t>=</m:t>
-                    </m:r>
-                  </m:oMath>
-                </a14:m>
                 <a:r>
                   <a:rPr lang="pt-BR" sz="2400" dirty="0"/>
                   <a:t> </a:t>
@@ -7027,7 +6982,7 @@
             </p:txBody>
           </p:sp>
         </mc:Choice>
-        <mc:Fallback xmlns="">
+        <mc:Fallback>
           <p:sp>
             <p:nvSpPr>
               <p:cNvPr id="9" name="CaixaDeTexto 8">
@@ -7044,8 +6999,8 @@
             </p:nvSpPr>
             <p:spPr>
               <a:xfrm>
-                <a:off x="1077350" y="3215736"/>
-                <a:ext cx="10037300" cy="548805"/>
+                <a:off x="1286900" y="3267780"/>
+                <a:ext cx="10355912" cy="548805"/>
               </a:xfrm>
               <a:prstGeom prst="rect">
                 <a:avLst/>
@@ -7053,7 +7008,7 @@
               <a:blipFill>
                 <a:blip r:embed="rId4"/>
                 <a:stretch>
-                  <a:fillRect l="-61"/>
+                  <a:fillRect/>
                 </a:stretch>
               </a:blipFill>
             </p:spPr>
@@ -7203,7 +7158,7 @@
             </a:pPr>
             <a:r>
               <a:rPr lang="pt-BR" dirty="0"/>
-              <a:t>Execução de 100 instâncias com notas e durações aleatórias para cada um dos seguintes casos:</a:t>
+              <a:t> Execução de 100 instâncias com notas e durações aleatórias para cada um dos seguintes casos:</a:t>
             </a:r>
           </a:p>
           <a:p>
@@ -7213,7 +7168,7 @@
             </a:pPr>
             <a:r>
               <a:rPr lang="pt-BR" dirty="0"/>
-              <a:t>5 notas e durações com 50 e 1000 gerações</a:t>
+              <a:t> 5 notas e durações com 50 e 1000 gerações</a:t>
             </a:r>
           </a:p>
           <a:p>
@@ -7223,7 +7178,7 @@
             </a:pPr>
             <a:r>
               <a:rPr lang="pt-BR" dirty="0"/>
-              <a:t>50 notas e durações com 50 e 1000 gerações</a:t>
+              <a:t> 50 notas e durações com 50 e 1000 gerações</a:t>
             </a:r>
           </a:p>
           <a:p>
@@ -7233,7 +7188,7 @@
             </a:pPr>
             <a:r>
               <a:rPr lang="pt-BR" dirty="0"/>
-              <a:t>100 notas e durações com 50 e 1000 gerações</a:t>
+              <a:t> 100 notas e durações com 50 e 1000 gerações</a:t>
             </a:r>
           </a:p>
           <a:p>
@@ -7243,7 +7198,7 @@
             </a:pPr>
             <a:r>
               <a:rPr lang="pt-BR" dirty="0"/>
-              <a:t>500 notas e durações com 50 gerações</a:t>
+              <a:t> 500 notas e durações com 50 gerações</a:t>
             </a:r>
           </a:p>
           <a:p>
@@ -7256,7 +7211,7 @@
             </a:pPr>
             <a:r>
               <a:rPr lang="pt-BR" dirty="0"/>
-              <a:t>Dados coletados:</a:t>
+              <a:t> Dados coletados:</a:t>
             </a:r>
           </a:p>
           <a:p>
@@ -7266,7 +7221,7 @@
             </a:pPr>
             <a:r>
               <a:rPr lang="pt-BR" dirty="0"/>
-              <a:t>Indivíduo com menor fitness em todas as gerações</a:t>
+              <a:t> Indivíduo com menor fitness em todas as gerações</a:t>
             </a:r>
           </a:p>
           <a:p>
@@ -7276,7 +7231,7 @@
             </a:pPr>
             <a:r>
               <a:rPr lang="pt-BR" dirty="0"/>
-              <a:t>Indivíduo com maior fitness em todas as gerações</a:t>
+              <a:t> Indivíduo com maior fitness em todas as gerações</a:t>
             </a:r>
           </a:p>
           <a:p>
@@ -7286,7 +7241,7 @@
             </a:pPr>
             <a:r>
               <a:rPr lang="pt-BR" dirty="0"/>
-              <a:t>Geração que gerou o indivíduo com maior fitness</a:t>
+              <a:t> Geração que gerou o indivíduo com maior fitness</a:t>
             </a:r>
           </a:p>
         </p:txBody>
@@ -7563,44 +7518,44 @@
           <p:nvPr>
             <p:extLst>
               <p:ext uri="{D42A27DB-BD31-4B8C-83A1-F6EECF244321}">
-                <p14:modId xmlns:p14="http://schemas.microsoft.com/office/powerpoint/2010/main" val="3121042468"/>
+                <p14:modId xmlns:p14="http://schemas.microsoft.com/office/powerpoint/2010/main" val="2767105725"/>
               </p:ext>
             </p:extLst>
           </p:nvPr>
         </p:nvGraphicFramePr>
         <p:xfrm>
-          <a:off x="1880315" y="2279562"/>
-          <a:ext cx="8912181" cy="3522374"/>
+          <a:off x="838200" y="1870075"/>
+          <a:ext cx="10515600" cy="4570823"/>
         </p:xfrm>
         <a:graphic>
           <a:graphicData uri="http://schemas.openxmlformats.org/drawingml/2006/table">
             <a:tbl>
               <a:tblPr firstRow="1" bandRow="1">
-                <a:tableStyleId>{5C22544A-7EE6-4342-B048-85BDC9FD1C3A}</a:tableStyleId>
+                <a:tableStyleId>{00A15C55-8517-42AA-B614-E9B94910E393}</a:tableStyleId>
               </a:tblPr>
               <a:tblGrid>
-                <a:gridCol w="2228045">
+                <a:gridCol w="2628900">
                   <a:extLst>
                     <a:ext uri="{9D8B030D-6E8A-4147-A177-3AD203B41FA5}">
                       <a16:colId xmlns:a16="http://schemas.microsoft.com/office/drawing/2014/main" val="20000"/>
                     </a:ext>
                   </a:extLst>
                 </a:gridCol>
-                <a:gridCol w="2336309">
+                <a:gridCol w="2756642">
                   <a:extLst>
                     <a:ext uri="{9D8B030D-6E8A-4147-A177-3AD203B41FA5}">
                       <a16:colId xmlns:a16="http://schemas.microsoft.com/office/drawing/2014/main" val="20001"/>
                     </a:ext>
                   </a:extLst>
                 </a:gridCol>
-                <a:gridCol w="2119782">
+                <a:gridCol w="2501158">
                   <a:extLst>
                     <a:ext uri="{9D8B030D-6E8A-4147-A177-3AD203B41FA5}">
                       <a16:colId xmlns:a16="http://schemas.microsoft.com/office/drawing/2014/main" val="20002"/>
                     </a:ext>
                   </a:extLst>
                 </a:gridCol>
-                <a:gridCol w="2228045">
+                <a:gridCol w="2628900">
                   <a:extLst>
                     <a:ext uri="{9D8B030D-6E8A-4147-A177-3AD203B41FA5}">
                       <a16:colId xmlns:a16="http://schemas.microsoft.com/office/drawing/2014/main" val="20003"/>
@@ -7608,7 +7563,7 @@
                   </a:extLst>
                 </a:gridCol>
               </a:tblGrid>
-              <a:tr h="437882">
+              <a:tr h="559028">
                 <a:tc>
                   <a:txBody>
                     <a:bodyPr/>
@@ -7626,7 +7581,11 @@
                       <a:endParaRPr lang="en-US" sz="2400" dirty="0"/>
                     </a:p>
                   </a:txBody>
-                  <a:tcPr/>
+                  <a:tcPr anchor="ctr">
+                    <a:solidFill>
+                      <a:srgbClr val="F0AD4E"/>
+                    </a:solidFill>
+                  </a:tcPr>
                 </a:tc>
                 <a:tc>
                   <a:txBody>
@@ -7636,12 +7595,39 @@
                       <a:pPr algn="ctr"/>
                       <a:r>
                         <a:rPr lang="pt-BR" sz="2400" dirty="0"/>
-                        <a:t>Geração</a:t>
+                        <a:t>Média Primeira Melhor Geração</a:t>
                       </a:r>
                       <a:endParaRPr lang="en-US" sz="2400" dirty="0"/>
                     </a:p>
                   </a:txBody>
-                  <a:tcPr/>
+                  <a:tcPr anchor="ctr">
+                    <a:solidFill>
+                      <a:srgbClr val="F0AD4E"/>
+                    </a:solidFill>
+                  </a:tcPr>
+                </a:tc>
+                <a:tc>
+                  <a:txBody>
+                    <a:bodyPr/>
+                    <a:lstStyle/>
+                    <a:p>
+                      <a:pPr algn="ctr"/>
+                      <a:r>
+                        <a:rPr lang="pt-BR" sz="2400" strike="noStrike" dirty="0"/>
+                        <a:t>Média Pior </a:t>
+                      </a:r>
+                      <a:r>
+                        <a:rPr lang="pt-BR" sz="2400" strike="noStrike" baseline="0" dirty="0"/>
+                        <a:t>Fitness</a:t>
+                      </a:r>
+                      <a:endParaRPr lang="en-US" sz="2400" strike="noStrike" dirty="0"/>
+                    </a:p>
+                  </a:txBody>
+                  <a:tcPr anchor="ctr">
+                    <a:solidFill>
+                      <a:srgbClr val="F0AD4E"/>
+                    </a:solidFill>
+                  </a:tcPr>
                 </a:tc>
                 <a:tc>
                   <a:txBody>
@@ -7651,26 +7637,7 @@
                       <a:pPr algn="ctr"/>
                       <a:r>
                         <a:rPr lang="pt-BR" sz="2400" dirty="0"/>
-                        <a:t>Menor </a:t>
-                      </a:r>
-                      <a:r>
-                        <a:rPr lang="pt-BR" sz="2400" baseline="0" dirty="0"/>
-                        <a:t>Fitness</a:t>
-                      </a:r>
-                      <a:endParaRPr lang="en-US" sz="2400" dirty="0"/>
-                    </a:p>
-                  </a:txBody>
-                  <a:tcPr/>
-                </a:tc>
-                <a:tc>
-                  <a:txBody>
-                    <a:bodyPr/>
-                    <a:lstStyle/>
-                    <a:p>
-                      <a:pPr algn="ctr"/>
-                      <a:r>
-                        <a:rPr lang="pt-BR" sz="2400" dirty="0"/>
-                        <a:t>Maior</a:t>
+                        <a:t>Média Melhor</a:t>
                       </a:r>
                       <a:r>
                         <a:rPr lang="pt-BR" sz="2400" baseline="0" dirty="0"/>
@@ -7683,7 +7650,11 @@
                       <a:endParaRPr lang="en-US" sz="2400" dirty="0"/>
                     </a:p>
                   </a:txBody>
-                  <a:tcPr/>
+                  <a:tcPr anchor="ctr">
+                    <a:solidFill>
+                      <a:srgbClr val="F0AD4E"/>
+                    </a:solidFill>
+                  </a:tcPr>
                 </a:tc>
                 <a:extLst>
                   <a:ext uri="{0D108BD9-81ED-4DB2-BD59-A6C34878D82A}">
@@ -7691,7 +7662,7 @@
                   </a:ext>
                 </a:extLst>
               </a:tr>
-              <a:tr h="437882">
+              <a:tr h="535409">
                 <a:tc>
                   <a:txBody>
                     <a:bodyPr/>
@@ -7699,18 +7670,21 @@
                     <a:p>
                       <a:pPr algn="ctr" fontAlgn="b"/>
                       <a:r>
-                        <a:rPr lang="en-US" sz="2400" b="0" i="0" u="none" strike="noStrike" dirty="0">
-                          <a:solidFill>
-                            <a:schemeClr val="tx1"/>
-                          </a:solidFill>
+                        <a:rPr lang="en-US" sz="2400" u="none" strike="noStrike" dirty="0">
                           <a:effectLst/>
-                          <a:latin typeface="Calibri" panose="020F0502020204030204" pitchFamily="34" charset="0"/>
                         </a:rPr>
-                        <a:t>5, 50</a:t>
+                        <a:t>5 : 50</a:t>
                       </a:r>
+                      <a:endParaRPr lang="en-US" sz="2400" b="0" i="0" u="none" strike="noStrike" dirty="0">
+                        <a:solidFill>
+                          <a:schemeClr val="tx1"/>
+                        </a:solidFill>
+                        <a:effectLst/>
+                        <a:latin typeface="Calibri" panose="020F0502020204030204" pitchFamily="34" charset="0"/>
+                      </a:endParaRPr>
                     </a:p>
                   </a:txBody>
-                  <a:tcPr marL="9525" marR="9525" marT="9525" marB="0" anchor="b"/>
+                  <a:tcPr marL="9525" marR="9525" marT="9525" marB="0" anchor="ctr"/>
                 </a:tc>
                 <a:tc>
                   <a:txBody>
@@ -7719,18 +7693,21 @@
                     <a:p>
                       <a:pPr algn="ctr" fontAlgn="b"/>
                       <a:r>
-                        <a:rPr lang="en-US" sz="2400" b="0" i="0" u="none" strike="noStrike" dirty="0">
-                          <a:solidFill>
-                            <a:schemeClr val="tx1"/>
-                          </a:solidFill>
+                        <a:rPr lang="en-US" sz="2400" u="none" strike="noStrike" dirty="0">
                           <a:effectLst/>
-                          <a:latin typeface="Calibri" panose="020F0502020204030204" pitchFamily="34" charset="0"/>
                         </a:rPr>
                         <a:t>19</a:t>
                       </a:r>
+                      <a:endParaRPr lang="en-US" sz="2400" b="0" i="0" u="none" strike="noStrike" dirty="0">
+                        <a:solidFill>
+                          <a:schemeClr val="tx1"/>
+                        </a:solidFill>
+                        <a:effectLst/>
+                        <a:latin typeface="Calibri" panose="020F0502020204030204" pitchFamily="34" charset="0"/>
+                      </a:endParaRPr>
                     </a:p>
                   </a:txBody>
-                  <a:tcPr marL="9525" marR="9525" marT="9525" marB="0" anchor="b"/>
+                  <a:tcPr marL="9525" marR="9525" marT="9525" marB="0" anchor="ctr"/>
                 </a:tc>
                 <a:tc>
                   <a:txBody>
@@ -7739,18 +7716,21 @@
                     <a:p>
                       <a:pPr algn="ctr" fontAlgn="b"/>
                       <a:r>
-                        <a:rPr lang="en-US" sz="2400" b="0" i="0" u="none" strike="noStrike" dirty="0">
-                          <a:solidFill>
-                            <a:schemeClr val="tx1"/>
-                          </a:solidFill>
+                        <a:rPr lang="en-US" sz="2400" u="none" strike="noStrike" dirty="0">
                           <a:effectLst/>
-                          <a:latin typeface="Calibri" panose="020F0502020204030204" pitchFamily="34" charset="0"/>
                         </a:rPr>
                         <a:t>58.86%</a:t>
                       </a:r>
+                      <a:endParaRPr lang="en-US" sz="2400" b="0" i="0" u="none" strike="noStrike" dirty="0">
+                        <a:solidFill>
+                          <a:schemeClr val="tx1"/>
+                        </a:solidFill>
+                        <a:effectLst/>
+                        <a:latin typeface="Calibri" panose="020F0502020204030204" pitchFamily="34" charset="0"/>
+                      </a:endParaRPr>
                     </a:p>
                   </a:txBody>
-                  <a:tcPr marL="9525" marR="9525" marT="9525" marB="0" anchor="b"/>
+                  <a:tcPr marL="9525" marR="9525" marT="9525" marB="0" anchor="ctr"/>
                 </a:tc>
                 <a:tc>
                   <a:txBody>
@@ -7759,18 +7739,21 @@
                     <a:p>
                       <a:pPr algn="ctr" fontAlgn="b"/>
                       <a:r>
-                        <a:rPr lang="en-US" sz="2400" b="0" i="0" u="none" strike="noStrike" dirty="0">
-                          <a:solidFill>
-                            <a:schemeClr val="tx1"/>
-                          </a:solidFill>
+                        <a:rPr lang="en-US" sz="2400" u="none" strike="noStrike" dirty="0">
                           <a:effectLst/>
-                          <a:latin typeface="Calibri" panose="020F0502020204030204" pitchFamily="34" charset="0"/>
                         </a:rPr>
                         <a:t>98.24%</a:t>
                       </a:r>
+                      <a:endParaRPr lang="en-US" sz="2400" b="0" i="0" u="none" strike="noStrike" dirty="0">
+                        <a:solidFill>
+                          <a:schemeClr val="tx1"/>
+                        </a:solidFill>
+                        <a:effectLst/>
+                        <a:latin typeface="Calibri" panose="020F0502020204030204" pitchFamily="34" charset="0"/>
+                      </a:endParaRPr>
                     </a:p>
                   </a:txBody>
-                  <a:tcPr marL="9525" marR="9525" marT="9525" marB="0" anchor="b"/>
+                  <a:tcPr marL="9525" marR="9525" marT="9525" marB="0" anchor="ctr"/>
                 </a:tc>
                 <a:extLst>
                   <a:ext uri="{0D108BD9-81ED-4DB2-BD59-A6C34878D82A}">
@@ -7778,7 +7761,7 @@
                   </a:ext>
                 </a:extLst>
               </a:tr>
-              <a:tr h="437882">
+              <a:tr h="535409">
                 <a:tc>
                   <a:txBody>
                     <a:bodyPr/>
@@ -7786,18 +7769,21 @@
                     <a:p>
                       <a:pPr algn="ctr" fontAlgn="b"/>
                       <a:r>
-                        <a:rPr lang="en-US" sz="2400" b="0" i="0" u="none" strike="noStrike" dirty="0">
-                          <a:solidFill>
-                            <a:schemeClr val="tx1"/>
-                          </a:solidFill>
+                        <a:rPr lang="en-US" sz="2400" u="none" strike="noStrike" dirty="0">
                           <a:effectLst/>
-                          <a:latin typeface="Calibri" panose="020F0502020204030204" pitchFamily="34" charset="0"/>
                         </a:rPr>
-                        <a:t>5, 1000</a:t>
+                        <a:t>5 : 1000</a:t>
                       </a:r>
+                      <a:endParaRPr lang="en-US" sz="2400" b="0" i="0" u="none" strike="noStrike" dirty="0">
+                        <a:solidFill>
+                          <a:schemeClr val="tx1"/>
+                        </a:solidFill>
+                        <a:effectLst/>
+                        <a:latin typeface="Calibri" panose="020F0502020204030204" pitchFamily="34" charset="0"/>
+                      </a:endParaRPr>
                     </a:p>
                   </a:txBody>
-                  <a:tcPr marL="9525" marR="9525" marT="9525" marB="0" anchor="b"/>
+                  <a:tcPr marL="9525" marR="9525" marT="9525" marB="0" anchor="ctr"/>
                 </a:tc>
                 <a:tc>
                   <a:txBody>
@@ -7806,18 +7792,21 @@
                     <a:p>
                       <a:pPr algn="ctr" fontAlgn="b"/>
                       <a:r>
-                        <a:rPr lang="en-US" sz="2400" b="0" i="0" u="none" strike="noStrike" dirty="0">
-                          <a:solidFill>
-                            <a:schemeClr val="tx1"/>
-                          </a:solidFill>
+                        <a:rPr lang="en-US" sz="2400" u="none" strike="noStrike" dirty="0">
                           <a:effectLst/>
-                          <a:latin typeface="Calibri" panose="020F0502020204030204" pitchFamily="34" charset="0"/>
                         </a:rPr>
                         <a:t>464</a:t>
                       </a:r>
+                      <a:endParaRPr lang="en-US" sz="2400" b="0" i="0" u="none" strike="noStrike" dirty="0">
+                        <a:solidFill>
+                          <a:schemeClr val="tx1"/>
+                        </a:solidFill>
+                        <a:effectLst/>
+                        <a:latin typeface="Calibri" panose="020F0502020204030204" pitchFamily="34" charset="0"/>
+                      </a:endParaRPr>
                     </a:p>
                   </a:txBody>
-                  <a:tcPr marL="9525" marR="9525" marT="9525" marB="0" anchor="b"/>
+                  <a:tcPr marL="9525" marR="9525" marT="9525" marB="0" anchor="ctr"/>
                 </a:tc>
                 <a:tc>
                   <a:txBody>
@@ -7826,18 +7815,21 @@
                     <a:p>
                       <a:pPr algn="ctr" fontAlgn="b"/>
                       <a:r>
-                        <a:rPr lang="en-US" sz="2400" b="0" i="0" u="none" strike="noStrike" dirty="0">
-                          <a:solidFill>
-                            <a:schemeClr val="tx1"/>
-                          </a:solidFill>
+                        <a:rPr lang="en-US" sz="2400" u="none" strike="noStrike" dirty="0">
                           <a:effectLst/>
-                          <a:latin typeface="Calibri" panose="020F0502020204030204" pitchFamily="34" charset="0"/>
                         </a:rPr>
                         <a:t>58.33%</a:t>
                       </a:r>
+                      <a:endParaRPr lang="en-US" sz="2400" b="0" i="0" u="none" strike="noStrike" dirty="0">
+                        <a:solidFill>
+                          <a:schemeClr val="tx1"/>
+                        </a:solidFill>
+                        <a:effectLst/>
+                        <a:latin typeface="Calibri" panose="020F0502020204030204" pitchFamily="34" charset="0"/>
+                      </a:endParaRPr>
                     </a:p>
                   </a:txBody>
-                  <a:tcPr marL="9525" marR="9525" marT="9525" marB="0" anchor="b"/>
+                  <a:tcPr marL="9525" marR="9525" marT="9525" marB="0" anchor="ctr"/>
                 </a:tc>
                 <a:tc>
                   <a:txBody>
@@ -7846,18 +7838,21 @@
                     <a:p>
                       <a:pPr algn="ctr" fontAlgn="b"/>
                       <a:r>
-                        <a:rPr lang="en-US" sz="2400" b="0" i="0" u="none" strike="noStrike" dirty="0">
-                          <a:solidFill>
-                            <a:schemeClr val="tx1"/>
-                          </a:solidFill>
+                        <a:rPr lang="en-US" sz="2400" u="none" strike="noStrike" dirty="0">
                           <a:effectLst/>
-                          <a:latin typeface="Calibri" panose="020F0502020204030204" pitchFamily="34" charset="0"/>
                         </a:rPr>
                         <a:t>99.92%</a:t>
                       </a:r>
+                      <a:endParaRPr lang="en-US" sz="2400" b="0" i="0" u="none" strike="noStrike" dirty="0">
+                        <a:solidFill>
+                          <a:schemeClr val="tx1"/>
+                        </a:solidFill>
+                        <a:effectLst/>
+                        <a:latin typeface="Calibri" panose="020F0502020204030204" pitchFamily="34" charset="0"/>
+                      </a:endParaRPr>
                     </a:p>
                   </a:txBody>
-                  <a:tcPr marL="9525" marR="9525" marT="9525" marB="0" anchor="b"/>
+                  <a:tcPr marL="9525" marR="9525" marT="9525" marB="0" anchor="ctr"/>
                 </a:tc>
                 <a:extLst>
                   <a:ext uri="{0D108BD9-81ED-4DB2-BD59-A6C34878D82A}">
@@ -7865,7 +7860,7 @@
                   </a:ext>
                 </a:extLst>
               </a:tr>
-              <a:tr h="437882">
+              <a:tr h="535409">
                 <a:tc>
                   <a:txBody>
                     <a:bodyPr/>
@@ -7873,18 +7868,21 @@
                     <a:p>
                       <a:pPr algn="ctr" fontAlgn="b"/>
                       <a:r>
-                        <a:rPr lang="en-US" sz="2400" b="0" i="0" u="none" strike="noStrike">
-                          <a:solidFill>
-                            <a:schemeClr val="tx1"/>
-                          </a:solidFill>
+                        <a:rPr lang="en-US" sz="2400" u="none" strike="noStrike" dirty="0">
                           <a:effectLst/>
-                          <a:latin typeface="Calibri" panose="020F0502020204030204" pitchFamily="34" charset="0"/>
                         </a:rPr>
-                        <a:t>50, 50</a:t>
+                        <a:t>50 : 50</a:t>
                       </a:r>
+                      <a:endParaRPr lang="en-US" sz="2400" b="0" i="0" u="none" strike="noStrike" dirty="0">
+                        <a:solidFill>
+                          <a:schemeClr val="tx1"/>
+                        </a:solidFill>
+                        <a:effectLst/>
+                        <a:latin typeface="Calibri" panose="020F0502020204030204" pitchFamily="34" charset="0"/>
+                      </a:endParaRPr>
                     </a:p>
                   </a:txBody>
-                  <a:tcPr marL="9525" marR="9525" marT="9525" marB="0" anchor="b"/>
+                  <a:tcPr marL="9525" marR="9525" marT="9525" marB="0" anchor="ctr"/>
                 </a:tc>
                 <a:tc>
                   <a:txBody>
@@ -7893,18 +7891,21 @@
                     <a:p>
                       <a:pPr algn="ctr" fontAlgn="b"/>
                       <a:r>
-                        <a:rPr lang="en-US" sz="2400" b="0" i="0" u="none" strike="noStrike" dirty="0">
-                          <a:solidFill>
-                            <a:schemeClr val="tx1"/>
-                          </a:solidFill>
+                        <a:rPr lang="en-US" sz="2400" u="none" strike="noStrike" dirty="0">
                           <a:effectLst/>
-                          <a:latin typeface="Calibri" panose="020F0502020204030204" pitchFamily="34" charset="0"/>
                         </a:rPr>
                         <a:t>18</a:t>
                       </a:r>
+                      <a:endParaRPr lang="en-US" sz="2400" b="0" i="0" u="none" strike="noStrike" dirty="0">
+                        <a:solidFill>
+                          <a:schemeClr val="tx1"/>
+                        </a:solidFill>
+                        <a:effectLst/>
+                        <a:latin typeface="Calibri" panose="020F0502020204030204" pitchFamily="34" charset="0"/>
+                      </a:endParaRPr>
                     </a:p>
                   </a:txBody>
-                  <a:tcPr marL="9525" marR="9525" marT="9525" marB="0" anchor="b"/>
+                  <a:tcPr marL="9525" marR="9525" marT="9525" marB="0" anchor="ctr"/>
                 </a:tc>
                 <a:tc>
                   <a:txBody>
@@ -7913,18 +7914,21 @@
                     <a:p>
                       <a:pPr algn="ctr" fontAlgn="b"/>
                       <a:r>
-                        <a:rPr lang="en-US" sz="2400" b="0" i="0" u="none" strike="noStrike" dirty="0">
-                          <a:solidFill>
-                            <a:schemeClr val="tx1"/>
-                          </a:solidFill>
+                        <a:rPr lang="en-US" sz="2400" u="none" strike="noStrike" dirty="0">
                           <a:effectLst/>
-                          <a:latin typeface="Calibri" panose="020F0502020204030204" pitchFamily="34" charset="0"/>
                         </a:rPr>
                         <a:t>67.59%</a:t>
                       </a:r>
+                      <a:endParaRPr lang="en-US" sz="2400" b="0" i="0" u="none" strike="noStrike" dirty="0">
+                        <a:solidFill>
+                          <a:schemeClr val="tx1"/>
+                        </a:solidFill>
+                        <a:effectLst/>
+                        <a:latin typeface="Calibri" panose="020F0502020204030204" pitchFamily="34" charset="0"/>
+                      </a:endParaRPr>
                     </a:p>
                   </a:txBody>
-                  <a:tcPr marL="9525" marR="9525" marT="9525" marB="0" anchor="b"/>
+                  <a:tcPr marL="9525" marR="9525" marT="9525" marB="0" anchor="ctr"/>
                 </a:tc>
                 <a:tc>
                   <a:txBody>
@@ -7933,18 +7937,21 @@
                     <a:p>
                       <a:pPr algn="ctr" fontAlgn="b"/>
                       <a:r>
-                        <a:rPr lang="en-US" sz="2400" b="0" i="0" u="none" strike="noStrike" dirty="0">
-                          <a:solidFill>
-                            <a:schemeClr val="tx1"/>
-                          </a:solidFill>
+                        <a:rPr lang="en-US" sz="2400" u="none" strike="noStrike" dirty="0">
                           <a:effectLst/>
-                          <a:latin typeface="Calibri" panose="020F0502020204030204" pitchFamily="34" charset="0"/>
                         </a:rPr>
                         <a:t>99.90%</a:t>
                       </a:r>
+                      <a:endParaRPr lang="en-US" sz="2400" b="0" i="0" u="none" strike="noStrike" dirty="0">
+                        <a:solidFill>
+                          <a:schemeClr val="tx1"/>
+                        </a:solidFill>
+                        <a:effectLst/>
+                        <a:latin typeface="Calibri" panose="020F0502020204030204" pitchFamily="34" charset="0"/>
+                      </a:endParaRPr>
                     </a:p>
                   </a:txBody>
-                  <a:tcPr marL="9525" marR="9525" marT="9525" marB="0" anchor="b"/>
+                  <a:tcPr marL="9525" marR="9525" marT="9525" marB="0" anchor="ctr"/>
                 </a:tc>
                 <a:extLst>
                   <a:ext uri="{0D108BD9-81ED-4DB2-BD59-A6C34878D82A}">
@@ -7952,7 +7959,7 @@
                   </a:ext>
                 </a:extLst>
               </a:tr>
-              <a:tr h="437882">
+              <a:tr h="535409">
                 <a:tc>
                   <a:txBody>
                     <a:bodyPr/>
@@ -7960,18 +7967,21 @@
                     <a:p>
                       <a:pPr algn="ctr" fontAlgn="b"/>
                       <a:r>
-                        <a:rPr lang="en-US" sz="2400" b="0" i="0" u="none" strike="noStrike">
-                          <a:solidFill>
-                            <a:schemeClr val="tx1"/>
-                          </a:solidFill>
+                        <a:rPr lang="en-US" sz="2400" u="none" strike="noStrike" dirty="0">
                           <a:effectLst/>
-                          <a:latin typeface="Calibri" panose="020F0502020204030204" pitchFamily="34" charset="0"/>
                         </a:rPr>
-                        <a:t>50, 1000</a:t>
+                        <a:t>50 : 1000</a:t>
                       </a:r>
+                      <a:endParaRPr lang="en-US" sz="2400" b="0" i="0" u="none" strike="noStrike" dirty="0">
+                        <a:solidFill>
+                          <a:schemeClr val="tx1"/>
+                        </a:solidFill>
+                        <a:effectLst/>
+                        <a:latin typeface="Calibri" panose="020F0502020204030204" pitchFamily="34" charset="0"/>
+                      </a:endParaRPr>
                     </a:p>
                   </a:txBody>
-                  <a:tcPr marL="9525" marR="9525" marT="9525" marB="0" anchor="b"/>
+                  <a:tcPr marL="9525" marR="9525" marT="9525" marB="0" anchor="ctr"/>
                 </a:tc>
                 <a:tc>
                   <a:txBody>
@@ -7980,18 +7990,21 @@
                     <a:p>
                       <a:pPr algn="ctr" fontAlgn="b"/>
                       <a:r>
-                        <a:rPr lang="en-US" sz="2400" b="0" i="0" u="none" strike="noStrike" dirty="0">
-                          <a:solidFill>
-                            <a:schemeClr val="tx1"/>
-                          </a:solidFill>
+                        <a:rPr lang="en-US" sz="2400" u="none" strike="noStrike" dirty="0">
                           <a:effectLst/>
-                          <a:latin typeface="Calibri" panose="020F0502020204030204" pitchFamily="34" charset="0"/>
                         </a:rPr>
                         <a:t>430</a:t>
                       </a:r>
+                      <a:endParaRPr lang="en-US" sz="2400" b="0" i="0" u="none" strike="noStrike" dirty="0">
+                        <a:solidFill>
+                          <a:schemeClr val="tx1"/>
+                        </a:solidFill>
+                        <a:effectLst/>
+                        <a:latin typeface="Calibri" panose="020F0502020204030204" pitchFamily="34" charset="0"/>
+                      </a:endParaRPr>
                     </a:p>
                   </a:txBody>
-                  <a:tcPr marL="9525" marR="9525" marT="9525" marB="0" anchor="b"/>
+                  <a:tcPr marL="9525" marR="9525" marT="9525" marB="0" anchor="ctr"/>
                 </a:tc>
                 <a:tc>
                   <a:txBody>
@@ -8000,18 +8013,21 @@
                     <a:p>
                       <a:pPr algn="ctr" fontAlgn="b"/>
                       <a:r>
-                        <a:rPr lang="en-US" sz="2400" b="0" i="0" u="none" strike="noStrike" dirty="0">
-                          <a:solidFill>
-                            <a:schemeClr val="tx1"/>
-                          </a:solidFill>
+                        <a:rPr lang="en-US" sz="2400" u="none" strike="noStrike" dirty="0">
                           <a:effectLst/>
-                          <a:latin typeface="Calibri" panose="020F0502020204030204" pitchFamily="34" charset="0"/>
                         </a:rPr>
                         <a:t>67.88%</a:t>
                       </a:r>
+                      <a:endParaRPr lang="en-US" sz="2400" b="0" i="0" u="none" strike="noStrike" dirty="0">
+                        <a:solidFill>
+                          <a:schemeClr val="tx1"/>
+                        </a:solidFill>
+                        <a:effectLst/>
+                        <a:latin typeface="Calibri" panose="020F0502020204030204" pitchFamily="34" charset="0"/>
+                      </a:endParaRPr>
                     </a:p>
                   </a:txBody>
-                  <a:tcPr marL="9525" marR="9525" marT="9525" marB="0" anchor="b"/>
+                  <a:tcPr marL="9525" marR="9525" marT="9525" marB="0" anchor="ctr"/>
                 </a:tc>
                 <a:tc>
                   <a:txBody>
@@ -8020,18 +8036,21 @@
                     <a:p>
                       <a:pPr algn="ctr" fontAlgn="b"/>
                       <a:r>
-                        <a:rPr lang="en-US" sz="2400" b="0" i="0" u="none" strike="noStrike" dirty="0">
-                          <a:solidFill>
-                            <a:schemeClr val="tx1"/>
-                          </a:solidFill>
+                        <a:rPr lang="en-US" sz="2400" u="none" strike="noStrike" dirty="0">
                           <a:effectLst/>
-                          <a:latin typeface="Calibri" panose="020F0502020204030204" pitchFamily="34" charset="0"/>
                         </a:rPr>
                         <a:t>99.99%</a:t>
                       </a:r>
+                      <a:endParaRPr lang="en-US" sz="2400" b="0" i="0" u="none" strike="noStrike" dirty="0">
+                        <a:solidFill>
+                          <a:schemeClr val="tx1"/>
+                        </a:solidFill>
+                        <a:effectLst/>
+                        <a:latin typeface="Calibri" panose="020F0502020204030204" pitchFamily="34" charset="0"/>
+                      </a:endParaRPr>
                     </a:p>
                   </a:txBody>
-                  <a:tcPr marL="9525" marR="9525" marT="9525" marB="0" anchor="b"/>
+                  <a:tcPr marL="9525" marR="9525" marT="9525" marB="0" anchor="ctr"/>
                 </a:tc>
                 <a:extLst>
                   <a:ext uri="{0D108BD9-81ED-4DB2-BD59-A6C34878D82A}">
@@ -8039,7 +8058,7 @@
                   </a:ext>
                 </a:extLst>
               </a:tr>
-              <a:tr h="437882">
+              <a:tr h="535409">
                 <a:tc>
                   <a:txBody>
                     <a:bodyPr/>
@@ -8047,18 +8066,21 @@
                     <a:p>
                       <a:pPr algn="ctr" fontAlgn="b"/>
                       <a:r>
-                        <a:rPr lang="en-US" sz="2400" b="0" i="0" u="none" strike="noStrike">
-                          <a:solidFill>
-                            <a:schemeClr val="tx1"/>
-                          </a:solidFill>
+                        <a:rPr lang="en-US" sz="2400" u="none" strike="noStrike" dirty="0">
                           <a:effectLst/>
-                          <a:latin typeface="Calibri" panose="020F0502020204030204" pitchFamily="34" charset="0"/>
                         </a:rPr>
-                        <a:t>100, 50</a:t>
+                        <a:t>100 : 50</a:t>
                       </a:r>
+                      <a:endParaRPr lang="en-US" sz="2400" b="0" i="0" u="none" strike="noStrike" dirty="0">
+                        <a:solidFill>
+                          <a:schemeClr val="tx1"/>
+                        </a:solidFill>
+                        <a:effectLst/>
+                        <a:latin typeface="Calibri" panose="020F0502020204030204" pitchFamily="34" charset="0"/>
+                      </a:endParaRPr>
                     </a:p>
                   </a:txBody>
-                  <a:tcPr marL="9525" marR="9525" marT="9525" marB="0" anchor="b"/>
+                  <a:tcPr marL="9525" marR="9525" marT="9525" marB="0" anchor="ctr"/>
                 </a:tc>
                 <a:tc>
                   <a:txBody>
@@ -8067,18 +8089,21 @@
                     <a:p>
                       <a:pPr algn="ctr" fontAlgn="b"/>
                       <a:r>
-                        <a:rPr lang="en-US" sz="2400" b="0" i="0" u="none" strike="noStrike">
-                          <a:solidFill>
-                            <a:schemeClr val="tx1"/>
-                          </a:solidFill>
+                        <a:rPr lang="en-US" sz="2400" u="none" strike="noStrike">
                           <a:effectLst/>
-                          <a:latin typeface="Calibri" panose="020F0502020204030204" pitchFamily="34" charset="0"/>
                         </a:rPr>
                         <a:t>19</a:t>
                       </a:r>
+                      <a:endParaRPr lang="en-US" sz="2400" b="0" i="0" u="none" strike="noStrike">
+                        <a:solidFill>
+                          <a:schemeClr val="tx1"/>
+                        </a:solidFill>
+                        <a:effectLst/>
+                        <a:latin typeface="Calibri" panose="020F0502020204030204" pitchFamily="34" charset="0"/>
+                      </a:endParaRPr>
                     </a:p>
                   </a:txBody>
-                  <a:tcPr marL="9525" marR="9525" marT="9525" marB="0" anchor="b"/>
+                  <a:tcPr marL="9525" marR="9525" marT="9525" marB="0" anchor="ctr"/>
                 </a:tc>
                 <a:tc>
                   <a:txBody>
@@ -8087,18 +8112,21 @@
                     <a:p>
                       <a:pPr algn="ctr" fontAlgn="b"/>
                       <a:r>
-                        <a:rPr lang="en-US" sz="2400" b="0" i="0" u="none" strike="noStrike" dirty="0">
-                          <a:solidFill>
-                            <a:schemeClr val="tx1"/>
-                          </a:solidFill>
+                        <a:rPr lang="en-US" sz="2400" u="none" strike="noStrike" dirty="0">
                           <a:effectLst/>
-                          <a:latin typeface="Calibri" panose="020F0502020204030204" pitchFamily="34" charset="0"/>
                         </a:rPr>
                         <a:t>74.71%</a:t>
                       </a:r>
+                      <a:endParaRPr lang="en-US" sz="2400" b="0" i="0" u="none" strike="noStrike" dirty="0">
+                        <a:solidFill>
+                          <a:schemeClr val="tx1"/>
+                        </a:solidFill>
+                        <a:effectLst/>
+                        <a:latin typeface="Calibri" panose="020F0502020204030204" pitchFamily="34" charset="0"/>
+                      </a:endParaRPr>
                     </a:p>
                   </a:txBody>
-                  <a:tcPr marL="9525" marR="9525" marT="9525" marB="0" anchor="b"/>
+                  <a:tcPr marL="9525" marR="9525" marT="9525" marB="0" anchor="ctr"/>
                 </a:tc>
                 <a:tc>
                   <a:txBody>
@@ -8107,18 +8135,21 @@
                     <a:p>
                       <a:pPr algn="ctr" fontAlgn="b"/>
                       <a:r>
-                        <a:rPr lang="en-US" sz="2400" b="0" i="0" u="none" strike="noStrike" dirty="0">
-                          <a:solidFill>
-                            <a:schemeClr val="tx1"/>
-                          </a:solidFill>
+                        <a:rPr lang="en-US" sz="2400" u="none" strike="noStrike" dirty="0">
                           <a:effectLst/>
-                          <a:latin typeface="Calibri" panose="020F0502020204030204" pitchFamily="34" charset="0"/>
                         </a:rPr>
                         <a:t>99.92%</a:t>
                       </a:r>
+                      <a:endParaRPr lang="en-US" sz="2400" b="0" i="0" u="none" strike="noStrike" dirty="0">
+                        <a:solidFill>
+                          <a:schemeClr val="tx1"/>
+                        </a:solidFill>
+                        <a:effectLst/>
+                        <a:latin typeface="Calibri" panose="020F0502020204030204" pitchFamily="34" charset="0"/>
+                      </a:endParaRPr>
                     </a:p>
                   </a:txBody>
-                  <a:tcPr marL="9525" marR="9525" marT="9525" marB="0" anchor="b"/>
+                  <a:tcPr marL="9525" marR="9525" marT="9525" marB="0" anchor="ctr"/>
                 </a:tc>
                 <a:extLst>
                   <a:ext uri="{0D108BD9-81ED-4DB2-BD59-A6C34878D82A}">
@@ -8126,7 +8157,7 @@
                   </a:ext>
                 </a:extLst>
               </a:tr>
-              <a:tr h="437882">
+              <a:tr h="535409">
                 <a:tc>
                   <a:txBody>
                     <a:bodyPr/>
@@ -8134,18 +8165,21 @@
                     <a:p>
                       <a:pPr algn="ctr" fontAlgn="b"/>
                       <a:r>
-                        <a:rPr lang="en-US" sz="2400" b="0" i="0" u="none" strike="noStrike">
-                          <a:solidFill>
-                            <a:schemeClr val="tx1"/>
-                          </a:solidFill>
+                        <a:rPr lang="en-US" sz="2400" u="none" strike="noStrike" dirty="0">
                           <a:effectLst/>
-                          <a:latin typeface="Calibri" panose="020F0502020204030204" pitchFamily="34" charset="0"/>
                         </a:rPr>
-                        <a:t>100, 1000</a:t>
+                        <a:t>100 : 1000</a:t>
                       </a:r>
+                      <a:endParaRPr lang="en-US" sz="2400" b="0" i="0" u="none" strike="noStrike" dirty="0">
+                        <a:solidFill>
+                          <a:schemeClr val="tx1"/>
+                        </a:solidFill>
+                        <a:effectLst/>
+                        <a:latin typeface="Calibri" panose="020F0502020204030204" pitchFamily="34" charset="0"/>
+                      </a:endParaRPr>
                     </a:p>
                   </a:txBody>
-                  <a:tcPr marL="9525" marR="9525" marT="9525" marB="0" anchor="b"/>
+                  <a:tcPr marL="9525" marR="9525" marT="9525" marB="0" anchor="ctr"/>
                 </a:tc>
                 <a:tc>
                   <a:txBody>
@@ -8154,18 +8188,21 @@
                     <a:p>
                       <a:pPr algn="ctr" fontAlgn="b"/>
                       <a:r>
-                        <a:rPr lang="en-US" sz="2400" b="0" i="0" u="none" strike="noStrike">
-                          <a:solidFill>
-                            <a:schemeClr val="tx1"/>
-                          </a:solidFill>
+                        <a:rPr lang="en-US" sz="2400" u="none" strike="noStrike">
                           <a:effectLst/>
-                          <a:latin typeface="Calibri" panose="020F0502020204030204" pitchFamily="34" charset="0"/>
                         </a:rPr>
                         <a:t>514</a:t>
                       </a:r>
+                      <a:endParaRPr lang="en-US" sz="2400" b="0" i="0" u="none" strike="noStrike">
+                        <a:solidFill>
+                          <a:schemeClr val="tx1"/>
+                        </a:solidFill>
+                        <a:effectLst/>
+                        <a:latin typeface="Calibri" panose="020F0502020204030204" pitchFamily="34" charset="0"/>
+                      </a:endParaRPr>
                     </a:p>
                   </a:txBody>
-                  <a:tcPr marL="9525" marR="9525" marT="9525" marB="0" anchor="b"/>
+                  <a:tcPr marL="9525" marR="9525" marT="9525" marB="0" anchor="ctr"/>
                 </a:tc>
                 <a:tc>
                   <a:txBody>
@@ -8174,18 +8211,21 @@
                     <a:p>
                       <a:pPr algn="ctr" fontAlgn="b"/>
                       <a:r>
-                        <a:rPr lang="en-US" sz="2400" b="0" i="0" u="none" strike="noStrike" dirty="0">
-                          <a:solidFill>
-                            <a:schemeClr val="tx1"/>
-                          </a:solidFill>
+                        <a:rPr lang="en-US" sz="2400" u="none" strike="noStrike" dirty="0">
                           <a:effectLst/>
-                          <a:latin typeface="Calibri" panose="020F0502020204030204" pitchFamily="34" charset="0"/>
                         </a:rPr>
                         <a:t>74.81%</a:t>
                       </a:r>
+                      <a:endParaRPr lang="en-US" sz="2400" b="0" i="0" u="none" strike="noStrike" dirty="0">
+                        <a:solidFill>
+                          <a:schemeClr val="tx1"/>
+                        </a:solidFill>
+                        <a:effectLst/>
+                        <a:latin typeface="Calibri" panose="020F0502020204030204" pitchFamily="34" charset="0"/>
+                      </a:endParaRPr>
                     </a:p>
                   </a:txBody>
-                  <a:tcPr marL="9525" marR="9525" marT="9525" marB="0" anchor="b"/>
+                  <a:tcPr marL="9525" marR="9525" marT="9525" marB="0" anchor="ctr"/>
                 </a:tc>
                 <a:tc>
                   <a:txBody>
@@ -8194,18 +8234,21 @@
                     <a:p>
                       <a:pPr algn="ctr" fontAlgn="b"/>
                       <a:r>
-                        <a:rPr lang="en-US" sz="2400" b="0" i="0" u="none" strike="noStrike" dirty="0">
-                          <a:solidFill>
-                            <a:schemeClr val="tx1"/>
-                          </a:solidFill>
+                        <a:rPr lang="en-US" sz="2400" u="none" strike="noStrike" dirty="0">
                           <a:effectLst/>
-                          <a:latin typeface="Calibri" panose="020F0502020204030204" pitchFamily="34" charset="0"/>
                         </a:rPr>
                         <a:t>99.99%</a:t>
                       </a:r>
+                      <a:endParaRPr lang="en-US" sz="2400" b="0" i="0" u="none" strike="noStrike" dirty="0">
+                        <a:solidFill>
+                          <a:schemeClr val="tx1"/>
+                        </a:solidFill>
+                        <a:effectLst/>
+                        <a:latin typeface="Calibri" panose="020F0502020204030204" pitchFamily="34" charset="0"/>
+                      </a:endParaRPr>
                     </a:p>
                   </a:txBody>
-                  <a:tcPr marL="9525" marR="9525" marT="9525" marB="0" anchor="b"/>
+                  <a:tcPr marL="9525" marR="9525" marT="9525" marB="0" anchor="ctr"/>
                 </a:tc>
                 <a:extLst>
                   <a:ext uri="{0D108BD9-81ED-4DB2-BD59-A6C34878D82A}">
@@ -8213,7 +8256,7 @@
                   </a:ext>
                 </a:extLst>
               </a:tr>
-              <a:tr h="437882">
+              <a:tr h="535409">
                 <a:tc>
                   <a:txBody>
                     <a:bodyPr/>
@@ -8221,18 +8264,27 @@
                     <a:p>
                       <a:pPr algn="ctr" fontAlgn="b"/>
                       <a:r>
-                        <a:rPr lang="en-US" sz="2400" b="0" i="0" u="none" strike="noStrike">
-                          <a:solidFill>
-                            <a:schemeClr val="tx1"/>
-                          </a:solidFill>
+                        <a:rPr lang="en-US" sz="2400" u="none" strike="noStrike">
                           <a:effectLst/>
-                          <a:latin typeface="Calibri" panose="020F0502020204030204" pitchFamily="34" charset="0"/>
                         </a:rPr>
-                        <a:t>500, 50</a:t>
+                        <a:t>500 : </a:t>
                       </a:r>
+                      <a:r>
+                        <a:rPr lang="en-US" sz="2400" u="none" strike="noStrike" dirty="0">
+                          <a:effectLst/>
+                        </a:rPr>
+                        <a:t>50</a:t>
+                      </a:r>
+                      <a:endParaRPr lang="en-US" sz="2400" b="0" i="0" u="none" strike="noStrike" dirty="0">
+                        <a:solidFill>
+                          <a:schemeClr val="tx1"/>
+                        </a:solidFill>
+                        <a:effectLst/>
+                        <a:latin typeface="Calibri" panose="020F0502020204030204" pitchFamily="34" charset="0"/>
+                      </a:endParaRPr>
                     </a:p>
                   </a:txBody>
-                  <a:tcPr marL="9525" marR="9525" marT="9525" marB="0" anchor="b"/>
+                  <a:tcPr marL="9525" marR="9525" marT="9525" marB="0" anchor="ctr"/>
                 </a:tc>
                 <a:tc>
                   <a:txBody>
@@ -8241,18 +8293,21 @@
                     <a:p>
                       <a:pPr algn="ctr" fontAlgn="b"/>
                       <a:r>
-                        <a:rPr lang="en-US" sz="2400" b="0" i="0" u="none" strike="noStrike">
-                          <a:solidFill>
-                            <a:schemeClr val="tx1"/>
-                          </a:solidFill>
+                        <a:rPr lang="en-US" sz="2400" u="none" strike="noStrike">
                           <a:effectLst/>
-                          <a:latin typeface="Calibri" panose="020F0502020204030204" pitchFamily="34" charset="0"/>
                         </a:rPr>
                         <a:t>13</a:t>
                       </a:r>
+                      <a:endParaRPr lang="en-US" sz="2400" b="0" i="0" u="none" strike="noStrike">
+                        <a:solidFill>
+                          <a:schemeClr val="tx1"/>
+                        </a:solidFill>
+                        <a:effectLst/>
+                        <a:latin typeface="Calibri" panose="020F0502020204030204" pitchFamily="34" charset="0"/>
+                      </a:endParaRPr>
                     </a:p>
                   </a:txBody>
-                  <a:tcPr marL="9525" marR="9525" marT="9525" marB="0" anchor="b"/>
+                  <a:tcPr marL="9525" marR="9525" marT="9525" marB="0" anchor="ctr"/>
                 </a:tc>
                 <a:tc>
                   <a:txBody>
@@ -8261,18 +8316,21 @@
                     <a:p>
                       <a:pPr algn="ctr" fontAlgn="b"/>
                       <a:r>
-                        <a:rPr lang="en-US" sz="2400" b="0" i="0" u="none" strike="noStrike" dirty="0">
-                          <a:solidFill>
-                            <a:schemeClr val="tx1"/>
-                          </a:solidFill>
+                        <a:rPr lang="en-US" sz="2400" u="none" strike="noStrike" dirty="0">
                           <a:effectLst/>
-                          <a:latin typeface="Calibri" panose="020F0502020204030204" pitchFamily="34" charset="0"/>
                         </a:rPr>
                         <a:t>74.62%</a:t>
                       </a:r>
+                      <a:endParaRPr lang="en-US" sz="2400" b="0" i="0" u="none" strike="noStrike" dirty="0">
+                        <a:solidFill>
+                          <a:schemeClr val="tx1"/>
+                        </a:solidFill>
+                        <a:effectLst/>
+                        <a:latin typeface="Calibri" panose="020F0502020204030204" pitchFamily="34" charset="0"/>
+                      </a:endParaRPr>
                     </a:p>
                   </a:txBody>
-                  <a:tcPr marL="9525" marR="9525" marT="9525" marB="0" anchor="b"/>
+                  <a:tcPr marL="9525" marR="9525" marT="9525" marB="0" anchor="ctr"/>
                 </a:tc>
                 <a:tc>
                   <a:txBody>
@@ -8281,18 +8339,21 @@
                     <a:p>
                       <a:pPr algn="ctr" fontAlgn="b"/>
                       <a:r>
-                        <a:rPr lang="en-US" sz="2400" b="0" i="0" u="none" strike="noStrike" dirty="0">
-                          <a:solidFill>
-                            <a:schemeClr val="tx1"/>
-                          </a:solidFill>
+                        <a:rPr lang="en-US" sz="2400" u="none" strike="noStrike" dirty="0">
                           <a:effectLst/>
-                          <a:latin typeface="Calibri" panose="020F0502020204030204" pitchFamily="34" charset="0"/>
                         </a:rPr>
                         <a:t>99.90%</a:t>
                       </a:r>
+                      <a:endParaRPr lang="en-US" sz="2400" b="0" i="0" u="none" strike="noStrike" dirty="0">
+                        <a:solidFill>
+                          <a:schemeClr val="tx1"/>
+                        </a:solidFill>
+                        <a:effectLst/>
+                        <a:latin typeface="Calibri" panose="020F0502020204030204" pitchFamily="34" charset="0"/>
+                      </a:endParaRPr>
                     </a:p>
                   </a:txBody>
-                  <a:tcPr marL="9525" marR="9525" marT="9525" marB="0" anchor="b"/>
+                  <a:tcPr marL="9525" marR="9525" marT="9525" marB="0" anchor="ctr"/>
                 </a:tc>
                 <a:extLst>
                   <a:ext uri="{0D108BD9-81ED-4DB2-BD59-A6C34878D82A}">
